--- a/slides/dailyannouncements_mf.pptx
+++ b/slides/dailyannouncements_mf.pptx
@@ -5,20 +5,21 @@
     <p:sldMasterId id="2147483728" r:id="rId1"/>
   </p:sldMasterIdLst>
   <p:notesMasterIdLst>
-    <p:notesMasterId r:id="rId5"/>
+    <p:notesMasterId r:id="rId6"/>
   </p:notesMasterIdLst>
   <p:handoutMasterIdLst>
-    <p:handoutMasterId r:id="rId6"/>
+    <p:handoutMasterId r:id="rId7"/>
   </p:handoutMasterIdLst>
   <p:sldIdLst>
     <p:sldId id="447" r:id="rId2"/>
     <p:sldId id="484" r:id="rId3"/>
     <p:sldId id="402" r:id="rId4"/>
+    <p:sldId id="485" r:id="rId5"/>
   </p:sldIdLst>
   <p:sldSz cx="9144000" cy="6858000" type="screen4x3"/>
   <p:notesSz cx="7315200" cy="9601200"/>
   <p:custDataLst>
-    <p:tags r:id="rId7"/>
+    <p:tags r:id="rId8"/>
   </p:custDataLst>
   <p:defaultTextStyle>
     <a:defPPr>
@@ -1018,7 +1019,7 @@
             <a:fld id="{E4886CB5-510A-4EF6-9466-BC7A8F0DDE87}" type="datetime1">
               <a:rPr lang="en-US" smtClean="0"/>
               <a:pPr/>
-              <a:t>2/8/21</a:t>
+              <a:t>2/10/21</a:t>
             </a:fld>
             <a:endParaRPr lang="en-US"/>
           </a:p>
@@ -1378,7 +1379,7 @@
             <a:fld id="{9B297853-24B4-4D05-83E4-0AD2E86C55E5}" type="datetime1">
               <a:rPr lang="en-US" smtClean="0"/>
               <a:pPr/>
-              <a:t>2/8/21</a:t>
+              <a:t>2/10/21</a:t>
             </a:fld>
             <a:endParaRPr lang="en-US"/>
           </a:p>
@@ -1554,7 +1555,7 @@
             <a:fld id="{01FCDD9E-5768-4705-9537-0C020B1BB310}" type="datetime1">
               <a:rPr lang="en-US" smtClean="0"/>
               <a:pPr/>
-              <a:t>2/8/21</a:t>
+              <a:t>2/10/21</a:t>
             </a:fld>
             <a:endParaRPr lang="en-US"/>
           </a:p>
@@ -1790,7 +1791,7 @@
             <a:fld id="{4257C27E-59C2-41CA-9776-94955CBEE440}" type="datetime1">
               <a:rPr lang="en-US" smtClean="0"/>
               <a:pPr/>
-              <a:t>2/8/21</a:t>
+              <a:t>2/10/21</a:t>
             </a:fld>
             <a:endParaRPr lang="en-US"/>
           </a:p>
@@ -2076,7 +2077,7 @@
             <a:fld id="{03180747-A137-49C6-9C74-AB7EE86F4904}" type="datetime1">
               <a:rPr lang="en-US" smtClean="0"/>
               <a:pPr/>
-              <a:t>2/8/21</a:t>
+              <a:t>2/10/21</a:t>
             </a:fld>
             <a:endParaRPr lang="en-US"/>
           </a:p>
@@ -2297,7 +2298,7 @@
             <a:fld id="{EBBA31D9-ADC1-480D-86A8-1EAFB6A86A35}" type="datetime1">
               <a:rPr lang="en-US" smtClean="0"/>
               <a:pPr/>
-              <a:t>2/8/21</a:t>
+              <a:t>2/10/21</a:t>
             </a:fld>
             <a:endParaRPr lang="en-US"/>
           </a:p>
@@ -2650,7 +2651,7 @@
             <a:fld id="{80AAE9AE-3B2F-4DEA-8C41-BDDF4CDF6F40}" type="datetime1">
               <a:rPr lang="en-US" smtClean="0"/>
               <a:pPr/>
-              <a:t>2/8/21</a:t>
+              <a:t>2/10/21</a:t>
             </a:fld>
             <a:endParaRPr lang="en-US"/>
           </a:p>
@@ -2883,7 +2884,7 @@
             <a:fld id="{48252F7F-E8FE-413B-8521-D4ED924C6DE5}" type="datetime1">
               <a:rPr lang="en-US" smtClean="0"/>
               <a:pPr/>
-              <a:t>2/8/21</a:t>
+              <a:t>2/10/21</a:t>
             </a:fld>
             <a:endParaRPr lang="en-US"/>
           </a:p>
@@ -3025,7 +3026,7 @@
             <a:fld id="{2FF1B124-70E3-4E4A-90E2-6B55DB7659B3}" type="datetime1">
               <a:rPr lang="en-US" smtClean="0"/>
               <a:pPr/>
-              <a:t>2/8/21</a:t>
+              <a:t>2/10/21</a:t>
             </a:fld>
             <a:endParaRPr lang="en-US"/>
           </a:p>
@@ -3303,7 +3304,7 @@
             <a:fld id="{4EBF4C98-3CD6-4C87-BD40-5718C2628835}" type="datetime1">
               <a:rPr lang="en-US" smtClean="0"/>
               <a:pPr/>
-              <a:t>2/8/21</a:t>
+              <a:t>2/10/21</a:t>
             </a:fld>
             <a:endParaRPr lang="en-US"/>
           </a:p>
@@ -3711,7 +3712,7 @@
             <a:fld id="{6D6408A8-6B1B-4CDA-875E-7BEECDBA31DF}" type="datetime1">
               <a:rPr lang="en-US" smtClean="0"/>
               <a:pPr/>
-              <a:t>2/8/21</a:t>
+              <a:t>2/10/21</a:t>
             </a:fld>
             <a:endParaRPr lang="en-US"/>
           </a:p>
@@ -4049,7 +4050,7 @@
             <a:fld id="{C55AAF07-D2F5-4B3C-B443-40DE8C337A77}" type="datetime1">
               <a:rPr lang="en-US" smtClean="0"/>
               <a:pPr/>
-              <a:t>2/8/21</a:t>
+              <a:t>2/10/21</a:t>
             </a:fld>
             <a:endParaRPr lang="en-US"/>
           </a:p>
@@ -4995,6 +4996,178 @@
 </p:sld>
 </file>
 
+<file path=ppt/slides/slide4.xml><?xml version="1.0" encoding="utf-8"?>
+<p:sld xmlns:a="http://schemas.openxmlformats.org/drawingml/2006/main" xmlns:r="http://schemas.openxmlformats.org/officeDocument/2006/relationships" xmlns:p="http://schemas.openxmlformats.org/presentationml/2006/main">
+  <p:cSld>
+    <p:spTree>
+      <p:nvGrpSpPr>
+        <p:cNvPr id="1" name=""/>
+        <p:cNvGrpSpPr/>
+        <p:nvPr/>
+      </p:nvGrpSpPr>
+      <p:grpSpPr>
+        <a:xfrm>
+          <a:off x="0" y="0"/>
+          <a:ext cx="0" cy="0"/>
+          <a:chOff x="0" y="0"/>
+          <a:chExt cx="0" cy="0"/>
+        </a:xfrm>
+      </p:grpSpPr>
+      <p:sp>
+        <p:nvSpPr>
+          <p:cNvPr id="6146" name="Rectangle 2"/>
+          <p:cNvSpPr>
+            <a:spLocks noGrp="1" noChangeArrowheads="1"/>
+          </p:cNvSpPr>
+          <p:nvPr>
+            <p:ph type="title"/>
+            <p:custDataLst>
+              <p:tags r:id="rId1"/>
+            </p:custDataLst>
+          </p:nvPr>
+        </p:nvSpPr>
+        <p:spPr/>
+        <p:txBody>
+          <a:bodyPr/>
+          <a:lstStyle/>
+          <a:p>
+            <a:r>
+              <a:rPr lang="en-US" dirty="0"/>
+              <a:t>Wednesday, Feb. 10</a:t>
+            </a:r>
+          </a:p>
+        </p:txBody>
+      </p:sp>
+      <p:sp>
+        <p:nvSpPr>
+          <p:cNvPr id="6147" name="Rectangle 3"/>
+          <p:cNvSpPr>
+            <a:spLocks noGrp="1" noChangeArrowheads="1"/>
+          </p:cNvSpPr>
+          <p:nvPr>
+            <p:ph sz="quarter" idx="1"/>
+            <p:custDataLst>
+              <p:tags r:id="rId2"/>
+            </p:custDataLst>
+          </p:nvPr>
+        </p:nvSpPr>
+        <p:spPr>
+          <a:xfrm>
+            <a:off x="381000" y="1371600"/>
+            <a:ext cx="8255000" cy="4800600"/>
+          </a:xfrm>
+        </p:spPr>
+        <p:txBody>
+          <a:bodyPr>
+            <a:normAutofit/>
+          </a:bodyPr>
+          <a:lstStyle/>
+          <a:p>
+            <a:r>
+              <a:rPr lang="en-US" dirty="0" err="1"/>
+              <a:t>Gradescope</a:t>
+            </a:r>
+            <a:r>
+              <a:rPr lang="en-US" dirty="0"/>
+              <a:t> is live (link via Collab to sign up)</a:t>
+            </a:r>
+          </a:p>
+          <a:p>
+            <a:pPr lvl="1"/>
+            <a:r>
+              <a:rPr lang="en-US" dirty="0"/>
+              <a:t>Made some cosmetic changes to programming </a:t>
+            </a:r>
+            <a:r>
+              <a:rPr lang="en-US" dirty="0" err="1"/>
+              <a:t>hws</a:t>
+            </a:r>
+            <a:endParaRPr lang="en-US" dirty="0"/>
+          </a:p>
+          <a:p>
+            <a:r>
+              <a:rPr lang="en-US" dirty="0"/>
+              <a:t>Have OH been ok? Those of you that have attended.</a:t>
+            </a:r>
+          </a:p>
+          <a:p>
+            <a:r>
+              <a:rPr lang="en-US" dirty="0"/>
+              <a:t>Would a “recommended schedule” help people?</a:t>
+            </a:r>
+          </a:p>
+          <a:p>
+            <a:r>
+              <a:rPr lang="en-US" dirty="0"/>
+              <a:t>Would a sample “simple </a:t>
+            </a:r>
+            <a:r>
+              <a:rPr lang="en-US" dirty="0" err="1"/>
+              <a:t>hw</a:t>
+            </a:r>
+            <a:r>
+              <a:rPr lang="en-US" dirty="0"/>
+              <a:t>” example help? </a:t>
+            </a:r>
+          </a:p>
+          <a:p>
+            <a:r>
+              <a:rPr lang="en-US" dirty="0"/>
+              <a:t>Office hours begin this week on Discord</a:t>
+            </a:r>
+          </a:p>
+          <a:p>
+            <a:pPr lvl="1"/>
+            <a:r>
+              <a:rPr lang="en-US" dirty="0"/>
+              <a:t>Queue-bot helps us with OH queue. Any questions?</a:t>
+            </a:r>
+          </a:p>
+          <a:p>
+            <a:r>
+              <a:rPr lang="en-US" dirty="0"/>
+              <a:t>Today we will keep solving recurrence relations</a:t>
+            </a:r>
+          </a:p>
+        </p:txBody>
+      </p:sp>
+      <p:sp>
+        <p:nvSpPr>
+          <p:cNvPr id="4" name="Slide Number Placeholder 3"/>
+          <p:cNvSpPr>
+            <a:spLocks noGrp="1"/>
+          </p:cNvSpPr>
+          <p:nvPr>
+            <p:ph type="sldNum" sz="quarter" idx="12"/>
+          </p:nvPr>
+        </p:nvSpPr>
+        <p:spPr/>
+        <p:txBody>
+          <a:bodyPr/>
+          <a:lstStyle/>
+          <a:p>
+            <a:fld id="{F26D9103-0C5C-48AC-B68E-3ED2C1647047}" type="slidenum">
+              <a:rPr lang="en-US" smtClean="0"/>
+              <a:pPr/>
+              <a:t>4</a:t>
+            </a:fld>
+            <a:endParaRPr lang="en-US" dirty="0"/>
+          </a:p>
+        </p:txBody>
+      </p:sp>
+    </p:spTree>
+    <p:extLst>
+      <p:ext uri="{BB962C8B-B14F-4D97-AF65-F5344CB8AC3E}">
+        <p14:creationId xmlns:p14="http://schemas.microsoft.com/office/powerpoint/2010/main" val="2502522630"/>
+      </p:ext>
+    </p:extLst>
+  </p:cSld>
+  <p:clrMapOvr>
+    <a:masterClrMapping/>
+  </p:clrMapOvr>
+</p:sld>
+</file>
+
 <file path=ppt/tags/tag1.xml><?xml version="1.0" encoding="utf-8"?>
 <p:tagLst xmlns:a="http://schemas.openxmlformats.org/drawingml/2006/main" xmlns:r="http://schemas.openxmlformats.org/officeDocument/2006/relationships" xmlns:p="http://schemas.openxmlformats.org/presentationml/2006/main">
   <p:tag name="_INSTRUCTOR VIEW19C14C36-AC8E-43BC-9DB6-C2AAF774C7DC|PANE__TAG" val="_"/>
@@ -5008,6 +5181,18 @@
 </file>
 
 <file path=ppt/tags/tag3.xml><?xml version="1.0" encoding="utf-8"?>
+<p:tagLst xmlns:a="http://schemas.openxmlformats.org/drawingml/2006/main" xmlns:r="http://schemas.openxmlformats.org/officeDocument/2006/relationships" xmlns:p="http://schemas.openxmlformats.org/presentationml/2006/main">
+  <p:tag name="_INSTRUCTOR VIEW19C14C36-AC8E-43BC-9DB6-C2AAF774C7DC|PANE__TAG" val="_"/>
+</p:tagLst>
+</file>
+
+<file path=ppt/tags/tag4.xml><?xml version="1.0" encoding="utf-8"?>
+<p:tagLst xmlns:a="http://schemas.openxmlformats.org/drawingml/2006/main" xmlns:r="http://schemas.openxmlformats.org/officeDocument/2006/relationships" xmlns:p="http://schemas.openxmlformats.org/presentationml/2006/main">
+  <p:tag name="_INSTRUCTOR VIEW19C14C36-AC8E-43BC-9DB6-C2AAF774C7DC|PANE__TAG" val="_"/>
+</p:tagLst>
+</file>
+
+<file path=ppt/tags/tag5.xml><?xml version="1.0" encoding="utf-8"?>
 <p:tagLst xmlns:a="http://schemas.openxmlformats.org/drawingml/2006/main" xmlns:r="http://schemas.openxmlformats.org/officeDocument/2006/relationships" xmlns:p="http://schemas.openxmlformats.org/presentationml/2006/main">
   <p:tag name="_INSTRUCTOR VIEW19C14C36-AC8E-43BC-9DB6-C2AAF774C7DC|PANE__TAG" val="_"/>
 </p:tagLst>

--- a/slides/dailyannouncements_mf.pptx
+++ b/slides/dailyannouncements_mf.pptx
@@ -5,21 +5,22 @@
     <p:sldMasterId id="2147483728" r:id="rId1"/>
   </p:sldMasterIdLst>
   <p:notesMasterIdLst>
-    <p:notesMasterId r:id="rId6"/>
+    <p:notesMasterId r:id="rId7"/>
   </p:notesMasterIdLst>
   <p:handoutMasterIdLst>
-    <p:handoutMasterId r:id="rId7"/>
+    <p:handoutMasterId r:id="rId8"/>
   </p:handoutMasterIdLst>
   <p:sldIdLst>
     <p:sldId id="447" r:id="rId2"/>
     <p:sldId id="484" r:id="rId3"/>
     <p:sldId id="402" r:id="rId4"/>
     <p:sldId id="485" r:id="rId5"/>
+    <p:sldId id="486" r:id="rId6"/>
   </p:sldIdLst>
   <p:sldSz cx="9144000" cy="6858000" type="screen4x3"/>
   <p:notesSz cx="7315200" cy="9601200"/>
   <p:custDataLst>
-    <p:tags r:id="rId8"/>
+    <p:tags r:id="rId9"/>
   </p:custDataLst>
   <p:defaultTextStyle>
     <a:defPPr>
@@ -1019,7 +1020,7 @@
             <a:fld id="{E4886CB5-510A-4EF6-9466-BC7A8F0DDE87}" type="datetime1">
               <a:rPr lang="en-US" smtClean="0"/>
               <a:pPr/>
-              <a:t>2/10/21</a:t>
+              <a:t>2/15/21</a:t>
             </a:fld>
             <a:endParaRPr lang="en-US"/>
           </a:p>
@@ -1379,7 +1380,7 @@
             <a:fld id="{9B297853-24B4-4D05-83E4-0AD2E86C55E5}" type="datetime1">
               <a:rPr lang="en-US" smtClean="0"/>
               <a:pPr/>
-              <a:t>2/10/21</a:t>
+              <a:t>2/15/21</a:t>
             </a:fld>
             <a:endParaRPr lang="en-US"/>
           </a:p>
@@ -1555,7 +1556,7 @@
             <a:fld id="{01FCDD9E-5768-4705-9537-0C020B1BB310}" type="datetime1">
               <a:rPr lang="en-US" smtClean="0"/>
               <a:pPr/>
-              <a:t>2/10/21</a:t>
+              <a:t>2/15/21</a:t>
             </a:fld>
             <a:endParaRPr lang="en-US"/>
           </a:p>
@@ -1791,7 +1792,7 @@
             <a:fld id="{4257C27E-59C2-41CA-9776-94955CBEE440}" type="datetime1">
               <a:rPr lang="en-US" smtClean="0"/>
               <a:pPr/>
-              <a:t>2/10/21</a:t>
+              <a:t>2/15/21</a:t>
             </a:fld>
             <a:endParaRPr lang="en-US"/>
           </a:p>
@@ -2077,7 +2078,7 @@
             <a:fld id="{03180747-A137-49C6-9C74-AB7EE86F4904}" type="datetime1">
               <a:rPr lang="en-US" smtClean="0"/>
               <a:pPr/>
-              <a:t>2/10/21</a:t>
+              <a:t>2/15/21</a:t>
             </a:fld>
             <a:endParaRPr lang="en-US"/>
           </a:p>
@@ -2298,7 +2299,7 @@
             <a:fld id="{EBBA31D9-ADC1-480D-86A8-1EAFB6A86A35}" type="datetime1">
               <a:rPr lang="en-US" smtClean="0"/>
               <a:pPr/>
-              <a:t>2/10/21</a:t>
+              <a:t>2/15/21</a:t>
             </a:fld>
             <a:endParaRPr lang="en-US"/>
           </a:p>
@@ -2651,7 +2652,7 @@
             <a:fld id="{80AAE9AE-3B2F-4DEA-8C41-BDDF4CDF6F40}" type="datetime1">
               <a:rPr lang="en-US" smtClean="0"/>
               <a:pPr/>
-              <a:t>2/10/21</a:t>
+              <a:t>2/15/21</a:t>
             </a:fld>
             <a:endParaRPr lang="en-US"/>
           </a:p>
@@ -2884,7 +2885,7 @@
             <a:fld id="{48252F7F-E8FE-413B-8521-D4ED924C6DE5}" type="datetime1">
               <a:rPr lang="en-US" smtClean="0"/>
               <a:pPr/>
-              <a:t>2/10/21</a:t>
+              <a:t>2/15/21</a:t>
             </a:fld>
             <a:endParaRPr lang="en-US"/>
           </a:p>
@@ -3026,7 +3027,7 @@
             <a:fld id="{2FF1B124-70E3-4E4A-90E2-6B55DB7659B3}" type="datetime1">
               <a:rPr lang="en-US" smtClean="0"/>
               <a:pPr/>
-              <a:t>2/10/21</a:t>
+              <a:t>2/15/21</a:t>
             </a:fld>
             <a:endParaRPr lang="en-US"/>
           </a:p>
@@ -3304,7 +3305,7 @@
             <a:fld id="{4EBF4C98-3CD6-4C87-BD40-5718C2628835}" type="datetime1">
               <a:rPr lang="en-US" smtClean="0"/>
               <a:pPr/>
-              <a:t>2/10/21</a:t>
+              <a:t>2/15/21</a:t>
             </a:fld>
             <a:endParaRPr lang="en-US"/>
           </a:p>
@@ -3712,7 +3713,7 @@
             <a:fld id="{6D6408A8-6B1B-4CDA-875E-7BEECDBA31DF}" type="datetime1">
               <a:rPr lang="en-US" smtClean="0"/>
               <a:pPr/>
-              <a:t>2/10/21</a:t>
+              <a:t>2/15/21</a:t>
             </a:fld>
             <a:endParaRPr lang="en-US"/>
           </a:p>
@@ -4050,7 +4051,7 @@
             <a:fld id="{C55AAF07-D2F5-4B3C-B443-40DE8C337A77}" type="datetime1">
               <a:rPr lang="en-US" smtClean="0"/>
               <a:pPr/>
-              <a:t>2/10/21</a:t>
+              <a:t>2/15/21</a:t>
             </a:fld>
             <a:endParaRPr lang="en-US"/>
           </a:p>
@@ -5168,6 +5169,177 @@
 </p:sld>
 </file>
 
+<file path=ppt/slides/slide5.xml><?xml version="1.0" encoding="utf-8"?>
+<p:sld xmlns:a="http://schemas.openxmlformats.org/drawingml/2006/main" xmlns:r="http://schemas.openxmlformats.org/officeDocument/2006/relationships" xmlns:p="http://schemas.openxmlformats.org/presentationml/2006/main">
+  <p:cSld>
+    <p:spTree>
+      <p:nvGrpSpPr>
+        <p:cNvPr id="1" name=""/>
+        <p:cNvGrpSpPr/>
+        <p:nvPr/>
+      </p:nvGrpSpPr>
+      <p:grpSpPr>
+        <a:xfrm>
+          <a:off x="0" y="0"/>
+          <a:ext cx="0" cy="0"/>
+          <a:chOff x="0" y="0"/>
+          <a:chExt cx="0" cy="0"/>
+        </a:xfrm>
+      </p:grpSpPr>
+      <p:sp>
+        <p:nvSpPr>
+          <p:cNvPr id="6146" name="Rectangle 2"/>
+          <p:cNvSpPr>
+            <a:spLocks noGrp="1" noChangeArrowheads="1"/>
+          </p:cNvSpPr>
+          <p:nvPr>
+            <p:ph type="title"/>
+            <p:custDataLst>
+              <p:tags r:id="rId1"/>
+            </p:custDataLst>
+          </p:nvPr>
+        </p:nvSpPr>
+        <p:spPr/>
+        <p:txBody>
+          <a:bodyPr/>
+          <a:lstStyle/>
+          <a:p>
+            <a:r>
+              <a:rPr lang="en-US" dirty="0"/>
+              <a:t>Monday, Feb. 15</a:t>
+            </a:r>
+          </a:p>
+        </p:txBody>
+      </p:sp>
+      <p:sp>
+        <p:nvSpPr>
+          <p:cNvPr id="6147" name="Rectangle 3"/>
+          <p:cNvSpPr>
+            <a:spLocks noGrp="1" noChangeArrowheads="1"/>
+          </p:cNvSpPr>
+          <p:nvPr>
+            <p:ph sz="quarter" idx="1"/>
+            <p:custDataLst>
+              <p:tags r:id="rId2"/>
+            </p:custDataLst>
+          </p:nvPr>
+        </p:nvSpPr>
+        <p:spPr>
+          <a:xfrm>
+            <a:off x="381000" y="1371600"/>
+            <a:ext cx="8255000" cy="4800600"/>
+          </a:xfrm>
+        </p:spPr>
+        <p:txBody>
+          <a:bodyPr>
+            <a:normAutofit/>
+          </a:bodyPr>
+          <a:lstStyle/>
+          <a:p>
+            <a:r>
+              <a:rPr lang="en-US" dirty="0" err="1"/>
+              <a:t>Gradescope</a:t>
+            </a:r>
+            <a:r>
+              <a:rPr lang="en-US" dirty="0"/>
+              <a:t> is live (link via Collab to sign up)</a:t>
+            </a:r>
+          </a:p>
+          <a:p>
+            <a:pPr lvl="1"/>
+            <a:r>
+              <a:rPr lang="en-US" dirty="0"/>
+              <a:t>Made some cosmetic changes to programming </a:t>
+            </a:r>
+            <a:r>
+              <a:rPr lang="en-US" dirty="0" err="1"/>
+              <a:t>hws</a:t>
+            </a:r>
+            <a:endParaRPr lang="en-US" dirty="0"/>
+          </a:p>
+          <a:p>
+            <a:r>
+              <a:rPr lang="en-US" dirty="0"/>
+              <a:t>Recommended schedule up on schedule page of website. </a:t>
+            </a:r>
+          </a:p>
+          <a:p>
+            <a:pPr lvl="1"/>
+            <a:r>
+              <a:rPr lang="en-US" dirty="0"/>
+              <a:t>Recommended that “distancing” be done this week</a:t>
+            </a:r>
+          </a:p>
+          <a:p>
+            <a:r>
+              <a:rPr lang="en-US" dirty="0"/>
+              <a:t>Sample HW assignment is up on webpage and GS</a:t>
+            </a:r>
+          </a:p>
+          <a:p>
+            <a:pPr lvl="1"/>
+            <a:r>
+              <a:rPr lang="en-US" dirty="0"/>
+              <a:t>For your benefit if you want it, not required.</a:t>
+            </a:r>
+          </a:p>
+          <a:p>
+            <a:r>
+              <a:rPr lang="en-US" dirty="0"/>
+              <a:t>Office hours going ok?</a:t>
+            </a:r>
+          </a:p>
+          <a:p>
+            <a:r>
+              <a:rPr lang="en-US" dirty="0"/>
+              <a:t>Don’t forget Wednesday is a break day so no class!</a:t>
+            </a:r>
+          </a:p>
+          <a:p>
+            <a:r>
+              <a:rPr lang="en-US" dirty="0"/>
+              <a:t>Today we will do quicksort and closest pair of points!</a:t>
+            </a:r>
+          </a:p>
+        </p:txBody>
+      </p:sp>
+      <p:sp>
+        <p:nvSpPr>
+          <p:cNvPr id="4" name="Slide Number Placeholder 3"/>
+          <p:cNvSpPr>
+            <a:spLocks noGrp="1"/>
+          </p:cNvSpPr>
+          <p:nvPr>
+            <p:ph type="sldNum" sz="quarter" idx="12"/>
+          </p:nvPr>
+        </p:nvSpPr>
+        <p:spPr/>
+        <p:txBody>
+          <a:bodyPr/>
+          <a:lstStyle/>
+          <a:p>
+            <a:fld id="{F26D9103-0C5C-48AC-B68E-3ED2C1647047}" type="slidenum">
+              <a:rPr lang="en-US" smtClean="0"/>
+              <a:pPr/>
+              <a:t>5</a:t>
+            </a:fld>
+            <a:endParaRPr lang="en-US" dirty="0"/>
+          </a:p>
+        </p:txBody>
+      </p:sp>
+    </p:spTree>
+    <p:extLst>
+      <p:ext uri="{BB962C8B-B14F-4D97-AF65-F5344CB8AC3E}">
+        <p14:creationId xmlns:p14="http://schemas.microsoft.com/office/powerpoint/2010/main" val="2456874854"/>
+      </p:ext>
+    </p:extLst>
+  </p:cSld>
+  <p:clrMapOvr>
+    <a:masterClrMapping/>
+  </p:clrMapOvr>
+</p:sld>
+</file>
+
 <file path=ppt/tags/tag1.xml><?xml version="1.0" encoding="utf-8"?>
 <p:tagLst xmlns:a="http://schemas.openxmlformats.org/drawingml/2006/main" xmlns:r="http://schemas.openxmlformats.org/officeDocument/2006/relationships" xmlns:p="http://schemas.openxmlformats.org/presentationml/2006/main">
   <p:tag name="_INSTRUCTOR VIEW19C14C36-AC8E-43BC-9DB6-C2AAF774C7DC|PANE__TAG" val="_"/>
@@ -5193,6 +5365,18 @@
 </file>
 
 <file path=ppt/tags/tag5.xml><?xml version="1.0" encoding="utf-8"?>
+<p:tagLst xmlns:a="http://schemas.openxmlformats.org/drawingml/2006/main" xmlns:r="http://schemas.openxmlformats.org/officeDocument/2006/relationships" xmlns:p="http://schemas.openxmlformats.org/presentationml/2006/main">
+  <p:tag name="_INSTRUCTOR VIEW19C14C36-AC8E-43BC-9DB6-C2AAF774C7DC|PANE__TAG" val="_"/>
+</p:tagLst>
+</file>
+
+<file path=ppt/tags/tag6.xml><?xml version="1.0" encoding="utf-8"?>
+<p:tagLst xmlns:a="http://schemas.openxmlformats.org/drawingml/2006/main" xmlns:r="http://schemas.openxmlformats.org/officeDocument/2006/relationships" xmlns:p="http://schemas.openxmlformats.org/presentationml/2006/main">
+  <p:tag name="_INSTRUCTOR VIEW19C14C36-AC8E-43BC-9DB6-C2AAF774C7DC|PANE__TAG" val="_"/>
+</p:tagLst>
+</file>
+
+<file path=ppt/tags/tag7.xml><?xml version="1.0" encoding="utf-8"?>
 <p:tagLst xmlns:a="http://schemas.openxmlformats.org/drawingml/2006/main" xmlns:r="http://schemas.openxmlformats.org/officeDocument/2006/relationships" xmlns:p="http://schemas.openxmlformats.org/presentationml/2006/main">
   <p:tag name="_INSTRUCTOR VIEW19C14C36-AC8E-43BC-9DB6-C2AAF774C7DC|PANE__TAG" val="_"/>
 </p:tagLst>

--- a/slides/dailyannouncements_mf.pptx
+++ b/slides/dailyannouncements_mf.pptx
@@ -5,10 +5,10 @@
     <p:sldMasterId id="2147483728" r:id="rId1"/>
   </p:sldMasterIdLst>
   <p:notesMasterIdLst>
-    <p:notesMasterId r:id="rId7"/>
+    <p:notesMasterId r:id="rId8"/>
   </p:notesMasterIdLst>
   <p:handoutMasterIdLst>
-    <p:handoutMasterId r:id="rId8"/>
+    <p:handoutMasterId r:id="rId9"/>
   </p:handoutMasterIdLst>
   <p:sldIdLst>
     <p:sldId id="447" r:id="rId2"/>
@@ -16,11 +16,12 @@
     <p:sldId id="402" r:id="rId4"/>
     <p:sldId id="485" r:id="rId5"/>
     <p:sldId id="486" r:id="rId6"/>
+    <p:sldId id="487" r:id="rId7"/>
   </p:sldIdLst>
   <p:sldSz cx="9144000" cy="6858000" type="screen4x3"/>
   <p:notesSz cx="7315200" cy="9601200"/>
   <p:custDataLst>
-    <p:tags r:id="rId9"/>
+    <p:tags r:id="rId10"/>
   </p:custDataLst>
   <p:defaultTextStyle>
     <a:defPPr>
@@ -1020,7 +1021,7 @@
             <a:fld id="{E4886CB5-510A-4EF6-9466-BC7A8F0DDE87}" type="datetime1">
               <a:rPr lang="en-US" smtClean="0"/>
               <a:pPr/>
-              <a:t>2/15/21</a:t>
+              <a:t>2/22/21</a:t>
             </a:fld>
             <a:endParaRPr lang="en-US"/>
           </a:p>
@@ -1380,7 +1381,7 @@
             <a:fld id="{9B297853-24B4-4D05-83E4-0AD2E86C55E5}" type="datetime1">
               <a:rPr lang="en-US" smtClean="0"/>
               <a:pPr/>
-              <a:t>2/15/21</a:t>
+              <a:t>2/22/21</a:t>
             </a:fld>
             <a:endParaRPr lang="en-US"/>
           </a:p>
@@ -1556,7 +1557,7 @@
             <a:fld id="{01FCDD9E-5768-4705-9537-0C020B1BB310}" type="datetime1">
               <a:rPr lang="en-US" smtClean="0"/>
               <a:pPr/>
-              <a:t>2/15/21</a:t>
+              <a:t>2/22/21</a:t>
             </a:fld>
             <a:endParaRPr lang="en-US"/>
           </a:p>
@@ -1792,7 +1793,7 @@
             <a:fld id="{4257C27E-59C2-41CA-9776-94955CBEE440}" type="datetime1">
               <a:rPr lang="en-US" smtClean="0"/>
               <a:pPr/>
-              <a:t>2/15/21</a:t>
+              <a:t>2/22/21</a:t>
             </a:fld>
             <a:endParaRPr lang="en-US"/>
           </a:p>
@@ -2078,7 +2079,7 @@
             <a:fld id="{03180747-A137-49C6-9C74-AB7EE86F4904}" type="datetime1">
               <a:rPr lang="en-US" smtClean="0"/>
               <a:pPr/>
-              <a:t>2/15/21</a:t>
+              <a:t>2/22/21</a:t>
             </a:fld>
             <a:endParaRPr lang="en-US"/>
           </a:p>
@@ -2299,7 +2300,7 @@
             <a:fld id="{EBBA31D9-ADC1-480D-86A8-1EAFB6A86A35}" type="datetime1">
               <a:rPr lang="en-US" smtClean="0"/>
               <a:pPr/>
-              <a:t>2/15/21</a:t>
+              <a:t>2/22/21</a:t>
             </a:fld>
             <a:endParaRPr lang="en-US"/>
           </a:p>
@@ -2652,7 +2653,7 @@
             <a:fld id="{80AAE9AE-3B2F-4DEA-8C41-BDDF4CDF6F40}" type="datetime1">
               <a:rPr lang="en-US" smtClean="0"/>
               <a:pPr/>
-              <a:t>2/15/21</a:t>
+              <a:t>2/22/21</a:t>
             </a:fld>
             <a:endParaRPr lang="en-US"/>
           </a:p>
@@ -2885,7 +2886,7 @@
             <a:fld id="{48252F7F-E8FE-413B-8521-D4ED924C6DE5}" type="datetime1">
               <a:rPr lang="en-US" smtClean="0"/>
               <a:pPr/>
-              <a:t>2/15/21</a:t>
+              <a:t>2/22/21</a:t>
             </a:fld>
             <a:endParaRPr lang="en-US"/>
           </a:p>
@@ -3027,7 +3028,7 @@
             <a:fld id="{2FF1B124-70E3-4E4A-90E2-6B55DB7659B3}" type="datetime1">
               <a:rPr lang="en-US" smtClean="0"/>
               <a:pPr/>
-              <a:t>2/15/21</a:t>
+              <a:t>2/22/21</a:t>
             </a:fld>
             <a:endParaRPr lang="en-US"/>
           </a:p>
@@ -3305,7 +3306,7 @@
             <a:fld id="{4EBF4C98-3CD6-4C87-BD40-5718C2628835}" type="datetime1">
               <a:rPr lang="en-US" smtClean="0"/>
               <a:pPr/>
-              <a:t>2/15/21</a:t>
+              <a:t>2/22/21</a:t>
             </a:fld>
             <a:endParaRPr lang="en-US"/>
           </a:p>
@@ -3713,7 +3714,7 @@
             <a:fld id="{6D6408A8-6B1B-4CDA-875E-7BEECDBA31DF}" type="datetime1">
               <a:rPr lang="en-US" smtClean="0"/>
               <a:pPr/>
-              <a:t>2/15/21</a:t>
+              <a:t>2/22/21</a:t>
             </a:fld>
             <a:endParaRPr lang="en-US"/>
           </a:p>
@@ -4051,7 +4052,7 @@
             <a:fld id="{C55AAF07-D2F5-4B3C-B443-40DE8C337A77}" type="datetime1">
               <a:rPr lang="en-US" smtClean="0"/>
               <a:pPr/>
-              <a:t>2/15/21</a:t>
+              <a:t>2/22/21</a:t>
             </a:fld>
             <a:endParaRPr lang="en-US"/>
           </a:p>
@@ -5340,6 +5341,180 @@
 </p:sld>
 </file>
 
+<file path=ppt/slides/slide6.xml><?xml version="1.0" encoding="utf-8"?>
+<p:sld xmlns:a="http://schemas.openxmlformats.org/drawingml/2006/main" xmlns:r="http://schemas.openxmlformats.org/officeDocument/2006/relationships" xmlns:p="http://schemas.openxmlformats.org/presentationml/2006/main">
+  <p:cSld>
+    <p:spTree>
+      <p:nvGrpSpPr>
+        <p:cNvPr id="1" name=""/>
+        <p:cNvGrpSpPr/>
+        <p:nvPr/>
+      </p:nvGrpSpPr>
+      <p:grpSpPr>
+        <a:xfrm>
+          <a:off x="0" y="0"/>
+          <a:ext cx="0" cy="0"/>
+          <a:chOff x="0" y="0"/>
+          <a:chExt cx="0" cy="0"/>
+        </a:xfrm>
+      </p:grpSpPr>
+      <p:sp>
+        <p:nvSpPr>
+          <p:cNvPr id="6146" name="Rectangle 2"/>
+          <p:cNvSpPr>
+            <a:spLocks noGrp="1" noChangeArrowheads="1"/>
+          </p:cNvSpPr>
+          <p:nvPr>
+            <p:ph type="title"/>
+            <p:custDataLst>
+              <p:tags r:id="rId1"/>
+            </p:custDataLst>
+          </p:nvPr>
+        </p:nvSpPr>
+        <p:spPr/>
+        <p:txBody>
+          <a:bodyPr/>
+          <a:lstStyle/>
+          <a:p>
+            <a:r>
+              <a:rPr lang="en-US" dirty="0"/>
+              <a:t>Monday, Feb. 22</a:t>
+            </a:r>
+          </a:p>
+        </p:txBody>
+      </p:sp>
+      <p:sp>
+        <p:nvSpPr>
+          <p:cNvPr id="6147" name="Rectangle 3"/>
+          <p:cNvSpPr>
+            <a:spLocks noGrp="1" noChangeArrowheads="1"/>
+          </p:cNvSpPr>
+          <p:nvPr>
+            <p:ph sz="quarter" idx="1"/>
+            <p:custDataLst>
+              <p:tags r:id="rId2"/>
+            </p:custDataLst>
+          </p:nvPr>
+        </p:nvSpPr>
+        <p:spPr>
+          <a:xfrm>
+            <a:off x="381000" y="1371600"/>
+            <a:ext cx="8255000" cy="4800600"/>
+          </a:xfrm>
+        </p:spPr>
+        <p:txBody>
+          <a:bodyPr>
+            <a:normAutofit/>
+          </a:bodyPr>
+          <a:lstStyle/>
+          <a:p>
+            <a:r>
+              <a:rPr lang="en-US" dirty="0"/>
+              <a:t>Recommended schedule up on schedule page of website. </a:t>
+            </a:r>
+          </a:p>
+          <a:p>
+            <a:pPr lvl="1"/>
+            <a:r>
+              <a:rPr lang="en-US" dirty="0"/>
+              <a:t>Recommended you are done with distancing, working on recurrence relations written assignment</a:t>
+            </a:r>
+          </a:p>
+          <a:p>
+            <a:pPr lvl="1"/>
+            <a:r>
+              <a:rPr lang="en-US" dirty="0"/>
+              <a:t>Recommended that “distancing” be done this week</a:t>
+            </a:r>
+          </a:p>
+          <a:p>
+            <a:r>
+              <a:rPr lang="en-US" dirty="0"/>
+              <a:t>Soft deadline is THIS Wednesday. Guaranteed feedback if you submit by this date.</a:t>
+            </a:r>
+          </a:p>
+          <a:p>
+            <a:r>
+              <a:rPr lang="en-US" dirty="0"/>
+              <a:t>First quiz is scheduled for end of this week</a:t>
+            </a:r>
+          </a:p>
+          <a:p>
+            <a:pPr lvl="1"/>
+            <a:r>
+              <a:rPr lang="en-US" dirty="0"/>
+              <a:t>Might be pushed back just a little bit. Will let you know in 24 </a:t>
+            </a:r>
+            <a:r>
+              <a:rPr lang="en-US" dirty="0" err="1"/>
+              <a:t>hr</a:t>
+            </a:r>
+            <a:endParaRPr lang="en-US" dirty="0"/>
+          </a:p>
+          <a:p>
+            <a:r>
+              <a:rPr lang="en-US" dirty="0"/>
+              <a:t>Office hours going ok? </a:t>
+            </a:r>
+          </a:p>
+          <a:p>
+            <a:r>
+              <a:rPr lang="en-US" dirty="0"/>
+              <a:t>Today we will do </a:t>
+            </a:r>
+            <a:r>
+              <a:rPr lang="en-US" dirty="0" err="1"/>
+              <a:t>quickselect</a:t>
+            </a:r>
+            <a:r>
+              <a:rPr lang="en-US" dirty="0"/>
+              <a:t> and a cool </a:t>
+            </a:r>
+            <a:r>
+              <a:rPr lang="en-US"/>
+              <a:t>LB proof!</a:t>
+            </a:r>
+            <a:endParaRPr lang="en-US" dirty="0"/>
+          </a:p>
+        </p:txBody>
+      </p:sp>
+      <p:sp>
+        <p:nvSpPr>
+          <p:cNvPr id="4" name="Slide Number Placeholder 3"/>
+          <p:cNvSpPr>
+            <a:spLocks noGrp="1"/>
+          </p:cNvSpPr>
+          <p:nvPr>
+            <p:ph type="sldNum" sz="quarter" idx="12"/>
+          </p:nvPr>
+        </p:nvSpPr>
+        <p:spPr/>
+        <p:txBody>
+          <a:bodyPr/>
+          <a:lstStyle/>
+          <a:p>
+            <a:fld id="{F26D9103-0C5C-48AC-B68E-3ED2C1647047}" type="slidenum">
+              <a:rPr lang="en-US" smtClean="0"/>
+              <a:pPr/>
+              <a:t>6</a:t>
+            </a:fld>
+            <a:endParaRPr lang="en-US" dirty="0"/>
+          </a:p>
+        </p:txBody>
+      </p:sp>
+    </p:spTree>
+    <p:extLst>
+      <p:ext uri="{BB962C8B-B14F-4D97-AF65-F5344CB8AC3E}">
+        <p14:creationId xmlns:p14="http://schemas.microsoft.com/office/powerpoint/2010/main" val="3128813354"/>
+      </p:ext>
+    </p:extLst>
+  </p:cSld>
+  <p:clrMapOvr>
+    <a:masterClrMapping/>
+  </p:clrMapOvr>
+</p:sld>
+</file>
+
 <file path=ppt/tags/tag1.xml><?xml version="1.0" encoding="utf-8"?>
 <p:tagLst xmlns:a="http://schemas.openxmlformats.org/drawingml/2006/main" xmlns:r="http://schemas.openxmlformats.org/officeDocument/2006/relationships" xmlns:p="http://schemas.openxmlformats.org/presentationml/2006/main">
   <p:tag name="_INSTRUCTOR VIEW19C14C36-AC8E-43BC-9DB6-C2AAF774C7DC|PANE__TAG" val="_"/>
@@ -5377,6 +5552,18 @@
 </file>
 
 <file path=ppt/tags/tag7.xml><?xml version="1.0" encoding="utf-8"?>
+<p:tagLst xmlns:a="http://schemas.openxmlformats.org/drawingml/2006/main" xmlns:r="http://schemas.openxmlformats.org/officeDocument/2006/relationships" xmlns:p="http://schemas.openxmlformats.org/presentationml/2006/main">
+  <p:tag name="_INSTRUCTOR VIEW19C14C36-AC8E-43BC-9DB6-C2AAF774C7DC|PANE__TAG" val="_"/>
+</p:tagLst>
+</file>
+
+<file path=ppt/tags/tag8.xml><?xml version="1.0" encoding="utf-8"?>
+<p:tagLst xmlns:a="http://schemas.openxmlformats.org/drawingml/2006/main" xmlns:r="http://schemas.openxmlformats.org/officeDocument/2006/relationships" xmlns:p="http://schemas.openxmlformats.org/presentationml/2006/main">
+  <p:tag name="_INSTRUCTOR VIEW19C14C36-AC8E-43BC-9DB6-C2AAF774C7DC|PANE__TAG" val="_"/>
+</p:tagLst>
+</file>
+
+<file path=ppt/tags/tag9.xml><?xml version="1.0" encoding="utf-8"?>
 <p:tagLst xmlns:a="http://schemas.openxmlformats.org/drawingml/2006/main" xmlns:r="http://schemas.openxmlformats.org/officeDocument/2006/relationships" xmlns:p="http://schemas.openxmlformats.org/presentationml/2006/main">
   <p:tag name="_INSTRUCTOR VIEW19C14C36-AC8E-43BC-9DB6-C2AAF774C7DC|PANE__TAG" val="_"/>
 </p:tagLst>

--- a/slides/dailyannouncements_mf.pptx
+++ b/slides/dailyannouncements_mf.pptx
@@ -5,10 +5,10 @@
     <p:sldMasterId id="2147483728" r:id="rId1"/>
   </p:sldMasterIdLst>
   <p:notesMasterIdLst>
-    <p:notesMasterId r:id="rId8"/>
+    <p:notesMasterId r:id="rId9"/>
   </p:notesMasterIdLst>
   <p:handoutMasterIdLst>
-    <p:handoutMasterId r:id="rId9"/>
+    <p:handoutMasterId r:id="rId10"/>
   </p:handoutMasterIdLst>
   <p:sldIdLst>
     <p:sldId id="447" r:id="rId2"/>
@@ -17,11 +17,12 @@
     <p:sldId id="485" r:id="rId5"/>
     <p:sldId id="486" r:id="rId6"/>
     <p:sldId id="487" r:id="rId7"/>
+    <p:sldId id="488" r:id="rId8"/>
   </p:sldIdLst>
   <p:sldSz cx="9144000" cy="6858000" type="screen4x3"/>
   <p:notesSz cx="7315200" cy="9601200"/>
   <p:custDataLst>
-    <p:tags r:id="rId10"/>
+    <p:tags r:id="rId11"/>
   </p:custDataLst>
   <p:defaultTextStyle>
     <a:defPPr>
@@ -1021,7 +1022,7 @@
             <a:fld id="{E4886CB5-510A-4EF6-9466-BC7A8F0DDE87}" type="datetime1">
               <a:rPr lang="en-US" smtClean="0"/>
               <a:pPr/>
-              <a:t>2/22/21</a:t>
+              <a:t>2/24/21</a:t>
             </a:fld>
             <a:endParaRPr lang="en-US"/>
           </a:p>
@@ -1381,7 +1382,7 @@
             <a:fld id="{9B297853-24B4-4D05-83E4-0AD2E86C55E5}" type="datetime1">
               <a:rPr lang="en-US" smtClean="0"/>
               <a:pPr/>
-              <a:t>2/22/21</a:t>
+              <a:t>2/24/21</a:t>
             </a:fld>
             <a:endParaRPr lang="en-US"/>
           </a:p>
@@ -1557,7 +1558,7 @@
             <a:fld id="{01FCDD9E-5768-4705-9537-0C020B1BB310}" type="datetime1">
               <a:rPr lang="en-US" smtClean="0"/>
               <a:pPr/>
-              <a:t>2/22/21</a:t>
+              <a:t>2/24/21</a:t>
             </a:fld>
             <a:endParaRPr lang="en-US"/>
           </a:p>
@@ -1793,7 +1794,7 @@
             <a:fld id="{4257C27E-59C2-41CA-9776-94955CBEE440}" type="datetime1">
               <a:rPr lang="en-US" smtClean="0"/>
               <a:pPr/>
-              <a:t>2/22/21</a:t>
+              <a:t>2/24/21</a:t>
             </a:fld>
             <a:endParaRPr lang="en-US"/>
           </a:p>
@@ -2079,7 +2080,7 @@
             <a:fld id="{03180747-A137-49C6-9C74-AB7EE86F4904}" type="datetime1">
               <a:rPr lang="en-US" smtClean="0"/>
               <a:pPr/>
-              <a:t>2/22/21</a:t>
+              <a:t>2/24/21</a:t>
             </a:fld>
             <a:endParaRPr lang="en-US"/>
           </a:p>
@@ -2300,7 +2301,7 @@
             <a:fld id="{EBBA31D9-ADC1-480D-86A8-1EAFB6A86A35}" type="datetime1">
               <a:rPr lang="en-US" smtClean="0"/>
               <a:pPr/>
-              <a:t>2/22/21</a:t>
+              <a:t>2/24/21</a:t>
             </a:fld>
             <a:endParaRPr lang="en-US"/>
           </a:p>
@@ -2653,7 +2654,7 @@
             <a:fld id="{80AAE9AE-3B2F-4DEA-8C41-BDDF4CDF6F40}" type="datetime1">
               <a:rPr lang="en-US" smtClean="0"/>
               <a:pPr/>
-              <a:t>2/22/21</a:t>
+              <a:t>2/24/21</a:t>
             </a:fld>
             <a:endParaRPr lang="en-US"/>
           </a:p>
@@ -2886,7 +2887,7 @@
             <a:fld id="{48252F7F-E8FE-413B-8521-D4ED924C6DE5}" type="datetime1">
               <a:rPr lang="en-US" smtClean="0"/>
               <a:pPr/>
-              <a:t>2/22/21</a:t>
+              <a:t>2/24/21</a:t>
             </a:fld>
             <a:endParaRPr lang="en-US"/>
           </a:p>
@@ -3028,7 +3029,7 @@
             <a:fld id="{2FF1B124-70E3-4E4A-90E2-6B55DB7659B3}" type="datetime1">
               <a:rPr lang="en-US" smtClean="0"/>
               <a:pPr/>
-              <a:t>2/22/21</a:t>
+              <a:t>2/24/21</a:t>
             </a:fld>
             <a:endParaRPr lang="en-US"/>
           </a:p>
@@ -3306,7 +3307,7 @@
             <a:fld id="{4EBF4C98-3CD6-4C87-BD40-5718C2628835}" type="datetime1">
               <a:rPr lang="en-US" smtClean="0"/>
               <a:pPr/>
-              <a:t>2/22/21</a:t>
+              <a:t>2/24/21</a:t>
             </a:fld>
             <a:endParaRPr lang="en-US"/>
           </a:p>
@@ -3714,7 +3715,7 @@
             <a:fld id="{6D6408A8-6B1B-4CDA-875E-7BEECDBA31DF}" type="datetime1">
               <a:rPr lang="en-US" smtClean="0"/>
               <a:pPr/>
-              <a:t>2/22/21</a:t>
+              <a:t>2/24/21</a:t>
             </a:fld>
             <a:endParaRPr lang="en-US"/>
           </a:p>
@@ -4052,7 +4053,7 @@
             <a:fld id="{C55AAF07-D2F5-4B3C-B443-40DE8C337A77}" type="datetime1">
               <a:rPr lang="en-US" smtClean="0"/>
               <a:pPr/>
-              <a:t>2/22/21</a:t>
+              <a:t>2/24/21</a:t>
             </a:fld>
             <a:endParaRPr lang="en-US"/>
           </a:p>
@@ -5515,7 +5516,201 @@
 </p:sld>
 </file>
 
+<file path=ppt/slides/slide7.xml><?xml version="1.0" encoding="utf-8"?>
+<p:sld xmlns:a="http://schemas.openxmlformats.org/drawingml/2006/main" xmlns:r="http://schemas.openxmlformats.org/officeDocument/2006/relationships" xmlns:p="http://schemas.openxmlformats.org/presentationml/2006/main">
+  <p:cSld>
+    <p:spTree>
+      <p:nvGrpSpPr>
+        <p:cNvPr id="1" name=""/>
+        <p:cNvGrpSpPr/>
+        <p:nvPr/>
+      </p:nvGrpSpPr>
+      <p:grpSpPr>
+        <a:xfrm>
+          <a:off x="0" y="0"/>
+          <a:ext cx="0" cy="0"/>
+          <a:chOff x="0" y="0"/>
+          <a:chExt cx="0" cy="0"/>
+        </a:xfrm>
+      </p:grpSpPr>
+      <p:sp>
+        <p:nvSpPr>
+          <p:cNvPr id="6146" name="Rectangle 2"/>
+          <p:cNvSpPr>
+            <a:spLocks noGrp="1" noChangeArrowheads="1"/>
+          </p:cNvSpPr>
+          <p:nvPr>
+            <p:ph type="title"/>
+            <p:custDataLst>
+              <p:tags r:id="rId1"/>
+            </p:custDataLst>
+          </p:nvPr>
+        </p:nvSpPr>
+        <p:spPr/>
+        <p:txBody>
+          <a:bodyPr/>
+          <a:lstStyle/>
+          <a:p>
+            <a:r>
+              <a:rPr lang="en-US" dirty="0"/>
+              <a:t>Wednesday, Feb. 24</a:t>
+            </a:r>
+          </a:p>
+        </p:txBody>
+      </p:sp>
+      <p:sp>
+        <p:nvSpPr>
+          <p:cNvPr id="6147" name="Rectangle 3"/>
+          <p:cNvSpPr>
+            <a:spLocks noGrp="1" noChangeArrowheads="1"/>
+          </p:cNvSpPr>
+          <p:nvPr>
+            <p:ph sz="quarter" idx="1"/>
+            <p:custDataLst>
+              <p:tags r:id="rId2"/>
+            </p:custDataLst>
+          </p:nvPr>
+        </p:nvSpPr>
+        <p:spPr>
+          <a:xfrm>
+            <a:off x="381000" y="1371600"/>
+            <a:ext cx="8255000" cy="5105400"/>
+          </a:xfrm>
+        </p:spPr>
+        <p:txBody>
+          <a:bodyPr>
+            <a:normAutofit fontScale="92500" lnSpcReduction="10000"/>
+          </a:bodyPr>
+          <a:lstStyle/>
+          <a:p>
+            <a:r>
+              <a:rPr lang="en-US" dirty="0"/>
+              <a:t>Recommended schedule up on schedule page of website. </a:t>
+            </a:r>
+          </a:p>
+          <a:p>
+            <a:pPr lvl="1"/>
+            <a:r>
+              <a:rPr lang="en-US" dirty="0"/>
+              <a:t>Recommended you are done with distancing, working on recurrence relations written assignment</a:t>
+            </a:r>
+          </a:p>
+          <a:p>
+            <a:pPr lvl="1"/>
+            <a:r>
+              <a:rPr lang="en-US" dirty="0"/>
+              <a:t>Recommended that “recurrence relations” be done this week</a:t>
+            </a:r>
+          </a:p>
+          <a:p>
+            <a:r>
+              <a:rPr lang="en-US" dirty="0"/>
+              <a:t>Soft deadline is THIS Wednesday. Guaranteed feedback if you submit by this date.</a:t>
+            </a:r>
+          </a:p>
+          <a:p>
+            <a:pPr lvl="1"/>
+            <a:r>
+              <a:rPr lang="en-US" dirty="0"/>
+              <a:t>Though we are grading constantly so likely you’ll get feedback no matter what.</a:t>
+            </a:r>
+          </a:p>
+          <a:p>
+            <a:r>
+              <a:rPr lang="en-US" dirty="0"/>
+              <a:t>First quiz was moved to NEXT week.</a:t>
+            </a:r>
+          </a:p>
+          <a:p>
+            <a:pPr lvl="1"/>
+            <a:r>
+              <a:rPr lang="en-US" dirty="0"/>
+              <a:t>Will be on Collab. Some % will be </a:t>
+            </a:r>
+            <a:r>
+              <a:rPr lang="en-US" dirty="0" err="1"/>
+              <a:t>autograded</a:t>
+            </a:r>
+            <a:endParaRPr lang="en-US" dirty="0"/>
+          </a:p>
+          <a:p>
+            <a:pPr lvl="1"/>
+            <a:r>
+              <a:rPr lang="en-US" dirty="0"/>
+              <a:t>You will have 24 hours (next Friday through Saturday) to do it.</a:t>
+            </a:r>
+          </a:p>
+          <a:p>
+            <a:pPr lvl="1"/>
+            <a:r>
+              <a:rPr lang="en-US" dirty="0"/>
+              <a:t>But…Collab will time it so limited time to finish once you begin.</a:t>
+            </a:r>
+          </a:p>
+          <a:p>
+            <a:r>
+              <a:rPr lang="en-US" dirty="0"/>
+              <a:t>Office hours going ok? </a:t>
+            </a:r>
+          </a:p>
+          <a:p>
+            <a:r>
+              <a:rPr lang="en-US" dirty="0"/>
+              <a:t>Today is an open Q&amp;A day! </a:t>
+            </a:r>
+          </a:p>
+        </p:txBody>
+      </p:sp>
+      <p:sp>
+        <p:nvSpPr>
+          <p:cNvPr id="4" name="Slide Number Placeholder 3"/>
+          <p:cNvSpPr>
+            <a:spLocks noGrp="1"/>
+          </p:cNvSpPr>
+          <p:nvPr>
+            <p:ph type="sldNum" sz="quarter" idx="12"/>
+          </p:nvPr>
+        </p:nvSpPr>
+        <p:spPr/>
+        <p:txBody>
+          <a:bodyPr/>
+          <a:lstStyle/>
+          <a:p>
+            <a:fld id="{F26D9103-0C5C-48AC-B68E-3ED2C1647047}" type="slidenum">
+              <a:rPr lang="en-US" smtClean="0"/>
+              <a:pPr/>
+              <a:t>7</a:t>
+            </a:fld>
+            <a:endParaRPr lang="en-US" dirty="0"/>
+          </a:p>
+        </p:txBody>
+      </p:sp>
+    </p:spTree>
+    <p:extLst>
+      <p:ext uri="{BB962C8B-B14F-4D97-AF65-F5344CB8AC3E}">
+        <p14:creationId xmlns:p14="http://schemas.microsoft.com/office/powerpoint/2010/main" val="2624242665"/>
+      </p:ext>
+    </p:extLst>
+  </p:cSld>
+  <p:clrMapOvr>
+    <a:masterClrMapping/>
+  </p:clrMapOvr>
+</p:sld>
+</file>
+
 <file path=ppt/tags/tag1.xml><?xml version="1.0" encoding="utf-8"?>
+<p:tagLst xmlns:a="http://schemas.openxmlformats.org/drawingml/2006/main" xmlns:r="http://schemas.openxmlformats.org/officeDocument/2006/relationships" xmlns:p="http://schemas.openxmlformats.org/presentationml/2006/main">
+  <p:tag name="_INSTRUCTOR VIEW19C14C36-AC8E-43BC-9DB6-C2AAF774C7DC|PANE__TAG" val="_"/>
+</p:tagLst>
+</file>
+
+<file path=ppt/tags/tag10.xml><?xml version="1.0" encoding="utf-8"?>
+<p:tagLst xmlns:a="http://schemas.openxmlformats.org/drawingml/2006/main" xmlns:r="http://schemas.openxmlformats.org/officeDocument/2006/relationships" xmlns:p="http://schemas.openxmlformats.org/presentationml/2006/main">
+  <p:tag name="_INSTRUCTOR VIEW19C14C36-AC8E-43BC-9DB6-C2AAF774C7DC|PANE__TAG" val="_"/>
+</p:tagLst>
+</file>
+
+<file path=ppt/tags/tag11.xml><?xml version="1.0" encoding="utf-8"?>
 <p:tagLst xmlns:a="http://schemas.openxmlformats.org/drawingml/2006/main" xmlns:r="http://schemas.openxmlformats.org/officeDocument/2006/relationships" xmlns:p="http://schemas.openxmlformats.org/presentationml/2006/main">
   <p:tag name="_INSTRUCTOR VIEW19C14C36-AC8E-43BC-9DB6-C2AAF774C7DC|PANE__TAG" val="_"/>
 </p:tagLst>

--- a/slides/dailyannouncements_mf.pptx
+++ b/slides/dailyannouncements_mf.pptx
@@ -5,10 +5,10 @@
     <p:sldMasterId id="2147483728" r:id="rId1"/>
   </p:sldMasterIdLst>
   <p:notesMasterIdLst>
-    <p:notesMasterId r:id="rId9"/>
+    <p:notesMasterId r:id="rId10"/>
   </p:notesMasterIdLst>
   <p:handoutMasterIdLst>
-    <p:handoutMasterId r:id="rId10"/>
+    <p:handoutMasterId r:id="rId11"/>
   </p:handoutMasterIdLst>
   <p:sldIdLst>
     <p:sldId id="447" r:id="rId2"/>
@@ -18,11 +18,12 @@
     <p:sldId id="486" r:id="rId6"/>
     <p:sldId id="487" r:id="rId7"/>
     <p:sldId id="488" r:id="rId8"/>
+    <p:sldId id="489" r:id="rId9"/>
   </p:sldIdLst>
   <p:sldSz cx="9144000" cy="6858000" type="screen4x3"/>
   <p:notesSz cx="7315200" cy="9601200"/>
   <p:custDataLst>
-    <p:tags r:id="rId11"/>
+    <p:tags r:id="rId12"/>
   </p:custDataLst>
   <p:defaultTextStyle>
     <a:defPPr>
@@ -1022,7 +1023,7 @@
             <a:fld id="{E4886CB5-510A-4EF6-9466-BC7A8F0DDE87}" type="datetime1">
               <a:rPr lang="en-US" smtClean="0"/>
               <a:pPr/>
-              <a:t>2/24/21</a:t>
+              <a:t>3/1/21</a:t>
             </a:fld>
             <a:endParaRPr lang="en-US"/>
           </a:p>
@@ -1382,7 +1383,7 @@
             <a:fld id="{9B297853-24B4-4D05-83E4-0AD2E86C55E5}" type="datetime1">
               <a:rPr lang="en-US" smtClean="0"/>
               <a:pPr/>
-              <a:t>2/24/21</a:t>
+              <a:t>3/1/21</a:t>
             </a:fld>
             <a:endParaRPr lang="en-US"/>
           </a:p>
@@ -1558,7 +1559,7 @@
             <a:fld id="{01FCDD9E-5768-4705-9537-0C020B1BB310}" type="datetime1">
               <a:rPr lang="en-US" smtClean="0"/>
               <a:pPr/>
-              <a:t>2/24/21</a:t>
+              <a:t>3/1/21</a:t>
             </a:fld>
             <a:endParaRPr lang="en-US"/>
           </a:p>
@@ -1794,7 +1795,7 @@
             <a:fld id="{4257C27E-59C2-41CA-9776-94955CBEE440}" type="datetime1">
               <a:rPr lang="en-US" smtClean="0"/>
               <a:pPr/>
-              <a:t>2/24/21</a:t>
+              <a:t>3/1/21</a:t>
             </a:fld>
             <a:endParaRPr lang="en-US"/>
           </a:p>
@@ -2080,7 +2081,7 @@
             <a:fld id="{03180747-A137-49C6-9C74-AB7EE86F4904}" type="datetime1">
               <a:rPr lang="en-US" smtClean="0"/>
               <a:pPr/>
-              <a:t>2/24/21</a:t>
+              <a:t>3/1/21</a:t>
             </a:fld>
             <a:endParaRPr lang="en-US"/>
           </a:p>
@@ -2301,7 +2302,7 @@
             <a:fld id="{EBBA31D9-ADC1-480D-86A8-1EAFB6A86A35}" type="datetime1">
               <a:rPr lang="en-US" smtClean="0"/>
               <a:pPr/>
-              <a:t>2/24/21</a:t>
+              <a:t>3/1/21</a:t>
             </a:fld>
             <a:endParaRPr lang="en-US"/>
           </a:p>
@@ -2654,7 +2655,7 @@
             <a:fld id="{80AAE9AE-3B2F-4DEA-8C41-BDDF4CDF6F40}" type="datetime1">
               <a:rPr lang="en-US" smtClean="0"/>
               <a:pPr/>
-              <a:t>2/24/21</a:t>
+              <a:t>3/1/21</a:t>
             </a:fld>
             <a:endParaRPr lang="en-US"/>
           </a:p>
@@ -2887,7 +2888,7 @@
             <a:fld id="{48252F7F-E8FE-413B-8521-D4ED924C6DE5}" type="datetime1">
               <a:rPr lang="en-US" smtClean="0"/>
               <a:pPr/>
-              <a:t>2/24/21</a:t>
+              <a:t>3/1/21</a:t>
             </a:fld>
             <a:endParaRPr lang="en-US"/>
           </a:p>
@@ -3029,7 +3030,7 @@
             <a:fld id="{2FF1B124-70E3-4E4A-90E2-6B55DB7659B3}" type="datetime1">
               <a:rPr lang="en-US" smtClean="0"/>
               <a:pPr/>
-              <a:t>2/24/21</a:t>
+              <a:t>3/1/21</a:t>
             </a:fld>
             <a:endParaRPr lang="en-US"/>
           </a:p>
@@ -3307,7 +3308,7 @@
             <a:fld id="{4EBF4C98-3CD6-4C87-BD40-5718C2628835}" type="datetime1">
               <a:rPr lang="en-US" smtClean="0"/>
               <a:pPr/>
-              <a:t>2/24/21</a:t>
+              <a:t>3/1/21</a:t>
             </a:fld>
             <a:endParaRPr lang="en-US"/>
           </a:p>
@@ -3715,7 +3716,7 @@
             <a:fld id="{6D6408A8-6B1B-4CDA-875E-7BEECDBA31DF}" type="datetime1">
               <a:rPr lang="en-US" smtClean="0"/>
               <a:pPr/>
-              <a:t>2/24/21</a:t>
+              <a:t>3/1/21</a:t>
             </a:fld>
             <a:endParaRPr lang="en-US"/>
           </a:p>
@@ -4053,7 +4054,7 @@
             <a:fld id="{C55AAF07-D2F5-4B3C-B443-40DE8C337A77}" type="datetime1">
               <a:rPr lang="en-US" smtClean="0"/>
               <a:pPr/>
-              <a:t>2/24/21</a:t>
+              <a:t>3/1/21</a:t>
             </a:fld>
             <a:endParaRPr lang="en-US"/>
           </a:p>
@@ -5698,6 +5699,183 @@
 </p:sld>
 </file>
 
+<file path=ppt/slides/slide8.xml><?xml version="1.0" encoding="utf-8"?>
+<p:sld xmlns:a="http://schemas.openxmlformats.org/drawingml/2006/main" xmlns:r="http://schemas.openxmlformats.org/officeDocument/2006/relationships" xmlns:p="http://schemas.openxmlformats.org/presentationml/2006/main">
+  <p:cSld>
+    <p:spTree>
+      <p:nvGrpSpPr>
+        <p:cNvPr id="1" name=""/>
+        <p:cNvGrpSpPr/>
+        <p:nvPr/>
+      </p:nvGrpSpPr>
+      <p:grpSpPr>
+        <a:xfrm>
+          <a:off x="0" y="0"/>
+          <a:ext cx="0" cy="0"/>
+          <a:chOff x="0" y="0"/>
+          <a:chExt cx="0" cy="0"/>
+        </a:xfrm>
+      </p:grpSpPr>
+      <p:sp>
+        <p:nvSpPr>
+          <p:cNvPr id="6146" name="Rectangle 2"/>
+          <p:cNvSpPr>
+            <a:spLocks noGrp="1" noChangeArrowheads="1"/>
+          </p:cNvSpPr>
+          <p:nvPr>
+            <p:ph type="title"/>
+            <p:custDataLst>
+              <p:tags r:id="rId1"/>
+            </p:custDataLst>
+          </p:nvPr>
+        </p:nvSpPr>
+        <p:spPr/>
+        <p:txBody>
+          <a:bodyPr/>
+          <a:lstStyle/>
+          <a:p>
+            <a:r>
+              <a:rPr lang="en-US" dirty="0"/>
+              <a:t>Monday, Mar. 1</a:t>
+            </a:r>
+          </a:p>
+        </p:txBody>
+      </p:sp>
+      <p:sp>
+        <p:nvSpPr>
+          <p:cNvPr id="6147" name="Rectangle 3"/>
+          <p:cNvSpPr>
+            <a:spLocks noGrp="1" noChangeArrowheads="1"/>
+          </p:cNvSpPr>
+          <p:nvPr>
+            <p:ph sz="quarter" idx="1"/>
+            <p:custDataLst>
+              <p:tags r:id="rId2"/>
+            </p:custDataLst>
+          </p:nvPr>
+        </p:nvSpPr>
+        <p:spPr>
+          <a:xfrm>
+            <a:off x="381000" y="1371600"/>
+            <a:ext cx="8255000" cy="5105400"/>
+          </a:xfrm>
+        </p:spPr>
+        <p:txBody>
+          <a:bodyPr>
+            <a:normAutofit/>
+          </a:bodyPr>
+          <a:lstStyle/>
+          <a:p>
+            <a:r>
+              <a:rPr lang="en-US" dirty="0"/>
+              <a:t>We are officially starting module 2!</a:t>
+            </a:r>
+          </a:p>
+          <a:p>
+            <a:r>
+              <a:rPr lang="en-US" dirty="0"/>
+              <a:t>Recommended schedule up on schedule page of website. </a:t>
+            </a:r>
+          </a:p>
+          <a:p>
+            <a:pPr lvl="1"/>
+            <a:r>
+              <a:rPr lang="en-US" dirty="0"/>
+              <a:t>Recommended that you are doing an advanced </a:t>
+            </a:r>
+            <a:r>
+              <a:rPr lang="en-US" dirty="0" err="1"/>
+              <a:t>hw</a:t>
+            </a:r>
+            <a:r>
+              <a:rPr lang="en-US" dirty="0"/>
+              <a:t> this week</a:t>
+            </a:r>
+          </a:p>
+          <a:p>
+            <a:r>
+              <a:rPr lang="en-US" dirty="0"/>
+              <a:t>We are grading submissions now from soft deadline</a:t>
+            </a:r>
+          </a:p>
+          <a:p>
+            <a:pPr lvl="1"/>
+            <a:r>
+              <a:rPr lang="en-US" dirty="0"/>
+              <a:t>Hopefully done by Wednesday at latest.</a:t>
+            </a:r>
+          </a:p>
+          <a:p>
+            <a:r>
+              <a:rPr lang="en-US" dirty="0"/>
+              <a:t>First quiz is THIS Friday</a:t>
+            </a:r>
+          </a:p>
+          <a:p>
+            <a:pPr lvl="1"/>
+            <a:r>
+              <a:rPr lang="en-US" dirty="0"/>
+              <a:t>Will be on Collab</a:t>
+            </a:r>
+          </a:p>
+          <a:p>
+            <a:pPr lvl="1"/>
+            <a:r>
+              <a:rPr lang="en-US" dirty="0"/>
+              <a:t>You will have 24 hours to start it, but timed once you start.</a:t>
+            </a:r>
+          </a:p>
+          <a:p>
+            <a:r>
+              <a:rPr lang="en-US" dirty="0"/>
+              <a:t>Office hours going ok? </a:t>
+            </a:r>
+          </a:p>
+          <a:p>
+            <a:r>
+              <a:rPr lang="en-US" dirty="0"/>
+              <a:t>Today we will prove correctness of BFS! </a:t>
+            </a:r>
+          </a:p>
+        </p:txBody>
+      </p:sp>
+      <p:sp>
+        <p:nvSpPr>
+          <p:cNvPr id="4" name="Slide Number Placeholder 3"/>
+          <p:cNvSpPr>
+            <a:spLocks noGrp="1"/>
+          </p:cNvSpPr>
+          <p:nvPr>
+            <p:ph type="sldNum" sz="quarter" idx="12"/>
+          </p:nvPr>
+        </p:nvSpPr>
+        <p:spPr/>
+        <p:txBody>
+          <a:bodyPr/>
+          <a:lstStyle/>
+          <a:p>
+            <a:fld id="{F26D9103-0C5C-48AC-B68E-3ED2C1647047}" type="slidenum">
+              <a:rPr lang="en-US" smtClean="0"/>
+              <a:pPr/>
+              <a:t>8</a:t>
+            </a:fld>
+            <a:endParaRPr lang="en-US" dirty="0"/>
+          </a:p>
+        </p:txBody>
+      </p:sp>
+    </p:spTree>
+    <p:extLst>
+      <p:ext uri="{BB962C8B-B14F-4D97-AF65-F5344CB8AC3E}">
+        <p14:creationId xmlns:p14="http://schemas.microsoft.com/office/powerpoint/2010/main" val="3025140148"/>
+      </p:ext>
+    </p:extLst>
+  </p:cSld>
+  <p:clrMapOvr>
+    <a:masterClrMapping/>
+  </p:clrMapOvr>
+</p:sld>
+</file>
+
 <file path=ppt/tags/tag1.xml><?xml version="1.0" encoding="utf-8"?>
 <p:tagLst xmlns:a="http://schemas.openxmlformats.org/drawingml/2006/main" xmlns:r="http://schemas.openxmlformats.org/officeDocument/2006/relationships" xmlns:p="http://schemas.openxmlformats.org/presentationml/2006/main">
   <p:tag name="_INSTRUCTOR VIEW19C14C36-AC8E-43BC-9DB6-C2AAF774C7DC|PANE__TAG" val="_"/>
@@ -5711,6 +5889,18 @@
 </file>
 
 <file path=ppt/tags/tag11.xml><?xml version="1.0" encoding="utf-8"?>
+<p:tagLst xmlns:a="http://schemas.openxmlformats.org/drawingml/2006/main" xmlns:r="http://schemas.openxmlformats.org/officeDocument/2006/relationships" xmlns:p="http://schemas.openxmlformats.org/presentationml/2006/main">
+  <p:tag name="_INSTRUCTOR VIEW19C14C36-AC8E-43BC-9DB6-C2AAF774C7DC|PANE__TAG" val="_"/>
+</p:tagLst>
+</file>
+
+<file path=ppt/tags/tag12.xml><?xml version="1.0" encoding="utf-8"?>
+<p:tagLst xmlns:a="http://schemas.openxmlformats.org/drawingml/2006/main" xmlns:r="http://schemas.openxmlformats.org/officeDocument/2006/relationships" xmlns:p="http://schemas.openxmlformats.org/presentationml/2006/main">
+  <p:tag name="_INSTRUCTOR VIEW19C14C36-AC8E-43BC-9DB6-C2AAF774C7DC|PANE__TAG" val="_"/>
+</p:tagLst>
+</file>
+
+<file path=ppt/tags/tag13.xml><?xml version="1.0" encoding="utf-8"?>
 <p:tagLst xmlns:a="http://schemas.openxmlformats.org/drawingml/2006/main" xmlns:r="http://schemas.openxmlformats.org/officeDocument/2006/relationships" xmlns:p="http://schemas.openxmlformats.org/presentationml/2006/main">
   <p:tag name="_INSTRUCTOR VIEW19C14C36-AC8E-43BC-9DB6-C2AAF774C7DC|PANE__TAG" val="_"/>
 </p:tagLst>

--- a/slides/dailyannouncements_mf.pptx
+++ b/slides/dailyannouncements_mf.pptx
@@ -5,10 +5,10 @@
     <p:sldMasterId id="2147483728" r:id="rId1"/>
   </p:sldMasterIdLst>
   <p:notesMasterIdLst>
-    <p:notesMasterId r:id="rId10"/>
+    <p:notesMasterId r:id="rId13"/>
   </p:notesMasterIdLst>
   <p:handoutMasterIdLst>
-    <p:handoutMasterId r:id="rId11"/>
+    <p:handoutMasterId r:id="rId14"/>
   </p:handoutMasterIdLst>
   <p:sldIdLst>
     <p:sldId id="447" r:id="rId2"/>
@@ -19,11 +19,14 @@
     <p:sldId id="487" r:id="rId7"/>
     <p:sldId id="488" r:id="rId8"/>
     <p:sldId id="489" r:id="rId9"/>
+    <p:sldId id="490" r:id="rId10"/>
+    <p:sldId id="491" r:id="rId11"/>
+    <p:sldId id="492" r:id="rId12"/>
   </p:sldIdLst>
   <p:sldSz cx="9144000" cy="6858000" type="screen4x3"/>
   <p:notesSz cx="7315200" cy="9601200"/>
   <p:custDataLst>
-    <p:tags r:id="rId12"/>
+    <p:tags r:id="rId15"/>
   </p:custDataLst>
   <p:defaultTextStyle>
     <a:defPPr>
@@ -1023,7 +1026,7 @@
             <a:fld id="{E4886CB5-510A-4EF6-9466-BC7A8F0DDE87}" type="datetime1">
               <a:rPr lang="en-US" smtClean="0"/>
               <a:pPr/>
-              <a:t>3/1/21</a:t>
+              <a:t>3/10/21</a:t>
             </a:fld>
             <a:endParaRPr lang="en-US"/>
           </a:p>
@@ -1383,7 +1386,7 @@
             <a:fld id="{9B297853-24B4-4D05-83E4-0AD2E86C55E5}" type="datetime1">
               <a:rPr lang="en-US" smtClean="0"/>
               <a:pPr/>
-              <a:t>3/1/21</a:t>
+              <a:t>3/10/21</a:t>
             </a:fld>
             <a:endParaRPr lang="en-US"/>
           </a:p>
@@ -1559,7 +1562,7 @@
             <a:fld id="{01FCDD9E-5768-4705-9537-0C020B1BB310}" type="datetime1">
               <a:rPr lang="en-US" smtClean="0"/>
               <a:pPr/>
-              <a:t>3/1/21</a:t>
+              <a:t>3/10/21</a:t>
             </a:fld>
             <a:endParaRPr lang="en-US"/>
           </a:p>
@@ -1795,7 +1798,7 @@
             <a:fld id="{4257C27E-59C2-41CA-9776-94955CBEE440}" type="datetime1">
               <a:rPr lang="en-US" smtClean="0"/>
               <a:pPr/>
-              <a:t>3/1/21</a:t>
+              <a:t>3/10/21</a:t>
             </a:fld>
             <a:endParaRPr lang="en-US"/>
           </a:p>
@@ -2081,7 +2084,7 @@
             <a:fld id="{03180747-A137-49C6-9C74-AB7EE86F4904}" type="datetime1">
               <a:rPr lang="en-US" smtClean="0"/>
               <a:pPr/>
-              <a:t>3/1/21</a:t>
+              <a:t>3/10/21</a:t>
             </a:fld>
             <a:endParaRPr lang="en-US"/>
           </a:p>
@@ -2302,7 +2305,7 @@
             <a:fld id="{EBBA31D9-ADC1-480D-86A8-1EAFB6A86A35}" type="datetime1">
               <a:rPr lang="en-US" smtClean="0"/>
               <a:pPr/>
-              <a:t>3/1/21</a:t>
+              <a:t>3/10/21</a:t>
             </a:fld>
             <a:endParaRPr lang="en-US"/>
           </a:p>
@@ -2655,7 +2658,7 @@
             <a:fld id="{80AAE9AE-3B2F-4DEA-8C41-BDDF4CDF6F40}" type="datetime1">
               <a:rPr lang="en-US" smtClean="0"/>
               <a:pPr/>
-              <a:t>3/1/21</a:t>
+              <a:t>3/10/21</a:t>
             </a:fld>
             <a:endParaRPr lang="en-US"/>
           </a:p>
@@ -2888,7 +2891,7 @@
             <a:fld id="{48252F7F-E8FE-413B-8521-D4ED924C6DE5}" type="datetime1">
               <a:rPr lang="en-US" smtClean="0"/>
               <a:pPr/>
-              <a:t>3/1/21</a:t>
+              <a:t>3/10/21</a:t>
             </a:fld>
             <a:endParaRPr lang="en-US"/>
           </a:p>
@@ -3030,7 +3033,7 @@
             <a:fld id="{2FF1B124-70E3-4E4A-90E2-6B55DB7659B3}" type="datetime1">
               <a:rPr lang="en-US" smtClean="0"/>
               <a:pPr/>
-              <a:t>3/1/21</a:t>
+              <a:t>3/10/21</a:t>
             </a:fld>
             <a:endParaRPr lang="en-US"/>
           </a:p>
@@ -3308,7 +3311,7 @@
             <a:fld id="{4EBF4C98-3CD6-4C87-BD40-5718C2628835}" type="datetime1">
               <a:rPr lang="en-US" smtClean="0"/>
               <a:pPr/>
-              <a:t>3/1/21</a:t>
+              <a:t>3/10/21</a:t>
             </a:fld>
             <a:endParaRPr lang="en-US"/>
           </a:p>
@@ -3716,7 +3719,7 @@
             <a:fld id="{6D6408A8-6B1B-4CDA-875E-7BEECDBA31DF}" type="datetime1">
               <a:rPr lang="en-US" smtClean="0"/>
               <a:pPr/>
-              <a:t>3/1/21</a:t>
+              <a:t>3/10/21</a:t>
             </a:fld>
             <a:endParaRPr lang="en-US"/>
           </a:p>
@@ -4054,7 +4057,7 @@
             <a:fld id="{C55AAF07-D2F5-4B3C-B443-40DE8C337A77}" type="datetime1">
               <a:rPr lang="en-US" smtClean="0"/>
               <a:pPr/>
-              <a:t>3/1/21</a:t>
+              <a:t>3/10/21</a:t>
             </a:fld>
             <a:endParaRPr lang="en-US"/>
           </a:p>
@@ -4724,6 +4727,382 @@
 </p:sld>
 </file>
 
+<file path=ppt/slides/slide10.xml><?xml version="1.0" encoding="utf-8"?>
+<p:sld xmlns:a="http://schemas.openxmlformats.org/drawingml/2006/main" xmlns:r="http://schemas.openxmlformats.org/officeDocument/2006/relationships" xmlns:p="http://schemas.openxmlformats.org/presentationml/2006/main">
+  <p:cSld>
+    <p:spTree>
+      <p:nvGrpSpPr>
+        <p:cNvPr id="1" name=""/>
+        <p:cNvGrpSpPr/>
+        <p:nvPr/>
+      </p:nvGrpSpPr>
+      <p:grpSpPr>
+        <a:xfrm>
+          <a:off x="0" y="0"/>
+          <a:ext cx="0" cy="0"/>
+          <a:chOff x="0" y="0"/>
+          <a:chExt cx="0" cy="0"/>
+        </a:xfrm>
+      </p:grpSpPr>
+      <p:sp>
+        <p:nvSpPr>
+          <p:cNvPr id="6146" name="Rectangle 2"/>
+          <p:cNvSpPr>
+            <a:spLocks noGrp="1" noChangeArrowheads="1"/>
+          </p:cNvSpPr>
+          <p:nvPr>
+            <p:ph type="title"/>
+            <p:custDataLst>
+              <p:tags r:id="rId1"/>
+            </p:custDataLst>
+          </p:nvPr>
+        </p:nvSpPr>
+        <p:spPr/>
+        <p:txBody>
+          <a:bodyPr/>
+          <a:lstStyle/>
+          <a:p>
+            <a:r>
+              <a:rPr lang="en-US" dirty="0"/>
+              <a:t>Monday, Mar. 8</a:t>
+            </a:r>
+          </a:p>
+        </p:txBody>
+      </p:sp>
+      <p:sp>
+        <p:nvSpPr>
+          <p:cNvPr id="6147" name="Rectangle 3"/>
+          <p:cNvSpPr>
+            <a:spLocks noGrp="1" noChangeArrowheads="1"/>
+          </p:cNvSpPr>
+          <p:nvPr>
+            <p:ph sz="quarter" idx="1"/>
+            <p:custDataLst>
+              <p:tags r:id="rId2"/>
+            </p:custDataLst>
+          </p:nvPr>
+        </p:nvSpPr>
+        <p:spPr>
+          <a:xfrm>
+            <a:off x="381000" y="1371600"/>
+            <a:ext cx="8255000" cy="5105400"/>
+          </a:xfrm>
+        </p:spPr>
+        <p:txBody>
+          <a:bodyPr>
+            <a:normAutofit/>
+          </a:bodyPr>
+          <a:lstStyle/>
+          <a:p>
+            <a:r>
+              <a:rPr lang="en-US" dirty="0"/>
+              <a:t>Quiz 1 is over. I hope it went ok</a:t>
+            </a:r>
+          </a:p>
+          <a:p>
+            <a:pPr lvl="1"/>
+            <a:r>
+              <a:rPr lang="en-US" dirty="0"/>
+              <a:t>Results will be available soon.</a:t>
+            </a:r>
+          </a:p>
+          <a:p>
+            <a:r>
+              <a:rPr lang="en-US" dirty="0"/>
+              <a:t>Recommended schedule up on schedule page of website. </a:t>
+            </a:r>
+          </a:p>
+          <a:p>
+            <a:pPr lvl="1"/>
+            <a:r>
+              <a:rPr lang="en-US" dirty="0"/>
+              <a:t>Recommended that you do a basic module 2 </a:t>
+            </a:r>
+            <a:r>
+              <a:rPr lang="en-US" dirty="0" err="1"/>
+              <a:t>hw</a:t>
+            </a:r>
+            <a:r>
+              <a:rPr lang="en-US" dirty="0"/>
+              <a:t> this week</a:t>
+            </a:r>
+          </a:p>
+          <a:p>
+            <a:r>
+              <a:rPr lang="en-US" dirty="0"/>
+              <a:t>New way to submit programming </a:t>
+            </a:r>
+            <a:r>
+              <a:rPr lang="en-US" dirty="0" err="1"/>
+              <a:t>hw</a:t>
+            </a:r>
+            <a:r>
+              <a:rPr lang="en-US" dirty="0"/>
+              <a:t>!!</a:t>
+            </a:r>
+          </a:p>
+          <a:p>
+            <a:r>
+              <a:rPr lang="en-US" dirty="0"/>
+              <a:t>All written assignments have been graded</a:t>
+            </a:r>
+          </a:p>
+          <a:p>
+            <a:pPr lvl="1"/>
+            <a:r>
+              <a:rPr lang="en-US" dirty="0"/>
+              <a:t>Except a few that just came in last 24 hours.</a:t>
+            </a:r>
+          </a:p>
+          <a:p>
+            <a:pPr lvl="1"/>
+            <a:r>
+              <a:rPr lang="en-US" dirty="0"/>
+              <a:t>Quick clarification on resubmissions…</a:t>
+            </a:r>
+          </a:p>
+          <a:p>
+            <a:r>
+              <a:rPr lang="en-US" dirty="0"/>
+              <a:t>Hard deadline for module 1 is THIS Wednesday!</a:t>
+            </a:r>
+          </a:p>
+          <a:p>
+            <a:r>
+              <a:rPr lang="en-US" dirty="0"/>
+              <a:t>Office hours going ok? </a:t>
+            </a:r>
+          </a:p>
+          <a:p>
+            <a:r>
+              <a:rPr lang="en-US" dirty="0"/>
+              <a:t>Today we will solve some graph problems.</a:t>
+            </a:r>
+          </a:p>
+        </p:txBody>
+      </p:sp>
+      <p:sp>
+        <p:nvSpPr>
+          <p:cNvPr id="4" name="Slide Number Placeholder 3"/>
+          <p:cNvSpPr>
+            <a:spLocks noGrp="1"/>
+          </p:cNvSpPr>
+          <p:nvPr>
+            <p:ph type="sldNum" sz="quarter" idx="12"/>
+          </p:nvPr>
+        </p:nvSpPr>
+        <p:spPr/>
+        <p:txBody>
+          <a:bodyPr/>
+          <a:lstStyle/>
+          <a:p>
+            <a:fld id="{F26D9103-0C5C-48AC-B68E-3ED2C1647047}" type="slidenum">
+              <a:rPr lang="en-US" smtClean="0"/>
+              <a:pPr/>
+              <a:t>10</a:t>
+            </a:fld>
+            <a:endParaRPr lang="en-US" dirty="0"/>
+          </a:p>
+        </p:txBody>
+      </p:sp>
+    </p:spTree>
+    <p:extLst>
+      <p:ext uri="{BB962C8B-B14F-4D97-AF65-F5344CB8AC3E}">
+        <p14:creationId xmlns:p14="http://schemas.microsoft.com/office/powerpoint/2010/main" val="1037300725"/>
+      </p:ext>
+    </p:extLst>
+  </p:cSld>
+  <p:clrMapOvr>
+    <a:masterClrMapping/>
+  </p:clrMapOvr>
+</p:sld>
+</file>
+
+<file path=ppt/slides/slide11.xml><?xml version="1.0" encoding="utf-8"?>
+<p:sld xmlns:a="http://schemas.openxmlformats.org/drawingml/2006/main" xmlns:r="http://schemas.openxmlformats.org/officeDocument/2006/relationships" xmlns:p="http://schemas.openxmlformats.org/presentationml/2006/main">
+  <p:cSld>
+    <p:spTree>
+      <p:nvGrpSpPr>
+        <p:cNvPr id="1" name=""/>
+        <p:cNvGrpSpPr/>
+        <p:nvPr/>
+      </p:nvGrpSpPr>
+      <p:grpSpPr>
+        <a:xfrm>
+          <a:off x="0" y="0"/>
+          <a:ext cx="0" cy="0"/>
+          <a:chOff x="0" y="0"/>
+          <a:chExt cx="0" cy="0"/>
+        </a:xfrm>
+      </p:grpSpPr>
+      <p:sp>
+        <p:nvSpPr>
+          <p:cNvPr id="6146" name="Rectangle 2"/>
+          <p:cNvSpPr>
+            <a:spLocks noGrp="1" noChangeArrowheads="1"/>
+          </p:cNvSpPr>
+          <p:nvPr>
+            <p:ph type="title"/>
+            <p:custDataLst>
+              <p:tags r:id="rId1"/>
+            </p:custDataLst>
+          </p:nvPr>
+        </p:nvSpPr>
+        <p:spPr/>
+        <p:txBody>
+          <a:bodyPr/>
+          <a:lstStyle/>
+          <a:p>
+            <a:r>
+              <a:rPr lang="en-US" dirty="0"/>
+              <a:t>Wednesday, Mar. 10</a:t>
+            </a:r>
+          </a:p>
+        </p:txBody>
+      </p:sp>
+      <p:sp>
+        <p:nvSpPr>
+          <p:cNvPr id="6147" name="Rectangle 3"/>
+          <p:cNvSpPr>
+            <a:spLocks noGrp="1" noChangeArrowheads="1"/>
+          </p:cNvSpPr>
+          <p:nvPr>
+            <p:ph sz="quarter" idx="1"/>
+            <p:custDataLst>
+              <p:tags r:id="rId2"/>
+            </p:custDataLst>
+          </p:nvPr>
+        </p:nvSpPr>
+        <p:spPr>
+          <a:xfrm>
+            <a:off x="381000" y="1371600"/>
+            <a:ext cx="8255000" cy="5105400"/>
+          </a:xfrm>
+        </p:spPr>
+        <p:txBody>
+          <a:bodyPr>
+            <a:normAutofit/>
+          </a:bodyPr>
+          <a:lstStyle/>
+          <a:p>
+            <a:r>
+              <a:rPr lang="en-US" dirty="0"/>
+              <a:t>Quiz 1 is over. I hope it went ok</a:t>
+            </a:r>
+          </a:p>
+          <a:p>
+            <a:pPr lvl="1"/>
+            <a:r>
+              <a:rPr lang="en-US" dirty="0"/>
+              <a:t>Results will be available soon.</a:t>
+            </a:r>
+          </a:p>
+          <a:p>
+            <a:pPr lvl="1"/>
+            <a:r>
+              <a:rPr lang="en-US" dirty="0"/>
+              <a:t>We are going to regrade a couple of questions first</a:t>
+            </a:r>
+          </a:p>
+          <a:p>
+            <a:r>
+              <a:rPr lang="en-US" dirty="0"/>
+              <a:t>Recommended schedule up on schedule page of website. </a:t>
+            </a:r>
+          </a:p>
+          <a:p>
+            <a:pPr lvl="1"/>
+            <a:r>
+              <a:rPr lang="en-US" dirty="0"/>
+              <a:t>Recommended that you do a basic module 2 </a:t>
+            </a:r>
+            <a:r>
+              <a:rPr lang="en-US" dirty="0" err="1"/>
+              <a:t>hw</a:t>
+            </a:r>
+            <a:r>
+              <a:rPr lang="en-US" dirty="0"/>
+              <a:t> this week</a:t>
+            </a:r>
+          </a:p>
+          <a:p>
+            <a:r>
+              <a:rPr lang="en-US" dirty="0"/>
+              <a:t>New way to submit programming </a:t>
+            </a:r>
+            <a:r>
+              <a:rPr lang="en-US" dirty="0" err="1"/>
+              <a:t>hw</a:t>
+            </a:r>
+            <a:r>
+              <a:rPr lang="en-US" dirty="0"/>
+              <a:t>!!</a:t>
+            </a:r>
+          </a:p>
+          <a:p>
+            <a:r>
+              <a:rPr lang="en-US" dirty="0"/>
+              <a:t>Hard deadline for module 1 is TONIGHT!!</a:t>
+            </a:r>
+          </a:p>
+          <a:p>
+            <a:pPr lvl="1"/>
+            <a:r>
+              <a:rPr lang="en-US" dirty="0"/>
+              <a:t>We “mostly” kept up with grading. We have a better scheme moving forward I think.</a:t>
+            </a:r>
+          </a:p>
+          <a:p>
+            <a:r>
+              <a:rPr lang="en-US" dirty="0"/>
+              <a:t>Office hours going ok? </a:t>
+            </a:r>
+          </a:p>
+          <a:p>
+            <a:r>
+              <a:rPr lang="en-US" dirty="0"/>
+              <a:t>Today we will solve some more graph problems.</a:t>
+            </a:r>
+          </a:p>
+        </p:txBody>
+      </p:sp>
+      <p:sp>
+        <p:nvSpPr>
+          <p:cNvPr id="4" name="Slide Number Placeholder 3"/>
+          <p:cNvSpPr>
+            <a:spLocks noGrp="1"/>
+          </p:cNvSpPr>
+          <p:nvPr>
+            <p:ph type="sldNum" sz="quarter" idx="12"/>
+          </p:nvPr>
+        </p:nvSpPr>
+        <p:spPr/>
+        <p:txBody>
+          <a:bodyPr/>
+          <a:lstStyle/>
+          <a:p>
+            <a:fld id="{F26D9103-0C5C-48AC-B68E-3ED2C1647047}" type="slidenum">
+              <a:rPr lang="en-US" smtClean="0"/>
+              <a:pPr/>
+              <a:t>11</a:t>
+            </a:fld>
+            <a:endParaRPr lang="en-US" dirty="0"/>
+          </a:p>
+        </p:txBody>
+      </p:sp>
+    </p:spTree>
+    <p:extLst>
+      <p:ext uri="{BB962C8B-B14F-4D97-AF65-F5344CB8AC3E}">
+        <p14:creationId xmlns:p14="http://schemas.microsoft.com/office/powerpoint/2010/main" val="2195936589"/>
+      </p:ext>
+    </p:extLst>
+  </p:cSld>
+  <p:clrMapOvr>
+    <a:masterClrMapping/>
+  </p:clrMapOvr>
+</p:sld>
+</file>
+
 <file path=ppt/slides/slide2.xml><?xml version="1.0" encoding="utf-8"?>
 <p:sld xmlns:a="http://schemas.openxmlformats.org/drawingml/2006/main" xmlns:r="http://schemas.openxmlformats.org/officeDocument/2006/relationships" xmlns:p="http://schemas.openxmlformats.org/presentationml/2006/main">
   <p:cSld>
@@ -5867,6 +6246,213 @@
     <p:extLst>
       <p:ext uri="{BB962C8B-B14F-4D97-AF65-F5344CB8AC3E}">
         <p14:creationId xmlns:p14="http://schemas.microsoft.com/office/powerpoint/2010/main" val="3025140148"/>
+      </p:ext>
+    </p:extLst>
+  </p:cSld>
+  <p:clrMapOvr>
+    <a:masterClrMapping/>
+  </p:clrMapOvr>
+</p:sld>
+</file>
+
+<file path=ppt/slides/slide9.xml><?xml version="1.0" encoding="utf-8"?>
+<p:sld xmlns:a="http://schemas.openxmlformats.org/drawingml/2006/main" xmlns:r="http://schemas.openxmlformats.org/officeDocument/2006/relationships" xmlns:p="http://schemas.openxmlformats.org/presentationml/2006/main">
+  <p:cSld>
+    <p:spTree>
+      <p:nvGrpSpPr>
+        <p:cNvPr id="1" name=""/>
+        <p:cNvGrpSpPr/>
+        <p:nvPr/>
+      </p:nvGrpSpPr>
+      <p:grpSpPr>
+        <a:xfrm>
+          <a:off x="0" y="0"/>
+          <a:ext cx="0" cy="0"/>
+          <a:chOff x="0" y="0"/>
+          <a:chExt cx="0" cy="0"/>
+        </a:xfrm>
+      </p:grpSpPr>
+      <p:sp>
+        <p:nvSpPr>
+          <p:cNvPr id="6146" name="Rectangle 2"/>
+          <p:cNvSpPr>
+            <a:spLocks noGrp="1" noChangeArrowheads="1"/>
+          </p:cNvSpPr>
+          <p:nvPr>
+            <p:ph type="title"/>
+            <p:custDataLst>
+              <p:tags r:id="rId1"/>
+            </p:custDataLst>
+          </p:nvPr>
+        </p:nvSpPr>
+        <p:spPr/>
+        <p:txBody>
+          <a:bodyPr/>
+          <a:lstStyle/>
+          <a:p>
+            <a:r>
+              <a:rPr lang="en-US" dirty="0"/>
+              <a:t>Wednesday, Mar. 3</a:t>
+            </a:r>
+          </a:p>
+        </p:txBody>
+      </p:sp>
+      <p:sp>
+        <p:nvSpPr>
+          <p:cNvPr id="6147" name="Rectangle 3"/>
+          <p:cNvSpPr>
+            <a:spLocks noGrp="1" noChangeArrowheads="1"/>
+          </p:cNvSpPr>
+          <p:nvPr>
+            <p:ph sz="quarter" idx="1"/>
+            <p:custDataLst>
+              <p:tags r:id="rId2"/>
+            </p:custDataLst>
+          </p:nvPr>
+        </p:nvSpPr>
+        <p:spPr>
+          <a:xfrm>
+            <a:off x="381000" y="1371600"/>
+            <a:ext cx="8255000" cy="5105400"/>
+          </a:xfrm>
+        </p:spPr>
+        <p:txBody>
+          <a:bodyPr>
+            <a:normAutofit/>
+          </a:bodyPr>
+          <a:lstStyle/>
+          <a:p>
+            <a:r>
+              <a:rPr lang="en-US" dirty="0"/>
+              <a:t>We are officially starting module 2!</a:t>
+            </a:r>
+          </a:p>
+          <a:p>
+            <a:r>
+              <a:rPr lang="en-US" dirty="0"/>
+              <a:t>Recommended schedule up on schedule page of website. </a:t>
+            </a:r>
+          </a:p>
+          <a:p>
+            <a:pPr lvl="1"/>
+            <a:r>
+              <a:rPr lang="en-US" dirty="0"/>
+              <a:t>Recommended that you are doing an advanced </a:t>
+            </a:r>
+            <a:r>
+              <a:rPr lang="en-US" dirty="0" err="1"/>
+              <a:t>hw</a:t>
+            </a:r>
+            <a:r>
+              <a:rPr lang="en-US" dirty="0"/>
+              <a:t> this week</a:t>
+            </a:r>
+          </a:p>
+          <a:p>
+            <a:pPr lvl="1"/>
+            <a:r>
+              <a:rPr lang="en-US" dirty="0"/>
+              <a:t>one of the two basic </a:t>
+            </a:r>
+            <a:r>
+              <a:rPr lang="en-US" dirty="0" err="1"/>
+              <a:t>hw</a:t>
+            </a:r>
+            <a:r>
+              <a:rPr lang="en-US" dirty="0"/>
+              <a:t> in module 2 next week</a:t>
+            </a:r>
+          </a:p>
+          <a:p>
+            <a:r>
+              <a:rPr lang="en-US" dirty="0"/>
+              <a:t>New way to submit programming </a:t>
+            </a:r>
+            <a:r>
+              <a:rPr lang="en-US" dirty="0" err="1"/>
+              <a:t>hw</a:t>
+            </a:r>
+            <a:r>
+              <a:rPr lang="en-US" dirty="0"/>
+              <a:t>!!</a:t>
+            </a:r>
+          </a:p>
+          <a:p>
+            <a:r>
+              <a:rPr lang="en-US" dirty="0"/>
+              <a:t>Written </a:t>
+            </a:r>
+            <a:r>
+              <a:rPr lang="en-US" dirty="0" err="1"/>
+              <a:t>hws</a:t>
+            </a:r>
+            <a:r>
+              <a:rPr lang="en-US" dirty="0"/>
+              <a:t> graded if submitted before soft deadline.</a:t>
+            </a:r>
+          </a:p>
+          <a:p>
+            <a:pPr lvl="1"/>
+            <a:r>
+              <a:rPr lang="en-US" dirty="0"/>
+              <a:t>Will keep working through the rest as well.</a:t>
+            </a:r>
+          </a:p>
+          <a:p>
+            <a:r>
+              <a:rPr lang="en-US" dirty="0"/>
+              <a:t>First quiz is THIS Friday</a:t>
+            </a:r>
+          </a:p>
+          <a:p>
+            <a:pPr lvl="1"/>
+            <a:r>
+              <a:rPr lang="en-US" dirty="0"/>
+              <a:t>Specific details will be announced on Discord</a:t>
+            </a:r>
+          </a:p>
+          <a:p>
+            <a:r>
+              <a:rPr lang="en-US" dirty="0"/>
+              <a:t>Office hours going ok? </a:t>
+            </a:r>
+          </a:p>
+          <a:p>
+            <a:r>
+              <a:rPr lang="en-US" dirty="0"/>
+              <a:t>Today we talk more about find-union and related things! </a:t>
+            </a:r>
+          </a:p>
+        </p:txBody>
+      </p:sp>
+      <p:sp>
+        <p:nvSpPr>
+          <p:cNvPr id="4" name="Slide Number Placeholder 3"/>
+          <p:cNvSpPr>
+            <a:spLocks noGrp="1"/>
+          </p:cNvSpPr>
+          <p:nvPr>
+            <p:ph type="sldNum" sz="quarter" idx="12"/>
+          </p:nvPr>
+        </p:nvSpPr>
+        <p:spPr/>
+        <p:txBody>
+          <a:bodyPr/>
+          <a:lstStyle/>
+          <a:p>
+            <a:fld id="{F26D9103-0C5C-48AC-B68E-3ED2C1647047}" type="slidenum">
+              <a:rPr lang="en-US" smtClean="0"/>
+              <a:pPr/>
+              <a:t>9</a:t>
+            </a:fld>
+            <a:endParaRPr lang="en-US" dirty="0"/>
+          </a:p>
+        </p:txBody>
+      </p:sp>
+    </p:spTree>
+    <p:extLst>
+      <p:ext uri="{BB962C8B-B14F-4D97-AF65-F5344CB8AC3E}">
+        <p14:creationId xmlns:p14="http://schemas.microsoft.com/office/powerpoint/2010/main" val="292848164"/>
       </p:ext>
     </p:extLst>
   </p:cSld>
@@ -5901,6 +6487,42 @@
 </file>
 
 <file path=ppt/tags/tag13.xml><?xml version="1.0" encoding="utf-8"?>
+<p:tagLst xmlns:a="http://schemas.openxmlformats.org/drawingml/2006/main" xmlns:r="http://schemas.openxmlformats.org/officeDocument/2006/relationships" xmlns:p="http://schemas.openxmlformats.org/presentationml/2006/main">
+  <p:tag name="_INSTRUCTOR VIEW19C14C36-AC8E-43BC-9DB6-C2AAF774C7DC|PANE__TAG" val="_"/>
+</p:tagLst>
+</file>
+
+<file path=ppt/tags/tag14.xml><?xml version="1.0" encoding="utf-8"?>
+<p:tagLst xmlns:a="http://schemas.openxmlformats.org/drawingml/2006/main" xmlns:r="http://schemas.openxmlformats.org/officeDocument/2006/relationships" xmlns:p="http://schemas.openxmlformats.org/presentationml/2006/main">
+  <p:tag name="_INSTRUCTOR VIEW19C14C36-AC8E-43BC-9DB6-C2AAF774C7DC|PANE__TAG" val="_"/>
+</p:tagLst>
+</file>
+
+<file path=ppt/tags/tag15.xml><?xml version="1.0" encoding="utf-8"?>
+<p:tagLst xmlns:a="http://schemas.openxmlformats.org/drawingml/2006/main" xmlns:r="http://schemas.openxmlformats.org/officeDocument/2006/relationships" xmlns:p="http://schemas.openxmlformats.org/presentationml/2006/main">
+  <p:tag name="_INSTRUCTOR VIEW19C14C36-AC8E-43BC-9DB6-C2AAF774C7DC|PANE__TAG" val="_"/>
+</p:tagLst>
+</file>
+
+<file path=ppt/tags/tag16.xml><?xml version="1.0" encoding="utf-8"?>
+<p:tagLst xmlns:a="http://schemas.openxmlformats.org/drawingml/2006/main" xmlns:r="http://schemas.openxmlformats.org/officeDocument/2006/relationships" xmlns:p="http://schemas.openxmlformats.org/presentationml/2006/main">
+  <p:tag name="_INSTRUCTOR VIEW19C14C36-AC8E-43BC-9DB6-C2AAF774C7DC|PANE__TAG" val="_"/>
+</p:tagLst>
+</file>
+
+<file path=ppt/tags/tag17.xml><?xml version="1.0" encoding="utf-8"?>
+<p:tagLst xmlns:a="http://schemas.openxmlformats.org/drawingml/2006/main" xmlns:r="http://schemas.openxmlformats.org/officeDocument/2006/relationships" xmlns:p="http://schemas.openxmlformats.org/presentationml/2006/main">
+  <p:tag name="_INSTRUCTOR VIEW19C14C36-AC8E-43BC-9DB6-C2AAF774C7DC|PANE__TAG" val="_"/>
+</p:tagLst>
+</file>
+
+<file path=ppt/tags/tag18.xml><?xml version="1.0" encoding="utf-8"?>
+<p:tagLst xmlns:a="http://schemas.openxmlformats.org/drawingml/2006/main" xmlns:r="http://schemas.openxmlformats.org/officeDocument/2006/relationships" xmlns:p="http://schemas.openxmlformats.org/presentationml/2006/main">
+  <p:tag name="_INSTRUCTOR VIEW19C14C36-AC8E-43BC-9DB6-C2AAF774C7DC|PANE__TAG" val="_"/>
+</p:tagLst>
+</file>
+
+<file path=ppt/tags/tag19.xml><?xml version="1.0" encoding="utf-8"?>
 <p:tagLst xmlns:a="http://schemas.openxmlformats.org/drawingml/2006/main" xmlns:r="http://schemas.openxmlformats.org/officeDocument/2006/relationships" xmlns:p="http://schemas.openxmlformats.org/presentationml/2006/main">
   <p:tag name="_INSTRUCTOR VIEW19C14C36-AC8E-43BC-9DB6-C2AAF774C7DC|PANE__TAG" val="_"/>
 </p:tagLst>

--- a/slides/dailyannouncements_mf.pptx
+++ b/slides/dailyannouncements_mf.pptx
@@ -5,10 +5,10 @@
     <p:sldMasterId id="2147483728" r:id="rId1"/>
   </p:sldMasterIdLst>
   <p:notesMasterIdLst>
-    <p:notesMasterId r:id="rId13"/>
+    <p:notesMasterId r:id="rId15"/>
   </p:notesMasterIdLst>
   <p:handoutMasterIdLst>
-    <p:handoutMasterId r:id="rId14"/>
+    <p:handoutMasterId r:id="rId16"/>
   </p:handoutMasterIdLst>
   <p:sldIdLst>
     <p:sldId id="447" r:id="rId2"/>
@@ -22,11 +22,13 @@
     <p:sldId id="490" r:id="rId10"/>
     <p:sldId id="491" r:id="rId11"/>
     <p:sldId id="492" r:id="rId12"/>
+    <p:sldId id="493" r:id="rId13"/>
+    <p:sldId id="494" r:id="rId14"/>
   </p:sldIdLst>
   <p:sldSz cx="9144000" cy="6858000" type="screen4x3"/>
   <p:notesSz cx="7315200" cy="9601200"/>
   <p:custDataLst>
-    <p:tags r:id="rId15"/>
+    <p:tags r:id="rId17"/>
   </p:custDataLst>
   <p:defaultTextStyle>
     <a:defPPr>
@@ -1026,7 +1028,7 @@
             <a:fld id="{E4886CB5-510A-4EF6-9466-BC7A8F0DDE87}" type="datetime1">
               <a:rPr lang="en-US" smtClean="0"/>
               <a:pPr/>
-              <a:t>3/10/21</a:t>
+              <a:t>3/17/21</a:t>
             </a:fld>
             <a:endParaRPr lang="en-US"/>
           </a:p>
@@ -1386,7 +1388,7 @@
             <a:fld id="{9B297853-24B4-4D05-83E4-0AD2E86C55E5}" type="datetime1">
               <a:rPr lang="en-US" smtClean="0"/>
               <a:pPr/>
-              <a:t>3/10/21</a:t>
+              <a:t>3/17/21</a:t>
             </a:fld>
             <a:endParaRPr lang="en-US"/>
           </a:p>
@@ -1562,7 +1564,7 @@
             <a:fld id="{01FCDD9E-5768-4705-9537-0C020B1BB310}" type="datetime1">
               <a:rPr lang="en-US" smtClean="0"/>
               <a:pPr/>
-              <a:t>3/10/21</a:t>
+              <a:t>3/17/21</a:t>
             </a:fld>
             <a:endParaRPr lang="en-US"/>
           </a:p>
@@ -1798,7 +1800,7 @@
             <a:fld id="{4257C27E-59C2-41CA-9776-94955CBEE440}" type="datetime1">
               <a:rPr lang="en-US" smtClean="0"/>
               <a:pPr/>
-              <a:t>3/10/21</a:t>
+              <a:t>3/17/21</a:t>
             </a:fld>
             <a:endParaRPr lang="en-US"/>
           </a:p>
@@ -2084,7 +2086,7 @@
             <a:fld id="{03180747-A137-49C6-9C74-AB7EE86F4904}" type="datetime1">
               <a:rPr lang="en-US" smtClean="0"/>
               <a:pPr/>
-              <a:t>3/10/21</a:t>
+              <a:t>3/17/21</a:t>
             </a:fld>
             <a:endParaRPr lang="en-US"/>
           </a:p>
@@ -2305,7 +2307,7 @@
             <a:fld id="{EBBA31D9-ADC1-480D-86A8-1EAFB6A86A35}" type="datetime1">
               <a:rPr lang="en-US" smtClean="0"/>
               <a:pPr/>
-              <a:t>3/10/21</a:t>
+              <a:t>3/17/21</a:t>
             </a:fld>
             <a:endParaRPr lang="en-US"/>
           </a:p>
@@ -2658,7 +2660,7 @@
             <a:fld id="{80AAE9AE-3B2F-4DEA-8C41-BDDF4CDF6F40}" type="datetime1">
               <a:rPr lang="en-US" smtClean="0"/>
               <a:pPr/>
-              <a:t>3/10/21</a:t>
+              <a:t>3/17/21</a:t>
             </a:fld>
             <a:endParaRPr lang="en-US"/>
           </a:p>
@@ -2891,7 +2893,7 @@
             <a:fld id="{48252F7F-E8FE-413B-8521-D4ED924C6DE5}" type="datetime1">
               <a:rPr lang="en-US" smtClean="0"/>
               <a:pPr/>
-              <a:t>3/10/21</a:t>
+              <a:t>3/17/21</a:t>
             </a:fld>
             <a:endParaRPr lang="en-US"/>
           </a:p>
@@ -3033,7 +3035,7 @@
             <a:fld id="{2FF1B124-70E3-4E4A-90E2-6B55DB7659B3}" type="datetime1">
               <a:rPr lang="en-US" smtClean="0"/>
               <a:pPr/>
-              <a:t>3/10/21</a:t>
+              <a:t>3/17/21</a:t>
             </a:fld>
             <a:endParaRPr lang="en-US"/>
           </a:p>
@@ -3311,7 +3313,7 @@
             <a:fld id="{4EBF4C98-3CD6-4C87-BD40-5718C2628835}" type="datetime1">
               <a:rPr lang="en-US" smtClean="0"/>
               <a:pPr/>
-              <a:t>3/10/21</a:t>
+              <a:t>3/17/21</a:t>
             </a:fld>
             <a:endParaRPr lang="en-US"/>
           </a:p>
@@ -3719,7 +3721,7 @@
             <a:fld id="{6D6408A8-6B1B-4CDA-875E-7BEECDBA31DF}" type="datetime1">
               <a:rPr lang="en-US" smtClean="0"/>
               <a:pPr/>
-              <a:t>3/10/21</a:t>
+              <a:t>3/17/21</a:t>
             </a:fld>
             <a:endParaRPr lang="en-US"/>
           </a:p>
@@ -4057,7 +4059,7 @@
             <a:fld id="{C55AAF07-D2F5-4B3C-B443-40DE8C337A77}" type="datetime1">
               <a:rPr lang="en-US" smtClean="0"/>
               <a:pPr/>
-              <a:t>3/10/21</a:t>
+              <a:t>3/17/21</a:t>
             </a:fld>
             <a:endParaRPr lang="en-US"/>
           </a:p>
@@ -5103,6 +5105,370 @@
 </p:sld>
 </file>
 
+<file path=ppt/slides/slide12.xml><?xml version="1.0" encoding="utf-8"?>
+<p:sld xmlns:a="http://schemas.openxmlformats.org/drawingml/2006/main" xmlns:r="http://schemas.openxmlformats.org/officeDocument/2006/relationships" xmlns:p="http://schemas.openxmlformats.org/presentationml/2006/main">
+  <p:cSld>
+    <p:spTree>
+      <p:nvGrpSpPr>
+        <p:cNvPr id="1" name=""/>
+        <p:cNvGrpSpPr/>
+        <p:nvPr/>
+      </p:nvGrpSpPr>
+      <p:grpSpPr>
+        <a:xfrm>
+          <a:off x="0" y="0"/>
+          <a:ext cx="0" cy="0"/>
+          <a:chOff x="0" y="0"/>
+          <a:chExt cx="0" cy="0"/>
+        </a:xfrm>
+      </p:grpSpPr>
+      <p:sp>
+        <p:nvSpPr>
+          <p:cNvPr id="6146" name="Rectangle 2"/>
+          <p:cNvSpPr>
+            <a:spLocks noGrp="1" noChangeArrowheads="1"/>
+          </p:cNvSpPr>
+          <p:nvPr>
+            <p:ph type="title"/>
+            <p:custDataLst>
+              <p:tags r:id="rId1"/>
+            </p:custDataLst>
+          </p:nvPr>
+        </p:nvSpPr>
+        <p:spPr/>
+        <p:txBody>
+          <a:bodyPr/>
+          <a:lstStyle/>
+          <a:p>
+            <a:r>
+              <a:rPr lang="en-US" dirty="0"/>
+              <a:t>Monday, Mar. 15</a:t>
+            </a:r>
+          </a:p>
+        </p:txBody>
+      </p:sp>
+      <p:sp>
+        <p:nvSpPr>
+          <p:cNvPr id="6147" name="Rectangle 3"/>
+          <p:cNvSpPr>
+            <a:spLocks noGrp="1" noChangeArrowheads="1"/>
+          </p:cNvSpPr>
+          <p:nvPr>
+            <p:ph sz="quarter" idx="1"/>
+            <p:custDataLst>
+              <p:tags r:id="rId2"/>
+            </p:custDataLst>
+          </p:nvPr>
+        </p:nvSpPr>
+        <p:spPr>
+          <a:xfrm>
+            <a:off x="381000" y="1371600"/>
+            <a:ext cx="8255000" cy="5105400"/>
+          </a:xfrm>
+        </p:spPr>
+        <p:txBody>
+          <a:bodyPr>
+            <a:normAutofit lnSpcReduction="10000"/>
+          </a:bodyPr>
+          <a:lstStyle/>
+          <a:p>
+            <a:r>
+              <a:rPr lang="en-US" dirty="0"/>
+              <a:t>Quiz 1 thresholds released</a:t>
+            </a:r>
+          </a:p>
+          <a:p>
+            <a:pPr lvl="1"/>
+            <a:r>
+              <a:rPr lang="en-US" dirty="0"/>
+              <a:t>Several questions were regraded (check you score)</a:t>
+            </a:r>
+          </a:p>
+          <a:p>
+            <a:pPr lvl="1"/>
+            <a:r>
+              <a:rPr lang="en-US" dirty="0"/>
+              <a:t>Satisfied = 60% and Mastery = 70%</a:t>
+            </a:r>
+          </a:p>
+          <a:p>
+            <a:r>
+              <a:rPr lang="en-US" dirty="0"/>
+              <a:t>Recommended schedule up on schedule page of website. </a:t>
+            </a:r>
+          </a:p>
+          <a:p>
+            <a:pPr lvl="1"/>
+            <a:r>
+              <a:rPr lang="en-US" dirty="0"/>
+              <a:t>Recommended that you do another basic </a:t>
+            </a:r>
+            <a:r>
+              <a:rPr lang="en-US" dirty="0" err="1"/>
+              <a:t>hw</a:t>
+            </a:r>
+            <a:r>
+              <a:rPr lang="en-US" dirty="0"/>
+              <a:t> module 2 now</a:t>
+            </a:r>
+          </a:p>
+          <a:p>
+            <a:pPr lvl="1"/>
+            <a:r>
+              <a:rPr lang="en-US" dirty="0"/>
+              <a:t>New way to submit programming </a:t>
+            </a:r>
+            <a:r>
+              <a:rPr lang="en-US" dirty="0" err="1"/>
+              <a:t>hw</a:t>
+            </a:r>
+            <a:r>
+              <a:rPr lang="en-US" dirty="0"/>
+              <a:t>!!</a:t>
+            </a:r>
+          </a:p>
+          <a:p>
+            <a:r>
+              <a:rPr lang="en-US" dirty="0"/>
+              <a:t>Soft deadline for module 2 is Wednesday night</a:t>
+            </a:r>
+          </a:p>
+          <a:p>
+            <a:pPr lvl="1"/>
+            <a:r>
+              <a:rPr lang="en-US" dirty="0"/>
+              <a:t>Though we will try to get you feedback on your work if you submit after that.</a:t>
+            </a:r>
+          </a:p>
+          <a:p>
+            <a:r>
+              <a:rPr lang="en-US" dirty="0"/>
+              <a:t>Office hours going ok? </a:t>
+            </a:r>
+          </a:p>
+          <a:p>
+            <a:r>
+              <a:rPr lang="en-US" dirty="0"/>
+              <a:t>Today we will discuss wiring (if you want) and solve a graph problem</a:t>
+            </a:r>
+          </a:p>
+        </p:txBody>
+      </p:sp>
+      <p:sp>
+        <p:nvSpPr>
+          <p:cNvPr id="4" name="Slide Number Placeholder 3"/>
+          <p:cNvSpPr>
+            <a:spLocks noGrp="1"/>
+          </p:cNvSpPr>
+          <p:nvPr>
+            <p:ph type="sldNum" sz="quarter" idx="12"/>
+          </p:nvPr>
+        </p:nvSpPr>
+        <p:spPr/>
+        <p:txBody>
+          <a:bodyPr/>
+          <a:lstStyle/>
+          <a:p>
+            <a:fld id="{F26D9103-0C5C-48AC-B68E-3ED2C1647047}" type="slidenum">
+              <a:rPr lang="en-US" smtClean="0"/>
+              <a:pPr/>
+              <a:t>12</a:t>
+            </a:fld>
+            <a:endParaRPr lang="en-US" dirty="0"/>
+          </a:p>
+        </p:txBody>
+      </p:sp>
+    </p:spTree>
+    <p:extLst>
+      <p:ext uri="{BB962C8B-B14F-4D97-AF65-F5344CB8AC3E}">
+        <p14:creationId xmlns:p14="http://schemas.microsoft.com/office/powerpoint/2010/main" val="2824353517"/>
+      </p:ext>
+    </p:extLst>
+  </p:cSld>
+  <p:clrMapOvr>
+    <a:masterClrMapping/>
+  </p:clrMapOvr>
+</p:sld>
+</file>
+
+<file path=ppt/slides/slide13.xml><?xml version="1.0" encoding="utf-8"?>
+<p:sld xmlns:a="http://schemas.openxmlformats.org/drawingml/2006/main" xmlns:r="http://schemas.openxmlformats.org/officeDocument/2006/relationships" xmlns:p="http://schemas.openxmlformats.org/presentationml/2006/main">
+  <p:cSld>
+    <p:spTree>
+      <p:nvGrpSpPr>
+        <p:cNvPr id="1" name=""/>
+        <p:cNvGrpSpPr/>
+        <p:nvPr/>
+      </p:nvGrpSpPr>
+      <p:grpSpPr>
+        <a:xfrm>
+          <a:off x="0" y="0"/>
+          <a:ext cx="0" cy="0"/>
+          <a:chOff x="0" y="0"/>
+          <a:chExt cx="0" cy="0"/>
+        </a:xfrm>
+      </p:grpSpPr>
+      <p:sp>
+        <p:nvSpPr>
+          <p:cNvPr id="6146" name="Rectangle 2"/>
+          <p:cNvSpPr>
+            <a:spLocks noGrp="1" noChangeArrowheads="1"/>
+          </p:cNvSpPr>
+          <p:nvPr>
+            <p:ph type="title"/>
+            <p:custDataLst>
+              <p:tags r:id="rId1"/>
+            </p:custDataLst>
+          </p:nvPr>
+        </p:nvSpPr>
+        <p:spPr/>
+        <p:txBody>
+          <a:bodyPr/>
+          <a:lstStyle/>
+          <a:p>
+            <a:r>
+              <a:rPr lang="en-US" dirty="0"/>
+              <a:t>Wednesday, Mar. 17</a:t>
+            </a:r>
+          </a:p>
+        </p:txBody>
+      </p:sp>
+      <p:sp>
+        <p:nvSpPr>
+          <p:cNvPr id="6147" name="Rectangle 3"/>
+          <p:cNvSpPr>
+            <a:spLocks noGrp="1" noChangeArrowheads="1"/>
+          </p:cNvSpPr>
+          <p:nvPr>
+            <p:ph sz="quarter" idx="1"/>
+            <p:custDataLst>
+              <p:tags r:id="rId2"/>
+            </p:custDataLst>
+          </p:nvPr>
+        </p:nvSpPr>
+        <p:spPr>
+          <a:xfrm>
+            <a:off x="381000" y="1371600"/>
+            <a:ext cx="8255000" cy="5105400"/>
+          </a:xfrm>
+        </p:spPr>
+        <p:txBody>
+          <a:bodyPr>
+            <a:normAutofit/>
+          </a:bodyPr>
+          <a:lstStyle/>
+          <a:p>
+            <a:r>
+              <a:rPr lang="en-US" dirty="0"/>
+              <a:t>Quiz 1 thresholds released</a:t>
+            </a:r>
+          </a:p>
+          <a:p>
+            <a:pPr lvl="1"/>
+            <a:r>
+              <a:rPr lang="en-US" dirty="0"/>
+              <a:t>Several questions were regraded (check you score)</a:t>
+            </a:r>
+          </a:p>
+          <a:p>
+            <a:pPr lvl="1"/>
+            <a:r>
+              <a:rPr lang="en-US" dirty="0"/>
+              <a:t>Satisfied = 60% and Mastery = 70%</a:t>
+            </a:r>
+          </a:p>
+          <a:p>
+            <a:r>
+              <a:rPr lang="en-US" dirty="0"/>
+              <a:t>Recommended schedule up on schedule page of website. </a:t>
+            </a:r>
+          </a:p>
+          <a:p>
+            <a:pPr lvl="1"/>
+            <a:r>
+              <a:rPr lang="en-US" dirty="0"/>
+              <a:t>Good luck, I know module 2 is a little “scrunched”</a:t>
+            </a:r>
+          </a:p>
+          <a:p>
+            <a:r>
+              <a:rPr lang="en-US" dirty="0"/>
+              <a:t>Soft deadline for module 2 is Wednesday night (tonight!)</a:t>
+            </a:r>
+          </a:p>
+          <a:p>
+            <a:pPr lvl="1"/>
+            <a:r>
+              <a:rPr lang="en-US" dirty="0"/>
+              <a:t>Try to get at least something in if you want feedback.</a:t>
+            </a:r>
+          </a:p>
+          <a:p>
+            <a:r>
+              <a:rPr lang="en-US" dirty="0"/>
+              <a:t>We will be restructuring the final grade grading scheme </a:t>
+            </a:r>
+          </a:p>
+          <a:p>
+            <a:pPr lvl="1"/>
+            <a:r>
+              <a:rPr lang="en-US" dirty="0"/>
+              <a:t>It is a bit too harsh to folks who didn’t master a basic </a:t>
+            </a:r>
+            <a:r>
+              <a:rPr lang="en-US" dirty="0" err="1"/>
+              <a:t>hw</a:t>
+            </a:r>
+            <a:r>
+              <a:rPr lang="en-US" dirty="0"/>
+              <a:t> in module 1</a:t>
+            </a:r>
+          </a:p>
+          <a:p>
+            <a:r>
+              <a:rPr lang="en-US" dirty="0"/>
+              <a:t>Remember that next round of quizzing is next week.</a:t>
+            </a:r>
+          </a:p>
+        </p:txBody>
+      </p:sp>
+      <p:sp>
+        <p:nvSpPr>
+          <p:cNvPr id="4" name="Slide Number Placeholder 3"/>
+          <p:cNvSpPr>
+            <a:spLocks noGrp="1"/>
+          </p:cNvSpPr>
+          <p:nvPr>
+            <p:ph type="sldNum" sz="quarter" idx="12"/>
+          </p:nvPr>
+        </p:nvSpPr>
+        <p:spPr/>
+        <p:txBody>
+          <a:bodyPr/>
+          <a:lstStyle/>
+          <a:p>
+            <a:fld id="{F26D9103-0C5C-48AC-B68E-3ED2C1647047}" type="slidenum">
+              <a:rPr lang="en-US" smtClean="0"/>
+              <a:pPr/>
+              <a:t>13</a:t>
+            </a:fld>
+            <a:endParaRPr lang="en-US" dirty="0"/>
+          </a:p>
+        </p:txBody>
+      </p:sp>
+    </p:spTree>
+    <p:extLst>
+      <p:ext uri="{BB962C8B-B14F-4D97-AF65-F5344CB8AC3E}">
+        <p14:creationId xmlns:p14="http://schemas.microsoft.com/office/powerpoint/2010/main" val="4203438636"/>
+      </p:ext>
+    </p:extLst>
+  </p:cSld>
+  <p:clrMapOvr>
+    <a:masterClrMapping/>
+  </p:clrMapOvr>
+</p:sld>
+</file>
+
 <file path=ppt/slides/slide2.xml><?xml version="1.0" encoding="utf-8"?>
 <p:sld xmlns:a="http://schemas.openxmlformats.org/drawingml/2006/main" xmlns:r="http://schemas.openxmlformats.org/officeDocument/2006/relationships" xmlns:p="http://schemas.openxmlformats.org/presentationml/2006/main">
   <p:cSld>
@@ -6529,6 +6895,30 @@
 </file>
 
 <file path=ppt/tags/tag2.xml><?xml version="1.0" encoding="utf-8"?>
+<p:tagLst xmlns:a="http://schemas.openxmlformats.org/drawingml/2006/main" xmlns:r="http://schemas.openxmlformats.org/officeDocument/2006/relationships" xmlns:p="http://schemas.openxmlformats.org/presentationml/2006/main">
+  <p:tag name="_INSTRUCTOR VIEW19C14C36-AC8E-43BC-9DB6-C2AAF774C7DC|PANE__TAG" val="_"/>
+</p:tagLst>
+</file>
+
+<file path=ppt/tags/tag20.xml><?xml version="1.0" encoding="utf-8"?>
+<p:tagLst xmlns:a="http://schemas.openxmlformats.org/drawingml/2006/main" xmlns:r="http://schemas.openxmlformats.org/officeDocument/2006/relationships" xmlns:p="http://schemas.openxmlformats.org/presentationml/2006/main">
+  <p:tag name="_INSTRUCTOR VIEW19C14C36-AC8E-43BC-9DB6-C2AAF774C7DC|PANE__TAG" val="_"/>
+</p:tagLst>
+</file>
+
+<file path=ppt/tags/tag21.xml><?xml version="1.0" encoding="utf-8"?>
+<p:tagLst xmlns:a="http://schemas.openxmlformats.org/drawingml/2006/main" xmlns:r="http://schemas.openxmlformats.org/officeDocument/2006/relationships" xmlns:p="http://schemas.openxmlformats.org/presentationml/2006/main">
+  <p:tag name="_INSTRUCTOR VIEW19C14C36-AC8E-43BC-9DB6-C2AAF774C7DC|PANE__TAG" val="_"/>
+</p:tagLst>
+</file>
+
+<file path=ppt/tags/tag22.xml><?xml version="1.0" encoding="utf-8"?>
+<p:tagLst xmlns:a="http://schemas.openxmlformats.org/drawingml/2006/main" xmlns:r="http://schemas.openxmlformats.org/officeDocument/2006/relationships" xmlns:p="http://schemas.openxmlformats.org/presentationml/2006/main">
+  <p:tag name="_INSTRUCTOR VIEW19C14C36-AC8E-43BC-9DB6-C2AAF774C7DC|PANE__TAG" val="_"/>
+</p:tagLst>
+</file>
+
+<file path=ppt/tags/tag23.xml><?xml version="1.0" encoding="utf-8"?>
 <p:tagLst xmlns:a="http://schemas.openxmlformats.org/drawingml/2006/main" xmlns:r="http://schemas.openxmlformats.org/officeDocument/2006/relationships" xmlns:p="http://schemas.openxmlformats.org/presentationml/2006/main">
   <p:tag name="_INSTRUCTOR VIEW19C14C36-AC8E-43BC-9DB6-C2AAF774C7DC|PANE__TAG" val="_"/>
 </p:tagLst>

--- a/slides/dailyannouncements_mf.pptx
+++ b/slides/dailyannouncements_mf.pptx
@@ -5,10 +5,10 @@
     <p:sldMasterId id="2147483728" r:id="rId1"/>
   </p:sldMasterIdLst>
   <p:notesMasterIdLst>
-    <p:notesMasterId r:id="rId15"/>
+    <p:notesMasterId r:id="rId16"/>
   </p:notesMasterIdLst>
   <p:handoutMasterIdLst>
-    <p:handoutMasterId r:id="rId16"/>
+    <p:handoutMasterId r:id="rId17"/>
   </p:handoutMasterIdLst>
   <p:sldIdLst>
     <p:sldId id="447" r:id="rId2"/>
@@ -24,11 +24,12 @@
     <p:sldId id="492" r:id="rId12"/>
     <p:sldId id="493" r:id="rId13"/>
     <p:sldId id="494" r:id="rId14"/>
+    <p:sldId id="495" r:id="rId15"/>
   </p:sldIdLst>
   <p:sldSz cx="9144000" cy="6858000" type="screen4x3"/>
   <p:notesSz cx="7315200" cy="9601200"/>
   <p:custDataLst>
-    <p:tags r:id="rId17"/>
+    <p:tags r:id="rId18"/>
   </p:custDataLst>
   <p:defaultTextStyle>
     <a:defPPr>
@@ -1028,7 +1029,7 @@
             <a:fld id="{E4886CB5-510A-4EF6-9466-BC7A8F0DDE87}" type="datetime1">
               <a:rPr lang="en-US" smtClean="0"/>
               <a:pPr/>
-              <a:t>3/17/21</a:t>
+              <a:t>3/24/21</a:t>
             </a:fld>
             <a:endParaRPr lang="en-US"/>
           </a:p>
@@ -1388,7 +1389,7 @@
             <a:fld id="{9B297853-24B4-4D05-83E4-0AD2E86C55E5}" type="datetime1">
               <a:rPr lang="en-US" smtClean="0"/>
               <a:pPr/>
-              <a:t>3/17/21</a:t>
+              <a:t>3/24/21</a:t>
             </a:fld>
             <a:endParaRPr lang="en-US"/>
           </a:p>
@@ -1564,7 +1565,7 @@
             <a:fld id="{01FCDD9E-5768-4705-9537-0C020B1BB310}" type="datetime1">
               <a:rPr lang="en-US" smtClean="0"/>
               <a:pPr/>
-              <a:t>3/17/21</a:t>
+              <a:t>3/24/21</a:t>
             </a:fld>
             <a:endParaRPr lang="en-US"/>
           </a:p>
@@ -1800,7 +1801,7 @@
             <a:fld id="{4257C27E-59C2-41CA-9776-94955CBEE440}" type="datetime1">
               <a:rPr lang="en-US" smtClean="0"/>
               <a:pPr/>
-              <a:t>3/17/21</a:t>
+              <a:t>3/24/21</a:t>
             </a:fld>
             <a:endParaRPr lang="en-US"/>
           </a:p>
@@ -2086,7 +2087,7 @@
             <a:fld id="{03180747-A137-49C6-9C74-AB7EE86F4904}" type="datetime1">
               <a:rPr lang="en-US" smtClean="0"/>
               <a:pPr/>
-              <a:t>3/17/21</a:t>
+              <a:t>3/24/21</a:t>
             </a:fld>
             <a:endParaRPr lang="en-US"/>
           </a:p>
@@ -2307,7 +2308,7 @@
             <a:fld id="{EBBA31D9-ADC1-480D-86A8-1EAFB6A86A35}" type="datetime1">
               <a:rPr lang="en-US" smtClean="0"/>
               <a:pPr/>
-              <a:t>3/17/21</a:t>
+              <a:t>3/24/21</a:t>
             </a:fld>
             <a:endParaRPr lang="en-US"/>
           </a:p>
@@ -2660,7 +2661,7 @@
             <a:fld id="{80AAE9AE-3B2F-4DEA-8C41-BDDF4CDF6F40}" type="datetime1">
               <a:rPr lang="en-US" smtClean="0"/>
               <a:pPr/>
-              <a:t>3/17/21</a:t>
+              <a:t>3/24/21</a:t>
             </a:fld>
             <a:endParaRPr lang="en-US"/>
           </a:p>
@@ -2893,7 +2894,7 @@
             <a:fld id="{48252F7F-E8FE-413B-8521-D4ED924C6DE5}" type="datetime1">
               <a:rPr lang="en-US" smtClean="0"/>
               <a:pPr/>
-              <a:t>3/17/21</a:t>
+              <a:t>3/24/21</a:t>
             </a:fld>
             <a:endParaRPr lang="en-US"/>
           </a:p>
@@ -3035,7 +3036,7 @@
             <a:fld id="{2FF1B124-70E3-4E4A-90E2-6B55DB7659B3}" type="datetime1">
               <a:rPr lang="en-US" smtClean="0"/>
               <a:pPr/>
-              <a:t>3/17/21</a:t>
+              <a:t>3/24/21</a:t>
             </a:fld>
             <a:endParaRPr lang="en-US"/>
           </a:p>
@@ -3313,7 +3314,7 @@
             <a:fld id="{4EBF4C98-3CD6-4C87-BD40-5718C2628835}" type="datetime1">
               <a:rPr lang="en-US" smtClean="0"/>
               <a:pPr/>
-              <a:t>3/17/21</a:t>
+              <a:t>3/24/21</a:t>
             </a:fld>
             <a:endParaRPr lang="en-US"/>
           </a:p>
@@ -3721,7 +3722,7 @@
             <a:fld id="{6D6408A8-6B1B-4CDA-875E-7BEECDBA31DF}" type="datetime1">
               <a:rPr lang="en-US" smtClean="0"/>
               <a:pPr/>
-              <a:t>3/17/21</a:t>
+              <a:t>3/24/21</a:t>
             </a:fld>
             <a:endParaRPr lang="en-US"/>
           </a:p>
@@ -4059,7 +4060,7 @@
             <a:fld id="{C55AAF07-D2F5-4B3C-B443-40DE8C337A77}" type="datetime1">
               <a:rPr lang="en-US" smtClean="0"/>
               <a:pPr/>
-              <a:t>3/17/21</a:t>
+              <a:t>3/24/21</a:t>
             </a:fld>
             <a:endParaRPr lang="en-US"/>
           </a:p>
@@ -5469,6 +5470,173 @@
 </p:sld>
 </file>
 
+<file path=ppt/slides/slide14.xml><?xml version="1.0" encoding="utf-8"?>
+<p:sld xmlns:a="http://schemas.openxmlformats.org/drawingml/2006/main" xmlns:r="http://schemas.openxmlformats.org/officeDocument/2006/relationships" xmlns:p="http://schemas.openxmlformats.org/presentationml/2006/main">
+  <p:cSld>
+    <p:spTree>
+      <p:nvGrpSpPr>
+        <p:cNvPr id="1" name=""/>
+        <p:cNvGrpSpPr/>
+        <p:nvPr/>
+      </p:nvGrpSpPr>
+      <p:grpSpPr>
+        <a:xfrm>
+          <a:off x="0" y="0"/>
+          <a:ext cx="0" cy="0"/>
+          <a:chOff x="0" y="0"/>
+          <a:chExt cx="0" cy="0"/>
+        </a:xfrm>
+      </p:grpSpPr>
+      <p:sp>
+        <p:nvSpPr>
+          <p:cNvPr id="6146" name="Rectangle 2"/>
+          <p:cNvSpPr>
+            <a:spLocks noGrp="1" noChangeArrowheads="1"/>
+          </p:cNvSpPr>
+          <p:nvPr>
+            <p:ph type="title"/>
+            <p:custDataLst>
+              <p:tags r:id="rId1"/>
+            </p:custDataLst>
+          </p:nvPr>
+        </p:nvSpPr>
+        <p:spPr/>
+        <p:txBody>
+          <a:bodyPr/>
+          <a:lstStyle/>
+          <a:p>
+            <a:r>
+              <a:rPr lang="en-US" dirty="0"/>
+              <a:t>Wednesday, Mar. 24</a:t>
+            </a:r>
+          </a:p>
+        </p:txBody>
+      </p:sp>
+      <p:sp>
+        <p:nvSpPr>
+          <p:cNvPr id="6147" name="Rectangle 3"/>
+          <p:cNvSpPr>
+            <a:spLocks noGrp="1" noChangeArrowheads="1"/>
+          </p:cNvSpPr>
+          <p:nvPr>
+            <p:ph sz="quarter" idx="1"/>
+            <p:custDataLst>
+              <p:tags r:id="rId2"/>
+            </p:custDataLst>
+          </p:nvPr>
+        </p:nvSpPr>
+        <p:spPr>
+          <a:xfrm>
+            <a:off x="381000" y="1371600"/>
+            <a:ext cx="8255000" cy="5105400"/>
+          </a:xfrm>
+        </p:spPr>
+        <p:txBody>
+          <a:bodyPr>
+            <a:normAutofit/>
+          </a:bodyPr>
+          <a:lstStyle/>
+          <a:p>
+            <a:r>
+              <a:rPr lang="en-US" dirty="0"/>
+              <a:t>Quiz 2 is Friday – Saturday</a:t>
+            </a:r>
+          </a:p>
+          <a:p>
+            <a:pPr lvl="1"/>
+            <a:r>
+              <a:rPr lang="en-US" dirty="0"/>
+              <a:t>We might try using </a:t>
+            </a:r>
+            <a:r>
+              <a:rPr lang="en-US" dirty="0" err="1"/>
+              <a:t>Gradescope</a:t>
+            </a:r>
+            <a:r>
+              <a:rPr lang="en-US" dirty="0"/>
+              <a:t> this time. Seems easier in some ways. Announcement soon! Otherwise, same as last time.</a:t>
+            </a:r>
+          </a:p>
+          <a:p>
+            <a:r>
+              <a:rPr lang="en-US" dirty="0"/>
+              <a:t>Recommended schedule up on schedule page of website. </a:t>
+            </a:r>
+          </a:p>
+          <a:p>
+            <a:pPr lvl="1"/>
+            <a:r>
+              <a:rPr lang="en-US" dirty="0"/>
+              <a:t>Good luck, I know module 2 is a little “scrunched”</a:t>
+            </a:r>
+          </a:p>
+          <a:p>
+            <a:r>
+              <a:rPr lang="en-US" dirty="0"/>
+              <a:t>Soft deadline for module 2 has passed.</a:t>
+            </a:r>
+          </a:p>
+          <a:p>
+            <a:pPr lvl="1"/>
+            <a:r>
+              <a:rPr lang="en-US" dirty="0"/>
+              <a:t>We are crunching through grading now</a:t>
+            </a:r>
+          </a:p>
+          <a:p>
+            <a:r>
+              <a:rPr lang="en-US" dirty="0"/>
+              <a:t>New grading scheme. Any questions?</a:t>
+            </a:r>
+          </a:p>
+          <a:p>
+            <a:endParaRPr lang="en-US" dirty="0"/>
+          </a:p>
+          <a:p>
+            <a:r>
+              <a:rPr lang="en-US" dirty="0"/>
+              <a:t>Today we will discuss knapsack w/ example</a:t>
+            </a:r>
+          </a:p>
+        </p:txBody>
+      </p:sp>
+      <p:sp>
+        <p:nvSpPr>
+          <p:cNvPr id="4" name="Slide Number Placeholder 3"/>
+          <p:cNvSpPr>
+            <a:spLocks noGrp="1"/>
+          </p:cNvSpPr>
+          <p:nvPr>
+            <p:ph type="sldNum" sz="quarter" idx="12"/>
+          </p:nvPr>
+        </p:nvSpPr>
+        <p:spPr/>
+        <p:txBody>
+          <a:bodyPr/>
+          <a:lstStyle/>
+          <a:p>
+            <a:fld id="{F26D9103-0C5C-48AC-B68E-3ED2C1647047}" type="slidenum">
+              <a:rPr lang="en-US" smtClean="0"/>
+              <a:pPr/>
+              <a:t>14</a:t>
+            </a:fld>
+            <a:endParaRPr lang="en-US" dirty="0"/>
+          </a:p>
+        </p:txBody>
+      </p:sp>
+    </p:spTree>
+    <p:extLst>
+      <p:ext uri="{BB962C8B-B14F-4D97-AF65-F5344CB8AC3E}">
+        <p14:creationId xmlns:p14="http://schemas.microsoft.com/office/powerpoint/2010/main" val="1456159628"/>
+      </p:ext>
+    </p:extLst>
+  </p:cSld>
+  <p:clrMapOvr>
+    <a:masterClrMapping/>
+  </p:clrMapOvr>
+</p:sld>
+</file>
+
 <file path=ppt/slides/slide2.xml><?xml version="1.0" encoding="utf-8"?>
 <p:sld xmlns:a="http://schemas.openxmlformats.org/drawingml/2006/main" xmlns:r="http://schemas.openxmlformats.org/officeDocument/2006/relationships" xmlns:p="http://schemas.openxmlformats.org/presentationml/2006/main">
   <p:cSld>
@@ -6919,6 +7087,18 @@
 </file>
 
 <file path=ppt/tags/tag23.xml><?xml version="1.0" encoding="utf-8"?>
+<p:tagLst xmlns:a="http://schemas.openxmlformats.org/drawingml/2006/main" xmlns:r="http://schemas.openxmlformats.org/officeDocument/2006/relationships" xmlns:p="http://schemas.openxmlformats.org/presentationml/2006/main">
+  <p:tag name="_INSTRUCTOR VIEW19C14C36-AC8E-43BC-9DB6-C2AAF774C7DC|PANE__TAG" val="_"/>
+</p:tagLst>
+</file>
+
+<file path=ppt/tags/tag24.xml><?xml version="1.0" encoding="utf-8"?>
+<p:tagLst xmlns:a="http://schemas.openxmlformats.org/drawingml/2006/main" xmlns:r="http://schemas.openxmlformats.org/officeDocument/2006/relationships" xmlns:p="http://schemas.openxmlformats.org/presentationml/2006/main">
+  <p:tag name="_INSTRUCTOR VIEW19C14C36-AC8E-43BC-9DB6-C2AAF774C7DC|PANE__TAG" val="_"/>
+</p:tagLst>
+</file>
+
+<file path=ppt/tags/tag25.xml><?xml version="1.0" encoding="utf-8"?>
 <p:tagLst xmlns:a="http://schemas.openxmlformats.org/drawingml/2006/main" xmlns:r="http://schemas.openxmlformats.org/officeDocument/2006/relationships" xmlns:p="http://schemas.openxmlformats.org/presentationml/2006/main">
   <p:tag name="_INSTRUCTOR VIEW19C14C36-AC8E-43BC-9DB6-C2AAF774C7DC|PANE__TAG" val="_"/>
 </p:tagLst>

--- a/slides/dailyannouncements_mf.pptx
+++ b/slides/dailyannouncements_mf.pptx
@@ -5,10 +5,10 @@
     <p:sldMasterId id="2147483728" r:id="rId1"/>
   </p:sldMasterIdLst>
   <p:notesMasterIdLst>
-    <p:notesMasterId r:id="rId16"/>
+    <p:notesMasterId r:id="rId18"/>
   </p:notesMasterIdLst>
   <p:handoutMasterIdLst>
-    <p:handoutMasterId r:id="rId17"/>
+    <p:handoutMasterId r:id="rId19"/>
   </p:handoutMasterIdLst>
   <p:sldIdLst>
     <p:sldId id="447" r:id="rId2"/>
@@ -25,11 +25,13 @@
     <p:sldId id="493" r:id="rId13"/>
     <p:sldId id="494" r:id="rId14"/>
     <p:sldId id="495" r:id="rId15"/>
+    <p:sldId id="496" r:id="rId16"/>
+    <p:sldId id="497" r:id="rId17"/>
   </p:sldIdLst>
   <p:sldSz cx="9144000" cy="6858000" type="screen4x3"/>
   <p:notesSz cx="7315200" cy="9601200"/>
   <p:custDataLst>
-    <p:tags r:id="rId18"/>
+    <p:tags r:id="rId20"/>
   </p:custDataLst>
   <p:defaultTextStyle>
     <a:defPPr>
@@ -1029,7 +1031,7 @@
             <a:fld id="{E4886CB5-510A-4EF6-9466-BC7A8F0DDE87}" type="datetime1">
               <a:rPr lang="en-US" smtClean="0"/>
               <a:pPr/>
-              <a:t>3/24/21</a:t>
+              <a:t>4/7/21</a:t>
             </a:fld>
             <a:endParaRPr lang="en-US"/>
           </a:p>
@@ -1389,7 +1391,7 @@
             <a:fld id="{9B297853-24B4-4D05-83E4-0AD2E86C55E5}" type="datetime1">
               <a:rPr lang="en-US" smtClean="0"/>
               <a:pPr/>
-              <a:t>3/24/21</a:t>
+              <a:t>4/7/21</a:t>
             </a:fld>
             <a:endParaRPr lang="en-US"/>
           </a:p>
@@ -1565,7 +1567,7 @@
             <a:fld id="{01FCDD9E-5768-4705-9537-0C020B1BB310}" type="datetime1">
               <a:rPr lang="en-US" smtClean="0"/>
               <a:pPr/>
-              <a:t>3/24/21</a:t>
+              <a:t>4/7/21</a:t>
             </a:fld>
             <a:endParaRPr lang="en-US"/>
           </a:p>
@@ -1801,7 +1803,7 @@
             <a:fld id="{4257C27E-59C2-41CA-9776-94955CBEE440}" type="datetime1">
               <a:rPr lang="en-US" smtClean="0"/>
               <a:pPr/>
-              <a:t>3/24/21</a:t>
+              <a:t>4/7/21</a:t>
             </a:fld>
             <a:endParaRPr lang="en-US"/>
           </a:p>
@@ -2087,7 +2089,7 @@
             <a:fld id="{03180747-A137-49C6-9C74-AB7EE86F4904}" type="datetime1">
               <a:rPr lang="en-US" smtClean="0"/>
               <a:pPr/>
-              <a:t>3/24/21</a:t>
+              <a:t>4/7/21</a:t>
             </a:fld>
             <a:endParaRPr lang="en-US"/>
           </a:p>
@@ -2308,7 +2310,7 @@
             <a:fld id="{EBBA31D9-ADC1-480D-86A8-1EAFB6A86A35}" type="datetime1">
               <a:rPr lang="en-US" smtClean="0"/>
               <a:pPr/>
-              <a:t>3/24/21</a:t>
+              <a:t>4/7/21</a:t>
             </a:fld>
             <a:endParaRPr lang="en-US"/>
           </a:p>
@@ -2661,7 +2663,7 @@
             <a:fld id="{80AAE9AE-3B2F-4DEA-8C41-BDDF4CDF6F40}" type="datetime1">
               <a:rPr lang="en-US" smtClean="0"/>
               <a:pPr/>
-              <a:t>3/24/21</a:t>
+              <a:t>4/7/21</a:t>
             </a:fld>
             <a:endParaRPr lang="en-US"/>
           </a:p>
@@ -2894,7 +2896,7 @@
             <a:fld id="{48252F7F-E8FE-413B-8521-D4ED924C6DE5}" type="datetime1">
               <a:rPr lang="en-US" smtClean="0"/>
               <a:pPr/>
-              <a:t>3/24/21</a:t>
+              <a:t>4/7/21</a:t>
             </a:fld>
             <a:endParaRPr lang="en-US"/>
           </a:p>
@@ -3036,7 +3038,7 @@
             <a:fld id="{2FF1B124-70E3-4E4A-90E2-6B55DB7659B3}" type="datetime1">
               <a:rPr lang="en-US" smtClean="0"/>
               <a:pPr/>
-              <a:t>3/24/21</a:t>
+              <a:t>4/7/21</a:t>
             </a:fld>
             <a:endParaRPr lang="en-US"/>
           </a:p>
@@ -3314,7 +3316,7 @@
             <a:fld id="{4EBF4C98-3CD6-4C87-BD40-5718C2628835}" type="datetime1">
               <a:rPr lang="en-US" smtClean="0"/>
               <a:pPr/>
-              <a:t>3/24/21</a:t>
+              <a:t>4/7/21</a:t>
             </a:fld>
             <a:endParaRPr lang="en-US"/>
           </a:p>
@@ -3722,7 +3724,7 @@
             <a:fld id="{6D6408A8-6B1B-4CDA-875E-7BEECDBA31DF}" type="datetime1">
               <a:rPr lang="en-US" smtClean="0"/>
               <a:pPr/>
-              <a:t>3/24/21</a:t>
+              <a:t>4/7/21</a:t>
             </a:fld>
             <a:endParaRPr lang="en-US"/>
           </a:p>
@@ -4060,7 +4062,7 @@
             <a:fld id="{C55AAF07-D2F5-4B3C-B443-40DE8C337A77}" type="datetime1">
               <a:rPr lang="en-US" smtClean="0"/>
               <a:pPr/>
-              <a:t>3/24/21</a:t>
+              <a:t>4/7/21</a:t>
             </a:fld>
             <a:endParaRPr lang="en-US"/>
           </a:p>
@@ -5637,6 +5639,343 @@
 </p:sld>
 </file>
 
+<file path=ppt/slides/slide15.xml><?xml version="1.0" encoding="utf-8"?>
+<p:sld xmlns:a="http://schemas.openxmlformats.org/drawingml/2006/main" xmlns:r="http://schemas.openxmlformats.org/officeDocument/2006/relationships" xmlns:p="http://schemas.openxmlformats.org/presentationml/2006/main">
+  <p:cSld>
+    <p:spTree>
+      <p:nvGrpSpPr>
+        <p:cNvPr id="1" name=""/>
+        <p:cNvGrpSpPr/>
+        <p:nvPr/>
+      </p:nvGrpSpPr>
+      <p:grpSpPr>
+        <a:xfrm>
+          <a:off x="0" y="0"/>
+          <a:ext cx="0" cy="0"/>
+          <a:chOff x="0" y="0"/>
+          <a:chExt cx="0" cy="0"/>
+        </a:xfrm>
+      </p:grpSpPr>
+      <p:sp>
+        <p:nvSpPr>
+          <p:cNvPr id="6146" name="Rectangle 2"/>
+          <p:cNvSpPr>
+            <a:spLocks noGrp="1" noChangeArrowheads="1"/>
+          </p:cNvSpPr>
+          <p:nvPr>
+            <p:ph type="title"/>
+            <p:custDataLst>
+              <p:tags r:id="rId1"/>
+            </p:custDataLst>
+          </p:nvPr>
+        </p:nvSpPr>
+        <p:spPr/>
+        <p:txBody>
+          <a:bodyPr/>
+          <a:lstStyle/>
+          <a:p>
+            <a:r>
+              <a:rPr lang="en-US" dirty="0"/>
+              <a:t>Monday, Apr. 5</a:t>
+            </a:r>
+          </a:p>
+        </p:txBody>
+      </p:sp>
+      <p:sp>
+        <p:nvSpPr>
+          <p:cNvPr id="6147" name="Rectangle 3"/>
+          <p:cNvSpPr>
+            <a:spLocks noGrp="1" noChangeArrowheads="1"/>
+          </p:cNvSpPr>
+          <p:nvPr>
+            <p:ph sz="quarter" idx="1"/>
+            <p:custDataLst>
+              <p:tags r:id="rId2"/>
+            </p:custDataLst>
+          </p:nvPr>
+        </p:nvSpPr>
+        <p:spPr>
+          <a:xfrm>
+            <a:off x="381000" y="1371600"/>
+            <a:ext cx="8255000" cy="5105400"/>
+          </a:xfrm>
+        </p:spPr>
+        <p:txBody>
+          <a:bodyPr>
+            <a:normAutofit/>
+          </a:bodyPr>
+          <a:lstStyle/>
+          <a:p>
+            <a:r>
+              <a:rPr lang="en-US" dirty="0"/>
+              <a:t>Quiz 2 and retake Quiz 1 is done</a:t>
+            </a:r>
+          </a:p>
+          <a:p>
+            <a:pPr lvl="1"/>
+            <a:r>
+              <a:rPr lang="en-US" dirty="0"/>
+              <a:t>60% for satisfied, 70% for mastery</a:t>
+            </a:r>
+          </a:p>
+          <a:p>
+            <a:pPr lvl="1"/>
+            <a:r>
+              <a:rPr lang="en-US" dirty="0"/>
+              <a:t>Hope that went ok!</a:t>
+            </a:r>
+          </a:p>
+          <a:p>
+            <a:r>
+              <a:rPr lang="en-US" dirty="0"/>
+              <a:t>Module 2 is done</a:t>
+            </a:r>
+          </a:p>
+          <a:p>
+            <a:pPr lvl="1"/>
+            <a:r>
+              <a:rPr lang="en-US" dirty="0"/>
+              <a:t>Hope that you survived, I know some of those were difficult </a:t>
+            </a:r>
+            <a:r>
+              <a:rPr lang="en-US" dirty="0" err="1"/>
+              <a:t>hw</a:t>
+            </a:r>
+            <a:endParaRPr lang="en-US" dirty="0"/>
+          </a:p>
+          <a:p>
+            <a:r>
+              <a:rPr lang="en-US" dirty="0"/>
+              <a:t>Recommended schedule up on schedule page of website. </a:t>
+            </a:r>
+          </a:p>
+          <a:p>
+            <a:pPr lvl="1"/>
+            <a:r>
+              <a:rPr lang="en-US" dirty="0"/>
+              <a:t>Recommended to do one of the module 3 basics this week.</a:t>
+            </a:r>
+          </a:p>
+          <a:p>
+            <a:r>
+              <a:rPr lang="en-US" dirty="0"/>
+              <a:t>New grading scheme. Any questions?</a:t>
+            </a:r>
+          </a:p>
+          <a:p>
+            <a:endParaRPr lang="en-US" dirty="0"/>
+          </a:p>
+          <a:p>
+            <a:r>
+              <a:rPr lang="en-US" dirty="0"/>
+              <a:t>Today we will discuss weighted interval scheduling</a:t>
+            </a:r>
+          </a:p>
+        </p:txBody>
+      </p:sp>
+      <p:sp>
+        <p:nvSpPr>
+          <p:cNvPr id="4" name="Slide Number Placeholder 3"/>
+          <p:cNvSpPr>
+            <a:spLocks noGrp="1"/>
+          </p:cNvSpPr>
+          <p:nvPr>
+            <p:ph type="sldNum" sz="quarter" idx="12"/>
+          </p:nvPr>
+        </p:nvSpPr>
+        <p:spPr/>
+        <p:txBody>
+          <a:bodyPr/>
+          <a:lstStyle/>
+          <a:p>
+            <a:fld id="{F26D9103-0C5C-48AC-B68E-3ED2C1647047}" type="slidenum">
+              <a:rPr lang="en-US" smtClean="0"/>
+              <a:pPr/>
+              <a:t>15</a:t>
+            </a:fld>
+            <a:endParaRPr lang="en-US" dirty="0"/>
+          </a:p>
+        </p:txBody>
+      </p:sp>
+    </p:spTree>
+    <p:extLst>
+      <p:ext uri="{BB962C8B-B14F-4D97-AF65-F5344CB8AC3E}">
+        <p14:creationId xmlns:p14="http://schemas.microsoft.com/office/powerpoint/2010/main" val="3775515930"/>
+      </p:ext>
+    </p:extLst>
+  </p:cSld>
+  <p:clrMapOvr>
+    <a:masterClrMapping/>
+  </p:clrMapOvr>
+</p:sld>
+</file>
+
+<file path=ppt/slides/slide16.xml><?xml version="1.0" encoding="utf-8"?>
+<p:sld xmlns:a="http://schemas.openxmlformats.org/drawingml/2006/main" xmlns:r="http://schemas.openxmlformats.org/officeDocument/2006/relationships" xmlns:p="http://schemas.openxmlformats.org/presentationml/2006/main">
+  <p:cSld>
+    <p:spTree>
+      <p:nvGrpSpPr>
+        <p:cNvPr id="1" name=""/>
+        <p:cNvGrpSpPr/>
+        <p:nvPr/>
+      </p:nvGrpSpPr>
+      <p:grpSpPr>
+        <a:xfrm>
+          <a:off x="0" y="0"/>
+          <a:ext cx="0" cy="0"/>
+          <a:chOff x="0" y="0"/>
+          <a:chExt cx="0" cy="0"/>
+        </a:xfrm>
+      </p:grpSpPr>
+      <p:sp>
+        <p:nvSpPr>
+          <p:cNvPr id="6146" name="Rectangle 2"/>
+          <p:cNvSpPr>
+            <a:spLocks noGrp="1" noChangeArrowheads="1"/>
+          </p:cNvSpPr>
+          <p:nvPr>
+            <p:ph type="title"/>
+            <p:custDataLst>
+              <p:tags r:id="rId1"/>
+            </p:custDataLst>
+          </p:nvPr>
+        </p:nvSpPr>
+        <p:spPr/>
+        <p:txBody>
+          <a:bodyPr/>
+          <a:lstStyle/>
+          <a:p>
+            <a:r>
+              <a:rPr lang="en-US" dirty="0"/>
+              <a:t>Wednesday, Apr. 7</a:t>
+            </a:r>
+          </a:p>
+        </p:txBody>
+      </p:sp>
+      <p:sp>
+        <p:nvSpPr>
+          <p:cNvPr id="6147" name="Rectangle 3"/>
+          <p:cNvSpPr>
+            <a:spLocks noGrp="1" noChangeArrowheads="1"/>
+          </p:cNvSpPr>
+          <p:nvPr>
+            <p:ph sz="quarter" idx="1"/>
+            <p:custDataLst>
+              <p:tags r:id="rId2"/>
+            </p:custDataLst>
+          </p:nvPr>
+        </p:nvSpPr>
+        <p:spPr>
+          <a:xfrm>
+            <a:off x="381000" y="1371600"/>
+            <a:ext cx="8255000" cy="5105400"/>
+          </a:xfrm>
+        </p:spPr>
+        <p:txBody>
+          <a:bodyPr>
+            <a:normAutofit/>
+          </a:bodyPr>
+          <a:lstStyle/>
+          <a:p>
+            <a:r>
+              <a:rPr lang="en-US" dirty="0"/>
+              <a:t>Quiz 2 and retake Quiz 1 is done</a:t>
+            </a:r>
+          </a:p>
+          <a:p>
+            <a:pPr lvl="1"/>
+            <a:r>
+              <a:rPr lang="en-US" dirty="0"/>
+              <a:t>60% for satisfied, 70% for mastery</a:t>
+            </a:r>
+          </a:p>
+          <a:p>
+            <a:pPr lvl="1"/>
+            <a:r>
+              <a:rPr lang="en-US" dirty="0"/>
+              <a:t>Hope that went ok!</a:t>
+            </a:r>
+          </a:p>
+          <a:p>
+            <a:r>
+              <a:rPr lang="en-US" dirty="0"/>
+              <a:t>We are squarely in module 3 now. Yay!</a:t>
+            </a:r>
+          </a:p>
+          <a:p>
+            <a:r>
+              <a:rPr lang="en-US" dirty="0"/>
+              <a:t>Recommended schedule up on schedule page of website. </a:t>
+            </a:r>
+          </a:p>
+          <a:p>
+            <a:pPr lvl="1"/>
+            <a:r>
+              <a:rPr lang="en-US" dirty="0"/>
+              <a:t>Recommended to do one of the module 3 basics this week.</a:t>
+            </a:r>
+          </a:p>
+          <a:p>
+            <a:pPr lvl="1"/>
+            <a:r>
+              <a:rPr lang="en-US" dirty="0"/>
+              <a:t>You have everything you need to do the homework, but remember that adv. programming is HARD</a:t>
+            </a:r>
+          </a:p>
+          <a:p>
+            <a:r>
+              <a:rPr lang="en-US" dirty="0"/>
+              <a:t>New grading scheme. Any questions?</a:t>
+            </a:r>
+          </a:p>
+          <a:p>
+            <a:endParaRPr lang="en-US" dirty="0"/>
+          </a:p>
+          <a:p>
+            <a:r>
+              <a:rPr lang="en-US" dirty="0"/>
+              <a:t>Today we will discuss DP for coin change problem</a:t>
+            </a:r>
+          </a:p>
+        </p:txBody>
+      </p:sp>
+      <p:sp>
+        <p:nvSpPr>
+          <p:cNvPr id="4" name="Slide Number Placeholder 3"/>
+          <p:cNvSpPr>
+            <a:spLocks noGrp="1"/>
+          </p:cNvSpPr>
+          <p:nvPr>
+            <p:ph type="sldNum" sz="quarter" idx="12"/>
+          </p:nvPr>
+        </p:nvSpPr>
+        <p:spPr/>
+        <p:txBody>
+          <a:bodyPr/>
+          <a:lstStyle/>
+          <a:p>
+            <a:fld id="{F26D9103-0C5C-48AC-B68E-3ED2C1647047}" type="slidenum">
+              <a:rPr lang="en-US" smtClean="0"/>
+              <a:pPr/>
+              <a:t>16</a:t>
+            </a:fld>
+            <a:endParaRPr lang="en-US" dirty="0"/>
+          </a:p>
+        </p:txBody>
+      </p:sp>
+    </p:spTree>
+    <p:extLst>
+      <p:ext uri="{BB962C8B-B14F-4D97-AF65-F5344CB8AC3E}">
+        <p14:creationId xmlns:p14="http://schemas.microsoft.com/office/powerpoint/2010/main" val="1747970242"/>
+      </p:ext>
+    </p:extLst>
+  </p:cSld>
+  <p:clrMapOvr>
+    <a:masterClrMapping/>
+  </p:clrMapOvr>
+</p:sld>
+</file>
+
 <file path=ppt/slides/slide2.xml><?xml version="1.0" encoding="utf-8"?>
 <p:sld xmlns:a="http://schemas.openxmlformats.org/drawingml/2006/main" xmlns:r="http://schemas.openxmlformats.org/officeDocument/2006/relationships" xmlns:p="http://schemas.openxmlformats.org/presentationml/2006/main">
   <p:cSld>
@@ -7099,6 +7438,30 @@
 </file>
 
 <file path=ppt/tags/tag25.xml><?xml version="1.0" encoding="utf-8"?>
+<p:tagLst xmlns:a="http://schemas.openxmlformats.org/drawingml/2006/main" xmlns:r="http://schemas.openxmlformats.org/officeDocument/2006/relationships" xmlns:p="http://schemas.openxmlformats.org/presentationml/2006/main">
+  <p:tag name="_INSTRUCTOR VIEW19C14C36-AC8E-43BC-9DB6-C2AAF774C7DC|PANE__TAG" val="_"/>
+</p:tagLst>
+</file>
+
+<file path=ppt/tags/tag26.xml><?xml version="1.0" encoding="utf-8"?>
+<p:tagLst xmlns:a="http://schemas.openxmlformats.org/drawingml/2006/main" xmlns:r="http://schemas.openxmlformats.org/officeDocument/2006/relationships" xmlns:p="http://schemas.openxmlformats.org/presentationml/2006/main">
+  <p:tag name="_INSTRUCTOR VIEW19C14C36-AC8E-43BC-9DB6-C2AAF774C7DC|PANE__TAG" val="_"/>
+</p:tagLst>
+</file>
+
+<file path=ppt/tags/tag27.xml><?xml version="1.0" encoding="utf-8"?>
+<p:tagLst xmlns:a="http://schemas.openxmlformats.org/drawingml/2006/main" xmlns:r="http://schemas.openxmlformats.org/officeDocument/2006/relationships" xmlns:p="http://schemas.openxmlformats.org/presentationml/2006/main">
+  <p:tag name="_INSTRUCTOR VIEW19C14C36-AC8E-43BC-9DB6-C2AAF774C7DC|PANE__TAG" val="_"/>
+</p:tagLst>
+</file>
+
+<file path=ppt/tags/tag28.xml><?xml version="1.0" encoding="utf-8"?>
+<p:tagLst xmlns:a="http://schemas.openxmlformats.org/drawingml/2006/main" xmlns:r="http://schemas.openxmlformats.org/officeDocument/2006/relationships" xmlns:p="http://schemas.openxmlformats.org/presentationml/2006/main">
+  <p:tag name="_INSTRUCTOR VIEW19C14C36-AC8E-43BC-9DB6-C2AAF774C7DC|PANE__TAG" val="_"/>
+</p:tagLst>
+</file>
+
+<file path=ppt/tags/tag29.xml><?xml version="1.0" encoding="utf-8"?>
 <p:tagLst xmlns:a="http://schemas.openxmlformats.org/drawingml/2006/main" xmlns:r="http://schemas.openxmlformats.org/officeDocument/2006/relationships" xmlns:p="http://schemas.openxmlformats.org/presentationml/2006/main">
   <p:tag name="_INSTRUCTOR VIEW19C14C36-AC8E-43BC-9DB6-C2AAF774C7DC|PANE__TAG" val="_"/>
 </p:tagLst>

--- a/slides/dailyannouncements_mf.pptx
+++ b/slides/dailyannouncements_mf.pptx
@@ -5,10 +5,10 @@
     <p:sldMasterId id="2147483728" r:id="rId1"/>
   </p:sldMasterIdLst>
   <p:notesMasterIdLst>
-    <p:notesMasterId r:id="rId18"/>
+    <p:notesMasterId r:id="rId21"/>
   </p:notesMasterIdLst>
   <p:handoutMasterIdLst>
-    <p:handoutMasterId r:id="rId19"/>
+    <p:handoutMasterId r:id="rId22"/>
   </p:handoutMasterIdLst>
   <p:sldIdLst>
     <p:sldId id="447" r:id="rId2"/>
@@ -27,11 +27,14 @@
     <p:sldId id="495" r:id="rId15"/>
     <p:sldId id="496" r:id="rId16"/>
     <p:sldId id="497" r:id="rId17"/>
+    <p:sldId id="498" r:id="rId18"/>
+    <p:sldId id="499" r:id="rId19"/>
+    <p:sldId id="500" r:id="rId20"/>
   </p:sldIdLst>
   <p:sldSz cx="9144000" cy="6858000" type="screen4x3"/>
   <p:notesSz cx="7315200" cy="9601200"/>
   <p:custDataLst>
-    <p:tags r:id="rId20"/>
+    <p:tags r:id="rId23"/>
   </p:custDataLst>
   <p:defaultTextStyle>
     <a:defPPr>
@@ -1031,7 +1034,7 @@
             <a:fld id="{E4886CB5-510A-4EF6-9466-BC7A8F0DDE87}" type="datetime1">
               <a:rPr lang="en-US" smtClean="0"/>
               <a:pPr/>
-              <a:t>4/7/21</a:t>
+              <a:t>4/19/21</a:t>
             </a:fld>
             <a:endParaRPr lang="en-US"/>
           </a:p>
@@ -1391,7 +1394,7 @@
             <a:fld id="{9B297853-24B4-4D05-83E4-0AD2E86C55E5}" type="datetime1">
               <a:rPr lang="en-US" smtClean="0"/>
               <a:pPr/>
-              <a:t>4/7/21</a:t>
+              <a:t>4/19/21</a:t>
             </a:fld>
             <a:endParaRPr lang="en-US"/>
           </a:p>
@@ -1567,7 +1570,7 @@
             <a:fld id="{01FCDD9E-5768-4705-9537-0C020B1BB310}" type="datetime1">
               <a:rPr lang="en-US" smtClean="0"/>
               <a:pPr/>
-              <a:t>4/7/21</a:t>
+              <a:t>4/19/21</a:t>
             </a:fld>
             <a:endParaRPr lang="en-US"/>
           </a:p>
@@ -1803,7 +1806,7 @@
             <a:fld id="{4257C27E-59C2-41CA-9776-94955CBEE440}" type="datetime1">
               <a:rPr lang="en-US" smtClean="0"/>
               <a:pPr/>
-              <a:t>4/7/21</a:t>
+              <a:t>4/19/21</a:t>
             </a:fld>
             <a:endParaRPr lang="en-US"/>
           </a:p>
@@ -2089,7 +2092,7 @@
             <a:fld id="{03180747-A137-49C6-9C74-AB7EE86F4904}" type="datetime1">
               <a:rPr lang="en-US" smtClean="0"/>
               <a:pPr/>
-              <a:t>4/7/21</a:t>
+              <a:t>4/19/21</a:t>
             </a:fld>
             <a:endParaRPr lang="en-US"/>
           </a:p>
@@ -2310,7 +2313,7 @@
             <a:fld id="{EBBA31D9-ADC1-480D-86A8-1EAFB6A86A35}" type="datetime1">
               <a:rPr lang="en-US" smtClean="0"/>
               <a:pPr/>
-              <a:t>4/7/21</a:t>
+              <a:t>4/19/21</a:t>
             </a:fld>
             <a:endParaRPr lang="en-US"/>
           </a:p>
@@ -2663,7 +2666,7 @@
             <a:fld id="{80AAE9AE-3B2F-4DEA-8C41-BDDF4CDF6F40}" type="datetime1">
               <a:rPr lang="en-US" smtClean="0"/>
               <a:pPr/>
-              <a:t>4/7/21</a:t>
+              <a:t>4/19/21</a:t>
             </a:fld>
             <a:endParaRPr lang="en-US"/>
           </a:p>
@@ -2896,7 +2899,7 @@
             <a:fld id="{48252F7F-E8FE-413B-8521-D4ED924C6DE5}" type="datetime1">
               <a:rPr lang="en-US" smtClean="0"/>
               <a:pPr/>
-              <a:t>4/7/21</a:t>
+              <a:t>4/19/21</a:t>
             </a:fld>
             <a:endParaRPr lang="en-US"/>
           </a:p>
@@ -3038,7 +3041,7 @@
             <a:fld id="{2FF1B124-70E3-4E4A-90E2-6B55DB7659B3}" type="datetime1">
               <a:rPr lang="en-US" smtClean="0"/>
               <a:pPr/>
-              <a:t>4/7/21</a:t>
+              <a:t>4/19/21</a:t>
             </a:fld>
             <a:endParaRPr lang="en-US"/>
           </a:p>
@@ -3316,7 +3319,7 @@
             <a:fld id="{4EBF4C98-3CD6-4C87-BD40-5718C2628835}" type="datetime1">
               <a:rPr lang="en-US" smtClean="0"/>
               <a:pPr/>
-              <a:t>4/7/21</a:t>
+              <a:t>4/19/21</a:t>
             </a:fld>
             <a:endParaRPr lang="en-US"/>
           </a:p>
@@ -3724,7 +3727,7 @@
             <a:fld id="{6D6408A8-6B1B-4CDA-875E-7BEECDBA31DF}" type="datetime1">
               <a:rPr lang="en-US" smtClean="0"/>
               <a:pPr/>
-              <a:t>4/7/21</a:t>
+              <a:t>4/19/21</a:t>
             </a:fld>
             <a:endParaRPr lang="en-US"/>
           </a:p>
@@ -4062,7 +4065,7 @@
             <a:fld id="{C55AAF07-D2F5-4B3C-B443-40DE8C337A77}" type="datetime1">
               <a:rPr lang="en-US" smtClean="0"/>
               <a:pPr/>
-              <a:t>4/7/21</a:t>
+              <a:t>4/19/21</a:t>
             </a:fld>
             <a:endParaRPr lang="en-US"/>
           </a:p>
@@ -5976,6 +5979,519 @@
 </p:sld>
 </file>
 
+<file path=ppt/slides/slide17.xml><?xml version="1.0" encoding="utf-8"?>
+<p:sld xmlns:a="http://schemas.openxmlformats.org/drawingml/2006/main" xmlns:r="http://schemas.openxmlformats.org/officeDocument/2006/relationships" xmlns:p="http://schemas.openxmlformats.org/presentationml/2006/main">
+  <p:cSld>
+    <p:spTree>
+      <p:nvGrpSpPr>
+        <p:cNvPr id="1" name=""/>
+        <p:cNvGrpSpPr/>
+        <p:nvPr/>
+      </p:nvGrpSpPr>
+      <p:grpSpPr>
+        <a:xfrm>
+          <a:off x="0" y="0"/>
+          <a:ext cx="0" cy="0"/>
+          <a:chOff x="0" y="0"/>
+          <a:chExt cx="0" cy="0"/>
+        </a:xfrm>
+      </p:grpSpPr>
+      <p:sp>
+        <p:nvSpPr>
+          <p:cNvPr id="6146" name="Rectangle 2"/>
+          <p:cNvSpPr>
+            <a:spLocks noGrp="1" noChangeArrowheads="1"/>
+          </p:cNvSpPr>
+          <p:nvPr>
+            <p:ph type="title"/>
+            <p:custDataLst>
+              <p:tags r:id="rId1"/>
+            </p:custDataLst>
+          </p:nvPr>
+        </p:nvSpPr>
+        <p:spPr/>
+        <p:txBody>
+          <a:bodyPr/>
+          <a:lstStyle/>
+          <a:p>
+            <a:r>
+              <a:rPr lang="en-US" dirty="0"/>
+              <a:t>Wednesday, Apr. 12</a:t>
+            </a:r>
+          </a:p>
+        </p:txBody>
+      </p:sp>
+      <p:sp>
+        <p:nvSpPr>
+          <p:cNvPr id="6147" name="Rectangle 3"/>
+          <p:cNvSpPr>
+            <a:spLocks noGrp="1" noChangeArrowheads="1"/>
+          </p:cNvSpPr>
+          <p:nvPr>
+            <p:ph sz="quarter" idx="1"/>
+            <p:custDataLst>
+              <p:tags r:id="rId2"/>
+            </p:custDataLst>
+          </p:nvPr>
+        </p:nvSpPr>
+        <p:spPr>
+          <a:xfrm>
+            <a:off x="381000" y="1371600"/>
+            <a:ext cx="8255000" cy="5105400"/>
+          </a:xfrm>
+        </p:spPr>
+        <p:txBody>
+          <a:bodyPr>
+            <a:normAutofit lnSpcReduction="10000"/>
+          </a:bodyPr>
+          <a:lstStyle/>
+          <a:p>
+            <a:r>
+              <a:rPr lang="en-US" dirty="0"/>
+              <a:t>Quiz 2 and retake Quiz 1 is done</a:t>
+            </a:r>
+          </a:p>
+          <a:p>
+            <a:pPr lvl="1"/>
+            <a:r>
+              <a:rPr lang="en-US" dirty="0"/>
+              <a:t>60% for satisfied, 70% for mastery</a:t>
+            </a:r>
+          </a:p>
+          <a:p>
+            <a:pPr lvl="1"/>
+            <a:r>
+              <a:rPr lang="en-US" dirty="0"/>
+              <a:t>Hope that went ok!</a:t>
+            </a:r>
+          </a:p>
+          <a:p>
+            <a:r>
+              <a:rPr lang="en-US" dirty="0"/>
+              <a:t>Grading for module 2 is done (except for a handful of advanced written </a:t>
+            </a:r>
+            <a:r>
+              <a:rPr lang="en-US" dirty="0" err="1"/>
+              <a:t>hws</a:t>
+            </a:r>
+            <a:r>
+              <a:rPr lang="en-US" dirty="0"/>
+              <a:t>).</a:t>
+            </a:r>
+          </a:p>
+          <a:p>
+            <a:r>
+              <a:rPr lang="en-US" dirty="0"/>
+              <a:t>Recommended schedule up on schedule page of website. </a:t>
+            </a:r>
+          </a:p>
+          <a:p>
+            <a:pPr lvl="1"/>
+            <a:r>
+              <a:rPr lang="en-US" dirty="0"/>
+              <a:t>Recommended to do one of the module 3 basics this week.</a:t>
+            </a:r>
+          </a:p>
+          <a:p>
+            <a:pPr lvl="1"/>
+            <a:r>
+              <a:rPr lang="en-US" dirty="0"/>
+              <a:t>You have everything you need to do the homework, but remember that adv. programming is HARD</a:t>
+            </a:r>
+          </a:p>
+          <a:p>
+            <a:r>
+              <a:rPr lang="en-US" dirty="0"/>
+              <a:t>Module 3 soft deadline is Wednesday.</a:t>
+            </a:r>
+          </a:p>
+          <a:p>
+            <a:endParaRPr lang="en-US" dirty="0"/>
+          </a:p>
+          <a:p>
+            <a:r>
+              <a:rPr lang="en-US" dirty="0"/>
+              <a:t>Today we will discuss LCS</a:t>
+            </a:r>
+          </a:p>
+        </p:txBody>
+      </p:sp>
+      <p:sp>
+        <p:nvSpPr>
+          <p:cNvPr id="4" name="Slide Number Placeholder 3"/>
+          <p:cNvSpPr>
+            <a:spLocks noGrp="1"/>
+          </p:cNvSpPr>
+          <p:nvPr>
+            <p:ph type="sldNum" sz="quarter" idx="12"/>
+          </p:nvPr>
+        </p:nvSpPr>
+        <p:spPr/>
+        <p:txBody>
+          <a:bodyPr/>
+          <a:lstStyle/>
+          <a:p>
+            <a:fld id="{F26D9103-0C5C-48AC-B68E-3ED2C1647047}" type="slidenum">
+              <a:rPr lang="en-US" smtClean="0"/>
+              <a:pPr/>
+              <a:t>17</a:t>
+            </a:fld>
+            <a:endParaRPr lang="en-US" dirty="0"/>
+          </a:p>
+        </p:txBody>
+      </p:sp>
+    </p:spTree>
+    <p:extLst>
+      <p:ext uri="{BB962C8B-B14F-4D97-AF65-F5344CB8AC3E}">
+        <p14:creationId xmlns:p14="http://schemas.microsoft.com/office/powerpoint/2010/main" val="2596995109"/>
+      </p:ext>
+    </p:extLst>
+  </p:cSld>
+  <p:clrMapOvr>
+    <a:masterClrMapping/>
+  </p:clrMapOvr>
+</p:sld>
+</file>
+
+<file path=ppt/slides/slide18.xml><?xml version="1.0" encoding="utf-8"?>
+<p:sld xmlns:a="http://schemas.openxmlformats.org/drawingml/2006/main" xmlns:r="http://schemas.openxmlformats.org/officeDocument/2006/relationships" xmlns:p="http://schemas.openxmlformats.org/presentationml/2006/main">
+  <p:cSld>
+    <p:spTree>
+      <p:nvGrpSpPr>
+        <p:cNvPr id="1" name=""/>
+        <p:cNvGrpSpPr/>
+        <p:nvPr/>
+      </p:nvGrpSpPr>
+      <p:grpSpPr>
+        <a:xfrm>
+          <a:off x="0" y="0"/>
+          <a:ext cx="0" cy="0"/>
+          <a:chOff x="0" y="0"/>
+          <a:chExt cx="0" cy="0"/>
+        </a:xfrm>
+      </p:grpSpPr>
+      <p:sp>
+        <p:nvSpPr>
+          <p:cNvPr id="6146" name="Rectangle 2"/>
+          <p:cNvSpPr>
+            <a:spLocks noGrp="1" noChangeArrowheads="1"/>
+          </p:cNvSpPr>
+          <p:nvPr>
+            <p:ph type="title"/>
+            <p:custDataLst>
+              <p:tags r:id="rId1"/>
+            </p:custDataLst>
+          </p:nvPr>
+        </p:nvSpPr>
+        <p:spPr/>
+        <p:txBody>
+          <a:bodyPr/>
+          <a:lstStyle/>
+          <a:p>
+            <a:r>
+              <a:rPr lang="en-US" dirty="0"/>
+              <a:t>Wednesday, Apr. 14</a:t>
+            </a:r>
+          </a:p>
+        </p:txBody>
+      </p:sp>
+      <p:sp>
+        <p:nvSpPr>
+          <p:cNvPr id="6147" name="Rectangle 3"/>
+          <p:cNvSpPr>
+            <a:spLocks noGrp="1" noChangeArrowheads="1"/>
+          </p:cNvSpPr>
+          <p:nvPr>
+            <p:ph sz="quarter" idx="1"/>
+            <p:custDataLst>
+              <p:tags r:id="rId2"/>
+            </p:custDataLst>
+          </p:nvPr>
+        </p:nvSpPr>
+        <p:spPr>
+          <a:xfrm>
+            <a:off x="381000" y="1371600"/>
+            <a:ext cx="8255000" cy="5105400"/>
+          </a:xfrm>
+        </p:spPr>
+        <p:txBody>
+          <a:bodyPr>
+            <a:normAutofit lnSpcReduction="10000"/>
+          </a:bodyPr>
+          <a:lstStyle/>
+          <a:p>
+            <a:r>
+              <a:rPr lang="en-US" dirty="0"/>
+              <a:t>Quiz 2 and retake Quiz 1 is done</a:t>
+            </a:r>
+          </a:p>
+          <a:p>
+            <a:pPr lvl="1"/>
+            <a:r>
+              <a:rPr lang="en-US" dirty="0"/>
+              <a:t>60% for satisfied, 70% for mastery</a:t>
+            </a:r>
+          </a:p>
+          <a:p>
+            <a:pPr lvl="1"/>
+            <a:r>
+              <a:rPr lang="en-US" dirty="0"/>
+              <a:t>Hope that went ok!</a:t>
+            </a:r>
+          </a:p>
+          <a:p>
+            <a:r>
+              <a:rPr lang="en-US" dirty="0"/>
+              <a:t>Grading for module 2 is done</a:t>
+            </a:r>
+          </a:p>
+          <a:p>
+            <a:r>
+              <a:rPr lang="en-US" dirty="0"/>
+              <a:t>Recommended schedule up on schedule page of website. </a:t>
+            </a:r>
+          </a:p>
+          <a:p>
+            <a:pPr lvl="1"/>
+            <a:r>
+              <a:rPr lang="en-US" dirty="0"/>
+              <a:t>Recommended to do one of the module 3 basics this week.</a:t>
+            </a:r>
+          </a:p>
+          <a:p>
+            <a:pPr lvl="1"/>
+            <a:r>
+              <a:rPr lang="en-US" dirty="0"/>
+              <a:t>You have everything you need to do the homework, but remember that adv. programming is HARD</a:t>
+            </a:r>
+          </a:p>
+          <a:p>
+            <a:r>
+              <a:rPr lang="en-US" dirty="0"/>
+              <a:t>Module 3 soft deadline is tonight!.</a:t>
+            </a:r>
+          </a:p>
+          <a:p>
+            <a:pPr lvl="1"/>
+            <a:r>
+              <a:rPr lang="en-US" dirty="0"/>
+              <a:t>Good luck</a:t>
+            </a:r>
+          </a:p>
+          <a:p>
+            <a:r>
+              <a:rPr lang="en-US" dirty="0"/>
+              <a:t>Last day of module 3 </a:t>
+            </a:r>
+          </a:p>
+          <a:p>
+            <a:r>
+              <a:rPr lang="en-US" dirty="0"/>
+              <a:t>Today we will pseudo-polynomial time / Q&amp;A</a:t>
+            </a:r>
+          </a:p>
+        </p:txBody>
+      </p:sp>
+      <p:sp>
+        <p:nvSpPr>
+          <p:cNvPr id="4" name="Slide Number Placeholder 3"/>
+          <p:cNvSpPr>
+            <a:spLocks noGrp="1"/>
+          </p:cNvSpPr>
+          <p:nvPr>
+            <p:ph type="sldNum" sz="quarter" idx="12"/>
+          </p:nvPr>
+        </p:nvSpPr>
+        <p:spPr/>
+        <p:txBody>
+          <a:bodyPr/>
+          <a:lstStyle/>
+          <a:p>
+            <a:fld id="{F26D9103-0C5C-48AC-B68E-3ED2C1647047}" type="slidenum">
+              <a:rPr lang="en-US" smtClean="0"/>
+              <a:pPr/>
+              <a:t>18</a:t>
+            </a:fld>
+            <a:endParaRPr lang="en-US" dirty="0"/>
+          </a:p>
+        </p:txBody>
+      </p:sp>
+    </p:spTree>
+    <p:extLst>
+      <p:ext uri="{BB962C8B-B14F-4D97-AF65-F5344CB8AC3E}">
+        <p14:creationId xmlns:p14="http://schemas.microsoft.com/office/powerpoint/2010/main" val="610637852"/>
+      </p:ext>
+    </p:extLst>
+  </p:cSld>
+  <p:clrMapOvr>
+    <a:masterClrMapping/>
+  </p:clrMapOvr>
+</p:sld>
+</file>
+
+<file path=ppt/slides/slide19.xml><?xml version="1.0" encoding="utf-8"?>
+<p:sld xmlns:a="http://schemas.openxmlformats.org/drawingml/2006/main" xmlns:r="http://schemas.openxmlformats.org/officeDocument/2006/relationships" xmlns:p="http://schemas.openxmlformats.org/presentationml/2006/main">
+  <p:cSld>
+    <p:spTree>
+      <p:nvGrpSpPr>
+        <p:cNvPr id="1" name=""/>
+        <p:cNvGrpSpPr/>
+        <p:nvPr/>
+      </p:nvGrpSpPr>
+      <p:grpSpPr>
+        <a:xfrm>
+          <a:off x="0" y="0"/>
+          <a:ext cx="0" cy="0"/>
+          <a:chOff x="0" y="0"/>
+          <a:chExt cx="0" cy="0"/>
+        </a:xfrm>
+      </p:grpSpPr>
+      <p:sp>
+        <p:nvSpPr>
+          <p:cNvPr id="6146" name="Rectangle 2"/>
+          <p:cNvSpPr>
+            <a:spLocks noGrp="1" noChangeArrowheads="1"/>
+          </p:cNvSpPr>
+          <p:nvPr>
+            <p:ph type="title"/>
+            <p:custDataLst>
+              <p:tags r:id="rId1"/>
+            </p:custDataLst>
+          </p:nvPr>
+        </p:nvSpPr>
+        <p:spPr/>
+        <p:txBody>
+          <a:bodyPr/>
+          <a:lstStyle/>
+          <a:p>
+            <a:r>
+              <a:rPr lang="en-US" dirty="0"/>
+              <a:t>Monday, Apr. 19</a:t>
+            </a:r>
+          </a:p>
+        </p:txBody>
+      </p:sp>
+      <p:sp>
+        <p:nvSpPr>
+          <p:cNvPr id="6147" name="Rectangle 3"/>
+          <p:cNvSpPr>
+            <a:spLocks noGrp="1" noChangeArrowheads="1"/>
+          </p:cNvSpPr>
+          <p:nvPr>
+            <p:ph sz="quarter" idx="1"/>
+            <p:custDataLst>
+              <p:tags r:id="rId2"/>
+            </p:custDataLst>
+          </p:nvPr>
+        </p:nvSpPr>
+        <p:spPr>
+          <a:xfrm>
+            <a:off x="381000" y="1371600"/>
+            <a:ext cx="8255000" cy="5105400"/>
+          </a:xfrm>
+        </p:spPr>
+        <p:txBody>
+          <a:bodyPr>
+            <a:normAutofit lnSpcReduction="10000"/>
+          </a:bodyPr>
+          <a:lstStyle/>
+          <a:p>
+            <a:r>
+              <a:rPr lang="en-US" dirty="0"/>
+              <a:t>Quiz 3 (attempt 1) and Quiz 2 (attempt 2) are available end of this week.</a:t>
+            </a:r>
+          </a:p>
+          <a:p>
+            <a:r>
+              <a:rPr lang="en-US" dirty="0"/>
+              <a:t>Module 3 soft deadline grading is underway, should be done before quiz (that is the goal)</a:t>
+            </a:r>
+          </a:p>
+          <a:p>
+            <a:r>
+              <a:rPr lang="en-US" dirty="0"/>
+              <a:t>Recommended schedule up on schedule page of website. </a:t>
+            </a:r>
+          </a:p>
+          <a:p>
+            <a:pPr lvl="1"/>
+            <a:r>
+              <a:rPr lang="en-US" dirty="0"/>
+              <a:t>Recommended you take on one module 3 advanced </a:t>
+            </a:r>
+            <a:r>
+              <a:rPr lang="en-US" dirty="0" err="1"/>
+              <a:t>hw</a:t>
+            </a:r>
+            <a:r>
+              <a:rPr lang="en-US" dirty="0"/>
+              <a:t> this week.</a:t>
+            </a:r>
+          </a:p>
+          <a:p>
+            <a:r>
+              <a:rPr lang="en-US" dirty="0"/>
+              <a:t>Module 4 homework will be posted very soon!</a:t>
+            </a:r>
+          </a:p>
+          <a:p>
+            <a:r>
+              <a:rPr lang="en-US" dirty="0"/>
+              <a:t>We are starting module 4 today…hooray!!</a:t>
+            </a:r>
+          </a:p>
+          <a:p>
+            <a:pPr lvl="1"/>
+            <a:r>
+              <a:rPr lang="en-US" dirty="0"/>
+              <a:t>Module 4 is a little condensed because of end of semester timing. We will do our best to make it a bit easier on you.</a:t>
+            </a:r>
+          </a:p>
+          <a:p>
+            <a:r>
+              <a:rPr lang="en-US" dirty="0"/>
+              <a:t>Today: Ford-Fulkerson and flow networks!!</a:t>
+            </a:r>
+          </a:p>
+        </p:txBody>
+      </p:sp>
+      <p:sp>
+        <p:nvSpPr>
+          <p:cNvPr id="4" name="Slide Number Placeholder 3"/>
+          <p:cNvSpPr>
+            <a:spLocks noGrp="1"/>
+          </p:cNvSpPr>
+          <p:nvPr>
+            <p:ph type="sldNum" sz="quarter" idx="12"/>
+          </p:nvPr>
+        </p:nvSpPr>
+        <p:spPr/>
+        <p:txBody>
+          <a:bodyPr/>
+          <a:lstStyle/>
+          <a:p>
+            <a:fld id="{F26D9103-0C5C-48AC-B68E-3ED2C1647047}" type="slidenum">
+              <a:rPr lang="en-US" smtClean="0"/>
+              <a:pPr/>
+              <a:t>19</a:t>
+            </a:fld>
+            <a:endParaRPr lang="en-US" dirty="0"/>
+          </a:p>
+        </p:txBody>
+      </p:sp>
+    </p:spTree>
+    <p:extLst>
+      <p:ext uri="{BB962C8B-B14F-4D97-AF65-F5344CB8AC3E}">
+        <p14:creationId xmlns:p14="http://schemas.microsoft.com/office/powerpoint/2010/main" val="2816304955"/>
+      </p:ext>
+    </p:extLst>
+  </p:cSld>
+  <p:clrMapOvr>
+    <a:masterClrMapping/>
+  </p:clrMapOvr>
+</p:sld>
+</file>
+
 <file path=ppt/slides/slide2.xml><?xml version="1.0" encoding="utf-8"?>
 <p:sld xmlns:a="http://schemas.openxmlformats.org/drawingml/2006/main" xmlns:r="http://schemas.openxmlformats.org/officeDocument/2006/relationships" xmlns:p="http://schemas.openxmlformats.org/presentationml/2006/main">
   <p:cSld>
@@ -7468,6 +7984,42 @@
 </file>
 
 <file path=ppt/tags/tag3.xml><?xml version="1.0" encoding="utf-8"?>
+<p:tagLst xmlns:a="http://schemas.openxmlformats.org/drawingml/2006/main" xmlns:r="http://schemas.openxmlformats.org/officeDocument/2006/relationships" xmlns:p="http://schemas.openxmlformats.org/presentationml/2006/main">
+  <p:tag name="_INSTRUCTOR VIEW19C14C36-AC8E-43BC-9DB6-C2AAF774C7DC|PANE__TAG" val="_"/>
+</p:tagLst>
+</file>
+
+<file path=ppt/tags/tag30.xml><?xml version="1.0" encoding="utf-8"?>
+<p:tagLst xmlns:a="http://schemas.openxmlformats.org/drawingml/2006/main" xmlns:r="http://schemas.openxmlformats.org/officeDocument/2006/relationships" xmlns:p="http://schemas.openxmlformats.org/presentationml/2006/main">
+  <p:tag name="_INSTRUCTOR VIEW19C14C36-AC8E-43BC-9DB6-C2AAF774C7DC|PANE__TAG" val="_"/>
+</p:tagLst>
+</file>
+
+<file path=ppt/tags/tag31.xml><?xml version="1.0" encoding="utf-8"?>
+<p:tagLst xmlns:a="http://schemas.openxmlformats.org/drawingml/2006/main" xmlns:r="http://schemas.openxmlformats.org/officeDocument/2006/relationships" xmlns:p="http://schemas.openxmlformats.org/presentationml/2006/main">
+  <p:tag name="_INSTRUCTOR VIEW19C14C36-AC8E-43BC-9DB6-C2AAF774C7DC|PANE__TAG" val="_"/>
+</p:tagLst>
+</file>
+
+<file path=ppt/tags/tag32.xml><?xml version="1.0" encoding="utf-8"?>
+<p:tagLst xmlns:a="http://schemas.openxmlformats.org/drawingml/2006/main" xmlns:r="http://schemas.openxmlformats.org/officeDocument/2006/relationships" xmlns:p="http://schemas.openxmlformats.org/presentationml/2006/main">
+  <p:tag name="_INSTRUCTOR VIEW19C14C36-AC8E-43BC-9DB6-C2AAF774C7DC|PANE__TAG" val="_"/>
+</p:tagLst>
+</file>
+
+<file path=ppt/tags/tag33.xml><?xml version="1.0" encoding="utf-8"?>
+<p:tagLst xmlns:a="http://schemas.openxmlformats.org/drawingml/2006/main" xmlns:r="http://schemas.openxmlformats.org/officeDocument/2006/relationships" xmlns:p="http://schemas.openxmlformats.org/presentationml/2006/main">
+  <p:tag name="_INSTRUCTOR VIEW19C14C36-AC8E-43BC-9DB6-C2AAF774C7DC|PANE__TAG" val="_"/>
+</p:tagLst>
+</file>
+
+<file path=ppt/tags/tag34.xml><?xml version="1.0" encoding="utf-8"?>
+<p:tagLst xmlns:a="http://schemas.openxmlformats.org/drawingml/2006/main" xmlns:r="http://schemas.openxmlformats.org/officeDocument/2006/relationships" xmlns:p="http://schemas.openxmlformats.org/presentationml/2006/main">
+  <p:tag name="_INSTRUCTOR VIEW19C14C36-AC8E-43BC-9DB6-C2AAF774C7DC|PANE__TAG" val="_"/>
+</p:tagLst>
+</file>
+
+<file path=ppt/tags/tag35.xml><?xml version="1.0" encoding="utf-8"?>
 <p:tagLst xmlns:a="http://schemas.openxmlformats.org/drawingml/2006/main" xmlns:r="http://schemas.openxmlformats.org/officeDocument/2006/relationships" xmlns:p="http://schemas.openxmlformats.org/presentationml/2006/main">
   <p:tag name="_INSTRUCTOR VIEW19C14C36-AC8E-43BC-9DB6-C2AAF774C7DC|PANE__TAG" val="_"/>
 </p:tagLst>

--- a/slides/dailyannouncements_mf.pptx
+++ b/slides/dailyannouncements_mf.pptx
@@ -5,10 +5,10 @@
     <p:sldMasterId id="2147483728" r:id="rId1"/>
   </p:sldMasterIdLst>
   <p:notesMasterIdLst>
-    <p:notesMasterId r:id="rId21"/>
+    <p:notesMasterId r:id="rId22"/>
   </p:notesMasterIdLst>
   <p:handoutMasterIdLst>
-    <p:handoutMasterId r:id="rId22"/>
+    <p:handoutMasterId r:id="rId23"/>
   </p:handoutMasterIdLst>
   <p:sldIdLst>
     <p:sldId id="447" r:id="rId2"/>
@@ -30,11 +30,12 @@
     <p:sldId id="498" r:id="rId18"/>
     <p:sldId id="499" r:id="rId19"/>
     <p:sldId id="500" r:id="rId20"/>
+    <p:sldId id="501" r:id="rId21"/>
   </p:sldIdLst>
   <p:sldSz cx="9144000" cy="6858000" type="screen4x3"/>
   <p:notesSz cx="7315200" cy="9601200"/>
   <p:custDataLst>
-    <p:tags r:id="rId23"/>
+    <p:tags r:id="rId24"/>
   </p:custDataLst>
   <p:defaultTextStyle>
     <a:defPPr>
@@ -1034,7 +1035,7 @@
             <a:fld id="{E4886CB5-510A-4EF6-9466-BC7A8F0DDE87}" type="datetime1">
               <a:rPr lang="en-US" smtClean="0"/>
               <a:pPr/>
-              <a:t>4/19/21</a:t>
+              <a:t>4/21/21</a:t>
             </a:fld>
             <a:endParaRPr lang="en-US"/>
           </a:p>
@@ -1394,7 +1395,7 @@
             <a:fld id="{9B297853-24B4-4D05-83E4-0AD2E86C55E5}" type="datetime1">
               <a:rPr lang="en-US" smtClean="0"/>
               <a:pPr/>
-              <a:t>4/19/21</a:t>
+              <a:t>4/21/21</a:t>
             </a:fld>
             <a:endParaRPr lang="en-US"/>
           </a:p>
@@ -1570,7 +1571,7 @@
             <a:fld id="{01FCDD9E-5768-4705-9537-0C020B1BB310}" type="datetime1">
               <a:rPr lang="en-US" smtClean="0"/>
               <a:pPr/>
-              <a:t>4/19/21</a:t>
+              <a:t>4/21/21</a:t>
             </a:fld>
             <a:endParaRPr lang="en-US"/>
           </a:p>
@@ -1806,7 +1807,7 @@
             <a:fld id="{4257C27E-59C2-41CA-9776-94955CBEE440}" type="datetime1">
               <a:rPr lang="en-US" smtClean="0"/>
               <a:pPr/>
-              <a:t>4/19/21</a:t>
+              <a:t>4/21/21</a:t>
             </a:fld>
             <a:endParaRPr lang="en-US"/>
           </a:p>
@@ -2092,7 +2093,7 @@
             <a:fld id="{03180747-A137-49C6-9C74-AB7EE86F4904}" type="datetime1">
               <a:rPr lang="en-US" smtClean="0"/>
               <a:pPr/>
-              <a:t>4/19/21</a:t>
+              <a:t>4/21/21</a:t>
             </a:fld>
             <a:endParaRPr lang="en-US"/>
           </a:p>
@@ -2313,7 +2314,7 @@
             <a:fld id="{EBBA31D9-ADC1-480D-86A8-1EAFB6A86A35}" type="datetime1">
               <a:rPr lang="en-US" smtClean="0"/>
               <a:pPr/>
-              <a:t>4/19/21</a:t>
+              <a:t>4/21/21</a:t>
             </a:fld>
             <a:endParaRPr lang="en-US"/>
           </a:p>
@@ -2666,7 +2667,7 @@
             <a:fld id="{80AAE9AE-3B2F-4DEA-8C41-BDDF4CDF6F40}" type="datetime1">
               <a:rPr lang="en-US" smtClean="0"/>
               <a:pPr/>
-              <a:t>4/19/21</a:t>
+              <a:t>4/21/21</a:t>
             </a:fld>
             <a:endParaRPr lang="en-US"/>
           </a:p>
@@ -2899,7 +2900,7 @@
             <a:fld id="{48252F7F-E8FE-413B-8521-D4ED924C6DE5}" type="datetime1">
               <a:rPr lang="en-US" smtClean="0"/>
               <a:pPr/>
-              <a:t>4/19/21</a:t>
+              <a:t>4/21/21</a:t>
             </a:fld>
             <a:endParaRPr lang="en-US"/>
           </a:p>
@@ -3041,7 +3042,7 @@
             <a:fld id="{2FF1B124-70E3-4E4A-90E2-6B55DB7659B3}" type="datetime1">
               <a:rPr lang="en-US" smtClean="0"/>
               <a:pPr/>
-              <a:t>4/19/21</a:t>
+              <a:t>4/21/21</a:t>
             </a:fld>
             <a:endParaRPr lang="en-US"/>
           </a:p>
@@ -3319,7 +3320,7 @@
             <a:fld id="{4EBF4C98-3CD6-4C87-BD40-5718C2628835}" type="datetime1">
               <a:rPr lang="en-US" smtClean="0"/>
               <a:pPr/>
-              <a:t>4/19/21</a:t>
+              <a:t>4/21/21</a:t>
             </a:fld>
             <a:endParaRPr lang="en-US"/>
           </a:p>
@@ -3727,7 +3728,7 @@
             <a:fld id="{6D6408A8-6B1B-4CDA-875E-7BEECDBA31DF}" type="datetime1">
               <a:rPr lang="en-US" smtClean="0"/>
               <a:pPr/>
-              <a:t>4/19/21</a:t>
+              <a:t>4/21/21</a:t>
             </a:fld>
             <a:endParaRPr lang="en-US"/>
           </a:p>
@@ -4065,7 +4066,7 @@
             <a:fld id="{C55AAF07-D2F5-4B3C-B443-40DE8C337A77}" type="datetime1">
               <a:rPr lang="en-US" smtClean="0"/>
               <a:pPr/>
-              <a:t>4/19/21</a:t>
+              <a:t>4/21/21</a:t>
             </a:fld>
             <a:endParaRPr lang="en-US"/>
           </a:p>
@@ -6582,6 +6583,176 @@
 </p:sld>
 </file>
 
+<file path=ppt/slides/slide20.xml><?xml version="1.0" encoding="utf-8"?>
+<p:sld xmlns:a="http://schemas.openxmlformats.org/drawingml/2006/main" xmlns:r="http://schemas.openxmlformats.org/officeDocument/2006/relationships" xmlns:p="http://schemas.openxmlformats.org/presentationml/2006/main">
+  <p:cSld>
+    <p:spTree>
+      <p:nvGrpSpPr>
+        <p:cNvPr id="1" name=""/>
+        <p:cNvGrpSpPr/>
+        <p:nvPr/>
+      </p:nvGrpSpPr>
+      <p:grpSpPr>
+        <a:xfrm>
+          <a:off x="0" y="0"/>
+          <a:ext cx="0" cy="0"/>
+          <a:chOff x="0" y="0"/>
+          <a:chExt cx="0" cy="0"/>
+        </a:xfrm>
+      </p:grpSpPr>
+      <p:sp>
+        <p:nvSpPr>
+          <p:cNvPr id="6146" name="Rectangle 2"/>
+          <p:cNvSpPr>
+            <a:spLocks noGrp="1" noChangeArrowheads="1"/>
+          </p:cNvSpPr>
+          <p:nvPr>
+            <p:ph type="title"/>
+            <p:custDataLst>
+              <p:tags r:id="rId1"/>
+            </p:custDataLst>
+          </p:nvPr>
+        </p:nvSpPr>
+        <p:spPr/>
+        <p:txBody>
+          <a:bodyPr/>
+          <a:lstStyle/>
+          <a:p>
+            <a:r>
+              <a:rPr lang="en-US" dirty="0"/>
+              <a:t>Wednesday, Apr. 21</a:t>
+            </a:r>
+          </a:p>
+        </p:txBody>
+      </p:sp>
+      <p:sp>
+        <p:nvSpPr>
+          <p:cNvPr id="6147" name="Rectangle 3"/>
+          <p:cNvSpPr>
+            <a:spLocks noGrp="1" noChangeArrowheads="1"/>
+          </p:cNvSpPr>
+          <p:nvPr>
+            <p:ph sz="quarter" idx="1"/>
+            <p:custDataLst>
+              <p:tags r:id="rId2"/>
+            </p:custDataLst>
+          </p:nvPr>
+        </p:nvSpPr>
+        <p:spPr>
+          <a:xfrm>
+            <a:off x="381000" y="1371600"/>
+            <a:ext cx="8255000" cy="5105400"/>
+          </a:xfrm>
+        </p:spPr>
+        <p:txBody>
+          <a:bodyPr>
+            <a:normAutofit lnSpcReduction="10000"/>
+          </a:bodyPr>
+          <a:lstStyle/>
+          <a:p>
+            <a:r>
+              <a:rPr lang="en-US" dirty="0"/>
+              <a:t>Quiz 3 (attempt 1) and Quiz 2 (attempt 2) are available end of this week.</a:t>
+            </a:r>
+          </a:p>
+          <a:p>
+            <a:r>
+              <a:rPr lang="en-US" dirty="0"/>
+              <a:t>We are aggressively finishing grading on module 3 if submitted by soft deadline</a:t>
+            </a:r>
+          </a:p>
+          <a:p>
+            <a:r>
+              <a:rPr lang="en-US" dirty="0"/>
+              <a:t>Recommended schedule up on schedule page of website. </a:t>
+            </a:r>
+          </a:p>
+          <a:p>
+            <a:pPr lvl="1"/>
+            <a:r>
+              <a:rPr lang="en-US" dirty="0"/>
+              <a:t>Recommended you take on one module 3 advanced </a:t>
+            </a:r>
+            <a:r>
+              <a:rPr lang="en-US" dirty="0" err="1"/>
+              <a:t>hw</a:t>
+            </a:r>
+            <a:r>
+              <a:rPr lang="en-US" dirty="0"/>
+              <a:t> this week.</a:t>
+            </a:r>
+          </a:p>
+          <a:p>
+            <a:r>
+              <a:rPr lang="en-US" dirty="0"/>
+              <a:t>Module 4 homework will be posted very soon!</a:t>
+            </a:r>
+          </a:p>
+          <a:p>
+            <a:pPr lvl="1"/>
+            <a:r>
+              <a:rPr lang="en-US" dirty="0"/>
+              <a:t>They are written, just need to post them. Likely today.</a:t>
+            </a:r>
+          </a:p>
+          <a:p>
+            <a:r>
+              <a:rPr lang="en-US" dirty="0"/>
+              <a:t>We are in module 4!</a:t>
+            </a:r>
+          </a:p>
+          <a:p>
+            <a:pPr lvl="1"/>
+            <a:r>
+              <a:rPr lang="en-US" dirty="0"/>
+              <a:t>Module 4 soft deadline turnaround is too fast, so hard deadline only, let’s discuss briefly.</a:t>
+            </a:r>
+          </a:p>
+          <a:p>
+            <a:r>
+              <a:rPr lang="en-US" dirty="0"/>
+              <a:t>Today: Proving the min-cut max-flow theorem.</a:t>
+            </a:r>
+          </a:p>
+        </p:txBody>
+      </p:sp>
+      <p:sp>
+        <p:nvSpPr>
+          <p:cNvPr id="4" name="Slide Number Placeholder 3"/>
+          <p:cNvSpPr>
+            <a:spLocks noGrp="1"/>
+          </p:cNvSpPr>
+          <p:nvPr>
+            <p:ph type="sldNum" sz="quarter" idx="12"/>
+          </p:nvPr>
+        </p:nvSpPr>
+        <p:spPr/>
+        <p:txBody>
+          <a:bodyPr/>
+          <a:lstStyle/>
+          <a:p>
+            <a:fld id="{F26D9103-0C5C-48AC-B68E-3ED2C1647047}" type="slidenum">
+              <a:rPr lang="en-US" smtClean="0"/>
+              <a:pPr/>
+              <a:t>20</a:t>
+            </a:fld>
+            <a:endParaRPr lang="en-US" dirty="0"/>
+          </a:p>
+        </p:txBody>
+      </p:sp>
+    </p:spTree>
+    <p:extLst>
+      <p:ext uri="{BB962C8B-B14F-4D97-AF65-F5344CB8AC3E}">
+        <p14:creationId xmlns:p14="http://schemas.microsoft.com/office/powerpoint/2010/main" val="1765907690"/>
+      </p:ext>
+    </p:extLst>
+  </p:cSld>
+  <p:clrMapOvr>
+    <a:masterClrMapping/>
+  </p:clrMapOvr>
+</p:sld>
+</file>
+
 <file path=ppt/slides/slide3.xml><?xml version="1.0" encoding="utf-8"?>
 <p:sld xmlns:a="http://schemas.openxmlformats.org/drawingml/2006/main" xmlns:r="http://schemas.openxmlformats.org/officeDocument/2006/relationships" xmlns:p="http://schemas.openxmlformats.org/presentationml/2006/main">
   <p:cSld>
@@ -8020,6 +8191,18 @@
 </file>
 
 <file path=ppt/tags/tag35.xml><?xml version="1.0" encoding="utf-8"?>
+<p:tagLst xmlns:a="http://schemas.openxmlformats.org/drawingml/2006/main" xmlns:r="http://schemas.openxmlformats.org/officeDocument/2006/relationships" xmlns:p="http://schemas.openxmlformats.org/presentationml/2006/main">
+  <p:tag name="_INSTRUCTOR VIEW19C14C36-AC8E-43BC-9DB6-C2AAF774C7DC|PANE__TAG" val="_"/>
+</p:tagLst>
+</file>
+
+<file path=ppt/tags/tag36.xml><?xml version="1.0" encoding="utf-8"?>
+<p:tagLst xmlns:a="http://schemas.openxmlformats.org/drawingml/2006/main" xmlns:r="http://schemas.openxmlformats.org/officeDocument/2006/relationships" xmlns:p="http://schemas.openxmlformats.org/presentationml/2006/main">
+  <p:tag name="_INSTRUCTOR VIEW19C14C36-AC8E-43BC-9DB6-C2AAF774C7DC|PANE__TAG" val="_"/>
+</p:tagLst>
+</file>
+
+<file path=ppt/tags/tag37.xml><?xml version="1.0" encoding="utf-8"?>
 <p:tagLst xmlns:a="http://schemas.openxmlformats.org/drawingml/2006/main" xmlns:r="http://schemas.openxmlformats.org/officeDocument/2006/relationships" xmlns:p="http://schemas.openxmlformats.org/presentationml/2006/main">
   <p:tag name="_INSTRUCTOR VIEW19C14C36-AC8E-43BC-9DB6-C2AAF774C7DC|PANE__TAG" val="_"/>
 </p:tagLst>

--- a/slides/dailyannouncements_mf.pptx
+++ b/slides/dailyannouncements_mf.pptx
@@ -5,10 +5,10 @@
     <p:sldMasterId id="2147483728" r:id="rId1"/>
   </p:sldMasterIdLst>
   <p:notesMasterIdLst>
-    <p:notesMasterId r:id="rId22"/>
+    <p:notesMasterId r:id="rId26"/>
   </p:notesMasterIdLst>
   <p:handoutMasterIdLst>
-    <p:handoutMasterId r:id="rId23"/>
+    <p:handoutMasterId r:id="rId27"/>
   </p:handoutMasterIdLst>
   <p:sldIdLst>
     <p:sldId id="447" r:id="rId2"/>
@@ -31,11 +31,15 @@
     <p:sldId id="499" r:id="rId19"/>
     <p:sldId id="500" r:id="rId20"/>
     <p:sldId id="501" r:id="rId21"/>
+    <p:sldId id="502" r:id="rId22"/>
+    <p:sldId id="503" r:id="rId23"/>
+    <p:sldId id="504" r:id="rId24"/>
+    <p:sldId id="505" r:id="rId25"/>
   </p:sldIdLst>
   <p:sldSz cx="9144000" cy="6858000" type="screen4x3"/>
   <p:notesSz cx="7315200" cy="9601200"/>
   <p:custDataLst>
-    <p:tags r:id="rId24"/>
+    <p:tags r:id="rId28"/>
   </p:custDataLst>
   <p:defaultTextStyle>
     <a:defPPr>
@@ -1035,7 +1039,7 @@
             <a:fld id="{E4886CB5-510A-4EF6-9466-BC7A8F0DDE87}" type="datetime1">
               <a:rPr lang="en-US" smtClean="0"/>
               <a:pPr/>
-              <a:t>4/21/21</a:t>
+              <a:t>5/5/21</a:t>
             </a:fld>
             <a:endParaRPr lang="en-US"/>
           </a:p>
@@ -1395,7 +1399,7 @@
             <a:fld id="{9B297853-24B4-4D05-83E4-0AD2E86C55E5}" type="datetime1">
               <a:rPr lang="en-US" smtClean="0"/>
               <a:pPr/>
-              <a:t>4/21/21</a:t>
+              <a:t>5/5/21</a:t>
             </a:fld>
             <a:endParaRPr lang="en-US"/>
           </a:p>
@@ -1571,7 +1575,7 @@
             <a:fld id="{01FCDD9E-5768-4705-9537-0C020B1BB310}" type="datetime1">
               <a:rPr lang="en-US" smtClean="0"/>
               <a:pPr/>
-              <a:t>4/21/21</a:t>
+              <a:t>5/5/21</a:t>
             </a:fld>
             <a:endParaRPr lang="en-US"/>
           </a:p>
@@ -1807,7 +1811,7 @@
             <a:fld id="{4257C27E-59C2-41CA-9776-94955CBEE440}" type="datetime1">
               <a:rPr lang="en-US" smtClean="0"/>
               <a:pPr/>
-              <a:t>4/21/21</a:t>
+              <a:t>5/5/21</a:t>
             </a:fld>
             <a:endParaRPr lang="en-US"/>
           </a:p>
@@ -2093,7 +2097,7 @@
             <a:fld id="{03180747-A137-49C6-9C74-AB7EE86F4904}" type="datetime1">
               <a:rPr lang="en-US" smtClean="0"/>
               <a:pPr/>
-              <a:t>4/21/21</a:t>
+              <a:t>5/5/21</a:t>
             </a:fld>
             <a:endParaRPr lang="en-US"/>
           </a:p>
@@ -2314,7 +2318,7 @@
             <a:fld id="{EBBA31D9-ADC1-480D-86A8-1EAFB6A86A35}" type="datetime1">
               <a:rPr lang="en-US" smtClean="0"/>
               <a:pPr/>
-              <a:t>4/21/21</a:t>
+              <a:t>5/5/21</a:t>
             </a:fld>
             <a:endParaRPr lang="en-US"/>
           </a:p>
@@ -2667,7 +2671,7 @@
             <a:fld id="{80AAE9AE-3B2F-4DEA-8C41-BDDF4CDF6F40}" type="datetime1">
               <a:rPr lang="en-US" smtClean="0"/>
               <a:pPr/>
-              <a:t>4/21/21</a:t>
+              <a:t>5/5/21</a:t>
             </a:fld>
             <a:endParaRPr lang="en-US"/>
           </a:p>
@@ -2900,7 +2904,7 @@
             <a:fld id="{48252F7F-E8FE-413B-8521-D4ED924C6DE5}" type="datetime1">
               <a:rPr lang="en-US" smtClean="0"/>
               <a:pPr/>
-              <a:t>4/21/21</a:t>
+              <a:t>5/5/21</a:t>
             </a:fld>
             <a:endParaRPr lang="en-US"/>
           </a:p>
@@ -3042,7 +3046,7 @@
             <a:fld id="{2FF1B124-70E3-4E4A-90E2-6B55DB7659B3}" type="datetime1">
               <a:rPr lang="en-US" smtClean="0"/>
               <a:pPr/>
-              <a:t>4/21/21</a:t>
+              <a:t>5/5/21</a:t>
             </a:fld>
             <a:endParaRPr lang="en-US"/>
           </a:p>
@@ -3320,7 +3324,7 @@
             <a:fld id="{4EBF4C98-3CD6-4C87-BD40-5718C2628835}" type="datetime1">
               <a:rPr lang="en-US" smtClean="0"/>
               <a:pPr/>
-              <a:t>4/21/21</a:t>
+              <a:t>5/5/21</a:t>
             </a:fld>
             <a:endParaRPr lang="en-US"/>
           </a:p>
@@ -3728,7 +3732,7 @@
             <a:fld id="{6D6408A8-6B1B-4CDA-875E-7BEECDBA31DF}" type="datetime1">
               <a:rPr lang="en-US" smtClean="0"/>
               <a:pPr/>
-              <a:t>4/21/21</a:t>
+              <a:t>5/5/21</a:t>
             </a:fld>
             <a:endParaRPr lang="en-US"/>
           </a:p>
@@ -4066,7 +4070,7 @@
             <a:fld id="{C55AAF07-D2F5-4B3C-B443-40DE8C337A77}" type="datetime1">
               <a:rPr lang="en-US" smtClean="0"/>
               <a:pPr/>
-              <a:t>4/21/21</a:t>
+              <a:t>5/5/21</a:t>
             </a:fld>
             <a:endParaRPr lang="en-US"/>
           </a:p>
@@ -6753,6 +6757,668 @@
 </p:sld>
 </file>
 
+<file path=ppt/slides/slide21.xml><?xml version="1.0" encoding="utf-8"?>
+<p:sld xmlns:a="http://schemas.openxmlformats.org/drawingml/2006/main" xmlns:r="http://schemas.openxmlformats.org/officeDocument/2006/relationships" xmlns:p="http://schemas.openxmlformats.org/presentationml/2006/main">
+  <p:cSld>
+    <p:spTree>
+      <p:nvGrpSpPr>
+        <p:cNvPr id="1" name=""/>
+        <p:cNvGrpSpPr/>
+        <p:nvPr/>
+      </p:nvGrpSpPr>
+      <p:grpSpPr>
+        <a:xfrm>
+          <a:off x="0" y="0"/>
+          <a:ext cx="0" cy="0"/>
+          <a:chOff x="0" y="0"/>
+          <a:chExt cx="0" cy="0"/>
+        </a:xfrm>
+      </p:grpSpPr>
+      <p:sp>
+        <p:nvSpPr>
+          <p:cNvPr id="6146" name="Rectangle 2"/>
+          <p:cNvSpPr>
+            <a:spLocks noGrp="1" noChangeArrowheads="1"/>
+          </p:cNvSpPr>
+          <p:nvPr>
+            <p:ph type="title"/>
+            <p:custDataLst>
+              <p:tags r:id="rId1"/>
+            </p:custDataLst>
+          </p:nvPr>
+        </p:nvSpPr>
+        <p:spPr/>
+        <p:txBody>
+          <a:bodyPr/>
+          <a:lstStyle/>
+          <a:p>
+            <a:r>
+              <a:rPr lang="en-US" dirty="0"/>
+              <a:t>Monday, Apr. 26</a:t>
+            </a:r>
+          </a:p>
+        </p:txBody>
+      </p:sp>
+      <p:sp>
+        <p:nvSpPr>
+          <p:cNvPr id="6147" name="Rectangle 3"/>
+          <p:cNvSpPr>
+            <a:spLocks noGrp="1" noChangeArrowheads="1"/>
+          </p:cNvSpPr>
+          <p:nvPr>
+            <p:ph sz="quarter" idx="1"/>
+            <p:custDataLst>
+              <p:tags r:id="rId2"/>
+            </p:custDataLst>
+          </p:nvPr>
+        </p:nvSpPr>
+        <p:spPr>
+          <a:xfrm>
+            <a:off x="381000" y="1371600"/>
+            <a:ext cx="8255000" cy="5105400"/>
+          </a:xfrm>
+        </p:spPr>
+        <p:txBody>
+          <a:bodyPr>
+            <a:normAutofit/>
+          </a:bodyPr>
+          <a:lstStyle/>
+          <a:p>
+            <a:r>
+              <a:rPr lang="en-US" dirty="0"/>
+              <a:t>Quiz 3 (attempt 1) and Quiz 2 (attempt 2) are done.</a:t>
+            </a:r>
+          </a:p>
+          <a:p>
+            <a:pPr lvl="1"/>
+            <a:r>
+              <a:rPr lang="en-US" dirty="0"/>
+              <a:t>Hope that went ok.</a:t>
+            </a:r>
+          </a:p>
+          <a:p>
+            <a:r>
+              <a:rPr lang="en-US" dirty="0"/>
+              <a:t>You have a grade if submitted by module 3 soft deadline. Will continue to try to get everyone some feedback.</a:t>
+            </a:r>
+          </a:p>
+          <a:p>
+            <a:r>
+              <a:rPr lang="en-US" dirty="0"/>
+              <a:t>Recommended schedule up on schedule page of website. </a:t>
+            </a:r>
+          </a:p>
+          <a:p>
+            <a:pPr lvl="1"/>
+            <a:r>
+              <a:rPr lang="en-US" dirty="0"/>
+              <a:t>Recommended you do Module 4 basic </a:t>
+            </a:r>
+            <a:r>
+              <a:rPr lang="en-US" dirty="0" err="1"/>
+              <a:t>hw</a:t>
+            </a:r>
+            <a:r>
+              <a:rPr lang="en-US" dirty="0"/>
+              <a:t> this week.</a:t>
+            </a:r>
+          </a:p>
+          <a:p>
+            <a:r>
+              <a:rPr lang="en-US" dirty="0" err="1"/>
+              <a:t>Gradescope</a:t>
+            </a:r>
+            <a:r>
+              <a:rPr lang="en-US" dirty="0"/>
+              <a:t> submissions for module 4 should be up today</a:t>
+            </a:r>
+          </a:p>
+          <a:p>
+            <a:r>
+              <a:rPr lang="en-US" dirty="0"/>
+              <a:t>We are in module 4!</a:t>
+            </a:r>
+          </a:p>
+          <a:p>
+            <a:pPr lvl="1"/>
+            <a:r>
+              <a:rPr lang="en-US" dirty="0"/>
+              <a:t>No module 4 soft deadline (sorry!). The timing is just too quick</a:t>
+            </a:r>
+          </a:p>
+          <a:p>
+            <a:r>
+              <a:rPr lang="en-US" dirty="0"/>
+              <a:t>Today: Reductions!!</a:t>
+            </a:r>
+          </a:p>
+        </p:txBody>
+      </p:sp>
+      <p:sp>
+        <p:nvSpPr>
+          <p:cNvPr id="4" name="Slide Number Placeholder 3"/>
+          <p:cNvSpPr>
+            <a:spLocks noGrp="1"/>
+          </p:cNvSpPr>
+          <p:nvPr>
+            <p:ph type="sldNum" sz="quarter" idx="12"/>
+          </p:nvPr>
+        </p:nvSpPr>
+        <p:spPr/>
+        <p:txBody>
+          <a:bodyPr/>
+          <a:lstStyle/>
+          <a:p>
+            <a:fld id="{F26D9103-0C5C-48AC-B68E-3ED2C1647047}" type="slidenum">
+              <a:rPr lang="en-US" smtClean="0"/>
+              <a:pPr/>
+              <a:t>21</a:t>
+            </a:fld>
+            <a:endParaRPr lang="en-US" dirty="0"/>
+          </a:p>
+        </p:txBody>
+      </p:sp>
+    </p:spTree>
+    <p:extLst>
+      <p:ext uri="{BB962C8B-B14F-4D97-AF65-F5344CB8AC3E}">
+        <p14:creationId xmlns:p14="http://schemas.microsoft.com/office/powerpoint/2010/main" val="2252422501"/>
+      </p:ext>
+    </p:extLst>
+  </p:cSld>
+  <p:clrMapOvr>
+    <a:masterClrMapping/>
+  </p:clrMapOvr>
+</p:sld>
+</file>
+
+<file path=ppt/slides/slide22.xml><?xml version="1.0" encoding="utf-8"?>
+<p:sld xmlns:a="http://schemas.openxmlformats.org/drawingml/2006/main" xmlns:r="http://schemas.openxmlformats.org/officeDocument/2006/relationships" xmlns:p="http://schemas.openxmlformats.org/presentationml/2006/main">
+  <p:cSld>
+    <p:spTree>
+      <p:nvGrpSpPr>
+        <p:cNvPr id="1" name=""/>
+        <p:cNvGrpSpPr/>
+        <p:nvPr/>
+      </p:nvGrpSpPr>
+      <p:grpSpPr>
+        <a:xfrm>
+          <a:off x="0" y="0"/>
+          <a:ext cx="0" cy="0"/>
+          <a:chOff x="0" y="0"/>
+          <a:chExt cx="0" cy="0"/>
+        </a:xfrm>
+      </p:grpSpPr>
+      <p:sp>
+        <p:nvSpPr>
+          <p:cNvPr id="6146" name="Rectangle 2"/>
+          <p:cNvSpPr>
+            <a:spLocks noGrp="1" noChangeArrowheads="1"/>
+          </p:cNvSpPr>
+          <p:nvPr>
+            <p:ph type="title"/>
+            <p:custDataLst>
+              <p:tags r:id="rId1"/>
+            </p:custDataLst>
+          </p:nvPr>
+        </p:nvSpPr>
+        <p:spPr/>
+        <p:txBody>
+          <a:bodyPr/>
+          <a:lstStyle/>
+          <a:p>
+            <a:r>
+              <a:rPr lang="en-US" dirty="0"/>
+              <a:t>Wednesday, Apr. 28</a:t>
+            </a:r>
+          </a:p>
+        </p:txBody>
+      </p:sp>
+      <p:sp>
+        <p:nvSpPr>
+          <p:cNvPr id="6147" name="Rectangle 3"/>
+          <p:cNvSpPr>
+            <a:spLocks noGrp="1" noChangeArrowheads="1"/>
+          </p:cNvSpPr>
+          <p:nvPr>
+            <p:ph sz="quarter" idx="1"/>
+            <p:custDataLst>
+              <p:tags r:id="rId2"/>
+            </p:custDataLst>
+          </p:nvPr>
+        </p:nvSpPr>
+        <p:spPr>
+          <a:xfrm>
+            <a:off x="381000" y="1371600"/>
+            <a:ext cx="8255000" cy="5105400"/>
+          </a:xfrm>
+        </p:spPr>
+        <p:txBody>
+          <a:bodyPr>
+            <a:normAutofit/>
+          </a:bodyPr>
+          <a:lstStyle/>
+          <a:p>
+            <a:r>
+              <a:rPr lang="en-US" dirty="0"/>
+              <a:t>Quiz 3 (attempt 1) and Quiz 2 (attempt 2) are done.</a:t>
+            </a:r>
+          </a:p>
+          <a:p>
+            <a:pPr lvl="1"/>
+            <a:r>
+              <a:rPr lang="en-US" dirty="0"/>
+              <a:t>Hope that went ok.</a:t>
+            </a:r>
+          </a:p>
+          <a:p>
+            <a:r>
+              <a:rPr lang="en-US" dirty="0"/>
+              <a:t>Module 3 hard deadline is tonight.</a:t>
+            </a:r>
+          </a:p>
+          <a:p>
+            <a:r>
+              <a:rPr lang="en-US" dirty="0"/>
+              <a:t>Recommended schedule up on schedule page of website. </a:t>
+            </a:r>
+          </a:p>
+          <a:p>
+            <a:pPr lvl="1"/>
+            <a:r>
+              <a:rPr lang="en-US" dirty="0"/>
+              <a:t>Recommended you do Module 4 basic </a:t>
+            </a:r>
+            <a:r>
+              <a:rPr lang="en-US" dirty="0" err="1"/>
+              <a:t>hw</a:t>
+            </a:r>
+            <a:r>
+              <a:rPr lang="en-US" dirty="0"/>
+              <a:t> this week.</a:t>
+            </a:r>
+          </a:p>
+          <a:p>
+            <a:r>
+              <a:rPr lang="en-US" dirty="0" err="1"/>
+              <a:t>Gradescope</a:t>
+            </a:r>
+            <a:r>
+              <a:rPr lang="en-US" dirty="0"/>
+              <a:t> module 4 submissions are up now!</a:t>
+            </a:r>
+          </a:p>
+          <a:p>
+            <a:r>
+              <a:rPr lang="en-US" dirty="0"/>
+              <a:t>We are in module 4!</a:t>
+            </a:r>
+          </a:p>
+          <a:p>
+            <a:pPr lvl="1"/>
+            <a:r>
+              <a:rPr lang="en-US" dirty="0"/>
+              <a:t>No module 4 soft deadline (sorry!). The timing is just too quick</a:t>
+            </a:r>
+          </a:p>
+          <a:p>
+            <a:r>
+              <a:rPr lang="en-US" dirty="0"/>
+              <a:t>Today: more Reductions and things.</a:t>
+            </a:r>
+          </a:p>
+        </p:txBody>
+      </p:sp>
+      <p:sp>
+        <p:nvSpPr>
+          <p:cNvPr id="4" name="Slide Number Placeholder 3"/>
+          <p:cNvSpPr>
+            <a:spLocks noGrp="1"/>
+          </p:cNvSpPr>
+          <p:nvPr>
+            <p:ph type="sldNum" sz="quarter" idx="12"/>
+          </p:nvPr>
+        </p:nvSpPr>
+        <p:spPr/>
+        <p:txBody>
+          <a:bodyPr/>
+          <a:lstStyle/>
+          <a:p>
+            <a:fld id="{F26D9103-0C5C-48AC-B68E-3ED2C1647047}" type="slidenum">
+              <a:rPr lang="en-US" smtClean="0"/>
+              <a:pPr/>
+              <a:t>22</a:t>
+            </a:fld>
+            <a:endParaRPr lang="en-US" dirty="0"/>
+          </a:p>
+        </p:txBody>
+      </p:sp>
+    </p:spTree>
+    <p:extLst>
+      <p:ext uri="{BB962C8B-B14F-4D97-AF65-F5344CB8AC3E}">
+        <p14:creationId xmlns:p14="http://schemas.microsoft.com/office/powerpoint/2010/main" val="2128108752"/>
+      </p:ext>
+    </p:extLst>
+  </p:cSld>
+  <p:clrMapOvr>
+    <a:masterClrMapping/>
+  </p:clrMapOvr>
+</p:sld>
+</file>
+
+<file path=ppt/slides/slide23.xml><?xml version="1.0" encoding="utf-8"?>
+<p:sld xmlns:a="http://schemas.openxmlformats.org/drawingml/2006/main" xmlns:r="http://schemas.openxmlformats.org/officeDocument/2006/relationships" xmlns:p="http://schemas.openxmlformats.org/presentationml/2006/main">
+  <p:cSld>
+    <p:spTree>
+      <p:nvGrpSpPr>
+        <p:cNvPr id="1" name=""/>
+        <p:cNvGrpSpPr/>
+        <p:nvPr/>
+      </p:nvGrpSpPr>
+      <p:grpSpPr>
+        <a:xfrm>
+          <a:off x="0" y="0"/>
+          <a:ext cx="0" cy="0"/>
+          <a:chOff x="0" y="0"/>
+          <a:chExt cx="0" cy="0"/>
+        </a:xfrm>
+      </p:grpSpPr>
+      <p:sp>
+        <p:nvSpPr>
+          <p:cNvPr id="6146" name="Rectangle 2"/>
+          <p:cNvSpPr>
+            <a:spLocks noGrp="1" noChangeArrowheads="1"/>
+          </p:cNvSpPr>
+          <p:nvPr>
+            <p:ph type="title"/>
+            <p:custDataLst>
+              <p:tags r:id="rId1"/>
+            </p:custDataLst>
+          </p:nvPr>
+        </p:nvSpPr>
+        <p:spPr/>
+        <p:txBody>
+          <a:bodyPr/>
+          <a:lstStyle/>
+          <a:p>
+            <a:r>
+              <a:rPr lang="en-US" dirty="0"/>
+              <a:t>Monday, May. 3</a:t>
+            </a:r>
+          </a:p>
+        </p:txBody>
+      </p:sp>
+      <p:sp>
+        <p:nvSpPr>
+          <p:cNvPr id="6147" name="Rectangle 3"/>
+          <p:cNvSpPr>
+            <a:spLocks noGrp="1" noChangeArrowheads="1"/>
+          </p:cNvSpPr>
+          <p:nvPr>
+            <p:ph sz="quarter" idx="1"/>
+            <p:custDataLst>
+              <p:tags r:id="rId2"/>
+            </p:custDataLst>
+          </p:nvPr>
+        </p:nvSpPr>
+        <p:spPr>
+          <a:xfrm>
+            <a:off x="381000" y="1371600"/>
+            <a:ext cx="8255000" cy="5105400"/>
+          </a:xfrm>
+        </p:spPr>
+        <p:txBody>
+          <a:bodyPr>
+            <a:normAutofit/>
+          </a:bodyPr>
+          <a:lstStyle/>
+          <a:p>
+            <a:r>
+              <a:rPr lang="en-US" dirty="0"/>
+              <a:t>Last week of classes!!!!!</a:t>
+            </a:r>
+          </a:p>
+          <a:p>
+            <a:r>
+              <a:rPr lang="en-US" dirty="0"/>
+              <a:t>Quiz 3 (Attempt 2) and Quiz 4 (Attempt 1) are this week</a:t>
+            </a:r>
+          </a:p>
+          <a:p>
+            <a:pPr lvl="1"/>
+            <a:r>
+              <a:rPr lang="en-US" dirty="0"/>
+              <a:t>A bit earlier then normal because end of courses. Details soon</a:t>
+            </a:r>
+          </a:p>
+          <a:p>
+            <a:r>
+              <a:rPr lang="en-US" dirty="0"/>
+              <a:t>Module 4 hard deadline is May 10</a:t>
+            </a:r>
+          </a:p>
+          <a:p>
+            <a:pPr lvl="1"/>
+            <a:r>
+              <a:rPr lang="en-US" dirty="0"/>
+              <a:t>Yes this is during exams. You are MEANT to be done by Thursday night, but you can use the extra time if you want to.</a:t>
+            </a:r>
+          </a:p>
+          <a:p>
+            <a:r>
+              <a:rPr lang="en-US" dirty="0"/>
+              <a:t>Recommended you do another basic 4 module and advanced modules this week / over the weekend.</a:t>
+            </a:r>
+          </a:p>
+          <a:p>
+            <a:r>
+              <a:rPr lang="en-US" dirty="0"/>
+              <a:t>We are in module 4!</a:t>
+            </a:r>
+          </a:p>
+          <a:p>
+            <a:pPr lvl="1"/>
+            <a:r>
+              <a:rPr lang="en-US" dirty="0"/>
+              <a:t>No module 4 soft deadline (sorry!). The timing is just too quick</a:t>
+            </a:r>
+          </a:p>
+          <a:p>
+            <a:r>
+              <a:rPr lang="en-US" dirty="0"/>
+              <a:t>Today: more Reductions and things.</a:t>
+            </a:r>
+          </a:p>
+        </p:txBody>
+      </p:sp>
+      <p:sp>
+        <p:nvSpPr>
+          <p:cNvPr id="4" name="Slide Number Placeholder 3"/>
+          <p:cNvSpPr>
+            <a:spLocks noGrp="1"/>
+          </p:cNvSpPr>
+          <p:nvPr>
+            <p:ph type="sldNum" sz="quarter" idx="12"/>
+          </p:nvPr>
+        </p:nvSpPr>
+        <p:spPr/>
+        <p:txBody>
+          <a:bodyPr/>
+          <a:lstStyle/>
+          <a:p>
+            <a:fld id="{F26D9103-0C5C-48AC-B68E-3ED2C1647047}" type="slidenum">
+              <a:rPr lang="en-US" smtClean="0"/>
+              <a:pPr/>
+              <a:t>23</a:t>
+            </a:fld>
+            <a:endParaRPr lang="en-US" dirty="0"/>
+          </a:p>
+        </p:txBody>
+      </p:sp>
+    </p:spTree>
+    <p:extLst>
+      <p:ext uri="{BB962C8B-B14F-4D97-AF65-F5344CB8AC3E}">
+        <p14:creationId xmlns:p14="http://schemas.microsoft.com/office/powerpoint/2010/main" val="3451562380"/>
+      </p:ext>
+    </p:extLst>
+  </p:cSld>
+  <p:clrMapOvr>
+    <a:masterClrMapping/>
+  </p:clrMapOvr>
+</p:sld>
+</file>
+
+<file path=ppt/slides/slide24.xml><?xml version="1.0" encoding="utf-8"?>
+<p:sld xmlns:a="http://schemas.openxmlformats.org/drawingml/2006/main" xmlns:r="http://schemas.openxmlformats.org/officeDocument/2006/relationships" xmlns:p="http://schemas.openxmlformats.org/presentationml/2006/main">
+  <p:cSld>
+    <p:spTree>
+      <p:nvGrpSpPr>
+        <p:cNvPr id="1" name=""/>
+        <p:cNvGrpSpPr/>
+        <p:nvPr/>
+      </p:nvGrpSpPr>
+      <p:grpSpPr>
+        <a:xfrm>
+          <a:off x="0" y="0"/>
+          <a:ext cx="0" cy="0"/>
+          <a:chOff x="0" y="0"/>
+          <a:chExt cx="0" cy="0"/>
+        </a:xfrm>
+      </p:grpSpPr>
+      <p:sp>
+        <p:nvSpPr>
+          <p:cNvPr id="6146" name="Rectangle 2"/>
+          <p:cNvSpPr>
+            <a:spLocks noGrp="1" noChangeArrowheads="1"/>
+          </p:cNvSpPr>
+          <p:nvPr>
+            <p:ph type="title"/>
+            <p:custDataLst>
+              <p:tags r:id="rId1"/>
+            </p:custDataLst>
+          </p:nvPr>
+        </p:nvSpPr>
+        <p:spPr/>
+        <p:txBody>
+          <a:bodyPr/>
+          <a:lstStyle/>
+          <a:p>
+            <a:r>
+              <a:rPr lang="en-US" dirty="0"/>
+              <a:t>Wednesday, May. 5</a:t>
+            </a:r>
+          </a:p>
+        </p:txBody>
+      </p:sp>
+      <p:sp>
+        <p:nvSpPr>
+          <p:cNvPr id="6147" name="Rectangle 3"/>
+          <p:cNvSpPr>
+            <a:spLocks noGrp="1" noChangeArrowheads="1"/>
+          </p:cNvSpPr>
+          <p:nvPr>
+            <p:ph sz="quarter" idx="1"/>
+            <p:custDataLst>
+              <p:tags r:id="rId2"/>
+            </p:custDataLst>
+          </p:nvPr>
+        </p:nvSpPr>
+        <p:spPr>
+          <a:xfrm>
+            <a:off x="381000" y="1371600"/>
+            <a:ext cx="8255000" cy="5105400"/>
+          </a:xfrm>
+        </p:spPr>
+        <p:txBody>
+          <a:bodyPr>
+            <a:normAutofit/>
+          </a:bodyPr>
+          <a:lstStyle/>
+          <a:p>
+            <a:r>
+              <a:rPr lang="en-US" dirty="0"/>
+              <a:t>Last class!!</a:t>
+            </a:r>
+          </a:p>
+          <a:p>
+            <a:r>
+              <a:rPr lang="en-US" dirty="0"/>
+              <a:t>Quiz 3 (Attempt 2) and Quiz 4 (Attempt 1) are this week</a:t>
+            </a:r>
+          </a:p>
+          <a:p>
+            <a:pPr lvl="1"/>
+            <a:r>
+              <a:rPr lang="en-US" dirty="0"/>
+              <a:t>Available Thursday a.m. for those of you who want to get to it before courses end.</a:t>
+            </a:r>
+          </a:p>
+          <a:p>
+            <a:r>
+              <a:rPr lang="en-US" dirty="0"/>
+              <a:t>Module 4 hard deadline is May 10</a:t>
+            </a:r>
+          </a:p>
+          <a:p>
+            <a:pPr lvl="1"/>
+            <a:r>
+              <a:rPr lang="en-US" dirty="0"/>
+              <a:t>Yes this is during exams. You are MEANT to be done by Thursday night, but you can use the extra time if you want to.</a:t>
+            </a:r>
+          </a:p>
+          <a:p>
+            <a:r>
+              <a:rPr lang="en-US" dirty="0"/>
+              <a:t>Recommended you do another basic 4 module and advanced modules this week / over the weekend.</a:t>
+            </a:r>
+          </a:p>
+          <a:p>
+            <a:endParaRPr lang="en-US" dirty="0"/>
+          </a:p>
+          <a:p>
+            <a:r>
+              <a:rPr lang="en-US" dirty="0"/>
+              <a:t>Today: course conclusion and closing thoughts.</a:t>
+            </a:r>
+          </a:p>
+        </p:txBody>
+      </p:sp>
+      <p:sp>
+        <p:nvSpPr>
+          <p:cNvPr id="4" name="Slide Number Placeholder 3"/>
+          <p:cNvSpPr>
+            <a:spLocks noGrp="1"/>
+          </p:cNvSpPr>
+          <p:nvPr>
+            <p:ph type="sldNum" sz="quarter" idx="12"/>
+          </p:nvPr>
+        </p:nvSpPr>
+        <p:spPr/>
+        <p:txBody>
+          <a:bodyPr/>
+          <a:lstStyle/>
+          <a:p>
+            <a:fld id="{F26D9103-0C5C-48AC-B68E-3ED2C1647047}" type="slidenum">
+              <a:rPr lang="en-US" smtClean="0"/>
+              <a:pPr/>
+              <a:t>24</a:t>
+            </a:fld>
+            <a:endParaRPr lang="en-US" dirty="0"/>
+          </a:p>
+        </p:txBody>
+      </p:sp>
+    </p:spTree>
+    <p:extLst>
+      <p:ext uri="{BB962C8B-B14F-4D97-AF65-F5344CB8AC3E}">
+        <p14:creationId xmlns:p14="http://schemas.microsoft.com/office/powerpoint/2010/main" val="88346751"/>
+      </p:ext>
+    </p:extLst>
+  </p:cSld>
+  <p:clrMapOvr>
+    <a:masterClrMapping/>
+  </p:clrMapOvr>
+</p:sld>
+</file>
+
 <file path=ppt/slides/slide3.xml><?xml version="1.0" encoding="utf-8"?>
 <p:sld xmlns:a="http://schemas.openxmlformats.org/drawingml/2006/main" xmlns:r="http://schemas.openxmlformats.org/officeDocument/2006/relationships" xmlns:p="http://schemas.openxmlformats.org/presentationml/2006/main">
   <p:cSld>
@@ -8208,7 +8874,55 @@
 </p:tagLst>
 </file>
 
+<file path=ppt/tags/tag38.xml><?xml version="1.0" encoding="utf-8"?>
+<p:tagLst xmlns:a="http://schemas.openxmlformats.org/drawingml/2006/main" xmlns:r="http://schemas.openxmlformats.org/officeDocument/2006/relationships" xmlns:p="http://schemas.openxmlformats.org/presentationml/2006/main">
+  <p:tag name="_INSTRUCTOR VIEW19C14C36-AC8E-43BC-9DB6-C2AAF774C7DC|PANE__TAG" val="_"/>
+</p:tagLst>
+</file>
+
+<file path=ppt/tags/tag39.xml><?xml version="1.0" encoding="utf-8"?>
+<p:tagLst xmlns:a="http://schemas.openxmlformats.org/drawingml/2006/main" xmlns:r="http://schemas.openxmlformats.org/officeDocument/2006/relationships" xmlns:p="http://schemas.openxmlformats.org/presentationml/2006/main">
+  <p:tag name="_INSTRUCTOR VIEW19C14C36-AC8E-43BC-9DB6-C2AAF774C7DC|PANE__TAG" val="_"/>
+</p:tagLst>
+</file>
+
 <file path=ppt/tags/tag4.xml><?xml version="1.0" encoding="utf-8"?>
+<p:tagLst xmlns:a="http://schemas.openxmlformats.org/drawingml/2006/main" xmlns:r="http://schemas.openxmlformats.org/officeDocument/2006/relationships" xmlns:p="http://schemas.openxmlformats.org/presentationml/2006/main">
+  <p:tag name="_INSTRUCTOR VIEW19C14C36-AC8E-43BC-9DB6-C2AAF774C7DC|PANE__TAG" val="_"/>
+</p:tagLst>
+</file>
+
+<file path=ppt/tags/tag40.xml><?xml version="1.0" encoding="utf-8"?>
+<p:tagLst xmlns:a="http://schemas.openxmlformats.org/drawingml/2006/main" xmlns:r="http://schemas.openxmlformats.org/officeDocument/2006/relationships" xmlns:p="http://schemas.openxmlformats.org/presentationml/2006/main">
+  <p:tag name="_INSTRUCTOR VIEW19C14C36-AC8E-43BC-9DB6-C2AAF774C7DC|PANE__TAG" val="_"/>
+</p:tagLst>
+</file>
+
+<file path=ppt/tags/tag41.xml><?xml version="1.0" encoding="utf-8"?>
+<p:tagLst xmlns:a="http://schemas.openxmlformats.org/drawingml/2006/main" xmlns:r="http://schemas.openxmlformats.org/officeDocument/2006/relationships" xmlns:p="http://schemas.openxmlformats.org/presentationml/2006/main">
+  <p:tag name="_INSTRUCTOR VIEW19C14C36-AC8E-43BC-9DB6-C2AAF774C7DC|PANE__TAG" val="_"/>
+</p:tagLst>
+</file>
+
+<file path=ppt/tags/tag42.xml><?xml version="1.0" encoding="utf-8"?>
+<p:tagLst xmlns:a="http://schemas.openxmlformats.org/drawingml/2006/main" xmlns:r="http://schemas.openxmlformats.org/officeDocument/2006/relationships" xmlns:p="http://schemas.openxmlformats.org/presentationml/2006/main">
+  <p:tag name="_INSTRUCTOR VIEW19C14C36-AC8E-43BC-9DB6-C2AAF774C7DC|PANE__TAG" val="_"/>
+</p:tagLst>
+</file>
+
+<file path=ppt/tags/tag43.xml><?xml version="1.0" encoding="utf-8"?>
+<p:tagLst xmlns:a="http://schemas.openxmlformats.org/drawingml/2006/main" xmlns:r="http://schemas.openxmlformats.org/officeDocument/2006/relationships" xmlns:p="http://schemas.openxmlformats.org/presentationml/2006/main">
+  <p:tag name="_INSTRUCTOR VIEW19C14C36-AC8E-43BC-9DB6-C2AAF774C7DC|PANE__TAG" val="_"/>
+</p:tagLst>
+</file>
+
+<file path=ppt/tags/tag44.xml><?xml version="1.0" encoding="utf-8"?>
+<p:tagLst xmlns:a="http://schemas.openxmlformats.org/drawingml/2006/main" xmlns:r="http://schemas.openxmlformats.org/officeDocument/2006/relationships" xmlns:p="http://schemas.openxmlformats.org/presentationml/2006/main">
+  <p:tag name="_INSTRUCTOR VIEW19C14C36-AC8E-43BC-9DB6-C2AAF774C7DC|PANE__TAG" val="_"/>
+</p:tagLst>
+</file>
+
+<file path=ppt/tags/tag45.xml><?xml version="1.0" encoding="utf-8"?>
 <p:tagLst xmlns:a="http://schemas.openxmlformats.org/drawingml/2006/main" xmlns:r="http://schemas.openxmlformats.org/officeDocument/2006/relationships" xmlns:p="http://schemas.openxmlformats.org/presentationml/2006/main">
   <p:tag name="_INSTRUCTOR VIEW19C14C36-AC8E-43BC-9DB6-C2AAF774C7DC|PANE__TAG" val="_"/>
 </p:tagLst>

--- a/slides/dailyannouncements_mf.pptx
+++ b/slides/dailyannouncements_mf.pptx
@@ -5,41 +5,20 @@
     <p:sldMasterId id="2147483728" r:id="rId1"/>
   </p:sldMasterIdLst>
   <p:notesMasterIdLst>
-    <p:notesMasterId r:id="rId26"/>
+    <p:notesMasterId r:id="rId5"/>
   </p:notesMasterIdLst>
   <p:handoutMasterIdLst>
-    <p:handoutMasterId r:id="rId27"/>
+    <p:handoutMasterId r:id="rId6"/>
   </p:handoutMasterIdLst>
   <p:sldIdLst>
     <p:sldId id="447" r:id="rId2"/>
     <p:sldId id="484" r:id="rId3"/>
     <p:sldId id="402" r:id="rId4"/>
-    <p:sldId id="485" r:id="rId5"/>
-    <p:sldId id="486" r:id="rId6"/>
-    <p:sldId id="487" r:id="rId7"/>
-    <p:sldId id="488" r:id="rId8"/>
-    <p:sldId id="489" r:id="rId9"/>
-    <p:sldId id="490" r:id="rId10"/>
-    <p:sldId id="491" r:id="rId11"/>
-    <p:sldId id="492" r:id="rId12"/>
-    <p:sldId id="493" r:id="rId13"/>
-    <p:sldId id="494" r:id="rId14"/>
-    <p:sldId id="495" r:id="rId15"/>
-    <p:sldId id="496" r:id="rId16"/>
-    <p:sldId id="497" r:id="rId17"/>
-    <p:sldId id="498" r:id="rId18"/>
-    <p:sldId id="499" r:id="rId19"/>
-    <p:sldId id="500" r:id="rId20"/>
-    <p:sldId id="501" r:id="rId21"/>
-    <p:sldId id="502" r:id="rId22"/>
-    <p:sldId id="503" r:id="rId23"/>
-    <p:sldId id="504" r:id="rId24"/>
-    <p:sldId id="505" r:id="rId25"/>
   </p:sldIdLst>
   <p:sldSz cx="9144000" cy="6858000" type="screen4x3"/>
   <p:notesSz cx="7315200" cy="9601200"/>
   <p:custDataLst>
-    <p:tags r:id="rId28"/>
+    <p:tags r:id="rId7"/>
   </p:custDataLst>
   <p:defaultTextStyle>
     <a:defPPr>
@@ -1039,7 +1018,7 @@
             <a:fld id="{E4886CB5-510A-4EF6-9466-BC7A8F0DDE87}" type="datetime1">
               <a:rPr lang="en-US" smtClean="0"/>
               <a:pPr/>
-              <a:t>5/5/21</a:t>
+              <a:t>8/31/21</a:t>
             </a:fld>
             <a:endParaRPr lang="en-US"/>
           </a:p>
@@ -1399,7 +1378,7 @@
             <a:fld id="{9B297853-24B4-4D05-83E4-0AD2E86C55E5}" type="datetime1">
               <a:rPr lang="en-US" smtClean="0"/>
               <a:pPr/>
-              <a:t>5/5/21</a:t>
+              <a:t>8/31/21</a:t>
             </a:fld>
             <a:endParaRPr lang="en-US"/>
           </a:p>
@@ -1575,7 +1554,7 @@
             <a:fld id="{01FCDD9E-5768-4705-9537-0C020B1BB310}" type="datetime1">
               <a:rPr lang="en-US" smtClean="0"/>
               <a:pPr/>
-              <a:t>5/5/21</a:t>
+              <a:t>8/31/21</a:t>
             </a:fld>
             <a:endParaRPr lang="en-US"/>
           </a:p>
@@ -1811,7 +1790,7 @@
             <a:fld id="{4257C27E-59C2-41CA-9776-94955CBEE440}" type="datetime1">
               <a:rPr lang="en-US" smtClean="0"/>
               <a:pPr/>
-              <a:t>5/5/21</a:t>
+              <a:t>8/31/21</a:t>
             </a:fld>
             <a:endParaRPr lang="en-US"/>
           </a:p>
@@ -2097,7 +2076,7 @@
             <a:fld id="{03180747-A137-49C6-9C74-AB7EE86F4904}" type="datetime1">
               <a:rPr lang="en-US" smtClean="0"/>
               <a:pPr/>
-              <a:t>5/5/21</a:t>
+              <a:t>8/31/21</a:t>
             </a:fld>
             <a:endParaRPr lang="en-US"/>
           </a:p>
@@ -2318,7 +2297,7 @@
             <a:fld id="{EBBA31D9-ADC1-480D-86A8-1EAFB6A86A35}" type="datetime1">
               <a:rPr lang="en-US" smtClean="0"/>
               <a:pPr/>
-              <a:t>5/5/21</a:t>
+              <a:t>8/31/21</a:t>
             </a:fld>
             <a:endParaRPr lang="en-US"/>
           </a:p>
@@ -2671,7 +2650,7 @@
             <a:fld id="{80AAE9AE-3B2F-4DEA-8C41-BDDF4CDF6F40}" type="datetime1">
               <a:rPr lang="en-US" smtClean="0"/>
               <a:pPr/>
-              <a:t>5/5/21</a:t>
+              <a:t>8/31/21</a:t>
             </a:fld>
             <a:endParaRPr lang="en-US"/>
           </a:p>
@@ -2904,7 +2883,7 @@
             <a:fld id="{48252F7F-E8FE-413B-8521-D4ED924C6DE5}" type="datetime1">
               <a:rPr lang="en-US" smtClean="0"/>
               <a:pPr/>
-              <a:t>5/5/21</a:t>
+              <a:t>8/31/21</a:t>
             </a:fld>
             <a:endParaRPr lang="en-US"/>
           </a:p>
@@ -3046,7 +3025,7 @@
             <a:fld id="{2FF1B124-70E3-4E4A-90E2-6B55DB7659B3}" type="datetime1">
               <a:rPr lang="en-US" smtClean="0"/>
               <a:pPr/>
-              <a:t>5/5/21</a:t>
+              <a:t>8/31/21</a:t>
             </a:fld>
             <a:endParaRPr lang="en-US"/>
           </a:p>
@@ -3324,7 +3303,7 @@
             <a:fld id="{4EBF4C98-3CD6-4C87-BD40-5718C2628835}" type="datetime1">
               <a:rPr lang="en-US" smtClean="0"/>
               <a:pPr/>
-              <a:t>5/5/21</a:t>
+              <a:t>8/31/21</a:t>
             </a:fld>
             <a:endParaRPr lang="en-US"/>
           </a:p>
@@ -3732,7 +3711,7 @@
             <a:fld id="{6D6408A8-6B1B-4CDA-875E-7BEECDBA31DF}" type="datetime1">
               <a:rPr lang="en-US" smtClean="0"/>
               <a:pPr/>
-              <a:t>5/5/21</a:t>
+              <a:t>8/31/21</a:t>
             </a:fld>
             <a:endParaRPr lang="en-US"/>
           </a:p>
@@ -4070,7 +4049,7 @@
             <a:fld id="{C55AAF07-D2F5-4B3C-B443-40DE8C337A77}" type="datetime1">
               <a:rPr lang="en-US" smtClean="0"/>
               <a:pPr/>
-              <a:t>5/5/21</a:t>
+              <a:t>8/31/21</a:t>
             </a:fld>
             <a:endParaRPr lang="en-US"/>
           </a:p>
@@ -4740,1763 +4719,6 @@
 </p:sld>
 </file>
 
-<file path=ppt/slides/slide10.xml><?xml version="1.0" encoding="utf-8"?>
-<p:sld xmlns:a="http://schemas.openxmlformats.org/drawingml/2006/main" xmlns:r="http://schemas.openxmlformats.org/officeDocument/2006/relationships" xmlns:p="http://schemas.openxmlformats.org/presentationml/2006/main">
-  <p:cSld>
-    <p:spTree>
-      <p:nvGrpSpPr>
-        <p:cNvPr id="1" name=""/>
-        <p:cNvGrpSpPr/>
-        <p:nvPr/>
-      </p:nvGrpSpPr>
-      <p:grpSpPr>
-        <a:xfrm>
-          <a:off x="0" y="0"/>
-          <a:ext cx="0" cy="0"/>
-          <a:chOff x="0" y="0"/>
-          <a:chExt cx="0" cy="0"/>
-        </a:xfrm>
-      </p:grpSpPr>
-      <p:sp>
-        <p:nvSpPr>
-          <p:cNvPr id="6146" name="Rectangle 2"/>
-          <p:cNvSpPr>
-            <a:spLocks noGrp="1" noChangeArrowheads="1"/>
-          </p:cNvSpPr>
-          <p:nvPr>
-            <p:ph type="title"/>
-            <p:custDataLst>
-              <p:tags r:id="rId1"/>
-            </p:custDataLst>
-          </p:nvPr>
-        </p:nvSpPr>
-        <p:spPr/>
-        <p:txBody>
-          <a:bodyPr/>
-          <a:lstStyle/>
-          <a:p>
-            <a:r>
-              <a:rPr lang="en-US" dirty="0"/>
-              <a:t>Monday, Mar. 8</a:t>
-            </a:r>
-          </a:p>
-        </p:txBody>
-      </p:sp>
-      <p:sp>
-        <p:nvSpPr>
-          <p:cNvPr id="6147" name="Rectangle 3"/>
-          <p:cNvSpPr>
-            <a:spLocks noGrp="1" noChangeArrowheads="1"/>
-          </p:cNvSpPr>
-          <p:nvPr>
-            <p:ph sz="quarter" idx="1"/>
-            <p:custDataLst>
-              <p:tags r:id="rId2"/>
-            </p:custDataLst>
-          </p:nvPr>
-        </p:nvSpPr>
-        <p:spPr>
-          <a:xfrm>
-            <a:off x="381000" y="1371600"/>
-            <a:ext cx="8255000" cy="5105400"/>
-          </a:xfrm>
-        </p:spPr>
-        <p:txBody>
-          <a:bodyPr>
-            <a:normAutofit/>
-          </a:bodyPr>
-          <a:lstStyle/>
-          <a:p>
-            <a:r>
-              <a:rPr lang="en-US" dirty="0"/>
-              <a:t>Quiz 1 is over. I hope it went ok</a:t>
-            </a:r>
-          </a:p>
-          <a:p>
-            <a:pPr lvl="1"/>
-            <a:r>
-              <a:rPr lang="en-US" dirty="0"/>
-              <a:t>Results will be available soon.</a:t>
-            </a:r>
-          </a:p>
-          <a:p>
-            <a:r>
-              <a:rPr lang="en-US" dirty="0"/>
-              <a:t>Recommended schedule up on schedule page of website. </a:t>
-            </a:r>
-          </a:p>
-          <a:p>
-            <a:pPr lvl="1"/>
-            <a:r>
-              <a:rPr lang="en-US" dirty="0"/>
-              <a:t>Recommended that you do a basic module 2 </a:t>
-            </a:r>
-            <a:r>
-              <a:rPr lang="en-US" dirty="0" err="1"/>
-              <a:t>hw</a:t>
-            </a:r>
-            <a:r>
-              <a:rPr lang="en-US" dirty="0"/>
-              <a:t> this week</a:t>
-            </a:r>
-          </a:p>
-          <a:p>
-            <a:r>
-              <a:rPr lang="en-US" dirty="0"/>
-              <a:t>New way to submit programming </a:t>
-            </a:r>
-            <a:r>
-              <a:rPr lang="en-US" dirty="0" err="1"/>
-              <a:t>hw</a:t>
-            </a:r>
-            <a:r>
-              <a:rPr lang="en-US" dirty="0"/>
-              <a:t>!!</a:t>
-            </a:r>
-          </a:p>
-          <a:p>
-            <a:r>
-              <a:rPr lang="en-US" dirty="0"/>
-              <a:t>All written assignments have been graded</a:t>
-            </a:r>
-          </a:p>
-          <a:p>
-            <a:pPr lvl="1"/>
-            <a:r>
-              <a:rPr lang="en-US" dirty="0"/>
-              <a:t>Except a few that just came in last 24 hours.</a:t>
-            </a:r>
-          </a:p>
-          <a:p>
-            <a:pPr lvl="1"/>
-            <a:r>
-              <a:rPr lang="en-US" dirty="0"/>
-              <a:t>Quick clarification on resubmissions…</a:t>
-            </a:r>
-          </a:p>
-          <a:p>
-            <a:r>
-              <a:rPr lang="en-US" dirty="0"/>
-              <a:t>Hard deadline for module 1 is THIS Wednesday!</a:t>
-            </a:r>
-          </a:p>
-          <a:p>
-            <a:r>
-              <a:rPr lang="en-US" dirty="0"/>
-              <a:t>Office hours going ok? </a:t>
-            </a:r>
-          </a:p>
-          <a:p>
-            <a:r>
-              <a:rPr lang="en-US" dirty="0"/>
-              <a:t>Today we will solve some graph problems.</a:t>
-            </a:r>
-          </a:p>
-        </p:txBody>
-      </p:sp>
-      <p:sp>
-        <p:nvSpPr>
-          <p:cNvPr id="4" name="Slide Number Placeholder 3"/>
-          <p:cNvSpPr>
-            <a:spLocks noGrp="1"/>
-          </p:cNvSpPr>
-          <p:nvPr>
-            <p:ph type="sldNum" sz="quarter" idx="12"/>
-          </p:nvPr>
-        </p:nvSpPr>
-        <p:spPr/>
-        <p:txBody>
-          <a:bodyPr/>
-          <a:lstStyle/>
-          <a:p>
-            <a:fld id="{F26D9103-0C5C-48AC-B68E-3ED2C1647047}" type="slidenum">
-              <a:rPr lang="en-US" smtClean="0"/>
-              <a:pPr/>
-              <a:t>10</a:t>
-            </a:fld>
-            <a:endParaRPr lang="en-US" dirty="0"/>
-          </a:p>
-        </p:txBody>
-      </p:sp>
-    </p:spTree>
-    <p:extLst>
-      <p:ext uri="{BB962C8B-B14F-4D97-AF65-F5344CB8AC3E}">
-        <p14:creationId xmlns:p14="http://schemas.microsoft.com/office/powerpoint/2010/main" val="1037300725"/>
-      </p:ext>
-    </p:extLst>
-  </p:cSld>
-  <p:clrMapOvr>
-    <a:masterClrMapping/>
-  </p:clrMapOvr>
-</p:sld>
-</file>
-
-<file path=ppt/slides/slide11.xml><?xml version="1.0" encoding="utf-8"?>
-<p:sld xmlns:a="http://schemas.openxmlformats.org/drawingml/2006/main" xmlns:r="http://schemas.openxmlformats.org/officeDocument/2006/relationships" xmlns:p="http://schemas.openxmlformats.org/presentationml/2006/main">
-  <p:cSld>
-    <p:spTree>
-      <p:nvGrpSpPr>
-        <p:cNvPr id="1" name=""/>
-        <p:cNvGrpSpPr/>
-        <p:nvPr/>
-      </p:nvGrpSpPr>
-      <p:grpSpPr>
-        <a:xfrm>
-          <a:off x="0" y="0"/>
-          <a:ext cx="0" cy="0"/>
-          <a:chOff x="0" y="0"/>
-          <a:chExt cx="0" cy="0"/>
-        </a:xfrm>
-      </p:grpSpPr>
-      <p:sp>
-        <p:nvSpPr>
-          <p:cNvPr id="6146" name="Rectangle 2"/>
-          <p:cNvSpPr>
-            <a:spLocks noGrp="1" noChangeArrowheads="1"/>
-          </p:cNvSpPr>
-          <p:nvPr>
-            <p:ph type="title"/>
-            <p:custDataLst>
-              <p:tags r:id="rId1"/>
-            </p:custDataLst>
-          </p:nvPr>
-        </p:nvSpPr>
-        <p:spPr/>
-        <p:txBody>
-          <a:bodyPr/>
-          <a:lstStyle/>
-          <a:p>
-            <a:r>
-              <a:rPr lang="en-US" dirty="0"/>
-              <a:t>Wednesday, Mar. 10</a:t>
-            </a:r>
-          </a:p>
-        </p:txBody>
-      </p:sp>
-      <p:sp>
-        <p:nvSpPr>
-          <p:cNvPr id="6147" name="Rectangle 3"/>
-          <p:cNvSpPr>
-            <a:spLocks noGrp="1" noChangeArrowheads="1"/>
-          </p:cNvSpPr>
-          <p:nvPr>
-            <p:ph sz="quarter" idx="1"/>
-            <p:custDataLst>
-              <p:tags r:id="rId2"/>
-            </p:custDataLst>
-          </p:nvPr>
-        </p:nvSpPr>
-        <p:spPr>
-          <a:xfrm>
-            <a:off x="381000" y="1371600"/>
-            <a:ext cx="8255000" cy="5105400"/>
-          </a:xfrm>
-        </p:spPr>
-        <p:txBody>
-          <a:bodyPr>
-            <a:normAutofit/>
-          </a:bodyPr>
-          <a:lstStyle/>
-          <a:p>
-            <a:r>
-              <a:rPr lang="en-US" dirty="0"/>
-              <a:t>Quiz 1 is over. I hope it went ok</a:t>
-            </a:r>
-          </a:p>
-          <a:p>
-            <a:pPr lvl="1"/>
-            <a:r>
-              <a:rPr lang="en-US" dirty="0"/>
-              <a:t>Results will be available soon.</a:t>
-            </a:r>
-          </a:p>
-          <a:p>
-            <a:pPr lvl="1"/>
-            <a:r>
-              <a:rPr lang="en-US" dirty="0"/>
-              <a:t>We are going to regrade a couple of questions first</a:t>
-            </a:r>
-          </a:p>
-          <a:p>
-            <a:r>
-              <a:rPr lang="en-US" dirty="0"/>
-              <a:t>Recommended schedule up on schedule page of website. </a:t>
-            </a:r>
-          </a:p>
-          <a:p>
-            <a:pPr lvl="1"/>
-            <a:r>
-              <a:rPr lang="en-US" dirty="0"/>
-              <a:t>Recommended that you do a basic module 2 </a:t>
-            </a:r>
-            <a:r>
-              <a:rPr lang="en-US" dirty="0" err="1"/>
-              <a:t>hw</a:t>
-            </a:r>
-            <a:r>
-              <a:rPr lang="en-US" dirty="0"/>
-              <a:t> this week</a:t>
-            </a:r>
-          </a:p>
-          <a:p>
-            <a:r>
-              <a:rPr lang="en-US" dirty="0"/>
-              <a:t>New way to submit programming </a:t>
-            </a:r>
-            <a:r>
-              <a:rPr lang="en-US" dirty="0" err="1"/>
-              <a:t>hw</a:t>
-            </a:r>
-            <a:r>
-              <a:rPr lang="en-US" dirty="0"/>
-              <a:t>!!</a:t>
-            </a:r>
-          </a:p>
-          <a:p>
-            <a:r>
-              <a:rPr lang="en-US" dirty="0"/>
-              <a:t>Hard deadline for module 1 is TONIGHT!!</a:t>
-            </a:r>
-          </a:p>
-          <a:p>
-            <a:pPr lvl="1"/>
-            <a:r>
-              <a:rPr lang="en-US" dirty="0"/>
-              <a:t>We “mostly” kept up with grading. We have a better scheme moving forward I think.</a:t>
-            </a:r>
-          </a:p>
-          <a:p>
-            <a:r>
-              <a:rPr lang="en-US" dirty="0"/>
-              <a:t>Office hours going ok? </a:t>
-            </a:r>
-          </a:p>
-          <a:p>
-            <a:r>
-              <a:rPr lang="en-US" dirty="0"/>
-              <a:t>Today we will solve some more graph problems.</a:t>
-            </a:r>
-          </a:p>
-        </p:txBody>
-      </p:sp>
-      <p:sp>
-        <p:nvSpPr>
-          <p:cNvPr id="4" name="Slide Number Placeholder 3"/>
-          <p:cNvSpPr>
-            <a:spLocks noGrp="1"/>
-          </p:cNvSpPr>
-          <p:nvPr>
-            <p:ph type="sldNum" sz="quarter" idx="12"/>
-          </p:nvPr>
-        </p:nvSpPr>
-        <p:spPr/>
-        <p:txBody>
-          <a:bodyPr/>
-          <a:lstStyle/>
-          <a:p>
-            <a:fld id="{F26D9103-0C5C-48AC-B68E-3ED2C1647047}" type="slidenum">
-              <a:rPr lang="en-US" smtClean="0"/>
-              <a:pPr/>
-              <a:t>11</a:t>
-            </a:fld>
-            <a:endParaRPr lang="en-US" dirty="0"/>
-          </a:p>
-        </p:txBody>
-      </p:sp>
-    </p:spTree>
-    <p:extLst>
-      <p:ext uri="{BB962C8B-B14F-4D97-AF65-F5344CB8AC3E}">
-        <p14:creationId xmlns:p14="http://schemas.microsoft.com/office/powerpoint/2010/main" val="2195936589"/>
-      </p:ext>
-    </p:extLst>
-  </p:cSld>
-  <p:clrMapOvr>
-    <a:masterClrMapping/>
-  </p:clrMapOvr>
-</p:sld>
-</file>
-
-<file path=ppt/slides/slide12.xml><?xml version="1.0" encoding="utf-8"?>
-<p:sld xmlns:a="http://schemas.openxmlformats.org/drawingml/2006/main" xmlns:r="http://schemas.openxmlformats.org/officeDocument/2006/relationships" xmlns:p="http://schemas.openxmlformats.org/presentationml/2006/main">
-  <p:cSld>
-    <p:spTree>
-      <p:nvGrpSpPr>
-        <p:cNvPr id="1" name=""/>
-        <p:cNvGrpSpPr/>
-        <p:nvPr/>
-      </p:nvGrpSpPr>
-      <p:grpSpPr>
-        <a:xfrm>
-          <a:off x="0" y="0"/>
-          <a:ext cx="0" cy="0"/>
-          <a:chOff x="0" y="0"/>
-          <a:chExt cx="0" cy="0"/>
-        </a:xfrm>
-      </p:grpSpPr>
-      <p:sp>
-        <p:nvSpPr>
-          <p:cNvPr id="6146" name="Rectangle 2"/>
-          <p:cNvSpPr>
-            <a:spLocks noGrp="1" noChangeArrowheads="1"/>
-          </p:cNvSpPr>
-          <p:nvPr>
-            <p:ph type="title"/>
-            <p:custDataLst>
-              <p:tags r:id="rId1"/>
-            </p:custDataLst>
-          </p:nvPr>
-        </p:nvSpPr>
-        <p:spPr/>
-        <p:txBody>
-          <a:bodyPr/>
-          <a:lstStyle/>
-          <a:p>
-            <a:r>
-              <a:rPr lang="en-US" dirty="0"/>
-              <a:t>Monday, Mar. 15</a:t>
-            </a:r>
-          </a:p>
-        </p:txBody>
-      </p:sp>
-      <p:sp>
-        <p:nvSpPr>
-          <p:cNvPr id="6147" name="Rectangle 3"/>
-          <p:cNvSpPr>
-            <a:spLocks noGrp="1" noChangeArrowheads="1"/>
-          </p:cNvSpPr>
-          <p:nvPr>
-            <p:ph sz="quarter" idx="1"/>
-            <p:custDataLst>
-              <p:tags r:id="rId2"/>
-            </p:custDataLst>
-          </p:nvPr>
-        </p:nvSpPr>
-        <p:spPr>
-          <a:xfrm>
-            <a:off x="381000" y="1371600"/>
-            <a:ext cx="8255000" cy="5105400"/>
-          </a:xfrm>
-        </p:spPr>
-        <p:txBody>
-          <a:bodyPr>
-            <a:normAutofit lnSpcReduction="10000"/>
-          </a:bodyPr>
-          <a:lstStyle/>
-          <a:p>
-            <a:r>
-              <a:rPr lang="en-US" dirty="0"/>
-              <a:t>Quiz 1 thresholds released</a:t>
-            </a:r>
-          </a:p>
-          <a:p>
-            <a:pPr lvl="1"/>
-            <a:r>
-              <a:rPr lang="en-US" dirty="0"/>
-              <a:t>Several questions were regraded (check you score)</a:t>
-            </a:r>
-          </a:p>
-          <a:p>
-            <a:pPr lvl="1"/>
-            <a:r>
-              <a:rPr lang="en-US" dirty="0"/>
-              <a:t>Satisfied = 60% and Mastery = 70%</a:t>
-            </a:r>
-          </a:p>
-          <a:p>
-            <a:r>
-              <a:rPr lang="en-US" dirty="0"/>
-              <a:t>Recommended schedule up on schedule page of website. </a:t>
-            </a:r>
-          </a:p>
-          <a:p>
-            <a:pPr lvl="1"/>
-            <a:r>
-              <a:rPr lang="en-US" dirty="0"/>
-              <a:t>Recommended that you do another basic </a:t>
-            </a:r>
-            <a:r>
-              <a:rPr lang="en-US" dirty="0" err="1"/>
-              <a:t>hw</a:t>
-            </a:r>
-            <a:r>
-              <a:rPr lang="en-US" dirty="0"/>
-              <a:t> module 2 now</a:t>
-            </a:r>
-          </a:p>
-          <a:p>
-            <a:pPr lvl="1"/>
-            <a:r>
-              <a:rPr lang="en-US" dirty="0"/>
-              <a:t>New way to submit programming </a:t>
-            </a:r>
-            <a:r>
-              <a:rPr lang="en-US" dirty="0" err="1"/>
-              <a:t>hw</a:t>
-            </a:r>
-            <a:r>
-              <a:rPr lang="en-US" dirty="0"/>
-              <a:t>!!</a:t>
-            </a:r>
-          </a:p>
-          <a:p>
-            <a:r>
-              <a:rPr lang="en-US" dirty="0"/>
-              <a:t>Soft deadline for module 2 is Wednesday night</a:t>
-            </a:r>
-          </a:p>
-          <a:p>
-            <a:pPr lvl="1"/>
-            <a:r>
-              <a:rPr lang="en-US" dirty="0"/>
-              <a:t>Though we will try to get you feedback on your work if you submit after that.</a:t>
-            </a:r>
-          </a:p>
-          <a:p>
-            <a:r>
-              <a:rPr lang="en-US" dirty="0"/>
-              <a:t>Office hours going ok? </a:t>
-            </a:r>
-          </a:p>
-          <a:p>
-            <a:r>
-              <a:rPr lang="en-US" dirty="0"/>
-              <a:t>Today we will discuss wiring (if you want) and solve a graph problem</a:t>
-            </a:r>
-          </a:p>
-        </p:txBody>
-      </p:sp>
-      <p:sp>
-        <p:nvSpPr>
-          <p:cNvPr id="4" name="Slide Number Placeholder 3"/>
-          <p:cNvSpPr>
-            <a:spLocks noGrp="1"/>
-          </p:cNvSpPr>
-          <p:nvPr>
-            <p:ph type="sldNum" sz="quarter" idx="12"/>
-          </p:nvPr>
-        </p:nvSpPr>
-        <p:spPr/>
-        <p:txBody>
-          <a:bodyPr/>
-          <a:lstStyle/>
-          <a:p>
-            <a:fld id="{F26D9103-0C5C-48AC-B68E-3ED2C1647047}" type="slidenum">
-              <a:rPr lang="en-US" smtClean="0"/>
-              <a:pPr/>
-              <a:t>12</a:t>
-            </a:fld>
-            <a:endParaRPr lang="en-US" dirty="0"/>
-          </a:p>
-        </p:txBody>
-      </p:sp>
-    </p:spTree>
-    <p:extLst>
-      <p:ext uri="{BB962C8B-B14F-4D97-AF65-F5344CB8AC3E}">
-        <p14:creationId xmlns:p14="http://schemas.microsoft.com/office/powerpoint/2010/main" val="2824353517"/>
-      </p:ext>
-    </p:extLst>
-  </p:cSld>
-  <p:clrMapOvr>
-    <a:masterClrMapping/>
-  </p:clrMapOvr>
-</p:sld>
-</file>
-
-<file path=ppt/slides/slide13.xml><?xml version="1.0" encoding="utf-8"?>
-<p:sld xmlns:a="http://schemas.openxmlformats.org/drawingml/2006/main" xmlns:r="http://schemas.openxmlformats.org/officeDocument/2006/relationships" xmlns:p="http://schemas.openxmlformats.org/presentationml/2006/main">
-  <p:cSld>
-    <p:spTree>
-      <p:nvGrpSpPr>
-        <p:cNvPr id="1" name=""/>
-        <p:cNvGrpSpPr/>
-        <p:nvPr/>
-      </p:nvGrpSpPr>
-      <p:grpSpPr>
-        <a:xfrm>
-          <a:off x="0" y="0"/>
-          <a:ext cx="0" cy="0"/>
-          <a:chOff x="0" y="0"/>
-          <a:chExt cx="0" cy="0"/>
-        </a:xfrm>
-      </p:grpSpPr>
-      <p:sp>
-        <p:nvSpPr>
-          <p:cNvPr id="6146" name="Rectangle 2"/>
-          <p:cNvSpPr>
-            <a:spLocks noGrp="1" noChangeArrowheads="1"/>
-          </p:cNvSpPr>
-          <p:nvPr>
-            <p:ph type="title"/>
-            <p:custDataLst>
-              <p:tags r:id="rId1"/>
-            </p:custDataLst>
-          </p:nvPr>
-        </p:nvSpPr>
-        <p:spPr/>
-        <p:txBody>
-          <a:bodyPr/>
-          <a:lstStyle/>
-          <a:p>
-            <a:r>
-              <a:rPr lang="en-US" dirty="0"/>
-              <a:t>Wednesday, Mar. 17</a:t>
-            </a:r>
-          </a:p>
-        </p:txBody>
-      </p:sp>
-      <p:sp>
-        <p:nvSpPr>
-          <p:cNvPr id="6147" name="Rectangle 3"/>
-          <p:cNvSpPr>
-            <a:spLocks noGrp="1" noChangeArrowheads="1"/>
-          </p:cNvSpPr>
-          <p:nvPr>
-            <p:ph sz="quarter" idx="1"/>
-            <p:custDataLst>
-              <p:tags r:id="rId2"/>
-            </p:custDataLst>
-          </p:nvPr>
-        </p:nvSpPr>
-        <p:spPr>
-          <a:xfrm>
-            <a:off x="381000" y="1371600"/>
-            <a:ext cx="8255000" cy="5105400"/>
-          </a:xfrm>
-        </p:spPr>
-        <p:txBody>
-          <a:bodyPr>
-            <a:normAutofit/>
-          </a:bodyPr>
-          <a:lstStyle/>
-          <a:p>
-            <a:r>
-              <a:rPr lang="en-US" dirty="0"/>
-              <a:t>Quiz 1 thresholds released</a:t>
-            </a:r>
-          </a:p>
-          <a:p>
-            <a:pPr lvl="1"/>
-            <a:r>
-              <a:rPr lang="en-US" dirty="0"/>
-              <a:t>Several questions were regraded (check you score)</a:t>
-            </a:r>
-          </a:p>
-          <a:p>
-            <a:pPr lvl="1"/>
-            <a:r>
-              <a:rPr lang="en-US" dirty="0"/>
-              <a:t>Satisfied = 60% and Mastery = 70%</a:t>
-            </a:r>
-          </a:p>
-          <a:p>
-            <a:r>
-              <a:rPr lang="en-US" dirty="0"/>
-              <a:t>Recommended schedule up on schedule page of website. </a:t>
-            </a:r>
-          </a:p>
-          <a:p>
-            <a:pPr lvl="1"/>
-            <a:r>
-              <a:rPr lang="en-US" dirty="0"/>
-              <a:t>Good luck, I know module 2 is a little “scrunched”</a:t>
-            </a:r>
-          </a:p>
-          <a:p>
-            <a:r>
-              <a:rPr lang="en-US" dirty="0"/>
-              <a:t>Soft deadline for module 2 is Wednesday night (tonight!)</a:t>
-            </a:r>
-          </a:p>
-          <a:p>
-            <a:pPr lvl="1"/>
-            <a:r>
-              <a:rPr lang="en-US" dirty="0"/>
-              <a:t>Try to get at least something in if you want feedback.</a:t>
-            </a:r>
-          </a:p>
-          <a:p>
-            <a:r>
-              <a:rPr lang="en-US" dirty="0"/>
-              <a:t>We will be restructuring the final grade grading scheme </a:t>
-            </a:r>
-          </a:p>
-          <a:p>
-            <a:pPr lvl="1"/>
-            <a:r>
-              <a:rPr lang="en-US" dirty="0"/>
-              <a:t>It is a bit too harsh to folks who didn’t master a basic </a:t>
-            </a:r>
-            <a:r>
-              <a:rPr lang="en-US" dirty="0" err="1"/>
-              <a:t>hw</a:t>
-            </a:r>
-            <a:r>
-              <a:rPr lang="en-US" dirty="0"/>
-              <a:t> in module 1</a:t>
-            </a:r>
-          </a:p>
-          <a:p>
-            <a:r>
-              <a:rPr lang="en-US" dirty="0"/>
-              <a:t>Remember that next round of quizzing is next week.</a:t>
-            </a:r>
-          </a:p>
-        </p:txBody>
-      </p:sp>
-      <p:sp>
-        <p:nvSpPr>
-          <p:cNvPr id="4" name="Slide Number Placeholder 3"/>
-          <p:cNvSpPr>
-            <a:spLocks noGrp="1"/>
-          </p:cNvSpPr>
-          <p:nvPr>
-            <p:ph type="sldNum" sz="quarter" idx="12"/>
-          </p:nvPr>
-        </p:nvSpPr>
-        <p:spPr/>
-        <p:txBody>
-          <a:bodyPr/>
-          <a:lstStyle/>
-          <a:p>
-            <a:fld id="{F26D9103-0C5C-48AC-B68E-3ED2C1647047}" type="slidenum">
-              <a:rPr lang="en-US" smtClean="0"/>
-              <a:pPr/>
-              <a:t>13</a:t>
-            </a:fld>
-            <a:endParaRPr lang="en-US" dirty="0"/>
-          </a:p>
-        </p:txBody>
-      </p:sp>
-    </p:spTree>
-    <p:extLst>
-      <p:ext uri="{BB962C8B-B14F-4D97-AF65-F5344CB8AC3E}">
-        <p14:creationId xmlns:p14="http://schemas.microsoft.com/office/powerpoint/2010/main" val="4203438636"/>
-      </p:ext>
-    </p:extLst>
-  </p:cSld>
-  <p:clrMapOvr>
-    <a:masterClrMapping/>
-  </p:clrMapOvr>
-</p:sld>
-</file>
-
-<file path=ppt/slides/slide14.xml><?xml version="1.0" encoding="utf-8"?>
-<p:sld xmlns:a="http://schemas.openxmlformats.org/drawingml/2006/main" xmlns:r="http://schemas.openxmlformats.org/officeDocument/2006/relationships" xmlns:p="http://schemas.openxmlformats.org/presentationml/2006/main">
-  <p:cSld>
-    <p:spTree>
-      <p:nvGrpSpPr>
-        <p:cNvPr id="1" name=""/>
-        <p:cNvGrpSpPr/>
-        <p:nvPr/>
-      </p:nvGrpSpPr>
-      <p:grpSpPr>
-        <a:xfrm>
-          <a:off x="0" y="0"/>
-          <a:ext cx="0" cy="0"/>
-          <a:chOff x="0" y="0"/>
-          <a:chExt cx="0" cy="0"/>
-        </a:xfrm>
-      </p:grpSpPr>
-      <p:sp>
-        <p:nvSpPr>
-          <p:cNvPr id="6146" name="Rectangle 2"/>
-          <p:cNvSpPr>
-            <a:spLocks noGrp="1" noChangeArrowheads="1"/>
-          </p:cNvSpPr>
-          <p:nvPr>
-            <p:ph type="title"/>
-            <p:custDataLst>
-              <p:tags r:id="rId1"/>
-            </p:custDataLst>
-          </p:nvPr>
-        </p:nvSpPr>
-        <p:spPr/>
-        <p:txBody>
-          <a:bodyPr/>
-          <a:lstStyle/>
-          <a:p>
-            <a:r>
-              <a:rPr lang="en-US" dirty="0"/>
-              <a:t>Wednesday, Mar. 24</a:t>
-            </a:r>
-          </a:p>
-        </p:txBody>
-      </p:sp>
-      <p:sp>
-        <p:nvSpPr>
-          <p:cNvPr id="6147" name="Rectangle 3"/>
-          <p:cNvSpPr>
-            <a:spLocks noGrp="1" noChangeArrowheads="1"/>
-          </p:cNvSpPr>
-          <p:nvPr>
-            <p:ph sz="quarter" idx="1"/>
-            <p:custDataLst>
-              <p:tags r:id="rId2"/>
-            </p:custDataLst>
-          </p:nvPr>
-        </p:nvSpPr>
-        <p:spPr>
-          <a:xfrm>
-            <a:off x="381000" y="1371600"/>
-            <a:ext cx="8255000" cy="5105400"/>
-          </a:xfrm>
-        </p:spPr>
-        <p:txBody>
-          <a:bodyPr>
-            <a:normAutofit/>
-          </a:bodyPr>
-          <a:lstStyle/>
-          <a:p>
-            <a:r>
-              <a:rPr lang="en-US" dirty="0"/>
-              <a:t>Quiz 2 is Friday – Saturday</a:t>
-            </a:r>
-          </a:p>
-          <a:p>
-            <a:pPr lvl="1"/>
-            <a:r>
-              <a:rPr lang="en-US" dirty="0"/>
-              <a:t>We might try using </a:t>
-            </a:r>
-            <a:r>
-              <a:rPr lang="en-US" dirty="0" err="1"/>
-              <a:t>Gradescope</a:t>
-            </a:r>
-            <a:r>
-              <a:rPr lang="en-US" dirty="0"/>
-              <a:t> this time. Seems easier in some ways. Announcement soon! Otherwise, same as last time.</a:t>
-            </a:r>
-          </a:p>
-          <a:p>
-            <a:r>
-              <a:rPr lang="en-US" dirty="0"/>
-              <a:t>Recommended schedule up on schedule page of website. </a:t>
-            </a:r>
-          </a:p>
-          <a:p>
-            <a:pPr lvl="1"/>
-            <a:r>
-              <a:rPr lang="en-US" dirty="0"/>
-              <a:t>Good luck, I know module 2 is a little “scrunched”</a:t>
-            </a:r>
-          </a:p>
-          <a:p>
-            <a:r>
-              <a:rPr lang="en-US" dirty="0"/>
-              <a:t>Soft deadline for module 2 has passed.</a:t>
-            </a:r>
-          </a:p>
-          <a:p>
-            <a:pPr lvl="1"/>
-            <a:r>
-              <a:rPr lang="en-US" dirty="0"/>
-              <a:t>We are crunching through grading now</a:t>
-            </a:r>
-          </a:p>
-          <a:p>
-            <a:r>
-              <a:rPr lang="en-US" dirty="0"/>
-              <a:t>New grading scheme. Any questions?</a:t>
-            </a:r>
-          </a:p>
-          <a:p>
-            <a:endParaRPr lang="en-US" dirty="0"/>
-          </a:p>
-          <a:p>
-            <a:r>
-              <a:rPr lang="en-US" dirty="0"/>
-              <a:t>Today we will discuss knapsack w/ example</a:t>
-            </a:r>
-          </a:p>
-        </p:txBody>
-      </p:sp>
-      <p:sp>
-        <p:nvSpPr>
-          <p:cNvPr id="4" name="Slide Number Placeholder 3"/>
-          <p:cNvSpPr>
-            <a:spLocks noGrp="1"/>
-          </p:cNvSpPr>
-          <p:nvPr>
-            <p:ph type="sldNum" sz="quarter" idx="12"/>
-          </p:nvPr>
-        </p:nvSpPr>
-        <p:spPr/>
-        <p:txBody>
-          <a:bodyPr/>
-          <a:lstStyle/>
-          <a:p>
-            <a:fld id="{F26D9103-0C5C-48AC-B68E-3ED2C1647047}" type="slidenum">
-              <a:rPr lang="en-US" smtClean="0"/>
-              <a:pPr/>
-              <a:t>14</a:t>
-            </a:fld>
-            <a:endParaRPr lang="en-US" dirty="0"/>
-          </a:p>
-        </p:txBody>
-      </p:sp>
-    </p:spTree>
-    <p:extLst>
-      <p:ext uri="{BB962C8B-B14F-4D97-AF65-F5344CB8AC3E}">
-        <p14:creationId xmlns:p14="http://schemas.microsoft.com/office/powerpoint/2010/main" val="1456159628"/>
-      </p:ext>
-    </p:extLst>
-  </p:cSld>
-  <p:clrMapOvr>
-    <a:masterClrMapping/>
-  </p:clrMapOvr>
-</p:sld>
-</file>
-
-<file path=ppt/slides/slide15.xml><?xml version="1.0" encoding="utf-8"?>
-<p:sld xmlns:a="http://schemas.openxmlformats.org/drawingml/2006/main" xmlns:r="http://schemas.openxmlformats.org/officeDocument/2006/relationships" xmlns:p="http://schemas.openxmlformats.org/presentationml/2006/main">
-  <p:cSld>
-    <p:spTree>
-      <p:nvGrpSpPr>
-        <p:cNvPr id="1" name=""/>
-        <p:cNvGrpSpPr/>
-        <p:nvPr/>
-      </p:nvGrpSpPr>
-      <p:grpSpPr>
-        <a:xfrm>
-          <a:off x="0" y="0"/>
-          <a:ext cx="0" cy="0"/>
-          <a:chOff x="0" y="0"/>
-          <a:chExt cx="0" cy="0"/>
-        </a:xfrm>
-      </p:grpSpPr>
-      <p:sp>
-        <p:nvSpPr>
-          <p:cNvPr id="6146" name="Rectangle 2"/>
-          <p:cNvSpPr>
-            <a:spLocks noGrp="1" noChangeArrowheads="1"/>
-          </p:cNvSpPr>
-          <p:nvPr>
-            <p:ph type="title"/>
-            <p:custDataLst>
-              <p:tags r:id="rId1"/>
-            </p:custDataLst>
-          </p:nvPr>
-        </p:nvSpPr>
-        <p:spPr/>
-        <p:txBody>
-          <a:bodyPr/>
-          <a:lstStyle/>
-          <a:p>
-            <a:r>
-              <a:rPr lang="en-US" dirty="0"/>
-              <a:t>Monday, Apr. 5</a:t>
-            </a:r>
-          </a:p>
-        </p:txBody>
-      </p:sp>
-      <p:sp>
-        <p:nvSpPr>
-          <p:cNvPr id="6147" name="Rectangle 3"/>
-          <p:cNvSpPr>
-            <a:spLocks noGrp="1" noChangeArrowheads="1"/>
-          </p:cNvSpPr>
-          <p:nvPr>
-            <p:ph sz="quarter" idx="1"/>
-            <p:custDataLst>
-              <p:tags r:id="rId2"/>
-            </p:custDataLst>
-          </p:nvPr>
-        </p:nvSpPr>
-        <p:spPr>
-          <a:xfrm>
-            <a:off x="381000" y="1371600"/>
-            <a:ext cx="8255000" cy="5105400"/>
-          </a:xfrm>
-        </p:spPr>
-        <p:txBody>
-          <a:bodyPr>
-            <a:normAutofit/>
-          </a:bodyPr>
-          <a:lstStyle/>
-          <a:p>
-            <a:r>
-              <a:rPr lang="en-US" dirty="0"/>
-              <a:t>Quiz 2 and retake Quiz 1 is done</a:t>
-            </a:r>
-          </a:p>
-          <a:p>
-            <a:pPr lvl="1"/>
-            <a:r>
-              <a:rPr lang="en-US" dirty="0"/>
-              <a:t>60% for satisfied, 70% for mastery</a:t>
-            </a:r>
-          </a:p>
-          <a:p>
-            <a:pPr lvl="1"/>
-            <a:r>
-              <a:rPr lang="en-US" dirty="0"/>
-              <a:t>Hope that went ok!</a:t>
-            </a:r>
-          </a:p>
-          <a:p>
-            <a:r>
-              <a:rPr lang="en-US" dirty="0"/>
-              <a:t>Module 2 is done</a:t>
-            </a:r>
-          </a:p>
-          <a:p>
-            <a:pPr lvl="1"/>
-            <a:r>
-              <a:rPr lang="en-US" dirty="0"/>
-              <a:t>Hope that you survived, I know some of those were difficult </a:t>
-            </a:r>
-            <a:r>
-              <a:rPr lang="en-US" dirty="0" err="1"/>
-              <a:t>hw</a:t>
-            </a:r>
-            <a:endParaRPr lang="en-US" dirty="0"/>
-          </a:p>
-          <a:p>
-            <a:r>
-              <a:rPr lang="en-US" dirty="0"/>
-              <a:t>Recommended schedule up on schedule page of website. </a:t>
-            </a:r>
-          </a:p>
-          <a:p>
-            <a:pPr lvl="1"/>
-            <a:r>
-              <a:rPr lang="en-US" dirty="0"/>
-              <a:t>Recommended to do one of the module 3 basics this week.</a:t>
-            </a:r>
-          </a:p>
-          <a:p>
-            <a:r>
-              <a:rPr lang="en-US" dirty="0"/>
-              <a:t>New grading scheme. Any questions?</a:t>
-            </a:r>
-          </a:p>
-          <a:p>
-            <a:endParaRPr lang="en-US" dirty="0"/>
-          </a:p>
-          <a:p>
-            <a:r>
-              <a:rPr lang="en-US" dirty="0"/>
-              <a:t>Today we will discuss weighted interval scheduling</a:t>
-            </a:r>
-          </a:p>
-        </p:txBody>
-      </p:sp>
-      <p:sp>
-        <p:nvSpPr>
-          <p:cNvPr id="4" name="Slide Number Placeholder 3"/>
-          <p:cNvSpPr>
-            <a:spLocks noGrp="1"/>
-          </p:cNvSpPr>
-          <p:nvPr>
-            <p:ph type="sldNum" sz="quarter" idx="12"/>
-          </p:nvPr>
-        </p:nvSpPr>
-        <p:spPr/>
-        <p:txBody>
-          <a:bodyPr/>
-          <a:lstStyle/>
-          <a:p>
-            <a:fld id="{F26D9103-0C5C-48AC-B68E-3ED2C1647047}" type="slidenum">
-              <a:rPr lang="en-US" smtClean="0"/>
-              <a:pPr/>
-              <a:t>15</a:t>
-            </a:fld>
-            <a:endParaRPr lang="en-US" dirty="0"/>
-          </a:p>
-        </p:txBody>
-      </p:sp>
-    </p:spTree>
-    <p:extLst>
-      <p:ext uri="{BB962C8B-B14F-4D97-AF65-F5344CB8AC3E}">
-        <p14:creationId xmlns:p14="http://schemas.microsoft.com/office/powerpoint/2010/main" val="3775515930"/>
-      </p:ext>
-    </p:extLst>
-  </p:cSld>
-  <p:clrMapOvr>
-    <a:masterClrMapping/>
-  </p:clrMapOvr>
-</p:sld>
-</file>
-
-<file path=ppt/slides/slide16.xml><?xml version="1.0" encoding="utf-8"?>
-<p:sld xmlns:a="http://schemas.openxmlformats.org/drawingml/2006/main" xmlns:r="http://schemas.openxmlformats.org/officeDocument/2006/relationships" xmlns:p="http://schemas.openxmlformats.org/presentationml/2006/main">
-  <p:cSld>
-    <p:spTree>
-      <p:nvGrpSpPr>
-        <p:cNvPr id="1" name=""/>
-        <p:cNvGrpSpPr/>
-        <p:nvPr/>
-      </p:nvGrpSpPr>
-      <p:grpSpPr>
-        <a:xfrm>
-          <a:off x="0" y="0"/>
-          <a:ext cx="0" cy="0"/>
-          <a:chOff x="0" y="0"/>
-          <a:chExt cx="0" cy="0"/>
-        </a:xfrm>
-      </p:grpSpPr>
-      <p:sp>
-        <p:nvSpPr>
-          <p:cNvPr id="6146" name="Rectangle 2"/>
-          <p:cNvSpPr>
-            <a:spLocks noGrp="1" noChangeArrowheads="1"/>
-          </p:cNvSpPr>
-          <p:nvPr>
-            <p:ph type="title"/>
-            <p:custDataLst>
-              <p:tags r:id="rId1"/>
-            </p:custDataLst>
-          </p:nvPr>
-        </p:nvSpPr>
-        <p:spPr/>
-        <p:txBody>
-          <a:bodyPr/>
-          <a:lstStyle/>
-          <a:p>
-            <a:r>
-              <a:rPr lang="en-US" dirty="0"/>
-              <a:t>Wednesday, Apr. 7</a:t>
-            </a:r>
-          </a:p>
-        </p:txBody>
-      </p:sp>
-      <p:sp>
-        <p:nvSpPr>
-          <p:cNvPr id="6147" name="Rectangle 3"/>
-          <p:cNvSpPr>
-            <a:spLocks noGrp="1" noChangeArrowheads="1"/>
-          </p:cNvSpPr>
-          <p:nvPr>
-            <p:ph sz="quarter" idx="1"/>
-            <p:custDataLst>
-              <p:tags r:id="rId2"/>
-            </p:custDataLst>
-          </p:nvPr>
-        </p:nvSpPr>
-        <p:spPr>
-          <a:xfrm>
-            <a:off x="381000" y="1371600"/>
-            <a:ext cx="8255000" cy="5105400"/>
-          </a:xfrm>
-        </p:spPr>
-        <p:txBody>
-          <a:bodyPr>
-            <a:normAutofit/>
-          </a:bodyPr>
-          <a:lstStyle/>
-          <a:p>
-            <a:r>
-              <a:rPr lang="en-US" dirty="0"/>
-              <a:t>Quiz 2 and retake Quiz 1 is done</a:t>
-            </a:r>
-          </a:p>
-          <a:p>
-            <a:pPr lvl="1"/>
-            <a:r>
-              <a:rPr lang="en-US" dirty="0"/>
-              <a:t>60% for satisfied, 70% for mastery</a:t>
-            </a:r>
-          </a:p>
-          <a:p>
-            <a:pPr lvl="1"/>
-            <a:r>
-              <a:rPr lang="en-US" dirty="0"/>
-              <a:t>Hope that went ok!</a:t>
-            </a:r>
-          </a:p>
-          <a:p>
-            <a:r>
-              <a:rPr lang="en-US" dirty="0"/>
-              <a:t>We are squarely in module 3 now. Yay!</a:t>
-            </a:r>
-          </a:p>
-          <a:p>
-            <a:r>
-              <a:rPr lang="en-US" dirty="0"/>
-              <a:t>Recommended schedule up on schedule page of website. </a:t>
-            </a:r>
-          </a:p>
-          <a:p>
-            <a:pPr lvl="1"/>
-            <a:r>
-              <a:rPr lang="en-US" dirty="0"/>
-              <a:t>Recommended to do one of the module 3 basics this week.</a:t>
-            </a:r>
-          </a:p>
-          <a:p>
-            <a:pPr lvl="1"/>
-            <a:r>
-              <a:rPr lang="en-US" dirty="0"/>
-              <a:t>You have everything you need to do the homework, but remember that adv. programming is HARD</a:t>
-            </a:r>
-          </a:p>
-          <a:p>
-            <a:r>
-              <a:rPr lang="en-US" dirty="0"/>
-              <a:t>New grading scheme. Any questions?</a:t>
-            </a:r>
-          </a:p>
-          <a:p>
-            <a:endParaRPr lang="en-US" dirty="0"/>
-          </a:p>
-          <a:p>
-            <a:r>
-              <a:rPr lang="en-US" dirty="0"/>
-              <a:t>Today we will discuss DP for coin change problem</a:t>
-            </a:r>
-          </a:p>
-        </p:txBody>
-      </p:sp>
-      <p:sp>
-        <p:nvSpPr>
-          <p:cNvPr id="4" name="Slide Number Placeholder 3"/>
-          <p:cNvSpPr>
-            <a:spLocks noGrp="1"/>
-          </p:cNvSpPr>
-          <p:nvPr>
-            <p:ph type="sldNum" sz="quarter" idx="12"/>
-          </p:nvPr>
-        </p:nvSpPr>
-        <p:spPr/>
-        <p:txBody>
-          <a:bodyPr/>
-          <a:lstStyle/>
-          <a:p>
-            <a:fld id="{F26D9103-0C5C-48AC-B68E-3ED2C1647047}" type="slidenum">
-              <a:rPr lang="en-US" smtClean="0"/>
-              <a:pPr/>
-              <a:t>16</a:t>
-            </a:fld>
-            <a:endParaRPr lang="en-US" dirty="0"/>
-          </a:p>
-        </p:txBody>
-      </p:sp>
-    </p:spTree>
-    <p:extLst>
-      <p:ext uri="{BB962C8B-B14F-4D97-AF65-F5344CB8AC3E}">
-        <p14:creationId xmlns:p14="http://schemas.microsoft.com/office/powerpoint/2010/main" val="1747970242"/>
-      </p:ext>
-    </p:extLst>
-  </p:cSld>
-  <p:clrMapOvr>
-    <a:masterClrMapping/>
-  </p:clrMapOvr>
-</p:sld>
-</file>
-
-<file path=ppt/slides/slide17.xml><?xml version="1.0" encoding="utf-8"?>
-<p:sld xmlns:a="http://schemas.openxmlformats.org/drawingml/2006/main" xmlns:r="http://schemas.openxmlformats.org/officeDocument/2006/relationships" xmlns:p="http://schemas.openxmlformats.org/presentationml/2006/main">
-  <p:cSld>
-    <p:spTree>
-      <p:nvGrpSpPr>
-        <p:cNvPr id="1" name=""/>
-        <p:cNvGrpSpPr/>
-        <p:nvPr/>
-      </p:nvGrpSpPr>
-      <p:grpSpPr>
-        <a:xfrm>
-          <a:off x="0" y="0"/>
-          <a:ext cx="0" cy="0"/>
-          <a:chOff x="0" y="0"/>
-          <a:chExt cx="0" cy="0"/>
-        </a:xfrm>
-      </p:grpSpPr>
-      <p:sp>
-        <p:nvSpPr>
-          <p:cNvPr id="6146" name="Rectangle 2"/>
-          <p:cNvSpPr>
-            <a:spLocks noGrp="1" noChangeArrowheads="1"/>
-          </p:cNvSpPr>
-          <p:nvPr>
-            <p:ph type="title"/>
-            <p:custDataLst>
-              <p:tags r:id="rId1"/>
-            </p:custDataLst>
-          </p:nvPr>
-        </p:nvSpPr>
-        <p:spPr/>
-        <p:txBody>
-          <a:bodyPr/>
-          <a:lstStyle/>
-          <a:p>
-            <a:r>
-              <a:rPr lang="en-US" dirty="0"/>
-              <a:t>Wednesday, Apr. 12</a:t>
-            </a:r>
-          </a:p>
-        </p:txBody>
-      </p:sp>
-      <p:sp>
-        <p:nvSpPr>
-          <p:cNvPr id="6147" name="Rectangle 3"/>
-          <p:cNvSpPr>
-            <a:spLocks noGrp="1" noChangeArrowheads="1"/>
-          </p:cNvSpPr>
-          <p:nvPr>
-            <p:ph sz="quarter" idx="1"/>
-            <p:custDataLst>
-              <p:tags r:id="rId2"/>
-            </p:custDataLst>
-          </p:nvPr>
-        </p:nvSpPr>
-        <p:spPr>
-          <a:xfrm>
-            <a:off x="381000" y="1371600"/>
-            <a:ext cx="8255000" cy="5105400"/>
-          </a:xfrm>
-        </p:spPr>
-        <p:txBody>
-          <a:bodyPr>
-            <a:normAutofit lnSpcReduction="10000"/>
-          </a:bodyPr>
-          <a:lstStyle/>
-          <a:p>
-            <a:r>
-              <a:rPr lang="en-US" dirty="0"/>
-              <a:t>Quiz 2 and retake Quiz 1 is done</a:t>
-            </a:r>
-          </a:p>
-          <a:p>
-            <a:pPr lvl="1"/>
-            <a:r>
-              <a:rPr lang="en-US" dirty="0"/>
-              <a:t>60% for satisfied, 70% for mastery</a:t>
-            </a:r>
-          </a:p>
-          <a:p>
-            <a:pPr lvl="1"/>
-            <a:r>
-              <a:rPr lang="en-US" dirty="0"/>
-              <a:t>Hope that went ok!</a:t>
-            </a:r>
-          </a:p>
-          <a:p>
-            <a:r>
-              <a:rPr lang="en-US" dirty="0"/>
-              <a:t>Grading for module 2 is done (except for a handful of advanced written </a:t>
-            </a:r>
-            <a:r>
-              <a:rPr lang="en-US" dirty="0" err="1"/>
-              <a:t>hws</a:t>
-            </a:r>
-            <a:r>
-              <a:rPr lang="en-US" dirty="0"/>
-              <a:t>).</a:t>
-            </a:r>
-          </a:p>
-          <a:p>
-            <a:r>
-              <a:rPr lang="en-US" dirty="0"/>
-              <a:t>Recommended schedule up on schedule page of website. </a:t>
-            </a:r>
-          </a:p>
-          <a:p>
-            <a:pPr lvl="1"/>
-            <a:r>
-              <a:rPr lang="en-US" dirty="0"/>
-              <a:t>Recommended to do one of the module 3 basics this week.</a:t>
-            </a:r>
-          </a:p>
-          <a:p>
-            <a:pPr lvl="1"/>
-            <a:r>
-              <a:rPr lang="en-US" dirty="0"/>
-              <a:t>You have everything you need to do the homework, but remember that adv. programming is HARD</a:t>
-            </a:r>
-          </a:p>
-          <a:p>
-            <a:r>
-              <a:rPr lang="en-US" dirty="0"/>
-              <a:t>Module 3 soft deadline is Wednesday.</a:t>
-            </a:r>
-          </a:p>
-          <a:p>
-            <a:endParaRPr lang="en-US" dirty="0"/>
-          </a:p>
-          <a:p>
-            <a:r>
-              <a:rPr lang="en-US" dirty="0"/>
-              <a:t>Today we will discuss LCS</a:t>
-            </a:r>
-          </a:p>
-        </p:txBody>
-      </p:sp>
-      <p:sp>
-        <p:nvSpPr>
-          <p:cNvPr id="4" name="Slide Number Placeholder 3"/>
-          <p:cNvSpPr>
-            <a:spLocks noGrp="1"/>
-          </p:cNvSpPr>
-          <p:nvPr>
-            <p:ph type="sldNum" sz="quarter" idx="12"/>
-          </p:nvPr>
-        </p:nvSpPr>
-        <p:spPr/>
-        <p:txBody>
-          <a:bodyPr/>
-          <a:lstStyle/>
-          <a:p>
-            <a:fld id="{F26D9103-0C5C-48AC-B68E-3ED2C1647047}" type="slidenum">
-              <a:rPr lang="en-US" smtClean="0"/>
-              <a:pPr/>
-              <a:t>17</a:t>
-            </a:fld>
-            <a:endParaRPr lang="en-US" dirty="0"/>
-          </a:p>
-        </p:txBody>
-      </p:sp>
-    </p:spTree>
-    <p:extLst>
-      <p:ext uri="{BB962C8B-B14F-4D97-AF65-F5344CB8AC3E}">
-        <p14:creationId xmlns:p14="http://schemas.microsoft.com/office/powerpoint/2010/main" val="2596995109"/>
-      </p:ext>
-    </p:extLst>
-  </p:cSld>
-  <p:clrMapOvr>
-    <a:masterClrMapping/>
-  </p:clrMapOvr>
-</p:sld>
-</file>
-
-<file path=ppt/slides/slide18.xml><?xml version="1.0" encoding="utf-8"?>
-<p:sld xmlns:a="http://schemas.openxmlformats.org/drawingml/2006/main" xmlns:r="http://schemas.openxmlformats.org/officeDocument/2006/relationships" xmlns:p="http://schemas.openxmlformats.org/presentationml/2006/main">
-  <p:cSld>
-    <p:spTree>
-      <p:nvGrpSpPr>
-        <p:cNvPr id="1" name=""/>
-        <p:cNvGrpSpPr/>
-        <p:nvPr/>
-      </p:nvGrpSpPr>
-      <p:grpSpPr>
-        <a:xfrm>
-          <a:off x="0" y="0"/>
-          <a:ext cx="0" cy="0"/>
-          <a:chOff x="0" y="0"/>
-          <a:chExt cx="0" cy="0"/>
-        </a:xfrm>
-      </p:grpSpPr>
-      <p:sp>
-        <p:nvSpPr>
-          <p:cNvPr id="6146" name="Rectangle 2"/>
-          <p:cNvSpPr>
-            <a:spLocks noGrp="1" noChangeArrowheads="1"/>
-          </p:cNvSpPr>
-          <p:nvPr>
-            <p:ph type="title"/>
-            <p:custDataLst>
-              <p:tags r:id="rId1"/>
-            </p:custDataLst>
-          </p:nvPr>
-        </p:nvSpPr>
-        <p:spPr/>
-        <p:txBody>
-          <a:bodyPr/>
-          <a:lstStyle/>
-          <a:p>
-            <a:r>
-              <a:rPr lang="en-US" dirty="0"/>
-              <a:t>Wednesday, Apr. 14</a:t>
-            </a:r>
-          </a:p>
-        </p:txBody>
-      </p:sp>
-      <p:sp>
-        <p:nvSpPr>
-          <p:cNvPr id="6147" name="Rectangle 3"/>
-          <p:cNvSpPr>
-            <a:spLocks noGrp="1" noChangeArrowheads="1"/>
-          </p:cNvSpPr>
-          <p:nvPr>
-            <p:ph sz="quarter" idx="1"/>
-            <p:custDataLst>
-              <p:tags r:id="rId2"/>
-            </p:custDataLst>
-          </p:nvPr>
-        </p:nvSpPr>
-        <p:spPr>
-          <a:xfrm>
-            <a:off x="381000" y="1371600"/>
-            <a:ext cx="8255000" cy="5105400"/>
-          </a:xfrm>
-        </p:spPr>
-        <p:txBody>
-          <a:bodyPr>
-            <a:normAutofit lnSpcReduction="10000"/>
-          </a:bodyPr>
-          <a:lstStyle/>
-          <a:p>
-            <a:r>
-              <a:rPr lang="en-US" dirty="0"/>
-              <a:t>Quiz 2 and retake Quiz 1 is done</a:t>
-            </a:r>
-          </a:p>
-          <a:p>
-            <a:pPr lvl="1"/>
-            <a:r>
-              <a:rPr lang="en-US" dirty="0"/>
-              <a:t>60% for satisfied, 70% for mastery</a:t>
-            </a:r>
-          </a:p>
-          <a:p>
-            <a:pPr lvl="1"/>
-            <a:r>
-              <a:rPr lang="en-US" dirty="0"/>
-              <a:t>Hope that went ok!</a:t>
-            </a:r>
-          </a:p>
-          <a:p>
-            <a:r>
-              <a:rPr lang="en-US" dirty="0"/>
-              <a:t>Grading for module 2 is done</a:t>
-            </a:r>
-          </a:p>
-          <a:p>
-            <a:r>
-              <a:rPr lang="en-US" dirty="0"/>
-              <a:t>Recommended schedule up on schedule page of website. </a:t>
-            </a:r>
-          </a:p>
-          <a:p>
-            <a:pPr lvl="1"/>
-            <a:r>
-              <a:rPr lang="en-US" dirty="0"/>
-              <a:t>Recommended to do one of the module 3 basics this week.</a:t>
-            </a:r>
-          </a:p>
-          <a:p>
-            <a:pPr lvl="1"/>
-            <a:r>
-              <a:rPr lang="en-US" dirty="0"/>
-              <a:t>You have everything you need to do the homework, but remember that adv. programming is HARD</a:t>
-            </a:r>
-          </a:p>
-          <a:p>
-            <a:r>
-              <a:rPr lang="en-US" dirty="0"/>
-              <a:t>Module 3 soft deadline is tonight!.</a:t>
-            </a:r>
-          </a:p>
-          <a:p>
-            <a:pPr lvl="1"/>
-            <a:r>
-              <a:rPr lang="en-US" dirty="0"/>
-              <a:t>Good luck</a:t>
-            </a:r>
-          </a:p>
-          <a:p>
-            <a:r>
-              <a:rPr lang="en-US" dirty="0"/>
-              <a:t>Last day of module 3 </a:t>
-            </a:r>
-          </a:p>
-          <a:p>
-            <a:r>
-              <a:rPr lang="en-US" dirty="0"/>
-              <a:t>Today we will pseudo-polynomial time / Q&amp;A</a:t>
-            </a:r>
-          </a:p>
-        </p:txBody>
-      </p:sp>
-      <p:sp>
-        <p:nvSpPr>
-          <p:cNvPr id="4" name="Slide Number Placeholder 3"/>
-          <p:cNvSpPr>
-            <a:spLocks noGrp="1"/>
-          </p:cNvSpPr>
-          <p:nvPr>
-            <p:ph type="sldNum" sz="quarter" idx="12"/>
-          </p:nvPr>
-        </p:nvSpPr>
-        <p:spPr/>
-        <p:txBody>
-          <a:bodyPr/>
-          <a:lstStyle/>
-          <a:p>
-            <a:fld id="{F26D9103-0C5C-48AC-B68E-3ED2C1647047}" type="slidenum">
-              <a:rPr lang="en-US" smtClean="0"/>
-              <a:pPr/>
-              <a:t>18</a:t>
-            </a:fld>
-            <a:endParaRPr lang="en-US" dirty="0"/>
-          </a:p>
-        </p:txBody>
-      </p:sp>
-    </p:spTree>
-    <p:extLst>
-      <p:ext uri="{BB962C8B-B14F-4D97-AF65-F5344CB8AC3E}">
-        <p14:creationId xmlns:p14="http://schemas.microsoft.com/office/powerpoint/2010/main" val="610637852"/>
-      </p:ext>
-    </p:extLst>
-  </p:cSld>
-  <p:clrMapOvr>
-    <a:masterClrMapping/>
-  </p:clrMapOvr>
-</p:sld>
-</file>
-
-<file path=ppt/slides/slide19.xml><?xml version="1.0" encoding="utf-8"?>
-<p:sld xmlns:a="http://schemas.openxmlformats.org/drawingml/2006/main" xmlns:r="http://schemas.openxmlformats.org/officeDocument/2006/relationships" xmlns:p="http://schemas.openxmlformats.org/presentationml/2006/main">
-  <p:cSld>
-    <p:spTree>
-      <p:nvGrpSpPr>
-        <p:cNvPr id="1" name=""/>
-        <p:cNvGrpSpPr/>
-        <p:nvPr/>
-      </p:nvGrpSpPr>
-      <p:grpSpPr>
-        <a:xfrm>
-          <a:off x="0" y="0"/>
-          <a:ext cx="0" cy="0"/>
-          <a:chOff x="0" y="0"/>
-          <a:chExt cx="0" cy="0"/>
-        </a:xfrm>
-      </p:grpSpPr>
-      <p:sp>
-        <p:nvSpPr>
-          <p:cNvPr id="6146" name="Rectangle 2"/>
-          <p:cNvSpPr>
-            <a:spLocks noGrp="1" noChangeArrowheads="1"/>
-          </p:cNvSpPr>
-          <p:nvPr>
-            <p:ph type="title"/>
-            <p:custDataLst>
-              <p:tags r:id="rId1"/>
-            </p:custDataLst>
-          </p:nvPr>
-        </p:nvSpPr>
-        <p:spPr/>
-        <p:txBody>
-          <a:bodyPr/>
-          <a:lstStyle/>
-          <a:p>
-            <a:r>
-              <a:rPr lang="en-US" dirty="0"/>
-              <a:t>Monday, Apr. 19</a:t>
-            </a:r>
-          </a:p>
-        </p:txBody>
-      </p:sp>
-      <p:sp>
-        <p:nvSpPr>
-          <p:cNvPr id="6147" name="Rectangle 3"/>
-          <p:cNvSpPr>
-            <a:spLocks noGrp="1" noChangeArrowheads="1"/>
-          </p:cNvSpPr>
-          <p:nvPr>
-            <p:ph sz="quarter" idx="1"/>
-            <p:custDataLst>
-              <p:tags r:id="rId2"/>
-            </p:custDataLst>
-          </p:nvPr>
-        </p:nvSpPr>
-        <p:spPr>
-          <a:xfrm>
-            <a:off x="381000" y="1371600"/>
-            <a:ext cx="8255000" cy="5105400"/>
-          </a:xfrm>
-        </p:spPr>
-        <p:txBody>
-          <a:bodyPr>
-            <a:normAutofit lnSpcReduction="10000"/>
-          </a:bodyPr>
-          <a:lstStyle/>
-          <a:p>
-            <a:r>
-              <a:rPr lang="en-US" dirty="0"/>
-              <a:t>Quiz 3 (attempt 1) and Quiz 2 (attempt 2) are available end of this week.</a:t>
-            </a:r>
-          </a:p>
-          <a:p>
-            <a:r>
-              <a:rPr lang="en-US" dirty="0"/>
-              <a:t>Module 3 soft deadline grading is underway, should be done before quiz (that is the goal)</a:t>
-            </a:r>
-          </a:p>
-          <a:p>
-            <a:r>
-              <a:rPr lang="en-US" dirty="0"/>
-              <a:t>Recommended schedule up on schedule page of website. </a:t>
-            </a:r>
-          </a:p>
-          <a:p>
-            <a:pPr lvl="1"/>
-            <a:r>
-              <a:rPr lang="en-US" dirty="0"/>
-              <a:t>Recommended you take on one module 3 advanced </a:t>
-            </a:r>
-            <a:r>
-              <a:rPr lang="en-US" dirty="0" err="1"/>
-              <a:t>hw</a:t>
-            </a:r>
-            <a:r>
-              <a:rPr lang="en-US" dirty="0"/>
-              <a:t> this week.</a:t>
-            </a:r>
-          </a:p>
-          <a:p>
-            <a:r>
-              <a:rPr lang="en-US" dirty="0"/>
-              <a:t>Module 4 homework will be posted very soon!</a:t>
-            </a:r>
-          </a:p>
-          <a:p>
-            <a:r>
-              <a:rPr lang="en-US" dirty="0"/>
-              <a:t>We are starting module 4 today…hooray!!</a:t>
-            </a:r>
-          </a:p>
-          <a:p>
-            <a:pPr lvl="1"/>
-            <a:r>
-              <a:rPr lang="en-US" dirty="0"/>
-              <a:t>Module 4 is a little condensed because of end of semester timing. We will do our best to make it a bit easier on you.</a:t>
-            </a:r>
-          </a:p>
-          <a:p>
-            <a:r>
-              <a:rPr lang="en-US" dirty="0"/>
-              <a:t>Today: Ford-Fulkerson and flow networks!!</a:t>
-            </a:r>
-          </a:p>
-        </p:txBody>
-      </p:sp>
-      <p:sp>
-        <p:nvSpPr>
-          <p:cNvPr id="4" name="Slide Number Placeholder 3"/>
-          <p:cNvSpPr>
-            <a:spLocks noGrp="1"/>
-          </p:cNvSpPr>
-          <p:nvPr>
-            <p:ph type="sldNum" sz="quarter" idx="12"/>
-          </p:nvPr>
-        </p:nvSpPr>
-        <p:spPr/>
-        <p:txBody>
-          <a:bodyPr/>
-          <a:lstStyle/>
-          <a:p>
-            <a:fld id="{F26D9103-0C5C-48AC-B68E-3ED2C1647047}" type="slidenum">
-              <a:rPr lang="en-US" smtClean="0"/>
-              <a:pPr/>
-              <a:t>19</a:t>
-            </a:fld>
-            <a:endParaRPr lang="en-US" dirty="0"/>
-          </a:p>
-        </p:txBody>
-      </p:sp>
-    </p:spTree>
-    <p:extLst>
-      <p:ext uri="{BB962C8B-B14F-4D97-AF65-F5344CB8AC3E}">
-        <p14:creationId xmlns:p14="http://schemas.microsoft.com/office/powerpoint/2010/main" val="2816304955"/>
-      </p:ext>
-    </p:extLst>
-  </p:cSld>
-  <p:clrMapOvr>
-    <a:masterClrMapping/>
-  </p:clrMapOvr>
-</p:sld>
-</file>
-
 <file path=ppt/slides/slide2.xml><?xml version="1.0" encoding="utf-8"?>
 <p:sld xmlns:a="http://schemas.openxmlformats.org/drawingml/2006/main" xmlns:r="http://schemas.openxmlformats.org/officeDocument/2006/relationships" xmlns:p="http://schemas.openxmlformats.org/presentationml/2006/main">
   <p:cSld>
@@ -6580,838 +4802,6 @@
         </p:txBody>
       </p:sp>
     </p:spTree>
-  </p:cSld>
-  <p:clrMapOvr>
-    <a:masterClrMapping/>
-  </p:clrMapOvr>
-</p:sld>
-</file>
-
-<file path=ppt/slides/slide20.xml><?xml version="1.0" encoding="utf-8"?>
-<p:sld xmlns:a="http://schemas.openxmlformats.org/drawingml/2006/main" xmlns:r="http://schemas.openxmlformats.org/officeDocument/2006/relationships" xmlns:p="http://schemas.openxmlformats.org/presentationml/2006/main">
-  <p:cSld>
-    <p:spTree>
-      <p:nvGrpSpPr>
-        <p:cNvPr id="1" name=""/>
-        <p:cNvGrpSpPr/>
-        <p:nvPr/>
-      </p:nvGrpSpPr>
-      <p:grpSpPr>
-        <a:xfrm>
-          <a:off x="0" y="0"/>
-          <a:ext cx="0" cy="0"/>
-          <a:chOff x="0" y="0"/>
-          <a:chExt cx="0" cy="0"/>
-        </a:xfrm>
-      </p:grpSpPr>
-      <p:sp>
-        <p:nvSpPr>
-          <p:cNvPr id="6146" name="Rectangle 2"/>
-          <p:cNvSpPr>
-            <a:spLocks noGrp="1" noChangeArrowheads="1"/>
-          </p:cNvSpPr>
-          <p:nvPr>
-            <p:ph type="title"/>
-            <p:custDataLst>
-              <p:tags r:id="rId1"/>
-            </p:custDataLst>
-          </p:nvPr>
-        </p:nvSpPr>
-        <p:spPr/>
-        <p:txBody>
-          <a:bodyPr/>
-          <a:lstStyle/>
-          <a:p>
-            <a:r>
-              <a:rPr lang="en-US" dirty="0"/>
-              <a:t>Wednesday, Apr. 21</a:t>
-            </a:r>
-          </a:p>
-        </p:txBody>
-      </p:sp>
-      <p:sp>
-        <p:nvSpPr>
-          <p:cNvPr id="6147" name="Rectangle 3"/>
-          <p:cNvSpPr>
-            <a:spLocks noGrp="1" noChangeArrowheads="1"/>
-          </p:cNvSpPr>
-          <p:nvPr>
-            <p:ph sz="quarter" idx="1"/>
-            <p:custDataLst>
-              <p:tags r:id="rId2"/>
-            </p:custDataLst>
-          </p:nvPr>
-        </p:nvSpPr>
-        <p:spPr>
-          <a:xfrm>
-            <a:off x="381000" y="1371600"/>
-            <a:ext cx="8255000" cy="5105400"/>
-          </a:xfrm>
-        </p:spPr>
-        <p:txBody>
-          <a:bodyPr>
-            <a:normAutofit lnSpcReduction="10000"/>
-          </a:bodyPr>
-          <a:lstStyle/>
-          <a:p>
-            <a:r>
-              <a:rPr lang="en-US" dirty="0"/>
-              <a:t>Quiz 3 (attempt 1) and Quiz 2 (attempt 2) are available end of this week.</a:t>
-            </a:r>
-          </a:p>
-          <a:p>
-            <a:r>
-              <a:rPr lang="en-US" dirty="0"/>
-              <a:t>We are aggressively finishing grading on module 3 if submitted by soft deadline</a:t>
-            </a:r>
-          </a:p>
-          <a:p>
-            <a:r>
-              <a:rPr lang="en-US" dirty="0"/>
-              <a:t>Recommended schedule up on schedule page of website. </a:t>
-            </a:r>
-          </a:p>
-          <a:p>
-            <a:pPr lvl="1"/>
-            <a:r>
-              <a:rPr lang="en-US" dirty="0"/>
-              <a:t>Recommended you take on one module 3 advanced </a:t>
-            </a:r>
-            <a:r>
-              <a:rPr lang="en-US" dirty="0" err="1"/>
-              <a:t>hw</a:t>
-            </a:r>
-            <a:r>
-              <a:rPr lang="en-US" dirty="0"/>
-              <a:t> this week.</a:t>
-            </a:r>
-          </a:p>
-          <a:p>
-            <a:r>
-              <a:rPr lang="en-US" dirty="0"/>
-              <a:t>Module 4 homework will be posted very soon!</a:t>
-            </a:r>
-          </a:p>
-          <a:p>
-            <a:pPr lvl="1"/>
-            <a:r>
-              <a:rPr lang="en-US" dirty="0"/>
-              <a:t>They are written, just need to post them. Likely today.</a:t>
-            </a:r>
-          </a:p>
-          <a:p>
-            <a:r>
-              <a:rPr lang="en-US" dirty="0"/>
-              <a:t>We are in module 4!</a:t>
-            </a:r>
-          </a:p>
-          <a:p>
-            <a:pPr lvl="1"/>
-            <a:r>
-              <a:rPr lang="en-US" dirty="0"/>
-              <a:t>Module 4 soft deadline turnaround is too fast, so hard deadline only, let’s discuss briefly.</a:t>
-            </a:r>
-          </a:p>
-          <a:p>
-            <a:r>
-              <a:rPr lang="en-US" dirty="0"/>
-              <a:t>Today: Proving the min-cut max-flow theorem.</a:t>
-            </a:r>
-          </a:p>
-        </p:txBody>
-      </p:sp>
-      <p:sp>
-        <p:nvSpPr>
-          <p:cNvPr id="4" name="Slide Number Placeholder 3"/>
-          <p:cNvSpPr>
-            <a:spLocks noGrp="1"/>
-          </p:cNvSpPr>
-          <p:nvPr>
-            <p:ph type="sldNum" sz="quarter" idx="12"/>
-          </p:nvPr>
-        </p:nvSpPr>
-        <p:spPr/>
-        <p:txBody>
-          <a:bodyPr/>
-          <a:lstStyle/>
-          <a:p>
-            <a:fld id="{F26D9103-0C5C-48AC-B68E-3ED2C1647047}" type="slidenum">
-              <a:rPr lang="en-US" smtClean="0"/>
-              <a:pPr/>
-              <a:t>20</a:t>
-            </a:fld>
-            <a:endParaRPr lang="en-US" dirty="0"/>
-          </a:p>
-        </p:txBody>
-      </p:sp>
-    </p:spTree>
-    <p:extLst>
-      <p:ext uri="{BB962C8B-B14F-4D97-AF65-F5344CB8AC3E}">
-        <p14:creationId xmlns:p14="http://schemas.microsoft.com/office/powerpoint/2010/main" val="1765907690"/>
-      </p:ext>
-    </p:extLst>
-  </p:cSld>
-  <p:clrMapOvr>
-    <a:masterClrMapping/>
-  </p:clrMapOvr>
-</p:sld>
-</file>
-
-<file path=ppt/slides/slide21.xml><?xml version="1.0" encoding="utf-8"?>
-<p:sld xmlns:a="http://schemas.openxmlformats.org/drawingml/2006/main" xmlns:r="http://schemas.openxmlformats.org/officeDocument/2006/relationships" xmlns:p="http://schemas.openxmlformats.org/presentationml/2006/main">
-  <p:cSld>
-    <p:spTree>
-      <p:nvGrpSpPr>
-        <p:cNvPr id="1" name=""/>
-        <p:cNvGrpSpPr/>
-        <p:nvPr/>
-      </p:nvGrpSpPr>
-      <p:grpSpPr>
-        <a:xfrm>
-          <a:off x="0" y="0"/>
-          <a:ext cx="0" cy="0"/>
-          <a:chOff x="0" y="0"/>
-          <a:chExt cx="0" cy="0"/>
-        </a:xfrm>
-      </p:grpSpPr>
-      <p:sp>
-        <p:nvSpPr>
-          <p:cNvPr id="6146" name="Rectangle 2"/>
-          <p:cNvSpPr>
-            <a:spLocks noGrp="1" noChangeArrowheads="1"/>
-          </p:cNvSpPr>
-          <p:nvPr>
-            <p:ph type="title"/>
-            <p:custDataLst>
-              <p:tags r:id="rId1"/>
-            </p:custDataLst>
-          </p:nvPr>
-        </p:nvSpPr>
-        <p:spPr/>
-        <p:txBody>
-          <a:bodyPr/>
-          <a:lstStyle/>
-          <a:p>
-            <a:r>
-              <a:rPr lang="en-US" dirty="0"/>
-              <a:t>Monday, Apr. 26</a:t>
-            </a:r>
-          </a:p>
-        </p:txBody>
-      </p:sp>
-      <p:sp>
-        <p:nvSpPr>
-          <p:cNvPr id="6147" name="Rectangle 3"/>
-          <p:cNvSpPr>
-            <a:spLocks noGrp="1" noChangeArrowheads="1"/>
-          </p:cNvSpPr>
-          <p:nvPr>
-            <p:ph sz="quarter" idx="1"/>
-            <p:custDataLst>
-              <p:tags r:id="rId2"/>
-            </p:custDataLst>
-          </p:nvPr>
-        </p:nvSpPr>
-        <p:spPr>
-          <a:xfrm>
-            <a:off x="381000" y="1371600"/>
-            <a:ext cx="8255000" cy="5105400"/>
-          </a:xfrm>
-        </p:spPr>
-        <p:txBody>
-          <a:bodyPr>
-            <a:normAutofit/>
-          </a:bodyPr>
-          <a:lstStyle/>
-          <a:p>
-            <a:r>
-              <a:rPr lang="en-US" dirty="0"/>
-              <a:t>Quiz 3 (attempt 1) and Quiz 2 (attempt 2) are done.</a:t>
-            </a:r>
-          </a:p>
-          <a:p>
-            <a:pPr lvl="1"/>
-            <a:r>
-              <a:rPr lang="en-US" dirty="0"/>
-              <a:t>Hope that went ok.</a:t>
-            </a:r>
-          </a:p>
-          <a:p>
-            <a:r>
-              <a:rPr lang="en-US" dirty="0"/>
-              <a:t>You have a grade if submitted by module 3 soft deadline. Will continue to try to get everyone some feedback.</a:t>
-            </a:r>
-          </a:p>
-          <a:p>
-            <a:r>
-              <a:rPr lang="en-US" dirty="0"/>
-              <a:t>Recommended schedule up on schedule page of website. </a:t>
-            </a:r>
-          </a:p>
-          <a:p>
-            <a:pPr lvl="1"/>
-            <a:r>
-              <a:rPr lang="en-US" dirty="0"/>
-              <a:t>Recommended you do Module 4 basic </a:t>
-            </a:r>
-            <a:r>
-              <a:rPr lang="en-US" dirty="0" err="1"/>
-              <a:t>hw</a:t>
-            </a:r>
-            <a:r>
-              <a:rPr lang="en-US" dirty="0"/>
-              <a:t> this week.</a:t>
-            </a:r>
-          </a:p>
-          <a:p>
-            <a:r>
-              <a:rPr lang="en-US" dirty="0" err="1"/>
-              <a:t>Gradescope</a:t>
-            </a:r>
-            <a:r>
-              <a:rPr lang="en-US" dirty="0"/>
-              <a:t> submissions for module 4 should be up today</a:t>
-            </a:r>
-          </a:p>
-          <a:p>
-            <a:r>
-              <a:rPr lang="en-US" dirty="0"/>
-              <a:t>We are in module 4!</a:t>
-            </a:r>
-          </a:p>
-          <a:p>
-            <a:pPr lvl="1"/>
-            <a:r>
-              <a:rPr lang="en-US" dirty="0"/>
-              <a:t>No module 4 soft deadline (sorry!). The timing is just too quick</a:t>
-            </a:r>
-          </a:p>
-          <a:p>
-            <a:r>
-              <a:rPr lang="en-US" dirty="0"/>
-              <a:t>Today: Reductions!!</a:t>
-            </a:r>
-          </a:p>
-        </p:txBody>
-      </p:sp>
-      <p:sp>
-        <p:nvSpPr>
-          <p:cNvPr id="4" name="Slide Number Placeholder 3"/>
-          <p:cNvSpPr>
-            <a:spLocks noGrp="1"/>
-          </p:cNvSpPr>
-          <p:nvPr>
-            <p:ph type="sldNum" sz="quarter" idx="12"/>
-          </p:nvPr>
-        </p:nvSpPr>
-        <p:spPr/>
-        <p:txBody>
-          <a:bodyPr/>
-          <a:lstStyle/>
-          <a:p>
-            <a:fld id="{F26D9103-0C5C-48AC-B68E-3ED2C1647047}" type="slidenum">
-              <a:rPr lang="en-US" smtClean="0"/>
-              <a:pPr/>
-              <a:t>21</a:t>
-            </a:fld>
-            <a:endParaRPr lang="en-US" dirty="0"/>
-          </a:p>
-        </p:txBody>
-      </p:sp>
-    </p:spTree>
-    <p:extLst>
-      <p:ext uri="{BB962C8B-B14F-4D97-AF65-F5344CB8AC3E}">
-        <p14:creationId xmlns:p14="http://schemas.microsoft.com/office/powerpoint/2010/main" val="2252422501"/>
-      </p:ext>
-    </p:extLst>
-  </p:cSld>
-  <p:clrMapOvr>
-    <a:masterClrMapping/>
-  </p:clrMapOvr>
-</p:sld>
-</file>
-
-<file path=ppt/slides/slide22.xml><?xml version="1.0" encoding="utf-8"?>
-<p:sld xmlns:a="http://schemas.openxmlformats.org/drawingml/2006/main" xmlns:r="http://schemas.openxmlformats.org/officeDocument/2006/relationships" xmlns:p="http://schemas.openxmlformats.org/presentationml/2006/main">
-  <p:cSld>
-    <p:spTree>
-      <p:nvGrpSpPr>
-        <p:cNvPr id="1" name=""/>
-        <p:cNvGrpSpPr/>
-        <p:nvPr/>
-      </p:nvGrpSpPr>
-      <p:grpSpPr>
-        <a:xfrm>
-          <a:off x="0" y="0"/>
-          <a:ext cx="0" cy="0"/>
-          <a:chOff x="0" y="0"/>
-          <a:chExt cx="0" cy="0"/>
-        </a:xfrm>
-      </p:grpSpPr>
-      <p:sp>
-        <p:nvSpPr>
-          <p:cNvPr id="6146" name="Rectangle 2"/>
-          <p:cNvSpPr>
-            <a:spLocks noGrp="1" noChangeArrowheads="1"/>
-          </p:cNvSpPr>
-          <p:nvPr>
-            <p:ph type="title"/>
-            <p:custDataLst>
-              <p:tags r:id="rId1"/>
-            </p:custDataLst>
-          </p:nvPr>
-        </p:nvSpPr>
-        <p:spPr/>
-        <p:txBody>
-          <a:bodyPr/>
-          <a:lstStyle/>
-          <a:p>
-            <a:r>
-              <a:rPr lang="en-US" dirty="0"/>
-              <a:t>Wednesday, Apr. 28</a:t>
-            </a:r>
-          </a:p>
-        </p:txBody>
-      </p:sp>
-      <p:sp>
-        <p:nvSpPr>
-          <p:cNvPr id="6147" name="Rectangle 3"/>
-          <p:cNvSpPr>
-            <a:spLocks noGrp="1" noChangeArrowheads="1"/>
-          </p:cNvSpPr>
-          <p:nvPr>
-            <p:ph sz="quarter" idx="1"/>
-            <p:custDataLst>
-              <p:tags r:id="rId2"/>
-            </p:custDataLst>
-          </p:nvPr>
-        </p:nvSpPr>
-        <p:spPr>
-          <a:xfrm>
-            <a:off x="381000" y="1371600"/>
-            <a:ext cx="8255000" cy="5105400"/>
-          </a:xfrm>
-        </p:spPr>
-        <p:txBody>
-          <a:bodyPr>
-            <a:normAutofit/>
-          </a:bodyPr>
-          <a:lstStyle/>
-          <a:p>
-            <a:r>
-              <a:rPr lang="en-US" dirty="0"/>
-              <a:t>Quiz 3 (attempt 1) and Quiz 2 (attempt 2) are done.</a:t>
-            </a:r>
-          </a:p>
-          <a:p>
-            <a:pPr lvl="1"/>
-            <a:r>
-              <a:rPr lang="en-US" dirty="0"/>
-              <a:t>Hope that went ok.</a:t>
-            </a:r>
-          </a:p>
-          <a:p>
-            <a:r>
-              <a:rPr lang="en-US" dirty="0"/>
-              <a:t>Module 3 hard deadline is tonight.</a:t>
-            </a:r>
-          </a:p>
-          <a:p>
-            <a:r>
-              <a:rPr lang="en-US" dirty="0"/>
-              <a:t>Recommended schedule up on schedule page of website. </a:t>
-            </a:r>
-          </a:p>
-          <a:p>
-            <a:pPr lvl="1"/>
-            <a:r>
-              <a:rPr lang="en-US" dirty="0"/>
-              <a:t>Recommended you do Module 4 basic </a:t>
-            </a:r>
-            <a:r>
-              <a:rPr lang="en-US" dirty="0" err="1"/>
-              <a:t>hw</a:t>
-            </a:r>
-            <a:r>
-              <a:rPr lang="en-US" dirty="0"/>
-              <a:t> this week.</a:t>
-            </a:r>
-          </a:p>
-          <a:p>
-            <a:r>
-              <a:rPr lang="en-US" dirty="0" err="1"/>
-              <a:t>Gradescope</a:t>
-            </a:r>
-            <a:r>
-              <a:rPr lang="en-US" dirty="0"/>
-              <a:t> module 4 submissions are up now!</a:t>
-            </a:r>
-          </a:p>
-          <a:p>
-            <a:r>
-              <a:rPr lang="en-US" dirty="0"/>
-              <a:t>We are in module 4!</a:t>
-            </a:r>
-          </a:p>
-          <a:p>
-            <a:pPr lvl="1"/>
-            <a:r>
-              <a:rPr lang="en-US" dirty="0"/>
-              <a:t>No module 4 soft deadline (sorry!). The timing is just too quick</a:t>
-            </a:r>
-          </a:p>
-          <a:p>
-            <a:r>
-              <a:rPr lang="en-US" dirty="0"/>
-              <a:t>Today: more Reductions and things.</a:t>
-            </a:r>
-          </a:p>
-        </p:txBody>
-      </p:sp>
-      <p:sp>
-        <p:nvSpPr>
-          <p:cNvPr id="4" name="Slide Number Placeholder 3"/>
-          <p:cNvSpPr>
-            <a:spLocks noGrp="1"/>
-          </p:cNvSpPr>
-          <p:nvPr>
-            <p:ph type="sldNum" sz="quarter" idx="12"/>
-          </p:nvPr>
-        </p:nvSpPr>
-        <p:spPr/>
-        <p:txBody>
-          <a:bodyPr/>
-          <a:lstStyle/>
-          <a:p>
-            <a:fld id="{F26D9103-0C5C-48AC-B68E-3ED2C1647047}" type="slidenum">
-              <a:rPr lang="en-US" smtClean="0"/>
-              <a:pPr/>
-              <a:t>22</a:t>
-            </a:fld>
-            <a:endParaRPr lang="en-US" dirty="0"/>
-          </a:p>
-        </p:txBody>
-      </p:sp>
-    </p:spTree>
-    <p:extLst>
-      <p:ext uri="{BB962C8B-B14F-4D97-AF65-F5344CB8AC3E}">
-        <p14:creationId xmlns:p14="http://schemas.microsoft.com/office/powerpoint/2010/main" val="2128108752"/>
-      </p:ext>
-    </p:extLst>
-  </p:cSld>
-  <p:clrMapOvr>
-    <a:masterClrMapping/>
-  </p:clrMapOvr>
-</p:sld>
-</file>
-
-<file path=ppt/slides/slide23.xml><?xml version="1.0" encoding="utf-8"?>
-<p:sld xmlns:a="http://schemas.openxmlformats.org/drawingml/2006/main" xmlns:r="http://schemas.openxmlformats.org/officeDocument/2006/relationships" xmlns:p="http://schemas.openxmlformats.org/presentationml/2006/main">
-  <p:cSld>
-    <p:spTree>
-      <p:nvGrpSpPr>
-        <p:cNvPr id="1" name=""/>
-        <p:cNvGrpSpPr/>
-        <p:nvPr/>
-      </p:nvGrpSpPr>
-      <p:grpSpPr>
-        <a:xfrm>
-          <a:off x="0" y="0"/>
-          <a:ext cx="0" cy="0"/>
-          <a:chOff x="0" y="0"/>
-          <a:chExt cx="0" cy="0"/>
-        </a:xfrm>
-      </p:grpSpPr>
-      <p:sp>
-        <p:nvSpPr>
-          <p:cNvPr id="6146" name="Rectangle 2"/>
-          <p:cNvSpPr>
-            <a:spLocks noGrp="1" noChangeArrowheads="1"/>
-          </p:cNvSpPr>
-          <p:nvPr>
-            <p:ph type="title"/>
-            <p:custDataLst>
-              <p:tags r:id="rId1"/>
-            </p:custDataLst>
-          </p:nvPr>
-        </p:nvSpPr>
-        <p:spPr/>
-        <p:txBody>
-          <a:bodyPr/>
-          <a:lstStyle/>
-          <a:p>
-            <a:r>
-              <a:rPr lang="en-US" dirty="0"/>
-              <a:t>Monday, May. 3</a:t>
-            </a:r>
-          </a:p>
-        </p:txBody>
-      </p:sp>
-      <p:sp>
-        <p:nvSpPr>
-          <p:cNvPr id="6147" name="Rectangle 3"/>
-          <p:cNvSpPr>
-            <a:spLocks noGrp="1" noChangeArrowheads="1"/>
-          </p:cNvSpPr>
-          <p:nvPr>
-            <p:ph sz="quarter" idx="1"/>
-            <p:custDataLst>
-              <p:tags r:id="rId2"/>
-            </p:custDataLst>
-          </p:nvPr>
-        </p:nvSpPr>
-        <p:spPr>
-          <a:xfrm>
-            <a:off x="381000" y="1371600"/>
-            <a:ext cx="8255000" cy="5105400"/>
-          </a:xfrm>
-        </p:spPr>
-        <p:txBody>
-          <a:bodyPr>
-            <a:normAutofit/>
-          </a:bodyPr>
-          <a:lstStyle/>
-          <a:p>
-            <a:r>
-              <a:rPr lang="en-US" dirty="0"/>
-              <a:t>Last week of classes!!!!!</a:t>
-            </a:r>
-          </a:p>
-          <a:p>
-            <a:r>
-              <a:rPr lang="en-US" dirty="0"/>
-              <a:t>Quiz 3 (Attempt 2) and Quiz 4 (Attempt 1) are this week</a:t>
-            </a:r>
-          </a:p>
-          <a:p>
-            <a:pPr lvl="1"/>
-            <a:r>
-              <a:rPr lang="en-US" dirty="0"/>
-              <a:t>A bit earlier then normal because end of courses. Details soon</a:t>
-            </a:r>
-          </a:p>
-          <a:p>
-            <a:r>
-              <a:rPr lang="en-US" dirty="0"/>
-              <a:t>Module 4 hard deadline is May 10</a:t>
-            </a:r>
-          </a:p>
-          <a:p>
-            <a:pPr lvl="1"/>
-            <a:r>
-              <a:rPr lang="en-US" dirty="0"/>
-              <a:t>Yes this is during exams. You are MEANT to be done by Thursday night, but you can use the extra time if you want to.</a:t>
-            </a:r>
-          </a:p>
-          <a:p>
-            <a:r>
-              <a:rPr lang="en-US" dirty="0"/>
-              <a:t>Recommended you do another basic 4 module and advanced modules this week / over the weekend.</a:t>
-            </a:r>
-          </a:p>
-          <a:p>
-            <a:r>
-              <a:rPr lang="en-US" dirty="0"/>
-              <a:t>We are in module 4!</a:t>
-            </a:r>
-          </a:p>
-          <a:p>
-            <a:pPr lvl="1"/>
-            <a:r>
-              <a:rPr lang="en-US" dirty="0"/>
-              <a:t>No module 4 soft deadline (sorry!). The timing is just too quick</a:t>
-            </a:r>
-          </a:p>
-          <a:p>
-            <a:r>
-              <a:rPr lang="en-US" dirty="0"/>
-              <a:t>Today: more Reductions and things.</a:t>
-            </a:r>
-          </a:p>
-        </p:txBody>
-      </p:sp>
-      <p:sp>
-        <p:nvSpPr>
-          <p:cNvPr id="4" name="Slide Number Placeholder 3"/>
-          <p:cNvSpPr>
-            <a:spLocks noGrp="1"/>
-          </p:cNvSpPr>
-          <p:nvPr>
-            <p:ph type="sldNum" sz="quarter" idx="12"/>
-          </p:nvPr>
-        </p:nvSpPr>
-        <p:spPr/>
-        <p:txBody>
-          <a:bodyPr/>
-          <a:lstStyle/>
-          <a:p>
-            <a:fld id="{F26D9103-0C5C-48AC-B68E-3ED2C1647047}" type="slidenum">
-              <a:rPr lang="en-US" smtClean="0"/>
-              <a:pPr/>
-              <a:t>23</a:t>
-            </a:fld>
-            <a:endParaRPr lang="en-US" dirty="0"/>
-          </a:p>
-        </p:txBody>
-      </p:sp>
-    </p:spTree>
-    <p:extLst>
-      <p:ext uri="{BB962C8B-B14F-4D97-AF65-F5344CB8AC3E}">
-        <p14:creationId xmlns:p14="http://schemas.microsoft.com/office/powerpoint/2010/main" val="3451562380"/>
-      </p:ext>
-    </p:extLst>
-  </p:cSld>
-  <p:clrMapOvr>
-    <a:masterClrMapping/>
-  </p:clrMapOvr>
-</p:sld>
-</file>
-
-<file path=ppt/slides/slide24.xml><?xml version="1.0" encoding="utf-8"?>
-<p:sld xmlns:a="http://schemas.openxmlformats.org/drawingml/2006/main" xmlns:r="http://schemas.openxmlformats.org/officeDocument/2006/relationships" xmlns:p="http://schemas.openxmlformats.org/presentationml/2006/main">
-  <p:cSld>
-    <p:spTree>
-      <p:nvGrpSpPr>
-        <p:cNvPr id="1" name=""/>
-        <p:cNvGrpSpPr/>
-        <p:nvPr/>
-      </p:nvGrpSpPr>
-      <p:grpSpPr>
-        <a:xfrm>
-          <a:off x="0" y="0"/>
-          <a:ext cx="0" cy="0"/>
-          <a:chOff x="0" y="0"/>
-          <a:chExt cx="0" cy="0"/>
-        </a:xfrm>
-      </p:grpSpPr>
-      <p:sp>
-        <p:nvSpPr>
-          <p:cNvPr id="6146" name="Rectangle 2"/>
-          <p:cNvSpPr>
-            <a:spLocks noGrp="1" noChangeArrowheads="1"/>
-          </p:cNvSpPr>
-          <p:nvPr>
-            <p:ph type="title"/>
-            <p:custDataLst>
-              <p:tags r:id="rId1"/>
-            </p:custDataLst>
-          </p:nvPr>
-        </p:nvSpPr>
-        <p:spPr/>
-        <p:txBody>
-          <a:bodyPr/>
-          <a:lstStyle/>
-          <a:p>
-            <a:r>
-              <a:rPr lang="en-US" dirty="0"/>
-              <a:t>Wednesday, May. 5</a:t>
-            </a:r>
-          </a:p>
-        </p:txBody>
-      </p:sp>
-      <p:sp>
-        <p:nvSpPr>
-          <p:cNvPr id="6147" name="Rectangle 3"/>
-          <p:cNvSpPr>
-            <a:spLocks noGrp="1" noChangeArrowheads="1"/>
-          </p:cNvSpPr>
-          <p:nvPr>
-            <p:ph sz="quarter" idx="1"/>
-            <p:custDataLst>
-              <p:tags r:id="rId2"/>
-            </p:custDataLst>
-          </p:nvPr>
-        </p:nvSpPr>
-        <p:spPr>
-          <a:xfrm>
-            <a:off x="381000" y="1371600"/>
-            <a:ext cx="8255000" cy="5105400"/>
-          </a:xfrm>
-        </p:spPr>
-        <p:txBody>
-          <a:bodyPr>
-            <a:normAutofit/>
-          </a:bodyPr>
-          <a:lstStyle/>
-          <a:p>
-            <a:r>
-              <a:rPr lang="en-US" dirty="0"/>
-              <a:t>Last class!!</a:t>
-            </a:r>
-          </a:p>
-          <a:p>
-            <a:r>
-              <a:rPr lang="en-US" dirty="0"/>
-              <a:t>Quiz 3 (Attempt 2) and Quiz 4 (Attempt 1) are this week</a:t>
-            </a:r>
-          </a:p>
-          <a:p>
-            <a:pPr lvl="1"/>
-            <a:r>
-              <a:rPr lang="en-US" dirty="0"/>
-              <a:t>Available Thursday a.m. for those of you who want to get to it before courses end.</a:t>
-            </a:r>
-          </a:p>
-          <a:p>
-            <a:r>
-              <a:rPr lang="en-US" dirty="0"/>
-              <a:t>Module 4 hard deadline is May 10</a:t>
-            </a:r>
-          </a:p>
-          <a:p>
-            <a:pPr lvl="1"/>
-            <a:r>
-              <a:rPr lang="en-US" dirty="0"/>
-              <a:t>Yes this is during exams. You are MEANT to be done by Thursday night, but you can use the extra time if you want to.</a:t>
-            </a:r>
-          </a:p>
-          <a:p>
-            <a:r>
-              <a:rPr lang="en-US" dirty="0"/>
-              <a:t>Recommended you do another basic 4 module and advanced modules this week / over the weekend.</a:t>
-            </a:r>
-          </a:p>
-          <a:p>
-            <a:endParaRPr lang="en-US" dirty="0"/>
-          </a:p>
-          <a:p>
-            <a:r>
-              <a:rPr lang="en-US" dirty="0"/>
-              <a:t>Today: course conclusion and closing thoughts.</a:t>
-            </a:r>
-          </a:p>
-        </p:txBody>
-      </p:sp>
-      <p:sp>
-        <p:nvSpPr>
-          <p:cNvPr id="4" name="Slide Number Placeholder 3"/>
-          <p:cNvSpPr>
-            <a:spLocks noGrp="1"/>
-          </p:cNvSpPr>
-          <p:nvPr>
-            <p:ph type="sldNum" sz="quarter" idx="12"/>
-          </p:nvPr>
-        </p:nvSpPr>
-        <p:spPr/>
-        <p:txBody>
-          <a:bodyPr/>
-          <a:lstStyle/>
-          <a:p>
-            <a:fld id="{F26D9103-0C5C-48AC-B68E-3ED2C1647047}" type="slidenum">
-              <a:rPr lang="en-US" smtClean="0"/>
-              <a:pPr/>
-              <a:t>24</a:t>
-            </a:fld>
-            <a:endParaRPr lang="en-US" dirty="0"/>
-          </a:p>
-        </p:txBody>
-      </p:sp>
-    </p:spTree>
-    <p:extLst>
-      <p:ext uri="{BB962C8B-B14F-4D97-AF65-F5344CB8AC3E}">
-        <p14:creationId xmlns:p14="http://schemas.microsoft.com/office/powerpoint/2010/main" val="88346751"/>
-      </p:ext>
-    </p:extLst>
   </p:cSld>
   <p:clrMapOvr>
     <a:masterClrMapping/>
@@ -7456,7 +4846,7 @@
           <a:p>
             <a:r>
               <a:rPr lang="en-US" dirty="0"/>
-              <a:t>Monday, Feb. 8</a:t>
+              <a:t>Tuesday, Aug. 31</a:t>
             </a:r>
           </a:p>
         </p:txBody>
@@ -7477,12 +4867,12 @@
         <p:spPr>
           <a:xfrm>
             <a:off x="381000" y="1371600"/>
-            <a:ext cx="8255000" cy="4800600"/>
+            <a:ext cx="8458200" cy="5105400"/>
           </a:xfrm>
         </p:spPr>
         <p:txBody>
           <a:bodyPr>
-            <a:normAutofit/>
+            <a:normAutofit fontScale="85000" lnSpcReduction="10000"/>
           </a:bodyPr>
           <a:lstStyle/>
           <a:p>
@@ -7511,64 +4901,73 @@
             </a:r>
           </a:p>
           <a:p>
+            <a:pPr lvl="1"/>
             <a:r>
               <a:rPr lang="en-US" dirty="0"/>
-              <a:t>Likely grading pattern</a:t>
+              <a:t>First assignment (sorting) is live there now</a:t>
+            </a:r>
+          </a:p>
+          <a:p>
+            <a:r>
+              <a:rPr lang="en-US" dirty="0"/>
+              <a:t>First homework has been released</a:t>
             </a:r>
           </a:p>
           <a:p>
             <a:pPr lvl="1"/>
             <a:r>
               <a:rPr lang="en-US" dirty="0"/>
-              <a:t>Submit on </a:t>
-            </a:r>
+              <a:t>If we have time, we will discuss it today. We will go over quicksort today</a:t>
+            </a:r>
+          </a:p>
+          <a:p>
+            <a:pPr lvl="1"/>
+            <a:r>
+              <a:rPr lang="en-US" dirty="0"/>
+              <a:t>Recommended due date is ONE WEEK from today!!</a:t>
+            </a:r>
+          </a:p>
+          <a:p>
+            <a:r>
+              <a:rPr lang="en-US" dirty="0"/>
+              <a:t>Grading:</a:t>
+            </a:r>
+          </a:p>
+          <a:p>
+            <a:pPr lvl="1"/>
+            <a:r>
+              <a:rPr lang="en-US" dirty="0"/>
+              <a:t>You will submit code + report</a:t>
+            </a:r>
+          </a:p>
+          <a:p>
+            <a:pPr lvl="1"/>
             <a:r>
               <a:rPr lang="en-US" dirty="0" err="1"/>
-              <a:t>gradescope</a:t>
+              <a:t>Autograder</a:t>
             </a:r>
             <a:r>
               <a:rPr lang="en-US" dirty="0"/>
-              <a:t> = human will grade as soon as we can</a:t>
-            </a:r>
-          </a:p>
-          <a:p>
-            <a:pPr lvl="2"/>
+              <a:t> will check that code works. Human will go in afterwards and  </a:t>
+            </a:r>
+          </a:p>
+          <a:p>
             <a:r>
               <a:rPr lang="en-US" dirty="0"/>
-              <a:t>Soft deadline is a guarantee for feedback even if we fall behind</a:t>
+              <a:t>Office hours have begun. Topic-focused on Discord, general in-person, group OH are mixed</a:t>
             </a:r>
           </a:p>
           <a:p>
             <a:pPr lvl="1"/>
             <a:r>
               <a:rPr lang="en-US" dirty="0"/>
-              <a:t>Want to resubmit before hard deadline? Talk to a human TA!</a:t>
-            </a:r>
-          </a:p>
-          <a:p>
-            <a:pPr lvl="1"/>
+              <a:t>Check course website for exact locations</a:t>
+            </a:r>
+          </a:p>
+          <a:p>
             <a:r>
               <a:rPr lang="en-US" dirty="0"/>
-              <a:t>Hard Deadline = one more round of grading </a:t>
-            </a:r>
-          </a:p>
-          <a:p>
-            <a:r>
-              <a:rPr lang="en-US" dirty="0"/>
-              <a:t>Office hours begin this week on Discord</a:t>
-            </a:r>
-          </a:p>
-          <a:p>
-            <a:pPr lvl="1"/>
-            <a:r>
-              <a:rPr lang="en-US" dirty="0"/>
-              <a:t>Queue-bot helps us with OH queue. Any questions?</a:t>
-            </a:r>
-          </a:p>
-          <a:p>
-            <a:r>
-              <a:rPr lang="en-US" dirty="0"/>
-              <a:t>Today we will keep solving recurrence relations</a:t>
+              <a:t>Today we will keep go over QS and see another lower-bounds proof</a:t>
             </a:r>
           </a:p>
         </p:txBody>
@@ -7598,1089 +4997,6 @@
         </p:txBody>
       </p:sp>
     </p:spTree>
-  </p:cSld>
-  <p:clrMapOvr>
-    <a:masterClrMapping/>
-  </p:clrMapOvr>
-</p:sld>
-</file>
-
-<file path=ppt/slides/slide4.xml><?xml version="1.0" encoding="utf-8"?>
-<p:sld xmlns:a="http://schemas.openxmlformats.org/drawingml/2006/main" xmlns:r="http://schemas.openxmlformats.org/officeDocument/2006/relationships" xmlns:p="http://schemas.openxmlformats.org/presentationml/2006/main">
-  <p:cSld>
-    <p:spTree>
-      <p:nvGrpSpPr>
-        <p:cNvPr id="1" name=""/>
-        <p:cNvGrpSpPr/>
-        <p:nvPr/>
-      </p:nvGrpSpPr>
-      <p:grpSpPr>
-        <a:xfrm>
-          <a:off x="0" y="0"/>
-          <a:ext cx="0" cy="0"/>
-          <a:chOff x="0" y="0"/>
-          <a:chExt cx="0" cy="0"/>
-        </a:xfrm>
-      </p:grpSpPr>
-      <p:sp>
-        <p:nvSpPr>
-          <p:cNvPr id="6146" name="Rectangle 2"/>
-          <p:cNvSpPr>
-            <a:spLocks noGrp="1" noChangeArrowheads="1"/>
-          </p:cNvSpPr>
-          <p:nvPr>
-            <p:ph type="title"/>
-            <p:custDataLst>
-              <p:tags r:id="rId1"/>
-            </p:custDataLst>
-          </p:nvPr>
-        </p:nvSpPr>
-        <p:spPr/>
-        <p:txBody>
-          <a:bodyPr/>
-          <a:lstStyle/>
-          <a:p>
-            <a:r>
-              <a:rPr lang="en-US" dirty="0"/>
-              <a:t>Wednesday, Feb. 10</a:t>
-            </a:r>
-          </a:p>
-        </p:txBody>
-      </p:sp>
-      <p:sp>
-        <p:nvSpPr>
-          <p:cNvPr id="6147" name="Rectangle 3"/>
-          <p:cNvSpPr>
-            <a:spLocks noGrp="1" noChangeArrowheads="1"/>
-          </p:cNvSpPr>
-          <p:nvPr>
-            <p:ph sz="quarter" idx="1"/>
-            <p:custDataLst>
-              <p:tags r:id="rId2"/>
-            </p:custDataLst>
-          </p:nvPr>
-        </p:nvSpPr>
-        <p:spPr>
-          <a:xfrm>
-            <a:off x="381000" y="1371600"/>
-            <a:ext cx="8255000" cy="4800600"/>
-          </a:xfrm>
-        </p:spPr>
-        <p:txBody>
-          <a:bodyPr>
-            <a:normAutofit/>
-          </a:bodyPr>
-          <a:lstStyle/>
-          <a:p>
-            <a:r>
-              <a:rPr lang="en-US" dirty="0" err="1"/>
-              <a:t>Gradescope</a:t>
-            </a:r>
-            <a:r>
-              <a:rPr lang="en-US" dirty="0"/>
-              <a:t> is live (link via Collab to sign up)</a:t>
-            </a:r>
-          </a:p>
-          <a:p>
-            <a:pPr lvl="1"/>
-            <a:r>
-              <a:rPr lang="en-US" dirty="0"/>
-              <a:t>Made some cosmetic changes to programming </a:t>
-            </a:r>
-            <a:r>
-              <a:rPr lang="en-US" dirty="0" err="1"/>
-              <a:t>hws</a:t>
-            </a:r>
-            <a:endParaRPr lang="en-US" dirty="0"/>
-          </a:p>
-          <a:p>
-            <a:r>
-              <a:rPr lang="en-US" dirty="0"/>
-              <a:t>Have OH been ok? Those of you that have attended.</a:t>
-            </a:r>
-          </a:p>
-          <a:p>
-            <a:r>
-              <a:rPr lang="en-US" dirty="0"/>
-              <a:t>Would a “recommended schedule” help people?</a:t>
-            </a:r>
-          </a:p>
-          <a:p>
-            <a:r>
-              <a:rPr lang="en-US" dirty="0"/>
-              <a:t>Would a sample “simple </a:t>
-            </a:r>
-            <a:r>
-              <a:rPr lang="en-US" dirty="0" err="1"/>
-              <a:t>hw</a:t>
-            </a:r>
-            <a:r>
-              <a:rPr lang="en-US" dirty="0"/>
-              <a:t>” example help? </a:t>
-            </a:r>
-          </a:p>
-          <a:p>
-            <a:r>
-              <a:rPr lang="en-US" dirty="0"/>
-              <a:t>Office hours begin this week on Discord</a:t>
-            </a:r>
-          </a:p>
-          <a:p>
-            <a:pPr lvl="1"/>
-            <a:r>
-              <a:rPr lang="en-US" dirty="0"/>
-              <a:t>Queue-bot helps us with OH queue. Any questions?</a:t>
-            </a:r>
-          </a:p>
-          <a:p>
-            <a:r>
-              <a:rPr lang="en-US" dirty="0"/>
-              <a:t>Today we will keep solving recurrence relations</a:t>
-            </a:r>
-          </a:p>
-        </p:txBody>
-      </p:sp>
-      <p:sp>
-        <p:nvSpPr>
-          <p:cNvPr id="4" name="Slide Number Placeholder 3"/>
-          <p:cNvSpPr>
-            <a:spLocks noGrp="1"/>
-          </p:cNvSpPr>
-          <p:nvPr>
-            <p:ph type="sldNum" sz="quarter" idx="12"/>
-          </p:nvPr>
-        </p:nvSpPr>
-        <p:spPr/>
-        <p:txBody>
-          <a:bodyPr/>
-          <a:lstStyle/>
-          <a:p>
-            <a:fld id="{F26D9103-0C5C-48AC-B68E-3ED2C1647047}" type="slidenum">
-              <a:rPr lang="en-US" smtClean="0"/>
-              <a:pPr/>
-              <a:t>4</a:t>
-            </a:fld>
-            <a:endParaRPr lang="en-US" dirty="0"/>
-          </a:p>
-        </p:txBody>
-      </p:sp>
-    </p:spTree>
-    <p:extLst>
-      <p:ext uri="{BB962C8B-B14F-4D97-AF65-F5344CB8AC3E}">
-        <p14:creationId xmlns:p14="http://schemas.microsoft.com/office/powerpoint/2010/main" val="2502522630"/>
-      </p:ext>
-    </p:extLst>
-  </p:cSld>
-  <p:clrMapOvr>
-    <a:masterClrMapping/>
-  </p:clrMapOvr>
-</p:sld>
-</file>
-
-<file path=ppt/slides/slide5.xml><?xml version="1.0" encoding="utf-8"?>
-<p:sld xmlns:a="http://schemas.openxmlformats.org/drawingml/2006/main" xmlns:r="http://schemas.openxmlformats.org/officeDocument/2006/relationships" xmlns:p="http://schemas.openxmlformats.org/presentationml/2006/main">
-  <p:cSld>
-    <p:spTree>
-      <p:nvGrpSpPr>
-        <p:cNvPr id="1" name=""/>
-        <p:cNvGrpSpPr/>
-        <p:nvPr/>
-      </p:nvGrpSpPr>
-      <p:grpSpPr>
-        <a:xfrm>
-          <a:off x="0" y="0"/>
-          <a:ext cx="0" cy="0"/>
-          <a:chOff x="0" y="0"/>
-          <a:chExt cx="0" cy="0"/>
-        </a:xfrm>
-      </p:grpSpPr>
-      <p:sp>
-        <p:nvSpPr>
-          <p:cNvPr id="6146" name="Rectangle 2"/>
-          <p:cNvSpPr>
-            <a:spLocks noGrp="1" noChangeArrowheads="1"/>
-          </p:cNvSpPr>
-          <p:nvPr>
-            <p:ph type="title"/>
-            <p:custDataLst>
-              <p:tags r:id="rId1"/>
-            </p:custDataLst>
-          </p:nvPr>
-        </p:nvSpPr>
-        <p:spPr/>
-        <p:txBody>
-          <a:bodyPr/>
-          <a:lstStyle/>
-          <a:p>
-            <a:r>
-              <a:rPr lang="en-US" dirty="0"/>
-              <a:t>Monday, Feb. 15</a:t>
-            </a:r>
-          </a:p>
-        </p:txBody>
-      </p:sp>
-      <p:sp>
-        <p:nvSpPr>
-          <p:cNvPr id="6147" name="Rectangle 3"/>
-          <p:cNvSpPr>
-            <a:spLocks noGrp="1" noChangeArrowheads="1"/>
-          </p:cNvSpPr>
-          <p:nvPr>
-            <p:ph sz="quarter" idx="1"/>
-            <p:custDataLst>
-              <p:tags r:id="rId2"/>
-            </p:custDataLst>
-          </p:nvPr>
-        </p:nvSpPr>
-        <p:spPr>
-          <a:xfrm>
-            <a:off x="381000" y="1371600"/>
-            <a:ext cx="8255000" cy="4800600"/>
-          </a:xfrm>
-        </p:spPr>
-        <p:txBody>
-          <a:bodyPr>
-            <a:normAutofit/>
-          </a:bodyPr>
-          <a:lstStyle/>
-          <a:p>
-            <a:r>
-              <a:rPr lang="en-US" dirty="0" err="1"/>
-              <a:t>Gradescope</a:t>
-            </a:r>
-            <a:r>
-              <a:rPr lang="en-US" dirty="0"/>
-              <a:t> is live (link via Collab to sign up)</a:t>
-            </a:r>
-          </a:p>
-          <a:p>
-            <a:pPr lvl="1"/>
-            <a:r>
-              <a:rPr lang="en-US" dirty="0"/>
-              <a:t>Made some cosmetic changes to programming </a:t>
-            </a:r>
-            <a:r>
-              <a:rPr lang="en-US" dirty="0" err="1"/>
-              <a:t>hws</a:t>
-            </a:r>
-            <a:endParaRPr lang="en-US" dirty="0"/>
-          </a:p>
-          <a:p>
-            <a:r>
-              <a:rPr lang="en-US" dirty="0"/>
-              <a:t>Recommended schedule up on schedule page of website. </a:t>
-            </a:r>
-          </a:p>
-          <a:p>
-            <a:pPr lvl="1"/>
-            <a:r>
-              <a:rPr lang="en-US" dirty="0"/>
-              <a:t>Recommended that “distancing” be done this week</a:t>
-            </a:r>
-          </a:p>
-          <a:p>
-            <a:r>
-              <a:rPr lang="en-US" dirty="0"/>
-              <a:t>Sample HW assignment is up on webpage and GS</a:t>
-            </a:r>
-          </a:p>
-          <a:p>
-            <a:pPr lvl="1"/>
-            <a:r>
-              <a:rPr lang="en-US" dirty="0"/>
-              <a:t>For your benefit if you want it, not required.</a:t>
-            </a:r>
-          </a:p>
-          <a:p>
-            <a:r>
-              <a:rPr lang="en-US" dirty="0"/>
-              <a:t>Office hours going ok?</a:t>
-            </a:r>
-          </a:p>
-          <a:p>
-            <a:r>
-              <a:rPr lang="en-US" dirty="0"/>
-              <a:t>Don’t forget Wednesday is a break day so no class!</a:t>
-            </a:r>
-          </a:p>
-          <a:p>
-            <a:r>
-              <a:rPr lang="en-US" dirty="0"/>
-              <a:t>Today we will do quicksort and closest pair of points!</a:t>
-            </a:r>
-          </a:p>
-        </p:txBody>
-      </p:sp>
-      <p:sp>
-        <p:nvSpPr>
-          <p:cNvPr id="4" name="Slide Number Placeholder 3"/>
-          <p:cNvSpPr>
-            <a:spLocks noGrp="1"/>
-          </p:cNvSpPr>
-          <p:nvPr>
-            <p:ph type="sldNum" sz="quarter" idx="12"/>
-          </p:nvPr>
-        </p:nvSpPr>
-        <p:spPr/>
-        <p:txBody>
-          <a:bodyPr/>
-          <a:lstStyle/>
-          <a:p>
-            <a:fld id="{F26D9103-0C5C-48AC-B68E-3ED2C1647047}" type="slidenum">
-              <a:rPr lang="en-US" smtClean="0"/>
-              <a:pPr/>
-              <a:t>5</a:t>
-            </a:fld>
-            <a:endParaRPr lang="en-US" dirty="0"/>
-          </a:p>
-        </p:txBody>
-      </p:sp>
-    </p:spTree>
-    <p:extLst>
-      <p:ext uri="{BB962C8B-B14F-4D97-AF65-F5344CB8AC3E}">
-        <p14:creationId xmlns:p14="http://schemas.microsoft.com/office/powerpoint/2010/main" val="2456874854"/>
-      </p:ext>
-    </p:extLst>
-  </p:cSld>
-  <p:clrMapOvr>
-    <a:masterClrMapping/>
-  </p:clrMapOvr>
-</p:sld>
-</file>
-
-<file path=ppt/slides/slide6.xml><?xml version="1.0" encoding="utf-8"?>
-<p:sld xmlns:a="http://schemas.openxmlformats.org/drawingml/2006/main" xmlns:r="http://schemas.openxmlformats.org/officeDocument/2006/relationships" xmlns:p="http://schemas.openxmlformats.org/presentationml/2006/main">
-  <p:cSld>
-    <p:spTree>
-      <p:nvGrpSpPr>
-        <p:cNvPr id="1" name=""/>
-        <p:cNvGrpSpPr/>
-        <p:nvPr/>
-      </p:nvGrpSpPr>
-      <p:grpSpPr>
-        <a:xfrm>
-          <a:off x="0" y="0"/>
-          <a:ext cx="0" cy="0"/>
-          <a:chOff x="0" y="0"/>
-          <a:chExt cx="0" cy="0"/>
-        </a:xfrm>
-      </p:grpSpPr>
-      <p:sp>
-        <p:nvSpPr>
-          <p:cNvPr id="6146" name="Rectangle 2"/>
-          <p:cNvSpPr>
-            <a:spLocks noGrp="1" noChangeArrowheads="1"/>
-          </p:cNvSpPr>
-          <p:nvPr>
-            <p:ph type="title"/>
-            <p:custDataLst>
-              <p:tags r:id="rId1"/>
-            </p:custDataLst>
-          </p:nvPr>
-        </p:nvSpPr>
-        <p:spPr/>
-        <p:txBody>
-          <a:bodyPr/>
-          <a:lstStyle/>
-          <a:p>
-            <a:r>
-              <a:rPr lang="en-US" dirty="0"/>
-              <a:t>Monday, Feb. 22</a:t>
-            </a:r>
-          </a:p>
-        </p:txBody>
-      </p:sp>
-      <p:sp>
-        <p:nvSpPr>
-          <p:cNvPr id="6147" name="Rectangle 3"/>
-          <p:cNvSpPr>
-            <a:spLocks noGrp="1" noChangeArrowheads="1"/>
-          </p:cNvSpPr>
-          <p:nvPr>
-            <p:ph sz="quarter" idx="1"/>
-            <p:custDataLst>
-              <p:tags r:id="rId2"/>
-            </p:custDataLst>
-          </p:nvPr>
-        </p:nvSpPr>
-        <p:spPr>
-          <a:xfrm>
-            <a:off x="381000" y="1371600"/>
-            <a:ext cx="8255000" cy="4800600"/>
-          </a:xfrm>
-        </p:spPr>
-        <p:txBody>
-          <a:bodyPr>
-            <a:normAutofit/>
-          </a:bodyPr>
-          <a:lstStyle/>
-          <a:p>
-            <a:r>
-              <a:rPr lang="en-US" dirty="0"/>
-              <a:t>Recommended schedule up on schedule page of website. </a:t>
-            </a:r>
-          </a:p>
-          <a:p>
-            <a:pPr lvl="1"/>
-            <a:r>
-              <a:rPr lang="en-US" dirty="0"/>
-              <a:t>Recommended you are done with distancing, working on recurrence relations written assignment</a:t>
-            </a:r>
-          </a:p>
-          <a:p>
-            <a:pPr lvl="1"/>
-            <a:r>
-              <a:rPr lang="en-US" dirty="0"/>
-              <a:t>Recommended that “distancing” be done this week</a:t>
-            </a:r>
-          </a:p>
-          <a:p>
-            <a:r>
-              <a:rPr lang="en-US" dirty="0"/>
-              <a:t>Soft deadline is THIS Wednesday. Guaranteed feedback if you submit by this date.</a:t>
-            </a:r>
-          </a:p>
-          <a:p>
-            <a:r>
-              <a:rPr lang="en-US" dirty="0"/>
-              <a:t>First quiz is scheduled for end of this week</a:t>
-            </a:r>
-          </a:p>
-          <a:p>
-            <a:pPr lvl="1"/>
-            <a:r>
-              <a:rPr lang="en-US" dirty="0"/>
-              <a:t>Might be pushed back just a little bit. Will let you know in 24 </a:t>
-            </a:r>
-            <a:r>
-              <a:rPr lang="en-US" dirty="0" err="1"/>
-              <a:t>hr</a:t>
-            </a:r>
-            <a:endParaRPr lang="en-US" dirty="0"/>
-          </a:p>
-          <a:p>
-            <a:r>
-              <a:rPr lang="en-US" dirty="0"/>
-              <a:t>Office hours going ok? </a:t>
-            </a:r>
-          </a:p>
-          <a:p>
-            <a:r>
-              <a:rPr lang="en-US" dirty="0"/>
-              <a:t>Today we will do </a:t>
-            </a:r>
-            <a:r>
-              <a:rPr lang="en-US" dirty="0" err="1"/>
-              <a:t>quickselect</a:t>
-            </a:r>
-            <a:r>
-              <a:rPr lang="en-US" dirty="0"/>
-              <a:t> and a cool </a:t>
-            </a:r>
-            <a:r>
-              <a:rPr lang="en-US"/>
-              <a:t>LB proof!</a:t>
-            </a:r>
-            <a:endParaRPr lang="en-US" dirty="0"/>
-          </a:p>
-        </p:txBody>
-      </p:sp>
-      <p:sp>
-        <p:nvSpPr>
-          <p:cNvPr id="4" name="Slide Number Placeholder 3"/>
-          <p:cNvSpPr>
-            <a:spLocks noGrp="1"/>
-          </p:cNvSpPr>
-          <p:nvPr>
-            <p:ph type="sldNum" sz="quarter" idx="12"/>
-          </p:nvPr>
-        </p:nvSpPr>
-        <p:spPr/>
-        <p:txBody>
-          <a:bodyPr/>
-          <a:lstStyle/>
-          <a:p>
-            <a:fld id="{F26D9103-0C5C-48AC-B68E-3ED2C1647047}" type="slidenum">
-              <a:rPr lang="en-US" smtClean="0"/>
-              <a:pPr/>
-              <a:t>6</a:t>
-            </a:fld>
-            <a:endParaRPr lang="en-US" dirty="0"/>
-          </a:p>
-        </p:txBody>
-      </p:sp>
-    </p:spTree>
-    <p:extLst>
-      <p:ext uri="{BB962C8B-B14F-4D97-AF65-F5344CB8AC3E}">
-        <p14:creationId xmlns:p14="http://schemas.microsoft.com/office/powerpoint/2010/main" val="3128813354"/>
-      </p:ext>
-    </p:extLst>
-  </p:cSld>
-  <p:clrMapOvr>
-    <a:masterClrMapping/>
-  </p:clrMapOvr>
-</p:sld>
-</file>
-
-<file path=ppt/slides/slide7.xml><?xml version="1.0" encoding="utf-8"?>
-<p:sld xmlns:a="http://schemas.openxmlformats.org/drawingml/2006/main" xmlns:r="http://schemas.openxmlformats.org/officeDocument/2006/relationships" xmlns:p="http://schemas.openxmlformats.org/presentationml/2006/main">
-  <p:cSld>
-    <p:spTree>
-      <p:nvGrpSpPr>
-        <p:cNvPr id="1" name=""/>
-        <p:cNvGrpSpPr/>
-        <p:nvPr/>
-      </p:nvGrpSpPr>
-      <p:grpSpPr>
-        <a:xfrm>
-          <a:off x="0" y="0"/>
-          <a:ext cx="0" cy="0"/>
-          <a:chOff x="0" y="0"/>
-          <a:chExt cx="0" cy="0"/>
-        </a:xfrm>
-      </p:grpSpPr>
-      <p:sp>
-        <p:nvSpPr>
-          <p:cNvPr id="6146" name="Rectangle 2"/>
-          <p:cNvSpPr>
-            <a:spLocks noGrp="1" noChangeArrowheads="1"/>
-          </p:cNvSpPr>
-          <p:nvPr>
-            <p:ph type="title"/>
-            <p:custDataLst>
-              <p:tags r:id="rId1"/>
-            </p:custDataLst>
-          </p:nvPr>
-        </p:nvSpPr>
-        <p:spPr/>
-        <p:txBody>
-          <a:bodyPr/>
-          <a:lstStyle/>
-          <a:p>
-            <a:r>
-              <a:rPr lang="en-US" dirty="0"/>
-              <a:t>Wednesday, Feb. 24</a:t>
-            </a:r>
-          </a:p>
-        </p:txBody>
-      </p:sp>
-      <p:sp>
-        <p:nvSpPr>
-          <p:cNvPr id="6147" name="Rectangle 3"/>
-          <p:cNvSpPr>
-            <a:spLocks noGrp="1" noChangeArrowheads="1"/>
-          </p:cNvSpPr>
-          <p:nvPr>
-            <p:ph sz="quarter" idx="1"/>
-            <p:custDataLst>
-              <p:tags r:id="rId2"/>
-            </p:custDataLst>
-          </p:nvPr>
-        </p:nvSpPr>
-        <p:spPr>
-          <a:xfrm>
-            <a:off x="381000" y="1371600"/>
-            <a:ext cx="8255000" cy="5105400"/>
-          </a:xfrm>
-        </p:spPr>
-        <p:txBody>
-          <a:bodyPr>
-            <a:normAutofit fontScale="92500" lnSpcReduction="10000"/>
-          </a:bodyPr>
-          <a:lstStyle/>
-          <a:p>
-            <a:r>
-              <a:rPr lang="en-US" dirty="0"/>
-              <a:t>Recommended schedule up on schedule page of website. </a:t>
-            </a:r>
-          </a:p>
-          <a:p>
-            <a:pPr lvl="1"/>
-            <a:r>
-              <a:rPr lang="en-US" dirty="0"/>
-              <a:t>Recommended you are done with distancing, working on recurrence relations written assignment</a:t>
-            </a:r>
-          </a:p>
-          <a:p>
-            <a:pPr lvl="1"/>
-            <a:r>
-              <a:rPr lang="en-US" dirty="0"/>
-              <a:t>Recommended that “recurrence relations” be done this week</a:t>
-            </a:r>
-          </a:p>
-          <a:p>
-            <a:r>
-              <a:rPr lang="en-US" dirty="0"/>
-              <a:t>Soft deadline is THIS Wednesday. Guaranteed feedback if you submit by this date.</a:t>
-            </a:r>
-          </a:p>
-          <a:p>
-            <a:pPr lvl="1"/>
-            <a:r>
-              <a:rPr lang="en-US" dirty="0"/>
-              <a:t>Though we are grading constantly so likely you’ll get feedback no matter what.</a:t>
-            </a:r>
-          </a:p>
-          <a:p>
-            <a:r>
-              <a:rPr lang="en-US" dirty="0"/>
-              <a:t>First quiz was moved to NEXT week.</a:t>
-            </a:r>
-          </a:p>
-          <a:p>
-            <a:pPr lvl="1"/>
-            <a:r>
-              <a:rPr lang="en-US" dirty="0"/>
-              <a:t>Will be on Collab. Some % will be </a:t>
-            </a:r>
-            <a:r>
-              <a:rPr lang="en-US" dirty="0" err="1"/>
-              <a:t>autograded</a:t>
-            </a:r>
-            <a:endParaRPr lang="en-US" dirty="0"/>
-          </a:p>
-          <a:p>
-            <a:pPr lvl="1"/>
-            <a:r>
-              <a:rPr lang="en-US" dirty="0"/>
-              <a:t>You will have 24 hours (next Friday through Saturday) to do it.</a:t>
-            </a:r>
-          </a:p>
-          <a:p>
-            <a:pPr lvl="1"/>
-            <a:r>
-              <a:rPr lang="en-US" dirty="0"/>
-              <a:t>But…Collab will time it so limited time to finish once you begin.</a:t>
-            </a:r>
-          </a:p>
-          <a:p>
-            <a:r>
-              <a:rPr lang="en-US" dirty="0"/>
-              <a:t>Office hours going ok? </a:t>
-            </a:r>
-          </a:p>
-          <a:p>
-            <a:r>
-              <a:rPr lang="en-US" dirty="0"/>
-              <a:t>Today is an open Q&amp;A day! </a:t>
-            </a:r>
-          </a:p>
-        </p:txBody>
-      </p:sp>
-      <p:sp>
-        <p:nvSpPr>
-          <p:cNvPr id="4" name="Slide Number Placeholder 3"/>
-          <p:cNvSpPr>
-            <a:spLocks noGrp="1"/>
-          </p:cNvSpPr>
-          <p:nvPr>
-            <p:ph type="sldNum" sz="quarter" idx="12"/>
-          </p:nvPr>
-        </p:nvSpPr>
-        <p:spPr/>
-        <p:txBody>
-          <a:bodyPr/>
-          <a:lstStyle/>
-          <a:p>
-            <a:fld id="{F26D9103-0C5C-48AC-B68E-3ED2C1647047}" type="slidenum">
-              <a:rPr lang="en-US" smtClean="0"/>
-              <a:pPr/>
-              <a:t>7</a:t>
-            </a:fld>
-            <a:endParaRPr lang="en-US" dirty="0"/>
-          </a:p>
-        </p:txBody>
-      </p:sp>
-    </p:spTree>
-    <p:extLst>
-      <p:ext uri="{BB962C8B-B14F-4D97-AF65-F5344CB8AC3E}">
-        <p14:creationId xmlns:p14="http://schemas.microsoft.com/office/powerpoint/2010/main" val="2624242665"/>
-      </p:ext>
-    </p:extLst>
-  </p:cSld>
-  <p:clrMapOvr>
-    <a:masterClrMapping/>
-  </p:clrMapOvr>
-</p:sld>
-</file>
-
-<file path=ppt/slides/slide8.xml><?xml version="1.0" encoding="utf-8"?>
-<p:sld xmlns:a="http://schemas.openxmlformats.org/drawingml/2006/main" xmlns:r="http://schemas.openxmlformats.org/officeDocument/2006/relationships" xmlns:p="http://schemas.openxmlformats.org/presentationml/2006/main">
-  <p:cSld>
-    <p:spTree>
-      <p:nvGrpSpPr>
-        <p:cNvPr id="1" name=""/>
-        <p:cNvGrpSpPr/>
-        <p:nvPr/>
-      </p:nvGrpSpPr>
-      <p:grpSpPr>
-        <a:xfrm>
-          <a:off x="0" y="0"/>
-          <a:ext cx="0" cy="0"/>
-          <a:chOff x="0" y="0"/>
-          <a:chExt cx="0" cy="0"/>
-        </a:xfrm>
-      </p:grpSpPr>
-      <p:sp>
-        <p:nvSpPr>
-          <p:cNvPr id="6146" name="Rectangle 2"/>
-          <p:cNvSpPr>
-            <a:spLocks noGrp="1" noChangeArrowheads="1"/>
-          </p:cNvSpPr>
-          <p:nvPr>
-            <p:ph type="title"/>
-            <p:custDataLst>
-              <p:tags r:id="rId1"/>
-            </p:custDataLst>
-          </p:nvPr>
-        </p:nvSpPr>
-        <p:spPr/>
-        <p:txBody>
-          <a:bodyPr/>
-          <a:lstStyle/>
-          <a:p>
-            <a:r>
-              <a:rPr lang="en-US" dirty="0"/>
-              <a:t>Monday, Mar. 1</a:t>
-            </a:r>
-          </a:p>
-        </p:txBody>
-      </p:sp>
-      <p:sp>
-        <p:nvSpPr>
-          <p:cNvPr id="6147" name="Rectangle 3"/>
-          <p:cNvSpPr>
-            <a:spLocks noGrp="1" noChangeArrowheads="1"/>
-          </p:cNvSpPr>
-          <p:nvPr>
-            <p:ph sz="quarter" idx="1"/>
-            <p:custDataLst>
-              <p:tags r:id="rId2"/>
-            </p:custDataLst>
-          </p:nvPr>
-        </p:nvSpPr>
-        <p:spPr>
-          <a:xfrm>
-            <a:off x="381000" y="1371600"/>
-            <a:ext cx="8255000" cy="5105400"/>
-          </a:xfrm>
-        </p:spPr>
-        <p:txBody>
-          <a:bodyPr>
-            <a:normAutofit/>
-          </a:bodyPr>
-          <a:lstStyle/>
-          <a:p>
-            <a:r>
-              <a:rPr lang="en-US" dirty="0"/>
-              <a:t>We are officially starting module 2!</a:t>
-            </a:r>
-          </a:p>
-          <a:p>
-            <a:r>
-              <a:rPr lang="en-US" dirty="0"/>
-              <a:t>Recommended schedule up on schedule page of website. </a:t>
-            </a:r>
-          </a:p>
-          <a:p>
-            <a:pPr lvl="1"/>
-            <a:r>
-              <a:rPr lang="en-US" dirty="0"/>
-              <a:t>Recommended that you are doing an advanced </a:t>
-            </a:r>
-            <a:r>
-              <a:rPr lang="en-US" dirty="0" err="1"/>
-              <a:t>hw</a:t>
-            </a:r>
-            <a:r>
-              <a:rPr lang="en-US" dirty="0"/>
-              <a:t> this week</a:t>
-            </a:r>
-          </a:p>
-          <a:p>
-            <a:r>
-              <a:rPr lang="en-US" dirty="0"/>
-              <a:t>We are grading submissions now from soft deadline</a:t>
-            </a:r>
-          </a:p>
-          <a:p>
-            <a:pPr lvl="1"/>
-            <a:r>
-              <a:rPr lang="en-US" dirty="0"/>
-              <a:t>Hopefully done by Wednesday at latest.</a:t>
-            </a:r>
-          </a:p>
-          <a:p>
-            <a:r>
-              <a:rPr lang="en-US" dirty="0"/>
-              <a:t>First quiz is THIS Friday</a:t>
-            </a:r>
-          </a:p>
-          <a:p>
-            <a:pPr lvl="1"/>
-            <a:r>
-              <a:rPr lang="en-US" dirty="0"/>
-              <a:t>Will be on Collab</a:t>
-            </a:r>
-          </a:p>
-          <a:p>
-            <a:pPr lvl="1"/>
-            <a:r>
-              <a:rPr lang="en-US" dirty="0"/>
-              <a:t>You will have 24 hours to start it, but timed once you start.</a:t>
-            </a:r>
-          </a:p>
-          <a:p>
-            <a:r>
-              <a:rPr lang="en-US" dirty="0"/>
-              <a:t>Office hours going ok? </a:t>
-            </a:r>
-          </a:p>
-          <a:p>
-            <a:r>
-              <a:rPr lang="en-US" dirty="0"/>
-              <a:t>Today we will prove correctness of BFS! </a:t>
-            </a:r>
-          </a:p>
-        </p:txBody>
-      </p:sp>
-      <p:sp>
-        <p:nvSpPr>
-          <p:cNvPr id="4" name="Slide Number Placeholder 3"/>
-          <p:cNvSpPr>
-            <a:spLocks noGrp="1"/>
-          </p:cNvSpPr>
-          <p:nvPr>
-            <p:ph type="sldNum" sz="quarter" idx="12"/>
-          </p:nvPr>
-        </p:nvSpPr>
-        <p:spPr/>
-        <p:txBody>
-          <a:bodyPr/>
-          <a:lstStyle/>
-          <a:p>
-            <a:fld id="{F26D9103-0C5C-48AC-B68E-3ED2C1647047}" type="slidenum">
-              <a:rPr lang="en-US" smtClean="0"/>
-              <a:pPr/>
-              <a:t>8</a:t>
-            </a:fld>
-            <a:endParaRPr lang="en-US" dirty="0"/>
-          </a:p>
-        </p:txBody>
-      </p:sp>
-    </p:spTree>
-    <p:extLst>
-      <p:ext uri="{BB962C8B-B14F-4D97-AF65-F5344CB8AC3E}">
-        <p14:creationId xmlns:p14="http://schemas.microsoft.com/office/powerpoint/2010/main" val="3025140148"/>
-      </p:ext>
-    </p:extLst>
-  </p:cSld>
-  <p:clrMapOvr>
-    <a:masterClrMapping/>
-  </p:clrMapOvr>
-</p:sld>
-</file>
-
-<file path=ppt/slides/slide9.xml><?xml version="1.0" encoding="utf-8"?>
-<p:sld xmlns:a="http://schemas.openxmlformats.org/drawingml/2006/main" xmlns:r="http://schemas.openxmlformats.org/officeDocument/2006/relationships" xmlns:p="http://schemas.openxmlformats.org/presentationml/2006/main">
-  <p:cSld>
-    <p:spTree>
-      <p:nvGrpSpPr>
-        <p:cNvPr id="1" name=""/>
-        <p:cNvGrpSpPr/>
-        <p:nvPr/>
-      </p:nvGrpSpPr>
-      <p:grpSpPr>
-        <a:xfrm>
-          <a:off x="0" y="0"/>
-          <a:ext cx="0" cy="0"/>
-          <a:chOff x="0" y="0"/>
-          <a:chExt cx="0" cy="0"/>
-        </a:xfrm>
-      </p:grpSpPr>
-      <p:sp>
-        <p:nvSpPr>
-          <p:cNvPr id="6146" name="Rectangle 2"/>
-          <p:cNvSpPr>
-            <a:spLocks noGrp="1" noChangeArrowheads="1"/>
-          </p:cNvSpPr>
-          <p:nvPr>
-            <p:ph type="title"/>
-            <p:custDataLst>
-              <p:tags r:id="rId1"/>
-            </p:custDataLst>
-          </p:nvPr>
-        </p:nvSpPr>
-        <p:spPr/>
-        <p:txBody>
-          <a:bodyPr/>
-          <a:lstStyle/>
-          <a:p>
-            <a:r>
-              <a:rPr lang="en-US" dirty="0"/>
-              <a:t>Wednesday, Mar. 3</a:t>
-            </a:r>
-          </a:p>
-        </p:txBody>
-      </p:sp>
-      <p:sp>
-        <p:nvSpPr>
-          <p:cNvPr id="6147" name="Rectangle 3"/>
-          <p:cNvSpPr>
-            <a:spLocks noGrp="1" noChangeArrowheads="1"/>
-          </p:cNvSpPr>
-          <p:nvPr>
-            <p:ph sz="quarter" idx="1"/>
-            <p:custDataLst>
-              <p:tags r:id="rId2"/>
-            </p:custDataLst>
-          </p:nvPr>
-        </p:nvSpPr>
-        <p:spPr>
-          <a:xfrm>
-            <a:off x="381000" y="1371600"/>
-            <a:ext cx="8255000" cy="5105400"/>
-          </a:xfrm>
-        </p:spPr>
-        <p:txBody>
-          <a:bodyPr>
-            <a:normAutofit/>
-          </a:bodyPr>
-          <a:lstStyle/>
-          <a:p>
-            <a:r>
-              <a:rPr lang="en-US" dirty="0"/>
-              <a:t>We are officially starting module 2!</a:t>
-            </a:r>
-          </a:p>
-          <a:p>
-            <a:r>
-              <a:rPr lang="en-US" dirty="0"/>
-              <a:t>Recommended schedule up on schedule page of website. </a:t>
-            </a:r>
-          </a:p>
-          <a:p>
-            <a:pPr lvl="1"/>
-            <a:r>
-              <a:rPr lang="en-US" dirty="0"/>
-              <a:t>Recommended that you are doing an advanced </a:t>
-            </a:r>
-            <a:r>
-              <a:rPr lang="en-US" dirty="0" err="1"/>
-              <a:t>hw</a:t>
-            </a:r>
-            <a:r>
-              <a:rPr lang="en-US" dirty="0"/>
-              <a:t> this week</a:t>
-            </a:r>
-          </a:p>
-          <a:p>
-            <a:pPr lvl="1"/>
-            <a:r>
-              <a:rPr lang="en-US" dirty="0"/>
-              <a:t>one of the two basic </a:t>
-            </a:r>
-            <a:r>
-              <a:rPr lang="en-US" dirty="0" err="1"/>
-              <a:t>hw</a:t>
-            </a:r>
-            <a:r>
-              <a:rPr lang="en-US" dirty="0"/>
-              <a:t> in module 2 next week</a:t>
-            </a:r>
-          </a:p>
-          <a:p>
-            <a:r>
-              <a:rPr lang="en-US" dirty="0"/>
-              <a:t>New way to submit programming </a:t>
-            </a:r>
-            <a:r>
-              <a:rPr lang="en-US" dirty="0" err="1"/>
-              <a:t>hw</a:t>
-            </a:r>
-            <a:r>
-              <a:rPr lang="en-US" dirty="0"/>
-              <a:t>!!</a:t>
-            </a:r>
-          </a:p>
-          <a:p>
-            <a:r>
-              <a:rPr lang="en-US" dirty="0"/>
-              <a:t>Written </a:t>
-            </a:r>
-            <a:r>
-              <a:rPr lang="en-US" dirty="0" err="1"/>
-              <a:t>hws</a:t>
-            </a:r>
-            <a:r>
-              <a:rPr lang="en-US" dirty="0"/>
-              <a:t> graded if submitted before soft deadline.</a:t>
-            </a:r>
-          </a:p>
-          <a:p>
-            <a:pPr lvl="1"/>
-            <a:r>
-              <a:rPr lang="en-US" dirty="0"/>
-              <a:t>Will keep working through the rest as well.</a:t>
-            </a:r>
-          </a:p>
-          <a:p>
-            <a:r>
-              <a:rPr lang="en-US" dirty="0"/>
-              <a:t>First quiz is THIS Friday</a:t>
-            </a:r>
-          </a:p>
-          <a:p>
-            <a:pPr lvl="1"/>
-            <a:r>
-              <a:rPr lang="en-US" dirty="0"/>
-              <a:t>Specific details will be announced on Discord</a:t>
-            </a:r>
-          </a:p>
-          <a:p>
-            <a:r>
-              <a:rPr lang="en-US" dirty="0"/>
-              <a:t>Office hours going ok? </a:t>
-            </a:r>
-          </a:p>
-          <a:p>
-            <a:r>
-              <a:rPr lang="en-US" dirty="0"/>
-              <a:t>Today we talk more about find-union and related things! </a:t>
-            </a:r>
-          </a:p>
-        </p:txBody>
-      </p:sp>
-      <p:sp>
-        <p:nvSpPr>
-          <p:cNvPr id="4" name="Slide Number Placeholder 3"/>
-          <p:cNvSpPr>
-            <a:spLocks noGrp="1"/>
-          </p:cNvSpPr>
-          <p:nvPr>
-            <p:ph type="sldNum" sz="quarter" idx="12"/>
-          </p:nvPr>
-        </p:nvSpPr>
-        <p:spPr/>
-        <p:txBody>
-          <a:bodyPr/>
-          <a:lstStyle/>
-          <a:p>
-            <a:fld id="{F26D9103-0C5C-48AC-B68E-3ED2C1647047}" type="slidenum">
-              <a:rPr lang="en-US" smtClean="0"/>
-              <a:pPr/>
-              <a:t>9</a:t>
-            </a:fld>
-            <a:endParaRPr lang="en-US" dirty="0"/>
-          </a:p>
-        </p:txBody>
-      </p:sp>
-    </p:spTree>
-    <p:extLst>
-      <p:ext uri="{BB962C8B-B14F-4D97-AF65-F5344CB8AC3E}">
-        <p14:creationId xmlns:p14="http://schemas.microsoft.com/office/powerpoint/2010/main" val="292848164"/>
-      </p:ext>
-    </p:extLst>
   </p:cSld>
   <p:clrMapOvr>
     <a:masterClrMapping/>
@@ -8694,265 +5010,13 @@
 </p:tagLst>
 </file>
 
-<file path=ppt/tags/tag10.xml><?xml version="1.0" encoding="utf-8"?>
-<p:tagLst xmlns:a="http://schemas.openxmlformats.org/drawingml/2006/main" xmlns:r="http://schemas.openxmlformats.org/officeDocument/2006/relationships" xmlns:p="http://schemas.openxmlformats.org/presentationml/2006/main">
-  <p:tag name="_INSTRUCTOR VIEW19C14C36-AC8E-43BC-9DB6-C2AAF774C7DC|PANE__TAG" val="_"/>
-</p:tagLst>
-</file>
-
-<file path=ppt/tags/tag11.xml><?xml version="1.0" encoding="utf-8"?>
-<p:tagLst xmlns:a="http://schemas.openxmlformats.org/drawingml/2006/main" xmlns:r="http://schemas.openxmlformats.org/officeDocument/2006/relationships" xmlns:p="http://schemas.openxmlformats.org/presentationml/2006/main">
-  <p:tag name="_INSTRUCTOR VIEW19C14C36-AC8E-43BC-9DB6-C2AAF774C7DC|PANE__TAG" val="_"/>
-</p:tagLst>
-</file>
-
-<file path=ppt/tags/tag12.xml><?xml version="1.0" encoding="utf-8"?>
-<p:tagLst xmlns:a="http://schemas.openxmlformats.org/drawingml/2006/main" xmlns:r="http://schemas.openxmlformats.org/officeDocument/2006/relationships" xmlns:p="http://schemas.openxmlformats.org/presentationml/2006/main">
-  <p:tag name="_INSTRUCTOR VIEW19C14C36-AC8E-43BC-9DB6-C2AAF774C7DC|PANE__TAG" val="_"/>
-</p:tagLst>
-</file>
-
-<file path=ppt/tags/tag13.xml><?xml version="1.0" encoding="utf-8"?>
-<p:tagLst xmlns:a="http://schemas.openxmlformats.org/drawingml/2006/main" xmlns:r="http://schemas.openxmlformats.org/officeDocument/2006/relationships" xmlns:p="http://schemas.openxmlformats.org/presentationml/2006/main">
-  <p:tag name="_INSTRUCTOR VIEW19C14C36-AC8E-43BC-9DB6-C2AAF774C7DC|PANE__TAG" val="_"/>
-</p:tagLst>
-</file>
-
-<file path=ppt/tags/tag14.xml><?xml version="1.0" encoding="utf-8"?>
-<p:tagLst xmlns:a="http://schemas.openxmlformats.org/drawingml/2006/main" xmlns:r="http://schemas.openxmlformats.org/officeDocument/2006/relationships" xmlns:p="http://schemas.openxmlformats.org/presentationml/2006/main">
-  <p:tag name="_INSTRUCTOR VIEW19C14C36-AC8E-43BC-9DB6-C2AAF774C7DC|PANE__TAG" val="_"/>
-</p:tagLst>
-</file>
-
-<file path=ppt/tags/tag15.xml><?xml version="1.0" encoding="utf-8"?>
-<p:tagLst xmlns:a="http://schemas.openxmlformats.org/drawingml/2006/main" xmlns:r="http://schemas.openxmlformats.org/officeDocument/2006/relationships" xmlns:p="http://schemas.openxmlformats.org/presentationml/2006/main">
-  <p:tag name="_INSTRUCTOR VIEW19C14C36-AC8E-43BC-9DB6-C2AAF774C7DC|PANE__TAG" val="_"/>
-</p:tagLst>
-</file>
-
-<file path=ppt/tags/tag16.xml><?xml version="1.0" encoding="utf-8"?>
-<p:tagLst xmlns:a="http://schemas.openxmlformats.org/drawingml/2006/main" xmlns:r="http://schemas.openxmlformats.org/officeDocument/2006/relationships" xmlns:p="http://schemas.openxmlformats.org/presentationml/2006/main">
-  <p:tag name="_INSTRUCTOR VIEW19C14C36-AC8E-43BC-9DB6-C2AAF774C7DC|PANE__TAG" val="_"/>
-</p:tagLst>
-</file>
-
-<file path=ppt/tags/tag17.xml><?xml version="1.0" encoding="utf-8"?>
-<p:tagLst xmlns:a="http://schemas.openxmlformats.org/drawingml/2006/main" xmlns:r="http://schemas.openxmlformats.org/officeDocument/2006/relationships" xmlns:p="http://schemas.openxmlformats.org/presentationml/2006/main">
-  <p:tag name="_INSTRUCTOR VIEW19C14C36-AC8E-43BC-9DB6-C2AAF774C7DC|PANE__TAG" val="_"/>
-</p:tagLst>
-</file>
-
-<file path=ppt/tags/tag18.xml><?xml version="1.0" encoding="utf-8"?>
-<p:tagLst xmlns:a="http://schemas.openxmlformats.org/drawingml/2006/main" xmlns:r="http://schemas.openxmlformats.org/officeDocument/2006/relationships" xmlns:p="http://schemas.openxmlformats.org/presentationml/2006/main">
-  <p:tag name="_INSTRUCTOR VIEW19C14C36-AC8E-43BC-9DB6-C2AAF774C7DC|PANE__TAG" val="_"/>
-</p:tagLst>
-</file>
-
-<file path=ppt/tags/tag19.xml><?xml version="1.0" encoding="utf-8"?>
-<p:tagLst xmlns:a="http://schemas.openxmlformats.org/drawingml/2006/main" xmlns:r="http://schemas.openxmlformats.org/officeDocument/2006/relationships" xmlns:p="http://schemas.openxmlformats.org/presentationml/2006/main">
-  <p:tag name="_INSTRUCTOR VIEW19C14C36-AC8E-43BC-9DB6-C2AAF774C7DC|PANE__TAG" val="_"/>
-</p:tagLst>
-</file>
-
 <file path=ppt/tags/tag2.xml><?xml version="1.0" encoding="utf-8"?>
 <p:tagLst xmlns:a="http://schemas.openxmlformats.org/drawingml/2006/main" xmlns:r="http://schemas.openxmlformats.org/officeDocument/2006/relationships" xmlns:p="http://schemas.openxmlformats.org/presentationml/2006/main">
   <p:tag name="_INSTRUCTOR VIEW19C14C36-AC8E-43BC-9DB6-C2AAF774C7DC|PANE__TAG" val="_"/>
 </p:tagLst>
 </file>
 
-<file path=ppt/tags/tag20.xml><?xml version="1.0" encoding="utf-8"?>
-<p:tagLst xmlns:a="http://schemas.openxmlformats.org/drawingml/2006/main" xmlns:r="http://schemas.openxmlformats.org/officeDocument/2006/relationships" xmlns:p="http://schemas.openxmlformats.org/presentationml/2006/main">
-  <p:tag name="_INSTRUCTOR VIEW19C14C36-AC8E-43BC-9DB6-C2AAF774C7DC|PANE__TAG" val="_"/>
-</p:tagLst>
-</file>
-
-<file path=ppt/tags/tag21.xml><?xml version="1.0" encoding="utf-8"?>
-<p:tagLst xmlns:a="http://schemas.openxmlformats.org/drawingml/2006/main" xmlns:r="http://schemas.openxmlformats.org/officeDocument/2006/relationships" xmlns:p="http://schemas.openxmlformats.org/presentationml/2006/main">
-  <p:tag name="_INSTRUCTOR VIEW19C14C36-AC8E-43BC-9DB6-C2AAF774C7DC|PANE__TAG" val="_"/>
-</p:tagLst>
-</file>
-
-<file path=ppt/tags/tag22.xml><?xml version="1.0" encoding="utf-8"?>
-<p:tagLst xmlns:a="http://schemas.openxmlformats.org/drawingml/2006/main" xmlns:r="http://schemas.openxmlformats.org/officeDocument/2006/relationships" xmlns:p="http://schemas.openxmlformats.org/presentationml/2006/main">
-  <p:tag name="_INSTRUCTOR VIEW19C14C36-AC8E-43BC-9DB6-C2AAF774C7DC|PANE__TAG" val="_"/>
-</p:tagLst>
-</file>
-
-<file path=ppt/tags/tag23.xml><?xml version="1.0" encoding="utf-8"?>
-<p:tagLst xmlns:a="http://schemas.openxmlformats.org/drawingml/2006/main" xmlns:r="http://schemas.openxmlformats.org/officeDocument/2006/relationships" xmlns:p="http://schemas.openxmlformats.org/presentationml/2006/main">
-  <p:tag name="_INSTRUCTOR VIEW19C14C36-AC8E-43BC-9DB6-C2AAF774C7DC|PANE__TAG" val="_"/>
-</p:tagLst>
-</file>
-
-<file path=ppt/tags/tag24.xml><?xml version="1.0" encoding="utf-8"?>
-<p:tagLst xmlns:a="http://schemas.openxmlformats.org/drawingml/2006/main" xmlns:r="http://schemas.openxmlformats.org/officeDocument/2006/relationships" xmlns:p="http://schemas.openxmlformats.org/presentationml/2006/main">
-  <p:tag name="_INSTRUCTOR VIEW19C14C36-AC8E-43BC-9DB6-C2AAF774C7DC|PANE__TAG" val="_"/>
-</p:tagLst>
-</file>
-
-<file path=ppt/tags/tag25.xml><?xml version="1.0" encoding="utf-8"?>
-<p:tagLst xmlns:a="http://schemas.openxmlformats.org/drawingml/2006/main" xmlns:r="http://schemas.openxmlformats.org/officeDocument/2006/relationships" xmlns:p="http://schemas.openxmlformats.org/presentationml/2006/main">
-  <p:tag name="_INSTRUCTOR VIEW19C14C36-AC8E-43BC-9DB6-C2AAF774C7DC|PANE__TAG" val="_"/>
-</p:tagLst>
-</file>
-
-<file path=ppt/tags/tag26.xml><?xml version="1.0" encoding="utf-8"?>
-<p:tagLst xmlns:a="http://schemas.openxmlformats.org/drawingml/2006/main" xmlns:r="http://schemas.openxmlformats.org/officeDocument/2006/relationships" xmlns:p="http://schemas.openxmlformats.org/presentationml/2006/main">
-  <p:tag name="_INSTRUCTOR VIEW19C14C36-AC8E-43BC-9DB6-C2AAF774C7DC|PANE__TAG" val="_"/>
-</p:tagLst>
-</file>
-
-<file path=ppt/tags/tag27.xml><?xml version="1.0" encoding="utf-8"?>
-<p:tagLst xmlns:a="http://schemas.openxmlformats.org/drawingml/2006/main" xmlns:r="http://schemas.openxmlformats.org/officeDocument/2006/relationships" xmlns:p="http://schemas.openxmlformats.org/presentationml/2006/main">
-  <p:tag name="_INSTRUCTOR VIEW19C14C36-AC8E-43BC-9DB6-C2AAF774C7DC|PANE__TAG" val="_"/>
-</p:tagLst>
-</file>
-
-<file path=ppt/tags/tag28.xml><?xml version="1.0" encoding="utf-8"?>
-<p:tagLst xmlns:a="http://schemas.openxmlformats.org/drawingml/2006/main" xmlns:r="http://schemas.openxmlformats.org/officeDocument/2006/relationships" xmlns:p="http://schemas.openxmlformats.org/presentationml/2006/main">
-  <p:tag name="_INSTRUCTOR VIEW19C14C36-AC8E-43BC-9DB6-C2AAF774C7DC|PANE__TAG" val="_"/>
-</p:tagLst>
-</file>
-
-<file path=ppt/tags/tag29.xml><?xml version="1.0" encoding="utf-8"?>
-<p:tagLst xmlns:a="http://schemas.openxmlformats.org/drawingml/2006/main" xmlns:r="http://schemas.openxmlformats.org/officeDocument/2006/relationships" xmlns:p="http://schemas.openxmlformats.org/presentationml/2006/main">
-  <p:tag name="_INSTRUCTOR VIEW19C14C36-AC8E-43BC-9DB6-C2AAF774C7DC|PANE__TAG" val="_"/>
-</p:tagLst>
-</file>
-
 <file path=ppt/tags/tag3.xml><?xml version="1.0" encoding="utf-8"?>
-<p:tagLst xmlns:a="http://schemas.openxmlformats.org/drawingml/2006/main" xmlns:r="http://schemas.openxmlformats.org/officeDocument/2006/relationships" xmlns:p="http://schemas.openxmlformats.org/presentationml/2006/main">
-  <p:tag name="_INSTRUCTOR VIEW19C14C36-AC8E-43BC-9DB6-C2AAF774C7DC|PANE__TAG" val="_"/>
-</p:tagLst>
-</file>
-
-<file path=ppt/tags/tag30.xml><?xml version="1.0" encoding="utf-8"?>
-<p:tagLst xmlns:a="http://schemas.openxmlformats.org/drawingml/2006/main" xmlns:r="http://schemas.openxmlformats.org/officeDocument/2006/relationships" xmlns:p="http://schemas.openxmlformats.org/presentationml/2006/main">
-  <p:tag name="_INSTRUCTOR VIEW19C14C36-AC8E-43BC-9DB6-C2AAF774C7DC|PANE__TAG" val="_"/>
-</p:tagLst>
-</file>
-
-<file path=ppt/tags/tag31.xml><?xml version="1.0" encoding="utf-8"?>
-<p:tagLst xmlns:a="http://schemas.openxmlformats.org/drawingml/2006/main" xmlns:r="http://schemas.openxmlformats.org/officeDocument/2006/relationships" xmlns:p="http://schemas.openxmlformats.org/presentationml/2006/main">
-  <p:tag name="_INSTRUCTOR VIEW19C14C36-AC8E-43BC-9DB6-C2AAF774C7DC|PANE__TAG" val="_"/>
-</p:tagLst>
-</file>
-
-<file path=ppt/tags/tag32.xml><?xml version="1.0" encoding="utf-8"?>
-<p:tagLst xmlns:a="http://schemas.openxmlformats.org/drawingml/2006/main" xmlns:r="http://schemas.openxmlformats.org/officeDocument/2006/relationships" xmlns:p="http://schemas.openxmlformats.org/presentationml/2006/main">
-  <p:tag name="_INSTRUCTOR VIEW19C14C36-AC8E-43BC-9DB6-C2AAF774C7DC|PANE__TAG" val="_"/>
-</p:tagLst>
-</file>
-
-<file path=ppt/tags/tag33.xml><?xml version="1.0" encoding="utf-8"?>
-<p:tagLst xmlns:a="http://schemas.openxmlformats.org/drawingml/2006/main" xmlns:r="http://schemas.openxmlformats.org/officeDocument/2006/relationships" xmlns:p="http://schemas.openxmlformats.org/presentationml/2006/main">
-  <p:tag name="_INSTRUCTOR VIEW19C14C36-AC8E-43BC-9DB6-C2AAF774C7DC|PANE__TAG" val="_"/>
-</p:tagLst>
-</file>
-
-<file path=ppt/tags/tag34.xml><?xml version="1.0" encoding="utf-8"?>
-<p:tagLst xmlns:a="http://schemas.openxmlformats.org/drawingml/2006/main" xmlns:r="http://schemas.openxmlformats.org/officeDocument/2006/relationships" xmlns:p="http://schemas.openxmlformats.org/presentationml/2006/main">
-  <p:tag name="_INSTRUCTOR VIEW19C14C36-AC8E-43BC-9DB6-C2AAF774C7DC|PANE__TAG" val="_"/>
-</p:tagLst>
-</file>
-
-<file path=ppt/tags/tag35.xml><?xml version="1.0" encoding="utf-8"?>
-<p:tagLst xmlns:a="http://schemas.openxmlformats.org/drawingml/2006/main" xmlns:r="http://schemas.openxmlformats.org/officeDocument/2006/relationships" xmlns:p="http://schemas.openxmlformats.org/presentationml/2006/main">
-  <p:tag name="_INSTRUCTOR VIEW19C14C36-AC8E-43BC-9DB6-C2AAF774C7DC|PANE__TAG" val="_"/>
-</p:tagLst>
-</file>
-
-<file path=ppt/tags/tag36.xml><?xml version="1.0" encoding="utf-8"?>
-<p:tagLst xmlns:a="http://schemas.openxmlformats.org/drawingml/2006/main" xmlns:r="http://schemas.openxmlformats.org/officeDocument/2006/relationships" xmlns:p="http://schemas.openxmlformats.org/presentationml/2006/main">
-  <p:tag name="_INSTRUCTOR VIEW19C14C36-AC8E-43BC-9DB6-C2AAF774C7DC|PANE__TAG" val="_"/>
-</p:tagLst>
-</file>
-
-<file path=ppt/tags/tag37.xml><?xml version="1.0" encoding="utf-8"?>
-<p:tagLst xmlns:a="http://schemas.openxmlformats.org/drawingml/2006/main" xmlns:r="http://schemas.openxmlformats.org/officeDocument/2006/relationships" xmlns:p="http://schemas.openxmlformats.org/presentationml/2006/main">
-  <p:tag name="_INSTRUCTOR VIEW19C14C36-AC8E-43BC-9DB6-C2AAF774C7DC|PANE__TAG" val="_"/>
-</p:tagLst>
-</file>
-
-<file path=ppt/tags/tag38.xml><?xml version="1.0" encoding="utf-8"?>
-<p:tagLst xmlns:a="http://schemas.openxmlformats.org/drawingml/2006/main" xmlns:r="http://schemas.openxmlformats.org/officeDocument/2006/relationships" xmlns:p="http://schemas.openxmlformats.org/presentationml/2006/main">
-  <p:tag name="_INSTRUCTOR VIEW19C14C36-AC8E-43BC-9DB6-C2AAF774C7DC|PANE__TAG" val="_"/>
-</p:tagLst>
-</file>
-
-<file path=ppt/tags/tag39.xml><?xml version="1.0" encoding="utf-8"?>
-<p:tagLst xmlns:a="http://schemas.openxmlformats.org/drawingml/2006/main" xmlns:r="http://schemas.openxmlformats.org/officeDocument/2006/relationships" xmlns:p="http://schemas.openxmlformats.org/presentationml/2006/main">
-  <p:tag name="_INSTRUCTOR VIEW19C14C36-AC8E-43BC-9DB6-C2AAF774C7DC|PANE__TAG" val="_"/>
-</p:tagLst>
-</file>
-
-<file path=ppt/tags/tag4.xml><?xml version="1.0" encoding="utf-8"?>
-<p:tagLst xmlns:a="http://schemas.openxmlformats.org/drawingml/2006/main" xmlns:r="http://schemas.openxmlformats.org/officeDocument/2006/relationships" xmlns:p="http://schemas.openxmlformats.org/presentationml/2006/main">
-  <p:tag name="_INSTRUCTOR VIEW19C14C36-AC8E-43BC-9DB6-C2AAF774C7DC|PANE__TAG" val="_"/>
-</p:tagLst>
-</file>
-
-<file path=ppt/tags/tag40.xml><?xml version="1.0" encoding="utf-8"?>
-<p:tagLst xmlns:a="http://schemas.openxmlformats.org/drawingml/2006/main" xmlns:r="http://schemas.openxmlformats.org/officeDocument/2006/relationships" xmlns:p="http://schemas.openxmlformats.org/presentationml/2006/main">
-  <p:tag name="_INSTRUCTOR VIEW19C14C36-AC8E-43BC-9DB6-C2AAF774C7DC|PANE__TAG" val="_"/>
-</p:tagLst>
-</file>
-
-<file path=ppt/tags/tag41.xml><?xml version="1.0" encoding="utf-8"?>
-<p:tagLst xmlns:a="http://schemas.openxmlformats.org/drawingml/2006/main" xmlns:r="http://schemas.openxmlformats.org/officeDocument/2006/relationships" xmlns:p="http://schemas.openxmlformats.org/presentationml/2006/main">
-  <p:tag name="_INSTRUCTOR VIEW19C14C36-AC8E-43BC-9DB6-C2AAF774C7DC|PANE__TAG" val="_"/>
-</p:tagLst>
-</file>
-
-<file path=ppt/tags/tag42.xml><?xml version="1.0" encoding="utf-8"?>
-<p:tagLst xmlns:a="http://schemas.openxmlformats.org/drawingml/2006/main" xmlns:r="http://schemas.openxmlformats.org/officeDocument/2006/relationships" xmlns:p="http://schemas.openxmlformats.org/presentationml/2006/main">
-  <p:tag name="_INSTRUCTOR VIEW19C14C36-AC8E-43BC-9DB6-C2AAF774C7DC|PANE__TAG" val="_"/>
-</p:tagLst>
-</file>
-
-<file path=ppt/tags/tag43.xml><?xml version="1.0" encoding="utf-8"?>
-<p:tagLst xmlns:a="http://schemas.openxmlformats.org/drawingml/2006/main" xmlns:r="http://schemas.openxmlformats.org/officeDocument/2006/relationships" xmlns:p="http://schemas.openxmlformats.org/presentationml/2006/main">
-  <p:tag name="_INSTRUCTOR VIEW19C14C36-AC8E-43BC-9DB6-C2AAF774C7DC|PANE__TAG" val="_"/>
-</p:tagLst>
-</file>
-
-<file path=ppt/tags/tag44.xml><?xml version="1.0" encoding="utf-8"?>
-<p:tagLst xmlns:a="http://schemas.openxmlformats.org/drawingml/2006/main" xmlns:r="http://schemas.openxmlformats.org/officeDocument/2006/relationships" xmlns:p="http://schemas.openxmlformats.org/presentationml/2006/main">
-  <p:tag name="_INSTRUCTOR VIEW19C14C36-AC8E-43BC-9DB6-C2AAF774C7DC|PANE__TAG" val="_"/>
-</p:tagLst>
-</file>
-
-<file path=ppt/tags/tag45.xml><?xml version="1.0" encoding="utf-8"?>
-<p:tagLst xmlns:a="http://schemas.openxmlformats.org/drawingml/2006/main" xmlns:r="http://schemas.openxmlformats.org/officeDocument/2006/relationships" xmlns:p="http://schemas.openxmlformats.org/presentationml/2006/main">
-  <p:tag name="_INSTRUCTOR VIEW19C14C36-AC8E-43BC-9DB6-C2AAF774C7DC|PANE__TAG" val="_"/>
-</p:tagLst>
-</file>
-
-<file path=ppt/tags/tag5.xml><?xml version="1.0" encoding="utf-8"?>
-<p:tagLst xmlns:a="http://schemas.openxmlformats.org/drawingml/2006/main" xmlns:r="http://schemas.openxmlformats.org/officeDocument/2006/relationships" xmlns:p="http://schemas.openxmlformats.org/presentationml/2006/main">
-  <p:tag name="_INSTRUCTOR VIEW19C14C36-AC8E-43BC-9DB6-C2AAF774C7DC|PANE__TAG" val="_"/>
-</p:tagLst>
-</file>
-
-<file path=ppt/tags/tag6.xml><?xml version="1.0" encoding="utf-8"?>
-<p:tagLst xmlns:a="http://schemas.openxmlformats.org/drawingml/2006/main" xmlns:r="http://schemas.openxmlformats.org/officeDocument/2006/relationships" xmlns:p="http://schemas.openxmlformats.org/presentationml/2006/main">
-  <p:tag name="_INSTRUCTOR VIEW19C14C36-AC8E-43BC-9DB6-C2AAF774C7DC|PANE__TAG" val="_"/>
-</p:tagLst>
-</file>
-
-<file path=ppt/tags/tag7.xml><?xml version="1.0" encoding="utf-8"?>
-<p:tagLst xmlns:a="http://schemas.openxmlformats.org/drawingml/2006/main" xmlns:r="http://schemas.openxmlformats.org/officeDocument/2006/relationships" xmlns:p="http://schemas.openxmlformats.org/presentationml/2006/main">
-  <p:tag name="_INSTRUCTOR VIEW19C14C36-AC8E-43BC-9DB6-C2AAF774C7DC|PANE__TAG" val="_"/>
-</p:tagLst>
-</file>
-
-<file path=ppt/tags/tag8.xml><?xml version="1.0" encoding="utf-8"?>
-<p:tagLst xmlns:a="http://schemas.openxmlformats.org/drawingml/2006/main" xmlns:r="http://schemas.openxmlformats.org/officeDocument/2006/relationships" xmlns:p="http://schemas.openxmlformats.org/presentationml/2006/main">
-  <p:tag name="_INSTRUCTOR VIEW19C14C36-AC8E-43BC-9DB6-C2AAF774C7DC|PANE__TAG" val="_"/>
-</p:tagLst>
-</file>
-
-<file path=ppt/tags/tag9.xml><?xml version="1.0" encoding="utf-8"?>
 <p:tagLst xmlns:a="http://schemas.openxmlformats.org/drawingml/2006/main" xmlns:r="http://schemas.openxmlformats.org/officeDocument/2006/relationships" xmlns:p="http://schemas.openxmlformats.org/presentationml/2006/main">
   <p:tag name="_INSTRUCTOR VIEW19C14C36-AC8E-43BC-9DB6-C2AAF774C7DC|PANE__TAG" val="_"/>
 </p:tagLst>

--- a/slides/dailyannouncements_mf.pptx
+++ b/slides/dailyannouncements_mf.pptx
@@ -4910,7 +4910,24 @@
           <a:p>
             <a:r>
               <a:rPr lang="en-US" dirty="0"/>
-              <a:t>First homework has been released</a:t>
+              <a:t>Join Discord ASAP: </a:t>
+            </a:r>
+            <a:r>
+              <a:rPr lang="en-US" dirty="0">
+                <a:hlinkClick r:id="rId4"/>
+              </a:rPr>
+              <a:t>https://discord.gg/9fzMCVJw</a:t>
+            </a:r>
+            <a:endParaRPr lang="en-US" dirty="0"/>
+          </a:p>
+          <a:p>
+            <a:r>
+              <a:rPr lang="en-US"/>
+              <a:t>First </a:t>
+            </a:r>
+            <a:r>
+              <a:rPr lang="en-US" dirty="0"/>
+              <a:t>homework has been released</a:t>
             </a:r>
           </a:p>
           <a:p>

--- a/slides/dailyannouncements_mf.pptx
+++ b/slides/dailyannouncements_mf.pptx
@@ -5,20 +5,21 @@
     <p:sldMasterId id="2147483728" r:id="rId1"/>
   </p:sldMasterIdLst>
   <p:notesMasterIdLst>
-    <p:notesMasterId r:id="rId5"/>
+    <p:notesMasterId r:id="rId6"/>
   </p:notesMasterIdLst>
   <p:handoutMasterIdLst>
-    <p:handoutMasterId r:id="rId6"/>
+    <p:handoutMasterId r:id="rId7"/>
   </p:handoutMasterIdLst>
   <p:sldIdLst>
     <p:sldId id="447" r:id="rId2"/>
     <p:sldId id="484" r:id="rId3"/>
     <p:sldId id="402" r:id="rId4"/>
+    <p:sldId id="485" r:id="rId5"/>
   </p:sldIdLst>
   <p:sldSz cx="9144000" cy="6858000" type="screen4x3"/>
   <p:notesSz cx="7315200" cy="9601200"/>
   <p:custDataLst>
-    <p:tags r:id="rId7"/>
+    <p:tags r:id="rId8"/>
   </p:custDataLst>
   <p:defaultTextStyle>
     <a:defPPr>
@@ -1018,7 +1019,7 @@
             <a:fld id="{E4886CB5-510A-4EF6-9466-BC7A8F0DDE87}" type="datetime1">
               <a:rPr lang="en-US" smtClean="0"/>
               <a:pPr/>
-              <a:t>8/31/21</a:t>
+              <a:t>9/7/21</a:t>
             </a:fld>
             <a:endParaRPr lang="en-US"/>
           </a:p>
@@ -1378,7 +1379,7 @@
             <a:fld id="{9B297853-24B4-4D05-83E4-0AD2E86C55E5}" type="datetime1">
               <a:rPr lang="en-US" smtClean="0"/>
               <a:pPr/>
-              <a:t>8/31/21</a:t>
+              <a:t>9/7/21</a:t>
             </a:fld>
             <a:endParaRPr lang="en-US"/>
           </a:p>
@@ -1554,7 +1555,7 @@
             <a:fld id="{01FCDD9E-5768-4705-9537-0C020B1BB310}" type="datetime1">
               <a:rPr lang="en-US" smtClean="0"/>
               <a:pPr/>
-              <a:t>8/31/21</a:t>
+              <a:t>9/7/21</a:t>
             </a:fld>
             <a:endParaRPr lang="en-US"/>
           </a:p>
@@ -1790,7 +1791,7 @@
             <a:fld id="{4257C27E-59C2-41CA-9776-94955CBEE440}" type="datetime1">
               <a:rPr lang="en-US" smtClean="0"/>
               <a:pPr/>
-              <a:t>8/31/21</a:t>
+              <a:t>9/7/21</a:t>
             </a:fld>
             <a:endParaRPr lang="en-US"/>
           </a:p>
@@ -2076,7 +2077,7 @@
             <a:fld id="{03180747-A137-49C6-9C74-AB7EE86F4904}" type="datetime1">
               <a:rPr lang="en-US" smtClean="0"/>
               <a:pPr/>
-              <a:t>8/31/21</a:t>
+              <a:t>9/7/21</a:t>
             </a:fld>
             <a:endParaRPr lang="en-US"/>
           </a:p>
@@ -2297,7 +2298,7 @@
             <a:fld id="{EBBA31D9-ADC1-480D-86A8-1EAFB6A86A35}" type="datetime1">
               <a:rPr lang="en-US" smtClean="0"/>
               <a:pPr/>
-              <a:t>8/31/21</a:t>
+              <a:t>9/7/21</a:t>
             </a:fld>
             <a:endParaRPr lang="en-US"/>
           </a:p>
@@ -2650,7 +2651,7 @@
             <a:fld id="{80AAE9AE-3B2F-4DEA-8C41-BDDF4CDF6F40}" type="datetime1">
               <a:rPr lang="en-US" smtClean="0"/>
               <a:pPr/>
-              <a:t>8/31/21</a:t>
+              <a:t>9/7/21</a:t>
             </a:fld>
             <a:endParaRPr lang="en-US"/>
           </a:p>
@@ -2883,7 +2884,7 @@
             <a:fld id="{48252F7F-E8FE-413B-8521-D4ED924C6DE5}" type="datetime1">
               <a:rPr lang="en-US" smtClean="0"/>
               <a:pPr/>
-              <a:t>8/31/21</a:t>
+              <a:t>9/7/21</a:t>
             </a:fld>
             <a:endParaRPr lang="en-US"/>
           </a:p>
@@ -3025,7 +3026,7 @@
             <a:fld id="{2FF1B124-70E3-4E4A-90E2-6B55DB7659B3}" type="datetime1">
               <a:rPr lang="en-US" smtClean="0"/>
               <a:pPr/>
-              <a:t>8/31/21</a:t>
+              <a:t>9/7/21</a:t>
             </a:fld>
             <a:endParaRPr lang="en-US"/>
           </a:p>
@@ -3303,7 +3304,7 @@
             <a:fld id="{4EBF4C98-3CD6-4C87-BD40-5718C2628835}" type="datetime1">
               <a:rPr lang="en-US" smtClean="0"/>
               <a:pPr/>
-              <a:t>8/31/21</a:t>
+              <a:t>9/7/21</a:t>
             </a:fld>
             <a:endParaRPr lang="en-US"/>
           </a:p>
@@ -3711,7 +3712,7 @@
             <a:fld id="{6D6408A8-6B1B-4CDA-875E-7BEECDBA31DF}" type="datetime1">
               <a:rPr lang="en-US" smtClean="0"/>
               <a:pPr/>
-              <a:t>8/31/21</a:t>
+              <a:t>9/7/21</a:t>
             </a:fld>
             <a:endParaRPr lang="en-US"/>
           </a:p>
@@ -4049,7 +4050,7 @@
             <a:fld id="{C55AAF07-D2F5-4B3C-B443-40DE8C337A77}" type="datetime1">
               <a:rPr lang="en-US" smtClean="0"/>
               <a:pPr/>
-              <a:t>8/31/21</a:t>
+              <a:t>9/7/21</a:t>
             </a:fld>
             <a:endParaRPr lang="en-US"/>
           </a:p>
@@ -5021,6 +5022,169 @@
 </p:sld>
 </file>
 
+<file path=ppt/slides/slide4.xml><?xml version="1.0" encoding="utf-8"?>
+<p:sld xmlns:a="http://schemas.openxmlformats.org/drawingml/2006/main" xmlns:r="http://schemas.openxmlformats.org/officeDocument/2006/relationships" xmlns:p="http://schemas.openxmlformats.org/presentationml/2006/main">
+  <p:cSld>
+    <p:spTree>
+      <p:nvGrpSpPr>
+        <p:cNvPr id="1" name=""/>
+        <p:cNvGrpSpPr/>
+        <p:nvPr/>
+      </p:nvGrpSpPr>
+      <p:grpSpPr>
+        <a:xfrm>
+          <a:off x="0" y="0"/>
+          <a:ext cx="0" cy="0"/>
+          <a:chOff x="0" y="0"/>
+          <a:chExt cx="0" cy="0"/>
+        </a:xfrm>
+      </p:grpSpPr>
+      <p:sp>
+        <p:nvSpPr>
+          <p:cNvPr id="6146" name="Rectangle 2"/>
+          <p:cNvSpPr>
+            <a:spLocks noGrp="1" noChangeArrowheads="1"/>
+          </p:cNvSpPr>
+          <p:nvPr>
+            <p:ph type="title"/>
+            <p:custDataLst>
+              <p:tags r:id="rId1"/>
+            </p:custDataLst>
+          </p:nvPr>
+        </p:nvSpPr>
+        <p:spPr/>
+        <p:txBody>
+          <a:bodyPr/>
+          <a:lstStyle/>
+          <a:p>
+            <a:r>
+              <a:rPr lang="en-US" dirty="0"/>
+              <a:t>Tuesday, Sep. 7</a:t>
+            </a:r>
+          </a:p>
+        </p:txBody>
+      </p:sp>
+      <p:sp>
+        <p:nvSpPr>
+          <p:cNvPr id="6147" name="Rectangle 3"/>
+          <p:cNvSpPr>
+            <a:spLocks noGrp="1" noChangeArrowheads="1"/>
+          </p:cNvSpPr>
+          <p:nvPr>
+            <p:ph sz="quarter" idx="1"/>
+            <p:custDataLst>
+              <p:tags r:id="rId2"/>
+            </p:custDataLst>
+          </p:nvPr>
+        </p:nvSpPr>
+        <p:spPr>
+          <a:xfrm>
+            <a:off x="381000" y="1371600"/>
+            <a:ext cx="8458200" cy="5105400"/>
+          </a:xfrm>
+        </p:spPr>
+        <p:txBody>
+          <a:bodyPr>
+            <a:normAutofit/>
+          </a:bodyPr>
+          <a:lstStyle/>
+          <a:p>
+            <a:r>
+              <a:rPr lang="en-US" dirty="0"/>
+              <a:t>Everyone should be on Discord by now!!</a:t>
+            </a:r>
+          </a:p>
+          <a:p>
+            <a:r>
+              <a:rPr lang="en-US" dirty="0"/>
+              <a:t>First homework has been released</a:t>
+            </a:r>
+          </a:p>
+          <a:p>
+            <a:pPr lvl="1"/>
+            <a:r>
+              <a:rPr lang="en-US" dirty="0"/>
+              <a:t>Recommended deadline is TONIGHT!!!!</a:t>
+            </a:r>
+          </a:p>
+          <a:p>
+            <a:r>
+              <a:rPr lang="en-US" dirty="0"/>
+              <a:t>Module 2 HW: Recurrences has been released</a:t>
+            </a:r>
+          </a:p>
+          <a:p>
+            <a:pPr lvl="1"/>
+            <a:r>
+              <a:rPr lang="en-US" dirty="0"/>
+              <a:t>Recommended deadline is one week from today</a:t>
+            </a:r>
+          </a:p>
+          <a:p>
+            <a:r>
+              <a:rPr lang="en-US" dirty="0"/>
+              <a:t>Office hours have begun. Topic-focused on Discord, general in-person, group OH are mixed</a:t>
+            </a:r>
+          </a:p>
+          <a:p>
+            <a:pPr lvl="1"/>
+            <a:r>
+              <a:rPr lang="en-US" dirty="0"/>
+              <a:t>Wednesday we had a problem that we are working on. </a:t>
+            </a:r>
+          </a:p>
+          <a:p>
+            <a:pPr lvl="1"/>
+            <a:r>
+              <a:rPr lang="en-US" dirty="0"/>
+              <a:t>Keep an eye on the course website</a:t>
+            </a:r>
+          </a:p>
+          <a:p>
+            <a:r>
+              <a:rPr lang="en-US" dirty="0"/>
+              <a:t>Today we are going to learn about the master theorem and finish module 2</a:t>
+            </a:r>
+          </a:p>
+        </p:txBody>
+      </p:sp>
+      <p:sp>
+        <p:nvSpPr>
+          <p:cNvPr id="4" name="Slide Number Placeholder 3"/>
+          <p:cNvSpPr>
+            <a:spLocks noGrp="1"/>
+          </p:cNvSpPr>
+          <p:nvPr>
+            <p:ph type="sldNum" sz="quarter" idx="12"/>
+          </p:nvPr>
+        </p:nvSpPr>
+        <p:spPr/>
+        <p:txBody>
+          <a:bodyPr/>
+          <a:lstStyle/>
+          <a:p>
+            <a:fld id="{F26D9103-0C5C-48AC-B68E-3ED2C1647047}" type="slidenum">
+              <a:rPr lang="en-US" smtClean="0"/>
+              <a:pPr/>
+              <a:t>4</a:t>
+            </a:fld>
+            <a:endParaRPr lang="en-US" dirty="0"/>
+          </a:p>
+        </p:txBody>
+      </p:sp>
+    </p:spTree>
+    <p:extLst>
+      <p:ext uri="{BB962C8B-B14F-4D97-AF65-F5344CB8AC3E}">
+        <p14:creationId xmlns:p14="http://schemas.microsoft.com/office/powerpoint/2010/main" val="285813845"/>
+      </p:ext>
+    </p:extLst>
+  </p:cSld>
+  <p:clrMapOvr>
+    <a:masterClrMapping/>
+  </p:clrMapOvr>
+</p:sld>
+</file>
+
 <file path=ppt/tags/tag1.xml><?xml version="1.0" encoding="utf-8"?>
 <p:tagLst xmlns:a="http://schemas.openxmlformats.org/drawingml/2006/main" xmlns:r="http://schemas.openxmlformats.org/officeDocument/2006/relationships" xmlns:p="http://schemas.openxmlformats.org/presentationml/2006/main">
   <p:tag name="_INSTRUCTOR VIEW19C14C36-AC8E-43BC-9DB6-C2AAF774C7DC|PANE__TAG" val="_"/>
@@ -5034,6 +5198,18 @@
 </file>
 
 <file path=ppt/tags/tag3.xml><?xml version="1.0" encoding="utf-8"?>
+<p:tagLst xmlns:a="http://schemas.openxmlformats.org/drawingml/2006/main" xmlns:r="http://schemas.openxmlformats.org/officeDocument/2006/relationships" xmlns:p="http://schemas.openxmlformats.org/presentationml/2006/main">
+  <p:tag name="_INSTRUCTOR VIEW19C14C36-AC8E-43BC-9DB6-C2AAF774C7DC|PANE__TAG" val="_"/>
+</p:tagLst>
+</file>
+
+<file path=ppt/tags/tag4.xml><?xml version="1.0" encoding="utf-8"?>
+<p:tagLst xmlns:a="http://schemas.openxmlformats.org/drawingml/2006/main" xmlns:r="http://schemas.openxmlformats.org/officeDocument/2006/relationships" xmlns:p="http://schemas.openxmlformats.org/presentationml/2006/main">
+  <p:tag name="_INSTRUCTOR VIEW19C14C36-AC8E-43BC-9DB6-C2AAF774C7DC|PANE__TAG" val="_"/>
+</p:tagLst>
+</file>
+
+<file path=ppt/tags/tag5.xml><?xml version="1.0" encoding="utf-8"?>
 <p:tagLst xmlns:a="http://schemas.openxmlformats.org/drawingml/2006/main" xmlns:r="http://schemas.openxmlformats.org/officeDocument/2006/relationships" xmlns:p="http://schemas.openxmlformats.org/presentationml/2006/main">
   <p:tag name="_INSTRUCTOR VIEW19C14C36-AC8E-43BC-9DB6-C2AAF774C7DC|PANE__TAG" val="_"/>
 </p:tagLst>

--- a/slides/dailyannouncements_mf.pptx
+++ b/slides/dailyannouncements_mf.pptx
@@ -5,21 +5,22 @@
     <p:sldMasterId id="2147483728" r:id="rId1"/>
   </p:sldMasterIdLst>
   <p:notesMasterIdLst>
-    <p:notesMasterId r:id="rId6"/>
+    <p:notesMasterId r:id="rId7"/>
   </p:notesMasterIdLst>
   <p:handoutMasterIdLst>
-    <p:handoutMasterId r:id="rId7"/>
+    <p:handoutMasterId r:id="rId8"/>
   </p:handoutMasterIdLst>
   <p:sldIdLst>
     <p:sldId id="447" r:id="rId2"/>
     <p:sldId id="484" r:id="rId3"/>
     <p:sldId id="402" r:id="rId4"/>
     <p:sldId id="485" r:id="rId5"/>
+    <p:sldId id="486" r:id="rId6"/>
   </p:sldIdLst>
   <p:sldSz cx="9144000" cy="6858000" type="screen4x3"/>
   <p:notesSz cx="7315200" cy="9601200"/>
   <p:custDataLst>
-    <p:tags r:id="rId8"/>
+    <p:tags r:id="rId9"/>
   </p:custDataLst>
   <p:defaultTextStyle>
     <a:defPPr>
@@ -1019,7 +1020,7 @@
             <a:fld id="{E4886CB5-510A-4EF6-9466-BC7A8F0DDE87}" type="datetime1">
               <a:rPr lang="en-US" smtClean="0"/>
               <a:pPr/>
-              <a:t>9/7/21</a:t>
+              <a:t>9/9/21</a:t>
             </a:fld>
             <a:endParaRPr lang="en-US"/>
           </a:p>
@@ -1379,7 +1380,7 @@
             <a:fld id="{9B297853-24B4-4D05-83E4-0AD2E86C55E5}" type="datetime1">
               <a:rPr lang="en-US" smtClean="0"/>
               <a:pPr/>
-              <a:t>9/7/21</a:t>
+              <a:t>9/9/21</a:t>
             </a:fld>
             <a:endParaRPr lang="en-US"/>
           </a:p>
@@ -1555,7 +1556,7 @@
             <a:fld id="{01FCDD9E-5768-4705-9537-0C020B1BB310}" type="datetime1">
               <a:rPr lang="en-US" smtClean="0"/>
               <a:pPr/>
-              <a:t>9/7/21</a:t>
+              <a:t>9/9/21</a:t>
             </a:fld>
             <a:endParaRPr lang="en-US"/>
           </a:p>
@@ -1791,7 +1792,7 @@
             <a:fld id="{4257C27E-59C2-41CA-9776-94955CBEE440}" type="datetime1">
               <a:rPr lang="en-US" smtClean="0"/>
               <a:pPr/>
-              <a:t>9/7/21</a:t>
+              <a:t>9/9/21</a:t>
             </a:fld>
             <a:endParaRPr lang="en-US"/>
           </a:p>
@@ -2077,7 +2078,7 @@
             <a:fld id="{03180747-A137-49C6-9C74-AB7EE86F4904}" type="datetime1">
               <a:rPr lang="en-US" smtClean="0"/>
               <a:pPr/>
-              <a:t>9/7/21</a:t>
+              <a:t>9/9/21</a:t>
             </a:fld>
             <a:endParaRPr lang="en-US"/>
           </a:p>
@@ -2298,7 +2299,7 @@
             <a:fld id="{EBBA31D9-ADC1-480D-86A8-1EAFB6A86A35}" type="datetime1">
               <a:rPr lang="en-US" smtClean="0"/>
               <a:pPr/>
-              <a:t>9/7/21</a:t>
+              <a:t>9/9/21</a:t>
             </a:fld>
             <a:endParaRPr lang="en-US"/>
           </a:p>
@@ -2651,7 +2652,7 @@
             <a:fld id="{80AAE9AE-3B2F-4DEA-8C41-BDDF4CDF6F40}" type="datetime1">
               <a:rPr lang="en-US" smtClean="0"/>
               <a:pPr/>
-              <a:t>9/7/21</a:t>
+              <a:t>9/9/21</a:t>
             </a:fld>
             <a:endParaRPr lang="en-US"/>
           </a:p>
@@ -2884,7 +2885,7 @@
             <a:fld id="{48252F7F-E8FE-413B-8521-D4ED924C6DE5}" type="datetime1">
               <a:rPr lang="en-US" smtClean="0"/>
               <a:pPr/>
-              <a:t>9/7/21</a:t>
+              <a:t>9/9/21</a:t>
             </a:fld>
             <a:endParaRPr lang="en-US"/>
           </a:p>
@@ -3026,7 +3027,7 @@
             <a:fld id="{2FF1B124-70E3-4E4A-90E2-6B55DB7659B3}" type="datetime1">
               <a:rPr lang="en-US" smtClean="0"/>
               <a:pPr/>
-              <a:t>9/7/21</a:t>
+              <a:t>9/9/21</a:t>
             </a:fld>
             <a:endParaRPr lang="en-US"/>
           </a:p>
@@ -3304,7 +3305,7 @@
             <a:fld id="{4EBF4C98-3CD6-4C87-BD40-5718C2628835}" type="datetime1">
               <a:rPr lang="en-US" smtClean="0"/>
               <a:pPr/>
-              <a:t>9/7/21</a:t>
+              <a:t>9/9/21</a:t>
             </a:fld>
             <a:endParaRPr lang="en-US"/>
           </a:p>
@@ -3712,7 +3713,7 @@
             <a:fld id="{6D6408A8-6B1B-4CDA-875E-7BEECDBA31DF}" type="datetime1">
               <a:rPr lang="en-US" smtClean="0"/>
               <a:pPr/>
-              <a:t>9/7/21</a:t>
+              <a:t>9/9/21</a:t>
             </a:fld>
             <a:endParaRPr lang="en-US"/>
           </a:p>
@@ -4050,7 +4051,7 @@
             <a:fld id="{C55AAF07-D2F5-4B3C-B443-40DE8C337A77}" type="datetime1">
               <a:rPr lang="en-US" smtClean="0"/>
               <a:pPr/>
-              <a:t>9/7/21</a:t>
+              <a:t>9/9/21</a:t>
             </a:fld>
             <a:endParaRPr lang="en-US"/>
           </a:p>
@@ -5185,6 +5186,168 @@
 </p:sld>
 </file>
 
+<file path=ppt/slides/slide5.xml><?xml version="1.0" encoding="utf-8"?>
+<p:sld xmlns:a="http://schemas.openxmlformats.org/drawingml/2006/main" xmlns:r="http://schemas.openxmlformats.org/officeDocument/2006/relationships" xmlns:p="http://schemas.openxmlformats.org/presentationml/2006/main">
+  <p:cSld>
+    <p:spTree>
+      <p:nvGrpSpPr>
+        <p:cNvPr id="1" name=""/>
+        <p:cNvGrpSpPr/>
+        <p:nvPr/>
+      </p:nvGrpSpPr>
+      <p:grpSpPr>
+        <a:xfrm>
+          <a:off x="0" y="0"/>
+          <a:ext cx="0" cy="0"/>
+          <a:chOff x="0" y="0"/>
+          <a:chExt cx="0" cy="0"/>
+        </a:xfrm>
+      </p:grpSpPr>
+      <p:sp>
+        <p:nvSpPr>
+          <p:cNvPr id="6146" name="Rectangle 2"/>
+          <p:cNvSpPr>
+            <a:spLocks noGrp="1" noChangeArrowheads="1"/>
+          </p:cNvSpPr>
+          <p:nvPr>
+            <p:ph type="title"/>
+            <p:custDataLst>
+              <p:tags r:id="rId1"/>
+            </p:custDataLst>
+          </p:nvPr>
+        </p:nvSpPr>
+        <p:spPr/>
+        <p:txBody>
+          <a:bodyPr/>
+          <a:lstStyle/>
+          <a:p>
+            <a:r>
+              <a:rPr lang="en-US" dirty="0"/>
+              <a:t>Thursday, Sep. 9</a:t>
+            </a:r>
+          </a:p>
+        </p:txBody>
+      </p:sp>
+      <p:sp>
+        <p:nvSpPr>
+          <p:cNvPr id="6147" name="Rectangle 3"/>
+          <p:cNvSpPr>
+            <a:spLocks noGrp="1" noChangeArrowheads="1"/>
+          </p:cNvSpPr>
+          <p:nvPr>
+            <p:ph sz="quarter" idx="1"/>
+            <p:custDataLst>
+              <p:tags r:id="rId2"/>
+            </p:custDataLst>
+          </p:nvPr>
+        </p:nvSpPr>
+        <p:spPr>
+          <a:xfrm>
+            <a:off x="381000" y="1371600"/>
+            <a:ext cx="8458200" cy="5105400"/>
+          </a:xfrm>
+        </p:spPr>
+        <p:txBody>
+          <a:bodyPr>
+            <a:normAutofit/>
+          </a:bodyPr>
+          <a:lstStyle/>
+          <a:p>
+            <a:r>
+              <a:rPr lang="en-US" dirty="0"/>
+              <a:t>Everyone should be on Discord by now!!</a:t>
+            </a:r>
+          </a:p>
+          <a:p>
+            <a:r>
+              <a:rPr lang="en-US" dirty="0"/>
+              <a:t>First recommended due date has passed</a:t>
+            </a:r>
+          </a:p>
+          <a:p>
+            <a:r>
+              <a:rPr lang="en-US" dirty="0"/>
+              <a:t>Module 2 HW: Recurrences has been released</a:t>
+            </a:r>
+          </a:p>
+          <a:p>
+            <a:pPr lvl="1"/>
+            <a:r>
+              <a:rPr lang="en-US" dirty="0"/>
+              <a:t>Recommended deadline is one week from today</a:t>
+            </a:r>
+          </a:p>
+          <a:p>
+            <a:r>
+              <a:rPr lang="en-US" dirty="0"/>
+              <a:t>Module 3 HW: Trading has also been released</a:t>
+            </a:r>
+          </a:p>
+          <a:p>
+            <a:r>
+              <a:rPr lang="en-US" dirty="0"/>
+              <a:t>Office hours have begun. Topic-focused on Discord, general in-person, group OH are mixed</a:t>
+            </a:r>
+          </a:p>
+          <a:p>
+            <a:pPr lvl="1"/>
+            <a:r>
+              <a:rPr lang="en-US" dirty="0"/>
+              <a:t>Wednesday we had a problem that we are working on. </a:t>
+            </a:r>
+          </a:p>
+          <a:p>
+            <a:pPr lvl="1"/>
+            <a:r>
+              <a:rPr lang="en-US" dirty="0"/>
+              <a:t>Keep an eye on the course website</a:t>
+            </a:r>
+          </a:p>
+          <a:p>
+            <a:r>
+              <a:rPr lang="en-US" dirty="0"/>
+              <a:t>Today we are going to learn about some more advanced divide and conquer algorithms (Module 3!!)</a:t>
+            </a:r>
+          </a:p>
+        </p:txBody>
+      </p:sp>
+      <p:sp>
+        <p:nvSpPr>
+          <p:cNvPr id="4" name="Slide Number Placeholder 3"/>
+          <p:cNvSpPr>
+            <a:spLocks noGrp="1"/>
+          </p:cNvSpPr>
+          <p:nvPr>
+            <p:ph type="sldNum" sz="quarter" idx="12"/>
+          </p:nvPr>
+        </p:nvSpPr>
+        <p:spPr/>
+        <p:txBody>
+          <a:bodyPr/>
+          <a:lstStyle/>
+          <a:p>
+            <a:fld id="{F26D9103-0C5C-48AC-B68E-3ED2C1647047}" type="slidenum">
+              <a:rPr lang="en-US" smtClean="0"/>
+              <a:pPr/>
+              <a:t>5</a:t>
+            </a:fld>
+            <a:endParaRPr lang="en-US" dirty="0"/>
+          </a:p>
+        </p:txBody>
+      </p:sp>
+    </p:spTree>
+    <p:extLst>
+      <p:ext uri="{BB962C8B-B14F-4D97-AF65-F5344CB8AC3E}">
+        <p14:creationId xmlns:p14="http://schemas.microsoft.com/office/powerpoint/2010/main" val="1584112305"/>
+      </p:ext>
+    </p:extLst>
+  </p:cSld>
+  <p:clrMapOvr>
+    <a:masterClrMapping/>
+  </p:clrMapOvr>
+</p:sld>
+</file>
+
 <file path=ppt/tags/tag1.xml><?xml version="1.0" encoding="utf-8"?>
 <p:tagLst xmlns:a="http://schemas.openxmlformats.org/drawingml/2006/main" xmlns:r="http://schemas.openxmlformats.org/officeDocument/2006/relationships" xmlns:p="http://schemas.openxmlformats.org/presentationml/2006/main">
   <p:tag name="_INSTRUCTOR VIEW19C14C36-AC8E-43BC-9DB6-C2AAF774C7DC|PANE__TAG" val="_"/>
@@ -5210,6 +5373,18 @@
 </file>
 
 <file path=ppt/tags/tag5.xml><?xml version="1.0" encoding="utf-8"?>
+<p:tagLst xmlns:a="http://schemas.openxmlformats.org/drawingml/2006/main" xmlns:r="http://schemas.openxmlformats.org/officeDocument/2006/relationships" xmlns:p="http://schemas.openxmlformats.org/presentationml/2006/main">
+  <p:tag name="_INSTRUCTOR VIEW19C14C36-AC8E-43BC-9DB6-C2AAF774C7DC|PANE__TAG" val="_"/>
+</p:tagLst>
+</file>
+
+<file path=ppt/tags/tag6.xml><?xml version="1.0" encoding="utf-8"?>
+<p:tagLst xmlns:a="http://schemas.openxmlformats.org/drawingml/2006/main" xmlns:r="http://schemas.openxmlformats.org/officeDocument/2006/relationships" xmlns:p="http://schemas.openxmlformats.org/presentationml/2006/main">
+  <p:tag name="_INSTRUCTOR VIEW19C14C36-AC8E-43BC-9DB6-C2AAF774C7DC|PANE__TAG" val="_"/>
+</p:tagLst>
+</file>
+
+<file path=ppt/tags/tag7.xml><?xml version="1.0" encoding="utf-8"?>
 <p:tagLst xmlns:a="http://schemas.openxmlformats.org/drawingml/2006/main" xmlns:r="http://schemas.openxmlformats.org/officeDocument/2006/relationships" xmlns:p="http://schemas.openxmlformats.org/presentationml/2006/main">
   <p:tag name="_INSTRUCTOR VIEW19C14C36-AC8E-43BC-9DB6-C2AAF774C7DC|PANE__TAG" val="_"/>
 </p:tagLst>

--- a/slides/dailyannouncements_mf.pptx
+++ b/slides/dailyannouncements_mf.pptx
@@ -5,10 +5,10 @@
     <p:sldMasterId id="2147483728" r:id="rId1"/>
   </p:sldMasterIdLst>
   <p:notesMasterIdLst>
-    <p:notesMasterId r:id="rId7"/>
+    <p:notesMasterId r:id="rId8"/>
   </p:notesMasterIdLst>
   <p:handoutMasterIdLst>
-    <p:handoutMasterId r:id="rId8"/>
+    <p:handoutMasterId r:id="rId9"/>
   </p:handoutMasterIdLst>
   <p:sldIdLst>
     <p:sldId id="447" r:id="rId2"/>
@@ -16,11 +16,12 @@
     <p:sldId id="402" r:id="rId4"/>
     <p:sldId id="485" r:id="rId5"/>
     <p:sldId id="486" r:id="rId6"/>
+    <p:sldId id="487" r:id="rId7"/>
   </p:sldIdLst>
   <p:sldSz cx="9144000" cy="6858000" type="screen4x3"/>
   <p:notesSz cx="7315200" cy="9601200"/>
   <p:custDataLst>
-    <p:tags r:id="rId9"/>
+    <p:tags r:id="rId10"/>
   </p:custDataLst>
   <p:defaultTextStyle>
     <a:defPPr>
@@ -1020,7 +1021,7 @@
             <a:fld id="{E4886CB5-510A-4EF6-9466-BC7A8F0DDE87}" type="datetime1">
               <a:rPr lang="en-US" smtClean="0"/>
               <a:pPr/>
-              <a:t>9/9/21</a:t>
+              <a:t>9/14/21</a:t>
             </a:fld>
             <a:endParaRPr lang="en-US"/>
           </a:p>
@@ -1380,7 +1381,7 @@
             <a:fld id="{9B297853-24B4-4D05-83E4-0AD2E86C55E5}" type="datetime1">
               <a:rPr lang="en-US" smtClean="0"/>
               <a:pPr/>
-              <a:t>9/9/21</a:t>
+              <a:t>9/14/21</a:t>
             </a:fld>
             <a:endParaRPr lang="en-US"/>
           </a:p>
@@ -1556,7 +1557,7 @@
             <a:fld id="{01FCDD9E-5768-4705-9537-0C020B1BB310}" type="datetime1">
               <a:rPr lang="en-US" smtClean="0"/>
               <a:pPr/>
-              <a:t>9/9/21</a:t>
+              <a:t>9/14/21</a:t>
             </a:fld>
             <a:endParaRPr lang="en-US"/>
           </a:p>
@@ -1792,7 +1793,7 @@
             <a:fld id="{4257C27E-59C2-41CA-9776-94955CBEE440}" type="datetime1">
               <a:rPr lang="en-US" smtClean="0"/>
               <a:pPr/>
-              <a:t>9/9/21</a:t>
+              <a:t>9/14/21</a:t>
             </a:fld>
             <a:endParaRPr lang="en-US"/>
           </a:p>
@@ -2078,7 +2079,7 @@
             <a:fld id="{03180747-A137-49C6-9C74-AB7EE86F4904}" type="datetime1">
               <a:rPr lang="en-US" smtClean="0"/>
               <a:pPr/>
-              <a:t>9/9/21</a:t>
+              <a:t>9/14/21</a:t>
             </a:fld>
             <a:endParaRPr lang="en-US"/>
           </a:p>
@@ -2299,7 +2300,7 @@
             <a:fld id="{EBBA31D9-ADC1-480D-86A8-1EAFB6A86A35}" type="datetime1">
               <a:rPr lang="en-US" smtClean="0"/>
               <a:pPr/>
-              <a:t>9/9/21</a:t>
+              <a:t>9/14/21</a:t>
             </a:fld>
             <a:endParaRPr lang="en-US"/>
           </a:p>
@@ -2652,7 +2653,7 @@
             <a:fld id="{80AAE9AE-3B2F-4DEA-8C41-BDDF4CDF6F40}" type="datetime1">
               <a:rPr lang="en-US" smtClean="0"/>
               <a:pPr/>
-              <a:t>9/9/21</a:t>
+              <a:t>9/14/21</a:t>
             </a:fld>
             <a:endParaRPr lang="en-US"/>
           </a:p>
@@ -2885,7 +2886,7 @@
             <a:fld id="{48252F7F-E8FE-413B-8521-D4ED924C6DE5}" type="datetime1">
               <a:rPr lang="en-US" smtClean="0"/>
               <a:pPr/>
-              <a:t>9/9/21</a:t>
+              <a:t>9/14/21</a:t>
             </a:fld>
             <a:endParaRPr lang="en-US"/>
           </a:p>
@@ -3027,7 +3028,7 @@
             <a:fld id="{2FF1B124-70E3-4E4A-90E2-6B55DB7659B3}" type="datetime1">
               <a:rPr lang="en-US" smtClean="0"/>
               <a:pPr/>
-              <a:t>9/9/21</a:t>
+              <a:t>9/14/21</a:t>
             </a:fld>
             <a:endParaRPr lang="en-US"/>
           </a:p>
@@ -3305,7 +3306,7 @@
             <a:fld id="{4EBF4C98-3CD6-4C87-BD40-5718C2628835}" type="datetime1">
               <a:rPr lang="en-US" smtClean="0"/>
               <a:pPr/>
-              <a:t>9/9/21</a:t>
+              <a:t>9/14/21</a:t>
             </a:fld>
             <a:endParaRPr lang="en-US"/>
           </a:p>
@@ -3713,7 +3714,7 @@
             <a:fld id="{6D6408A8-6B1B-4CDA-875E-7BEECDBA31DF}" type="datetime1">
               <a:rPr lang="en-US" smtClean="0"/>
               <a:pPr/>
-              <a:t>9/9/21</a:t>
+              <a:t>9/14/21</a:t>
             </a:fld>
             <a:endParaRPr lang="en-US"/>
           </a:p>
@@ -4051,7 +4052,7 @@
             <a:fld id="{C55AAF07-D2F5-4B3C-B443-40DE8C337A77}" type="datetime1">
               <a:rPr lang="en-US" smtClean="0"/>
               <a:pPr/>
-              <a:t>9/9/21</a:t>
+              <a:t>9/14/21</a:t>
             </a:fld>
             <a:endParaRPr lang="en-US"/>
           </a:p>
@@ -5348,6 +5349,182 @@
 </p:sld>
 </file>
 
+<file path=ppt/slides/slide6.xml><?xml version="1.0" encoding="utf-8"?>
+<p:sld xmlns:a="http://schemas.openxmlformats.org/drawingml/2006/main" xmlns:r="http://schemas.openxmlformats.org/officeDocument/2006/relationships" xmlns:p="http://schemas.openxmlformats.org/presentationml/2006/main">
+  <p:cSld>
+    <p:spTree>
+      <p:nvGrpSpPr>
+        <p:cNvPr id="1" name=""/>
+        <p:cNvGrpSpPr/>
+        <p:nvPr/>
+      </p:nvGrpSpPr>
+      <p:grpSpPr>
+        <a:xfrm>
+          <a:off x="0" y="0"/>
+          <a:ext cx="0" cy="0"/>
+          <a:chOff x="0" y="0"/>
+          <a:chExt cx="0" cy="0"/>
+        </a:xfrm>
+      </p:grpSpPr>
+      <p:sp>
+        <p:nvSpPr>
+          <p:cNvPr id="6146" name="Rectangle 2"/>
+          <p:cNvSpPr>
+            <a:spLocks noGrp="1" noChangeArrowheads="1"/>
+          </p:cNvSpPr>
+          <p:nvPr>
+            <p:ph type="title"/>
+            <p:custDataLst>
+              <p:tags r:id="rId1"/>
+            </p:custDataLst>
+          </p:nvPr>
+        </p:nvSpPr>
+        <p:spPr/>
+        <p:txBody>
+          <a:bodyPr/>
+          <a:lstStyle/>
+          <a:p>
+            <a:r>
+              <a:rPr lang="en-US" dirty="0"/>
+              <a:t>Tuesday, Sep. 14</a:t>
+            </a:r>
+          </a:p>
+        </p:txBody>
+      </p:sp>
+      <p:sp>
+        <p:nvSpPr>
+          <p:cNvPr id="6147" name="Rectangle 3"/>
+          <p:cNvSpPr>
+            <a:spLocks noGrp="1" noChangeArrowheads="1"/>
+          </p:cNvSpPr>
+          <p:nvPr>
+            <p:ph sz="quarter" idx="1"/>
+            <p:custDataLst>
+              <p:tags r:id="rId2"/>
+            </p:custDataLst>
+          </p:nvPr>
+        </p:nvSpPr>
+        <p:spPr>
+          <a:xfrm>
+            <a:off x="381000" y="1371600"/>
+            <a:ext cx="8458200" cy="5105400"/>
+          </a:xfrm>
+        </p:spPr>
+        <p:txBody>
+          <a:bodyPr>
+            <a:normAutofit/>
+          </a:bodyPr>
+          <a:lstStyle/>
+          <a:p>
+            <a:r>
+              <a:rPr lang="en-US" dirty="0"/>
+              <a:t>Everyone should be on Discord by now!!</a:t>
+            </a:r>
+          </a:p>
+          <a:p>
+            <a:r>
+              <a:rPr lang="en-US" dirty="0"/>
+              <a:t>Module 2 HW: Recurrences has been released</a:t>
+            </a:r>
+          </a:p>
+          <a:p>
+            <a:pPr lvl="1"/>
+            <a:r>
+              <a:rPr lang="en-US" dirty="0"/>
+              <a:t>Recommended deadline is TODAY</a:t>
+            </a:r>
+          </a:p>
+          <a:p>
+            <a:r>
+              <a:rPr lang="en-US" dirty="0"/>
+              <a:t>Those of you who haven’t done module 1 </a:t>
+            </a:r>
+            <a:r>
+              <a:rPr lang="en-US" dirty="0" err="1"/>
+              <a:t>hw</a:t>
+            </a:r>
+            <a:r>
+              <a:rPr lang="en-US" dirty="0"/>
+              <a:t> are BEHIND!</a:t>
+            </a:r>
+          </a:p>
+          <a:p>
+            <a:r>
+              <a:rPr lang="en-US" dirty="0"/>
+              <a:t>Module 3 HW: Trading has also been released</a:t>
+            </a:r>
+          </a:p>
+          <a:p>
+            <a:r>
+              <a:rPr lang="en-US" dirty="0"/>
+              <a:t>Any office hours issues? They’ve been surprisingly quiet</a:t>
+            </a:r>
+          </a:p>
+          <a:p>
+            <a:r>
+              <a:rPr lang="en-US" dirty="0"/>
+              <a:t>First round of quizzes is NEXT TUESDAY</a:t>
+            </a:r>
+          </a:p>
+          <a:p>
+            <a:pPr lvl="1"/>
+            <a:r>
+              <a:rPr lang="en-US" dirty="0"/>
+              <a:t>First attempt at modules 1, 2, and 3</a:t>
+            </a:r>
+          </a:p>
+          <a:p>
+            <a:pPr lvl="1"/>
+            <a:r>
+              <a:rPr lang="en-US" dirty="0"/>
+              <a:t>In person, during lecture.</a:t>
+            </a:r>
+          </a:p>
+          <a:p>
+            <a:r>
+              <a:rPr lang="en-US" dirty="0"/>
+              <a:t>Today we are going to finish module 3 with more divide and conquer algorithms</a:t>
+            </a:r>
+          </a:p>
+        </p:txBody>
+      </p:sp>
+      <p:sp>
+        <p:nvSpPr>
+          <p:cNvPr id="4" name="Slide Number Placeholder 3"/>
+          <p:cNvSpPr>
+            <a:spLocks noGrp="1"/>
+          </p:cNvSpPr>
+          <p:nvPr>
+            <p:ph type="sldNum" sz="quarter" idx="12"/>
+          </p:nvPr>
+        </p:nvSpPr>
+        <p:spPr/>
+        <p:txBody>
+          <a:bodyPr/>
+          <a:lstStyle/>
+          <a:p>
+            <a:fld id="{F26D9103-0C5C-48AC-B68E-3ED2C1647047}" type="slidenum">
+              <a:rPr lang="en-US" smtClean="0"/>
+              <a:pPr/>
+              <a:t>6</a:t>
+            </a:fld>
+            <a:endParaRPr lang="en-US" dirty="0"/>
+          </a:p>
+        </p:txBody>
+      </p:sp>
+    </p:spTree>
+    <p:extLst>
+      <p:ext uri="{BB962C8B-B14F-4D97-AF65-F5344CB8AC3E}">
+        <p14:creationId xmlns:p14="http://schemas.microsoft.com/office/powerpoint/2010/main" val="1053426590"/>
+      </p:ext>
+    </p:extLst>
+  </p:cSld>
+  <p:clrMapOvr>
+    <a:masterClrMapping/>
+  </p:clrMapOvr>
+</p:sld>
+</file>
+
 <file path=ppt/tags/tag1.xml><?xml version="1.0" encoding="utf-8"?>
 <p:tagLst xmlns:a="http://schemas.openxmlformats.org/drawingml/2006/main" xmlns:r="http://schemas.openxmlformats.org/officeDocument/2006/relationships" xmlns:p="http://schemas.openxmlformats.org/presentationml/2006/main">
   <p:tag name="_INSTRUCTOR VIEW19C14C36-AC8E-43BC-9DB6-C2AAF774C7DC|PANE__TAG" val="_"/>
@@ -5385,6 +5562,18 @@
 </file>
 
 <file path=ppt/tags/tag7.xml><?xml version="1.0" encoding="utf-8"?>
+<p:tagLst xmlns:a="http://schemas.openxmlformats.org/drawingml/2006/main" xmlns:r="http://schemas.openxmlformats.org/officeDocument/2006/relationships" xmlns:p="http://schemas.openxmlformats.org/presentationml/2006/main">
+  <p:tag name="_INSTRUCTOR VIEW19C14C36-AC8E-43BC-9DB6-C2AAF774C7DC|PANE__TAG" val="_"/>
+</p:tagLst>
+</file>
+
+<file path=ppt/tags/tag8.xml><?xml version="1.0" encoding="utf-8"?>
+<p:tagLst xmlns:a="http://schemas.openxmlformats.org/drawingml/2006/main" xmlns:r="http://schemas.openxmlformats.org/officeDocument/2006/relationships" xmlns:p="http://schemas.openxmlformats.org/presentationml/2006/main">
+  <p:tag name="_INSTRUCTOR VIEW19C14C36-AC8E-43BC-9DB6-C2AAF774C7DC|PANE__TAG" val="_"/>
+</p:tagLst>
+</file>
+
+<file path=ppt/tags/tag9.xml><?xml version="1.0" encoding="utf-8"?>
 <p:tagLst xmlns:a="http://schemas.openxmlformats.org/drawingml/2006/main" xmlns:r="http://schemas.openxmlformats.org/officeDocument/2006/relationships" xmlns:p="http://schemas.openxmlformats.org/presentationml/2006/main">
   <p:tag name="_INSTRUCTOR VIEW19C14C36-AC8E-43BC-9DB6-C2AAF774C7DC|PANE__TAG" val="_"/>
 </p:tagLst>

--- a/slides/dailyannouncements_mf.pptx
+++ b/slides/dailyannouncements_mf.pptx
@@ -5,10 +5,10 @@
     <p:sldMasterId id="2147483728" r:id="rId1"/>
   </p:sldMasterIdLst>
   <p:notesMasterIdLst>
-    <p:notesMasterId r:id="rId8"/>
+    <p:notesMasterId r:id="rId9"/>
   </p:notesMasterIdLst>
   <p:handoutMasterIdLst>
-    <p:handoutMasterId r:id="rId9"/>
+    <p:handoutMasterId r:id="rId10"/>
   </p:handoutMasterIdLst>
   <p:sldIdLst>
     <p:sldId id="447" r:id="rId2"/>
@@ -17,11 +17,12 @@
     <p:sldId id="485" r:id="rId5"/>
     <p:sldId id="486" r:id="rId6"/>
     <p:sldId id="487" r:id="rId7"/>
+    <p:sldId id="488" r:id="rId8"/>
   </p:sldIdLst>
   <p:sldSz cx="9144000" cy="6858000" type="screen4x3"/>
   <p:notesSz cx="7315200" cy="9601200"/>
   <p:custDataLst>
-    <p:tags r:id="rId10"/>
+    <p:tags r:id="rId11"/>
   </p:custDataLst>
   <p:defaultTextStyle>
     <a:defPPr>
@@ -1021,7 +1022,7 @@
             <a:fld id="{E4886CB5-510A-4EF6-9466-BC7A8F0DDE87}" type="datetime1">
               <a:rPr lang="en-US" smtClean="0"/>
               <a:pPr/>
-              <a:t>9/14/21</a:t>
+              <a:t>9/16/21</a:t>
             </a:fld>
             <a:endParaRPr lang="en-US"/>
           </a:p>
@@ -1381,7 +1382,7 @@
             <a:fld id="{9B297853-24B4-4D05-83E4-0AD2E86C55E5}" type="datetime1">
               <a:rPr lang="en-US" smtClean="0"/>
               <a:pPr/>
-              <a:t>9/14/21</a:t>
+              <a:t>9/16/21</a:t>
             </a:fld>
             <a:endParaRPr lang="en-US"/>
           </a:p>
@@ -1557,7 +1558,7 @@
             <a:fld id="{01FCDD9E-5768-4705-9537-0C020B1BB310}" type="datetime1">
               <a:rPr lang="en-US" smtClean="0"/>
               <a:pPr/>
-              <a:t>9/14/21</a:t>
+              <a:t>9/16/21</a:t>
             </a:fld>
             <a:endParaRPr lang="en-US"/>
           </a:p>
@@ -1793,7 +1794,7 @@
             <a:fld id="{4257C27E-59C2-41CA-9776-94955CBEE440}" type="datetime1">
               <a:rPr lang="en-US" smtClean="0"/>
               <a:pPr/>
-              <a:t>9/14/21</a:t>
+              <a:t>9/16/21</a:t>
             </a:fld>
             <a:endParaRPr lang="en-US"/>
           </a:p>
@@ -2079,7 +2080,7 @@
             <a:fld id="{03180747-A137-49C6-9C74-AB7EE86F4904}" type="datetime1">
               <a:rPr lang="en-US" smtClean="0"/>
               <a:pPr/>
-              <a:t>9/14/21</a:t>
+              <a:t>9/16/21</a:t>
             </a:fld>
             <a:endParaRPr lang="en-US"/>
           </a:p>
@@ -2300,7 +2301,7 @@
             <a:fld id="{EBBA31D9-ADC1-480D-86A8-1EAFB6A86A35}" type="datetime1">
               <a:rPr lang="en-US" smtClean="0"/>
               <a:pPr/>
-              <a:t>9/14/21</a:t>
+              <a:t>9/16/21</a:t>
             </a:fld>
             <a:endParaRPr lang="en-US"/>
           </a:p>
@@ -2653,7 +2654,7 @@
             <a:fld id="{80AAE9AE-3B2F-4DEA-8C41-BDDF4CDF6F40}" type="datetime1">
               <a:rPr lang="en-US" smtClean="0"/>
               <a:pPr/>
-              <a:t>9/14/21</a:t>
+              <a:t>9/16/21</a:t>
             </a:fld>
             <a:endParaRPr lang="en-US"/>
           </a:p>
@@ -2886,7 +2887,7 @@
             <a:fld id="{48252F7F-E8FE-413B-8521-D4ED924C6DE5}" type="datetime1">
               <a:rPr lang="en-US" smtClean="0"/>
               <a:pPr/>
-              <a:t>9/14/21</a:t>
+              <a:t>9/16/21</a:t>
             </a:fld>
             <a:endParaRPr lang="en-US"/>
           </a:p>
@@ -3028,7 +3029,7 @@
             <a:fld id="{2FF1B124-70E3-4E4A-90E2-6B55DB7659B3}" type="datetime1">
               <a:rPr lang="en-US" smtClean="0"/>
               <a:pPr/>
-              <a:t>9/14/21</a:t>
+              <a:t>9/16/21</a:t>
             </a:fld>
             <a:endParaRPr lang="en-US"/>
           </a:p>
@@ -3306,7 +3307,7 @@
             <a:fld id="{4EBF4C98-3CD6-4C87-BD40-5718C2628835}" type="datetime1">
               <a:rPr lang="en-US" smtClean="0"/>
               <a:pPr/>
-              <a:t>9/14/21</a:t>
+              <a:t>9/16/21</a:t>
             </a:fld>
             <a:endParaRPr lang="en-US"/>
           </a:p>
@@ -3714,7 +3715,7 @@
             <a:fld id="{6D6408A8-6B1B-4CDA-875E-7BEECDBA31DF}" type="datetime1">
               <a:rPr lang="en-US" smtClean="0"/>
               <a:pPr/>
-              <a:t>9/14/21</a:t>
+              <a:t>9/16/21</a:t>
             </a:fld>
             <a:endParaRPr lang="en-US"/>
           </a:p>
@@ -4052,7 +4053,7 @@
             <a:fld id="{C55AAF07-D2F5-4B3C-B443-40DE8C337A77}" type="datetime1">
               <a:rPr lang="en-US" smtClean="0"/>
               <a:pPr/>
-              <a:t>9/14/21</a:t>
+              <a:t>9/16/21</a:t>
             </a:fld>
             <a:endParaRPr lang="en-US"/>
           </a:p>
@@ -5525,7 +5526,209 @@
 </p:sld>
 </file>
 
+<file path=ppt/slides/slide7.xml><?xml version="1.0" encoding="utf-8"?>
+<p:sld xmlns:a="http://schemas.openxmlformats.org/drawingml/2006/main" xmlns:r="http://schemas.openxmlformats.org/officeDocument/2006/relationships" xmlns:p="http://schemas.openxmlformats.org/presentationml/2006/main">
+  <p:cSld>
+    <p:spTree>
+      <p:nvGrpSpPr>
+        <p:cNvPr id="1" name=""/>
+        <p:cNvGrpSpPr/>
+        <p:nvPr/>
+      </p:nvGrpSpPr>
+      <p:grpSpPr>
+        <a:xfrm>
+          <a:off x="0" y="0"/>
+          <a:ext cx="0" cy="0"/>
+          <a:chOff x="0" y="0"/>
+          <a:chExt cx="0" cy="0"/>
+        </a:xfrm>
+      </p:grpSpPr>
+      <p:sp>
+        <p:nvSpPr>
+          <p:cNvPr id="6146" name="Rectangle 2"/>
+          <p:cNvSpPr>
+            <a:spLocks noGrp="1" noChangeArrowheads="1"/>
+          </p:cNvSpPr>
+          <p:nvPr>
+            <p:ph type="title"/>
+            <p:custDataLst>
+              <p:tags r:id="rId1"/>
+            </p:custDataLst>
+          </p:nvPr>
+        </p:nvSpPr>
+        <p:spPr/>
+        <p:txBody>
+          <a:bodyPr/>
+          <a:lstStyle/>
+          <a:p>
+            <a:r>
+              <a:rPr lang="en-US" dirty="0"/>
+              <a:t>Thursday, Sep. 16</a:t>
+            </a:r>
+          </a:p>
+        </p:txBody>
+      </p:sp>
+      <p:sp>
+        <p:nvSpPr>
+          <p:cNvPr id="6147" name="Rectangle 3"/>
+          <p:cNvSpPr>
+            <a:spLocks noGrp="1" noChangeArrowheads="1"/>
+          </p:cNvSpPr>
+          <p:nvPr>
+            <p:ph sz="quarter" idx="1"/>
+            <p:custDataLst>
+              <p:tags r:id="rId2"/>
+            </p:custDataLst>
+          </p:nvPr>
+        </p:nvSpPr>
+        <p:spPr>
+          <a:xfrm>
+            <a:off x="381000" y="1371600"/>
+            <a:ext cx="8458200" cy="5105400"/>
+          </a:xfrm>
+        </p:spPr>
+        <p:txBody>
+          <a:bodyPr>
+            <a:normAutofit fontScale="92500" lnSpcReduction="20000"/>
+          </a:bodyPr>
+          <a:lstStyle/>
+          <a:p>
+            <a:r>
+              <a:rPr lang="en-US" dirty="0"/>
+              <a:t>Fill out survey on Discord announcements if you can!!</a:t>
+            </a:r>
+          </a:p>
+          <a:p>
+            <a:r>
+              <a:rPr lang="en-US" dirty="0"/>
+              <a:t>Module 2 HW: Recurrences has been released</a:t>
+            </a:r>
+          </a:p>
+          <a:p>
+            <a:pPr lvl="1"/>
+            <a:r>
+              <a:rPr lang="en-US" dirty="0"/>
+              <a:t>Recommended deadline was Tuesday</a:t>
+            </a:r>
+          </a:p>
+          <a:p>
+            <a:pPr lvl="1"/>
+            <a:r>
+              <a:rPr lang="en-US" dirty="0"/>
+              <a:t>81 submissions so far (yikes!)</a:t>
+            </a:r>
+          </a:p>
+          <a:p>
+            <a:r>
+              <a:rPr lang="en-US" dirty="0"/>
+              <a:t>Those of you who haven’t done module 1 and/or 2 </a:t>
+            </a:r>
+            <a:r>
+              <a:rPr lang="en-US" dirty="0" err="1"/>
+              <a:t>hw</a:t>
+            </a:r>
+            <a:r>
+              <a:rPr lang="en-US" dirty="0"/>
+              <a:t> are BEHIND!</a:t>
+            </a:r>
+          </a:p>
+          <a:p>
+            <a:r>
+              <a:rPr lang="en-US" dirty="0"/>
+              <a:t>Module 3 HW: Trading has also been released</a:t>
+            </a:r>
+          </a:p>
+          <a:p>
+            <a:pPr lvl="1"/>
+            <a:r>
+              <a:rPr lang="en-US" dirty="0"/>
+              <a:t>Recommended deadline is next Tuesday. Start it!!!</a:t>
+            </a:r>
+          </a:p>
+          <a:p>
+            <a:r>
+              <a:rPr lang="en-US" dirty="0"/>
+              <a:t>Any office hours issues? They’ve been surprisingly quiet</a:t>
+            </a:r>
+          </a:p>
+          <a:p>
+            <a:r>
+              <a:rPr lang="en-US" dirty="0"/>
+              <a:t>First round of quizzes is NEXT TUESDAY</a:t>
+            </a:r>
+          </a:p>
+          <a:p>
+            <a:pPr lvl="1"/>
+            <a:r>
+              <a:rPr lang="en-US" dirty="0"/>
+              <a:t>First attempt at modules 1, 2, and 3</a:t>
+            </a:r>
+          </a:p>
+          <a:p>
+            <a:pPr lvl="1"/>
+            <a:r>
+              <a:rPr lang="en-US" dirty="0"/>
+              <a:t>In person, during lecture.</a:t>
+            </a:r>
+          </a:p>
+          <a:p>
+            <a:r>
+              <a:rPr lang="en-US" dirty="0"/>
+              <a:t>Today we are going to do review/Q&amp;A on modules 1-3 if you want, then start BFS (module 4)</a:t>
+            </a:r>
+          </a:p>
+        </p:txBody>
+      </p:sp>
+      <p:sp>
+        <p:nvSpPr>
+          <p:cNvPr id="4" name="Slide Number Placeholder 3"/>
+          <p:cNvSpPr>
+            <a:spLocks noGrp="1"/>
+          </p:cNvSpPr>
+          <p:nvPr>
+            <p:ph type="sldNum" sz="quarter" idx="12"/>
+          </p:nvPr>
+        </p:nvSpPr>
+        <p:spPr/>
+        <p:txBody>
+          <a:bodyPr/>
+          <a:lstStyle/>
+          <a:p>
+            <a:fld id="{F26D9103-0C5C-48AC-B68E-3ED2C1647047}" type="slidenum">
+              <a:rPr lang="en-US" smtClean="0"/>
+              <a:pPr/>
+              <a:t>7</a:t>
+            </a:fld>
+            <a:endParaRPr lang="en-US" dirty="0"/>
+          </a:p>
+        </p:txBody>
+      </p:sp>
+    </p:spTree>
+    <p:extLst>
+      <p:ext uri="{BB962C8B-B14F-4D97-AF65-F5344CB8AC3E}">
+        <p14:creationId xmlns:p14="http://schemas.microsoft.com/office/powerpoint/2010/main" val="2222133522"/>
+      </p:ext>
+    </p:extLst>
+  </p:cSld>
+  <p:clrMapOvr>
+    <a:masterClrMapping/>
+  </p:clrMapOvr>
+</p:sld>
+</file>
+
 <file path=ppt/tags/tag1.xml><?xml version="1.0" encoding="utf-8"?>
+<p:tagLst xmlns:a="http://schemas.openxmlformats.org/drawingml/2006/main" xmlns:r="http://schemas.openxmlformats.org/officeDocument/2006/relationships" xmlns:p="http://schemas.openxmlformats.org/presentationml/2006/main">
+  <p:tag name="_INSTRUCTOR VIEW19C14C36-AC8E-43BC-9DB6-C2AAF774C7DC|PANE__TAG" val="_"/>
+</p:tagLst>
+</file>
+
+<file path=ppt/tags/tag10.xml><?xml version="1.0" encoding="utf-8"?>
+<p:tagLst xmlns:a="http://schemas.openxmlformats.org/drawingml/2006/main" xmlns:r="http://schemas.openxmlformats.org/officeDocument/2006/relationships" xmlns:p="http://schemas.openxmlformats.org/presentationml/2006/main">
+  <p:tag name="_INSTRUCTOR VIEW19C14C36-AC8E-43BC-9DB6-C2AAF774C7DC|PANE__TAG" val="_"/>
+</p:tagLst>
+</file>
+
+<file path=ppt/tags/tag11.xml><?xml version="1.0" encoding="utf-8"?>
 <p:tagLst xmlns:a="http://schemas.openxmlformats.org/drawingml/2006/main" xmlns:r="http://schemas.openxmlformats.org/officeDocument/2006/relationships" xmlns:p="http://schemas.openxmlformats.org/presentationml/2006/main">
   <p:tag name="_INSTRUCTOR VIEW19C14C36-AC8E-43BC-9DB6-C2AAF774C7DC|PANE__TAG" val="_"/>
 </p:tagLst>

--- a/slides/dailyannouncements_mf.pptx
+++ b/slides/dailyannouncements_mf.pptx
@@ -5,10 +5,10 @@
     <p:sldMasterId id="2147483728" r:id="rId1"/>
   </p:sldMasterIdLst>
   <p:notesMasterIdLst>
-    <p:notesMasterId r:id="rId9"/>
+    <p:notesMasterId r:id="rId10"/>
   </p:notesMasterIdLst>
   <p:handoutMasterIdLst>
-    <p:handoutMasterId r:id="rId10"/>
+    <p:handoutMasterId r:id="rId11"/>
   </p:handoutMasterIdLst>
   <p:sldIdLst>
     <p:sldId id="447" r:id="rId2"/>
@@ -18,11 +18,12 @@
     <p:sldId id="486" r:id="rId6"/>
     <p:sldId id="487" r:id="rId7"/>
     <p:sldId id="488" r:id="rId8"/>
+    <p:sldId id="489" r:id="rId9"/>
   </p:sldIdLst>
   <p:sldSz cx="9144000" cy="6858000" type="screen4x3"/>
   <p:notesSz cx="7315200" cy="9601200"/>
   <p:custDataLst>
-    <p:tags r:id="rId11"/>
+    <p:tags r:id="rId12"/>
   </p:custDataLst>
   <p:defaultTextStyle>
     <a:defPPr>
@@ -1022,7 +1023,7 @@
             <a:fld id="{E4886CB5-510A-4EF6-9466-BC7A8F0DDE87}" type="datetime1">
               <a:rPr lang="en-US" smtClean="0"/>
               <a:pPr/>
-              <a:t>9/16/21</a:t>
+              <a:t>9/23/21</a:t>
             </a:fld>
             <a:endParaRPr lang="en-US"/>
           </a:p>
@@ -1382,7 +1383,7 @@
             <a:fld id="{9B297853-24B4-4D05-83E4-0AD2E86C55E5}" type="datetime1">
               <a:rPr lang="en-US" smtClean="0"/>
               <a:pPr/>
-              <a:t>9/16/21</a:t>
+              <a:t>9/23/21</a:t>
             </a:fld>
             <a:endParaRPr lang="en-US"/>
           </a:p>
@@ -1558,7 +1559,7 @@
             <a:fld id="{01FCDD9E-5768-4705-9537-0C020B1BB310}" type="datetime1">
               <a:rPr lang="en-US" smtClean="0"/>
               <a:pPr/>
-              <a:t>9/16/21</a:t>
+              <a:t>9/23/21</a:t>
             </a:fld>
             <a:endParaRPr lang="en-US"/>
           </a:p>
@@ -1794,7 +1795,7 @@
             <a:fld id="{4257C27E-59C2-41CA-9776-94955CBEE440}" type="datetime1">
               <a:rPr lang="en-US" smtClean="0"/>
               <a:pPr/>
-              <a:t>9/16/21</a:t>
+              <a:t>9/23/21</a:t>
             </a:fld>
             <a:endParaRPr lang="en-US"/>
           </a:p>
@@ -2080,7 +2081,7 @@
             <a:fld id="{03180747-A137-49C6-9C74-AB7EE86F4904}" type="datetime1">
               <a:rPr lang="en-US" smtClean="0"/>
               <a:pPr/>
-              <a:t>9/16/21</a:t>
+              <a:t>9/23/21</a:t>
             </a:fld>
             <a:endParaRPr lang="en-US"/>
           </a:p>
@@ -2301,7 +2302,7 @@
             <a:fld id="{EBBA31D9-ADC1-480D-86A8-1EAFB6A86A35}" type="datetime1">
               <a:rPr lang="en-US" smtClean="0"/>
               <a:pPr/>
-              <a:t>9/16/21</a:t>
+              <a:t>9/23/21</a:t>
             </a:fld>
             <a:endParaRPr lang="en-US"/>
           </a:p>
@@ -2654,7 +2655,7 @@
             <a:fld id="{80AAE9AE-3B2F-4DEA-8C41-BDDF4CDF6F40}" type="datetime1">
               <a:rPr lang="en-US" smtClean="0"/>
               <a:pPr/>
-              <a:t>9/16/21</a:t>
+              <a:t>9/23/21</a:t>
             </a:fld>
             <a:endParaRPr lang="en-US"/>
           </a:p>
@@ -2887,7 +2888,7 @@
             <a:fld id="{48252F7F-E8FE-413B-8521-D4ED924C6DE5}" type="datetime1">
               <a:rPr lang="en-US" smtClean="0"/>
               <a:pPr/>
-              <a:t>9/16/21</a:t>
+              <a:t>9/23/21</a:t>
             </a:fld>
             <a:endParaRPr lang="en-US"/>
           </a:p>
@@ -3029,7 +3030,7 @@
             <a:fld id="{2FF1B124-70E3-4E4A-90E2-6B55DB7659B3}" type="datetime1">
               <a:rPr lang="en-US" smtClean="0"/>
               <a:pPr/>
-              <a:t>9/16/21</a:t>
+              <a:t>9/23/21</a:t>
             </a:fld>
             <a:endParaRPr lang="en-US"/>
           </a:p>
@@ -3307,7 +3308,7 @@
             <a:fld id="{4EBF4C98-3CD6-4C87-BD40-5718C2628835}" type="datetime1">
               <a:rPr lang="en-US" smtClean="0"/>
               <a:pPr/>
-              <a:t>9/16/21</a:t>
+              <a:t>9/23/21</a:t>
             </a:fld>
             <a:endParaRPr lang="en-US"/>
           </a:p>
@@ -3715,7 +3716,7 @@
             <a:fld id="{6D6408A8-6B1B-4CDA-875E-7BEECDBA31DF}" type="datetime1">
               <a:rPr lang="en-US" smtClean="0"/>
               <a:pPr/>
-              <a:t>9/16/21</a:t>
+              <a:t>9/23/21</a:t>
             </a:fld>
             <a:endParaRPr lang="en-US"/>
           </a:p>
@@ -4053,7 +4054,7 @@
             <a:fld id="{C55AAF07-D2F5-4B3C-B443-40DE8C337A77}" type="datetime1">
               <a:rPr lang="en-US" smtClean="0"/>
               <a:pPr/>
-              <a:t>9/16/21</a:t>
+              <a:t>9/23/21</a:t>
             </a:fld>
             <a:endParaRPr lang="en-US"/>
           </a:p>
@@ -5716,6 +5717,175 @@
 </p:sld>
 </file>
 
+<file path=ppt/slides/slide8.xml><?xml version="1.0" encoding="utf-8"?>
+<p:sld xmlns:a="http://schemas.openxmlformats.org/drawingml/2006/main" xmlns:r="http://schemas.openxmlformats.org/officeDocument/2006/relationships" xmlns:p="http://schemas.openxmlformats.org/presentationml/2006/main">
+  <p:cSld>
+    <p:spTree>
+      <p:nvGrpSpPr>
+        <p:cNvPr id="1" name=""/>
+        <p:cNvGrpSpPr/>
+        <p:nvPr/>
+      </p:nvGrpSpPr>
+      <p:grpSpPr>
+        <a:xfrm>
+          <a:off x="0" y="0"/>
+          <a:ext cx="0" cy="0"/>
+          <a:chOff x="0" y="0"/>
+          <a:chExt cx="0" cy="0"/>
+        </a:xfrm>
+      </p:grpSpPr>
+      <p:sp>
+        <p:nvSpPr>
+          <p:cNvPr id="6146" name="Rectangle 2"/>
+          <p:cNvSpPr>
+            <a:spLocks noGrp="1" noChangeArrowheads="1"/>
+          </p:cNvSpPr>
+          <p:nvPr>
+            <p:ph type="title"/>
+            <p:custDataLst>
+              <p:tags r:id="rId1"/>
+            </p:custDataLst>
+          </p:nvPr>
+        </p:nvSpPr>
+        <p:spPr/>
+        <p:txBody>
+          <a:bodyPr/>
+          <a:lstStyle/>
+          <a:p>
+            <a:r>
+              <a:rPr lang="en-US" dirty="0"/>
+              <a:t>Thursday, Sep. 23</a:t>
+            </a:r>
+          </a:p>
+        </p:txBody>
+      </p:sp>
+      <p:sp>
+        <p:nvSpPr>
+          <p:cNvPr id="6147" name="Rectangle 3"/>
+          <p:cNvSpPr>
+            <a:spLocks noGrp="1" noChangeArrowheads="1"/>
+          </p:cNvSpPr>
+          <p:nvPr>
+            <p:ph sz="quarter" idx="1"/>
+            <p:custDataLst>
+              <p:tags r:id="rId2"/>
+            </p:custDataLst>
+          </p:nvPr>
+        </p:nvSpPr>
+        <p:spPr>
+          <a:xfrm>
+            <a:off x="381000" y="1371600"/>
+            <a:ext cx="8458200" cy="5105400"/>
+          </a:xfrm>
+        </p:spPr>
+        <p:txBody>
+          <a:bodyPr>
+            <a:normAutofit/>
+          </a:bodyPr>
+          <a:lstStyle/>
+          <a:p>
+            <a:r>
+              <a:rPr lang="en-US" dirty="0"/>
+              <a:t>Fill out survey on Discord announcements if you can!!</a:t>
+            </a:r>
+          </a:p>
+          <a:p>
+            <a:r>
+              <a:rPr lang="en-US" dirty="0"/>
+              <a:t>Recommended deadlines for hw1-3 have all passed</a:t>
+            </a:r>
+          </a:p>
+          <a:p>
+            <a:pPr lvl="1"/>
+            <a:r>
+              <a:rPr lang="en-US" dirty="0"/>
+              <a:t>If you haven’t finished these you are BEHIND!!</a:t>
+            </a:r>
+          </a:p>
+          <a:p>
+            <a:r>
+              <a:rPr lang="en-US" dirty="0"/>
+              <a:t>Quizzes for mods 1-3 were taken on Tuesday</a:t>
+            </a:r>
+          </a:p>
+          <a:p>
+            <a:pPr lvl="1"/>
+            <a:r>
+              <a:rPr lang="en-US" dirty="0"/>
+              <a:t>How’d they go? We hope to have graded by tonight.</a:t>
+            </a:r>
+          </a:p>
+          <a:p>
+            <a:pPr lvl="1"/>
+            <a:r>
+              <a:rPr lang="en-US" dirty="0"/>
+              <a:t>Will go over solutions at some point but not today.</a:t>
+            </a:r>
+          </a:p>
+          <a:p>
+            <a:r>
+              <a:rPr lang="en-US" dirty="0"/>
+              <a:t>Any office hours issues? They’ve been surprisingly quiet</a:t>
+            </a:r>
+          </a:p>
+          <a:p>
+            <a:pPr lvl="1"/>
+            <a:r>
+              <a:rPr lang="en-US" dirty="0"/>
+              <a:t>Though they’ve picked up a bit</a:t>
+            </a:r>
+          </a:p>
+          <a:p>
+            <a:r>
+              <a:rPr lang="en-US" dirty="0"/>
+              <a:t>Mod. 4 (BFS and DFS) homework has been released</a:t>
+            </a:r>
+          </a:p>
+          <a:p>
+            <a:r>
+              <a:rPr lang="en-US" dirty="0"/>
+              <a:t>Today we are going to start DFS (module 4 cont’d)</a:t>
+            </a:r>
+          </a:p>
+        </p:txBody>
+      </p:sp>
+      <p:sp>
+        <p:nvSpPr>
+          <p:cNvPr id="4" name="Slide Number Placeholder 3"/>
+          <p:cNvSpPr>
+            <a:spLocks noGrp="1"/>
+          </p:cNvSpPr>
+          <p:nvPr>
+            <p:ph type="sldNum" sz="quarter" idx="12"/>
+          </p:nvPr>
+        </p:nvSpPr>
+        <p:spPr/>
+        <p:txBody>
+          <a:bodyPr/>
+          <a:lstStyle/>
+          <a:p>
+            <a:fld id="{F26D9103-0C5C-48AC-B68E-3ED2C1647047}" type="slidenum">
+              <a:rPr lang="en-US" smtClean="0"/>
+              <a:pPr/>
+              <a:t>8</a:t>
+            </a:fld>
+            <a:endParaRPr lang="en-US" dirty="0"/>
+          </a:p>
+        </p:txBody>
+      </p:sp>
+    </p:spTree>
+    <p:extLst>
+      <p:ext uri="{BB962C8B-B14F-4D97-AF65-F5344CB8AC3E}">
+        <p14:creationId xmlns:p14="http://schemas.microsoft.com/office/powerpoint/2010/main" val="3358752677"/>
+      </p:ext>
+    </p:extLst>
+  </p:cSld>
+  <p:clrMapOvr>
+    <a:masterClrMapping/>
+  </p:clrMapOvr>
+</p:sld>
+</file>
+
 <file path=ppt/tags/tag1.xml><?xml version="1.0" encoding="utf-8"?>
 <p:tagLst xmlns:a="http://schemas.openxmlformats.org/drawingml/2006/main" xmlns:r="http://schemas.openxmlformats.org/officeDocument/2006/relationships" xmlns:p="http://schemas.openxmlformats.org/presentationml/2006/main">
   <p:tag name="_INSTRUCTOR VIEW19C14C36-AC8E-43BC-9DB6-C2AAF774C7DC|PANE__TAG" val="_"/>
@@ -5729,6 +5899,18 @@
 </file>
 
 <file path=ppt/tags/tag11.xml><?xml version="1.0" encoding="utf-8"?>
+<p:tagLst xmlns:a="http://schemas.openxmlformats.org/drawingml/2006/main" xmlns:r="http://schemas.openxmlformats.org/officeDocument/2006/relationships" xmlns:p="http://schemas.openxmlformats.org/presentationml/2006/main">
+  <p:tag name="_INSTRUCTOR VIEW19C14C36-AC8E-43BC-9DB6-C2AAF774C7DC|PANE__TAG" val="_"/>
+</p:tagLst>
+</file>
+
+<file path=ppt/tags/tag12.xml><?xml version="1.0" encoding="utf-8"?>
+<p:tagLst xmlns:a="http://schemas.openxmlformats.org/drawingml/2006/main" xmlns:r="http://schemas.openxmlformats.org/officeDocument/2006/relationships" xmlns:p="http://schemas.openxmlformats.org/presentationml/2006/main">
+  <p:tag name="_INSTRUCTOR VIEW19C14C36-AC8E-43BC-9DB6-C2AAF774C7DC|PANE__TAG" val="_"/>
+</p:tagLst>
+</file>
+
+<file path=ppt/tags/tag13.xml><?xml version="1.0" encoding="utf-8"?>
 <p:tagLst xmlns:a="http://schemas.openxmlformats.org/drawingml/2006/main" xmlns:r="http://schemas.openxmlformats.org/officeDocument/2006/relationships" xmlns:p="http://schemas.openxmlformats.org/presentationml/2006/main">
   <p:tag name="_INSTRUCTOR VIEW19C14C36-AC8E-43BC-9DB6-C2AAF774C7DC|PANE__TAG" val="_"/>
 </p:tagLst>

--- a/slides/dailyannouncements_mf.pptx
+++ b/slides/dailyannouncements_mf.pptx
@@ -5,10 +5,10 @@
     <p:sldMasterId id="2147483728" r:id="rId1"/>
   </p:sldMasterIdLst>
   <p:notesMasterIdLst>
-    <p:notesMasterId r:id="rId10"/>
+    <p:notesMasterId r:id="rId12"/>
   </p:notesMasterIdLst>
   <p:handoutMasterIdLst>
-    <p:handoutMasterId r:id="rId11"/>
+    <p:handoutMasterId r:id="rId13"/>
   </p:handoutMasterIdLst>
   <p:sldIdLst>
     <p:sldId id="447" r:id="rId2"/>
@@ -19,11 +19,13 @@
     <p:sldId id="487" r:id="rId7"/>
     <p:sldId id="488" r:id="rId8"/>
     <p:sldId id="489" r:id="rId9"/>
+    <p:sldId id="490" r:id="rId10"/>
+    <p:sldId id="491" r:id="rId11"/>
   </p:sldIdLst>
   <p:sldSz cx="9144000" cy="6858000" type="screen4x3"/>
   <p:notesSz cx="7315200" cy="9601200"/>
   <p:custDataLst>
-    <p:tags r:id="rId12"/>
+    <p:tags r:id="rId14"/>
   </p:custDataLst>
   <p:defaultTextStyle>
     <a:defPPr>
@@ -1023,7 +1025,7 @@
             <a:fld id="{E4886CB5-510A-4EF6-9466-BC7A8F0DDE87}" type="datetime1">
               <a:rPr lang="en-US" smtClean="0"/>
               <a:pPr/>
-              <a:t>9/23/21</a:t>
+              <a:t>9/28/21</a:t>
             </a:fld>
             <a:endParaRPr lang="en-US"/>
           </a:p>
@@ -1383,7 +1385,7 @@
             <a:fld id="{9B297853-24B4-4D05-83E4-0AD2E86C55E5}" type="datetime1">
               <a:rPr lang="en-US" smtClean="0"/>
               <a:pPr/>
-              <a:t>9/23/21</a:t>
+              <a:t>9/28/21</a:t>
             </a:fld>
             <a:endParaRPr lang="en-US"/>
           </a:p>
@@ -1559,7 +1561,7 @@
             <a:fld id="{01FCDD9E-5768-4705-9537-0C020B1BB310}" type="datetime1">
               <a:rPr lang="en-US" smtClean="0"/>
               <a:pPr/>
-              <a:t>9/23/21</a:t>
+              <a:t>9/28/21</a:t>
             </a:fld>
             <a:endParaRPr lang="en-US"/>
           </a:p>
@@ -1795,7 +1797,7 @@
             <a:fld id="{4257C27E-59C2-41CA-9776-94955CBEE440}" type="datetime1">
               <a:rPr lang="en-US" smtClean="0"/>
               <a:pPr/>
-              <a:t>9/23/21</a:t>
+              <a:t>9/28/21</a:t>
             </a:fld>
             <a:endParaRPr lang="en-US"/>
           </a:p>
@@ -2081,7 +2083,7 @@
             <a:fld id="{03180747-A137-49C6-9C74-AB7EE86F4904}" type="datetime1">
               <a:rPr lang="en-US" smtClean="0"/>
               <a:pPr/>
-              <a:t>9/23/21</a:t>
+              <a:t>9/28/21</a:t>
             </a:fld>
             <a:endParaRPr lang="en-US"/>
           </a:p>
@@ -2302,7 +2304,7 @@
             <a:fld id="{EBBA31D9-ADC1-480D-86A8-1EAFB6A86A35}" type="datetime1">
               <a:rPr lang="en-US" smtClean="0"/>
               <a:pPr/>
-              <a:t>9/23/21</a:t>
+              <a:t>9/28/21</a:t>
             </a:fld>
             <a:endParaRPr lang="en-US"/>
           </a:p>
@@ -2655,7 +2657,7 @@
             <a:fld id="{80AAE9AE-3B2F-4DEA-8C41-BDDF4CDF6F40}" type="datetime1">
               <a:rPr lang="en-US" smtClean="0"/>
               <a:pPr/>
-              <a:t>9/23/21</a:t>
+              <a:t>9/28/21</a:t>
             </a:fld>
             <a:endParaRPr lang="en-US"/>
           </a:p>
@@ -2888,7 +2890,7 @@
             <a:fld id="{48252F7F-E8FE-413B-8521-D4ED924C6DE5}" type="datetime1">
               <a:rPr lang="en-US" smtClean="0"/>
               <a:pPr/>
-              <a:t>9/23/21</a:t>
+              <a:t>9/28/21</a:t>
             </a:fld>
             <a:endParaRPr lang="en-US"/>
           </a:p>
@@ -3030,7 +3032,7 @@
             <a:fld id="{2FF1B124-70E3-4E4A-90E2-6B55DB7659B3}" type="datetime1">
               <a:rPr lang="en-US" smtClean="0"/>
               <a:pPr/>
-              <a:t>9/23/21</a:t>
+              <a:t>9/28/21</a:t>
             </a:fld>
             <a:endParaRPr lang="en-US"/>
           </a:p>
@@ -3308,7 +3310,7 @@
             <a:fld id="{4EBF4C98-3CD6-4C87-BD40-5718C2628835}" type="datetime1">
               <a:rPr lang="en-US" smtClean="0"/>
               <a:pPr/>
-              <a:t>9/23/21</a:t>
+              <a:t>9/28/21</a:t>
             </a:fld>
             <a:endParaRPr lang="en-US"/>
           </a:p>
@@ -3716,7 +3718,7 @@
             <a:fld id="{6D6408A8-6B1B-4CDA-875E-7BEECDBA31DF}" type="datetime1">
               <a:rPr lang="en-US" smtClean="0"/>
               <a:pPr/>
-              <a:t>9/23/21</a:t>
+              <a:t>9/28/21</a:t>
             </a:fld>
             <a:endParaRPr lang="en-US"/>
           </a:p>
@@ -4054,7 +4056,7 @@
             <a:fld id="{C55AAF07-D2F5-4B3C-B443-40DE8C337A77}" type="datetime1">
               <a:rPr lang="en-US" smtClean="0"/>
               <a:pPr/>
-              <a:t>9/23/21</a:t>
+              <a:t>9/28/21</a:t>
             </a:fld>
             <a:endParaRPr lang="en-US"/>
           </a:p>
@@ -4724,6 +4726,174 @@
 </p:sld>
 </file>
 
+<file path=ppt/slides/slide10.xml><?xml version="1.0" encoding="utf-8"?>
+<p:sld xmlns:a="http://schemas.openxmlformats.org/drawingml/2006/main" xmlns:r="http://schemas.openxmlformats.org/officeDocument/2006/relationships" xmlns:p="http://schemas.openxmlformats.org/presentationml/2006/main">
+  <p:cSld>
+    <p:spTree>
+      <p:nvGrpSpPr>
+        <p:cNvPr id="1" name=""/>
+        <p:cNvGrpSpPr/>
+        <p:nvPr/>
+      </p:nvGrpSpPr>
+      <p:grpSpPr>
+        <a:xfrm>
+          <a:off x="0" y="0"/>
+          <a:ext cx="0" cy="0"/>
+          <a:chOff x="0" y="0"/>
+          <a:chExt cx="0" cy="0"/>
+        </a:xfrm>
+      </p:grpSpPr>
+      <p:sp>
+        <p:nvSpPr>
+          <p:cNvPr id="6146" name="Rectangle 2"/>
+          <p:cNvSpPr>
+            <a:spLocks noGrp="1" noChangeArrowheads="1"/>
+          </p:cNvSpPr>
+          <p:nvPr>
+            <p:ph type="title"/>
+            <p:custDataLst>
+              <p:tags r:id="rId1"/>
+            </p:custDataLst>
+          </p:nvPr>
+        </p:nvSpPr>
+        <p:spPr/>
+        <p:txBody>
+          <a:bodyPr/>
+          <a:lstStyle/>
+          <a:p>
+            <a:r>
+              <a:rPr lang="en-US" dirty="0"/>
+              <a:t>Tuesday, Sep. 28 (cont’d)</a:t>
+            </a:r>
+          </a:p>
+        </p:txBody>
+      </p:sp>
+      <p:sp>
+        <p:nvSpPr>
+          <p:cNvPr id="6147" name="Rectangle 3"/>
+          <p:cNvSpPr>
+            <a:spLocks noGrp="1" noChangeArrowheads="1"/>
+          </p:cNvSpPr>
+          <p:nvPr>
+            <p:ph sz="quarter" idx="1"/>
+            <p:custDataLst>
+              <p:tags r:id="rId2"/>
+            </p:custDataLst>
+          </p:nvPr>
+        </p:nvSpPr>
+        <p:spPr>
+          <a:xfrm>
+            <a:off x="381000" y="1371600"/>
+            <a:ext cx="8458200" cy="5105400"/>
+          </a:xfrm>
+        </p:spPr>
+        <p:txBody>
+          <a:bodyPr>
+            <a:normAutofit/>
+          </a:bodyPr>
+          <a:lstStyle/>
+          <a:p>
+            <a:r>
+              <a:rPr lang="en-US" dirty="0"/>
+              <a:t>Passing Rates:</a:t>
+            </a:r>
+          </a:p>
+          <a:p>
+            <a:pPr lvl="1"/>
+            <a:r>
+              <a:rPr lang="en-US" dirty="0"/>
+              <a:t>Pass: module 1 (64%); module 2 (58%); module 3(41%)</a:t>
+            </a:r>
+          </a:p>
+          <a:p>
+            <a:pPr lvl="1"/>
+            <a:r>
+              <a:rPr lang="en-US" dirty="0"/>
+              <a:t>High-Pass: module 1 (40%); module 2 (38%); module 3(10%)</a:t>
+            </a:r>
+          </a:p>
+          <a:p>
+            <a:pPr lvl="1"/>
+            <a:endParaRPr lang="en-US" dirty="0"/>
+          </a:p>
+          <a:p>
+            <a:r>
+              <a:rPr lang="en-US" dirty="0"/>
+              <a:t>Fun facts:</a:t>
+            </a:r>
+          </a:p>
+          <a:p>
+            <a:pPr lvl="1"/>
+            <a:r>
+              <a:rPr lang="en-US" dirty="0"/>
+              <a:t>Doing module 2 homework = 2.2 </a:t>
+            </a:r>
+            <a:r>
+              <a:rPr lang="en-US" dirty="0" err="1"/>
+              <a:t>pt</a:t>
+            </a:r>
+            <a:r>
+              <a:rPr lang="en-US" dirty="0"/>
+              <a:t> (13.3%) increase in mod 2 quiz score overall and 25% increase in recurrence unrolling question.</a:t>
+            </a:r>
+          </a:p>
+          <a:p>
+            <a:pPr lvl="1"/>
+            <a:r>
+              <a:rPr lang="en-US" dirty="0"/>
+              <a:t>Didn’t have time to look at module 1 effect</a:t>
+            </a:r>
+          </a:p>
+          <a:p>
+            <a:pPr lvl="1"/>
+            <a:r>
+              <a:rPr lang="en-US" dirty="0"/>
+              <a:t>Programming homework didn’t seem to have effect on scores</a:t>
+            </a:r>
+          </a:p>
+          <a:p>
+            <a:pPr lvl="1"/>
+            <a:endParaRPr lang="en-US" dirty="0"/>
+          </a:p>
+        </p:txBody>
+      </p:sp>
+      <p:sp>
+        <p:nvSpPr>
+          <p:cNvPr id="4" name="Slide Number Placeholder 3"/>
+          <p:cNvSpPr>
+            <a:spLocks noGrp="1"/>
+          </p:cNvSpPr>
+          <p:nvPr>
+            <p:ph type="sldNum" sz="quarter" idx="12"/>
+          </p:nvPr>
+        </p:nvSpPr>
+        <p:spPr/>
+        <p:txBody>
+          <a:bodyPr/>
+          <a:lstStyle/>
+          <a:p>
+            <a:fld id="{F26D9103-0C5C-48AC-B68E-3ED2C1647047}" type="slidenum">
+              <a:rPr lang="en-US" smtClean="0"/>
+              <a:pPr/>
+              <a:t>10</a:t>
+            </a:fld>
+            <a:endParaRPr lang="en-US" dirty="0"/>
+          </a:p>
+        </p:txBody>
+      </p:sp>
+    </p:spTree>
+    <p:extLst>
+      <p:ext uri="{BB962C8B-B14F-4D97-AF65-F5344CB8AC3E}">
+        <p14:creationId xmlns:p14="http://schemas.microsoft.com/office/powerpoint/2010/main" val="3762002507"/>
+      </p:ext>
+    </p:extLst>
+  </p:cSld>
+  <p:clrMapOvr>
+    <a:masterClrMapping/>
+  </p:clrMapOvr>
+</p:sld>
+</file>
+
 <file path=ppt/slides/slide2.xml><?xml version="1.0" encoding="utf-8"?>
 <p:sld xmlns:a="http://schemas.openxmlformats.org/drawingml/2006/main" xmlns:r="http://schemas.openxmlformats.org/officeDocument/2006/relationships" xmlns:p="http://schemas.openxmlformats.org/presentationml/2006/main">
   <p:cSld>
@@ -5877,6 +6047,176 @@
     <p:extLst>
       <p:ext uri="{BB962C8B-B14F-4D97-AF65-F5344CB8AC3E}">
         <p14:creationId xmlns:p14="http://schemas.microsoft.com/office/powerpoint/2010/main" val="3358752677"/>
+      </p:ext>
+    </p:extLst>
+  </p:cSld>
+  <p:clrMapOvr>
+    <a:masterClrMapping/>
+  </p:clrMapOvr>
+</p:sld>
+</file>
+
+<file path=ppt/slides/slide9.xml><?xml version="1.0" encoding="utf-8"?>
+<p:sld xmlns:a="http://schemas.openxmlformats.org/drawingml/2006/main" xmlns:r="http://schemas.openxmlformats.org/officeDocument/2006/relationships" xmlns:p="http://schemas.openxmlformats.org/presentationml/2006/main">
+  <p:cSld>
+    <p:spTree>
+      <p:nvGrpSpPr>
+        <p:cNvPr id="1" name=""/>
+        <p:cNvGrpSpPr/>
+        <p:nvPr/>
+      </p:nvGrpSpPr>
+      <p:grpSpPr>
+        <a:xfrm>
+          <a:off x="0" y="0"/>
+          <a:ext cx="0" cy="0"/>
+          <a:chOff x="0" y="0"/>
+          <a:chExt cx="0" cy="0"/>
+        </a:xfrm>
+      </p:grpSpPr>
+      <p:sp>
+        <p:nvSpPr>
+          <p:cNvPr id="6146" name="Rectangle 2"/>
+          <p:cNvSpPr>
+            <a:spLocks noGrp="1" noChangeArrowheads="1"/>
+          </p:cNvSpPr>
+          <p:nvPr>
+            <p:ph type="title"/>
+            <p:custDataLst>
+              <p:tags r:id="rId1"/>
+            </p:custDataLst>
+          </p:nvPr>
+        </p:nvSpPr>
+        <p:spPr/>
+        <p:txBody>
+          <a:bodyPr/>
+          <a:lstStyle/>
+          <a:p>
+            <a:r>
+              <a:rPr lang="en-US" dirty="0"/>
+              <a:t>Tuesday, Sep. 28</a:t>
+            </a:r>
+          </a:p>
+        </p:txBody>
+      </p:sp>
+      <p:sp>
+        <p:nvSpPr>
+          <p:cNvPr id="6147" name="Rectangle 3"/>
+          <p:cNvSpPr>
+            <a:spLocks noGrp="1" noChangeArrowheads="1"/>
+          </p:cNvSpPr>
+          <p:nvPr>
+            <p:ph sz="quarter" idx="1"/>
+            <p:custDataLst>
+              <p:tags r:id="rId2"/>
+            </p:custDataLst>
+          </p:nvPr>
+        </p:nvSpPr>
+        <p:spPr>
+          <a:xfrm>
+            <a:off x="381000" y="1371600"/>
+            <a:ext cx="8458200" cy="5105400"/>
+          </a:xfrm>
+        </p:spPr>
+        <p:txBody>
+          <a:bodyPr>
+            <a:normAutofit/>
+          </a:bodyPr>
+          <a:lstStyle/>
+          <a:p>
+            <a:r>
+              <a:rPr lang="en-US" dirty="0"/>
+              <a:t>Quizzes 1-3 have been returned</a:t>
+            </a:r>
+          </a:p>
+          <a:p>
+            <a:pPr lvl="1"/>
+            <a:r>
+              <a:rPr lang="en-US" dirty="0"/>
+              <a:t>More detail on next slide, but regrades are open</a:t>
+            </a:r>
+          </a:p>
+          <a:p>
+            <a:pPr lvl="1"/>
+            <a:r>
+              <a:rPr lang="en-US" dirty="0"/>
+              <a:t>See course website for thresholds, etc.</a:t>
+            </a:r>
+          </a:p>
+          <a:p>
+            <a:r>
+              <a:rPr lang="en-US" dirty="0"/>
+              <a:t>Next quiz date scheduled for NEXT Thursday</a:t>
+            </a:r>
+          </a:p>
+          <a:p>
+            <a:pPr lvl="1"/>
+            <a:r>
+              <a:rPr lang="en-US" dirty="0"/>
+              <a:t>I know this is very soon. We could shuffle dates. Thoughts?</a:t>
+            </a:r>
+          </a:p>
+          <a:p>
+            <a:r>
+              <a:rPr lang="en-US" dirty="0"/>
+              <a:t>Any office hours issues? They’ve been surprisingly quiet</a:t>
+            </a:r>
+          </a:p>
+          <a:p>
+            <a:pPr lvl="1"/>
+            <a:r>
+              <a:rPr lang="en-US" dirty="0"/>
+              <a:t>Though they’ve picked up a bit</a:t>
+            </a:r>
+          </a:p>
+          <a:p>
+            <a:r>
+              <a:rPr lang="en-US" dirty="0"/>
+              <a:t>Mod. 4 (BFS and DFS) homework has been released</a:t>
+            </a:r>
+          </a:p>
+          <a:p>
+            <a:pPr lvl="1"/>
+            <a:r>
+              <a:rPr lang="en-US" dirty="0"/>
+              <a:t>You should get started on it!!</a:t>
+            </a:r>
+          </a:p>
+          <a:p>
+            <a:r>
+              <a:rPr lang="en-US" dirty="0"/>
+              <a:t>Today we are going to finish DFS / Topo-sort / SCCs (module 4 will finish today)</a:t>
+            </a:r>
+          </a:p>
+        </p:txBody>
+      </p:sp>
+      <p:sp>
+        <p:nvSpPr>
+          <p:cNvPr id="4" name="Slide Number Placeholder 3"/>
+          <p:cNvSpPr>
+            <a:spLocks noGrp="1"/>
+          </p:cNvSpPr>
+          <p:nvPr>
+            <p:ph type="sldNum" sz="quarter" idx="12"/>
+          </p:nvPr>
+        </p:nvSpPr>
+        <p:spPr/>
+        <p:txBody>
+          <a:bodyPr/>
+          <a:lstStyle/>
+          <a:p>
+            <a:fld id="{F26D9103-0C5C-48AC-B68E-3ED2C1647047}" type="slidenum">
+              <a:rPr lang="en-US" smtClean="0"/>
+              <a:pPr/>
+              <a:t>9</a:t>
+            </a:fld>
+            <a:endParaRPr lang="en-US" dirty="0"/>
+          </a:p>
+        </p:txBody>
+      </p:sp>
+    </p:spTree>
+    <p:extLst>
+      <p:ext uri="{BB962C8B-B14F-4D97-AF65-F5344CB8AC3E}">
+        <p14:creationId xmlns:p14="http://schemas.microsoft.com/office/powerpoint/2010/main" val="127999242"/>
       </p:ext>
     </p:extLst>
   </p:cSld>
@@ -5911,6 +6251,30 @@
 </file>
 
 <file path=ppt/tags/tag13.xml><?xml version="1.0" encoding="utf-8"?>
+<p:tagLst xmlns:a="http://schemas.openxmlformats.org/drawingml/2006/main" xmlns:r="http://schemas.openxmlformats.org/officeDocument/2006/relationships" xmlns:p="http://schemas.openxmlformats.org/presentationml/2006/main">
+  <p:tag name="_INSTRUCTOR VIEW19C14C36-AC8E-43BC-9DB6-C2AAF774C7DC|PANE__TAG" val="_"/>
+</p:tagLst>
+</file>
+
+<file path=ppt/tags/tag14.xml><?xml version="1.0" encoding="utf-8"?>
+<p:tagLst xmlns:a="http://schemas.openxmlformats.org/drawingml/2006/main" xmlns:r="http://schemas.openxmlformats.org/officeDocument/2006/relationships" xmlns:p="http://schemas.openxmlformats.org/presentationml/2006/main">
+  <p:tag name="_INSTRUCTOR VIEW19C14C36-AC8E-43BC-9DB6-C2AAF774C7DC|PANE__TAG" val="_"/>
+</p:tagLst>
+</file>
+
+<file path=ppt/tags/tag15.xml><?xml version="1.0" encoding="utf-8"?>
+<p:tagLst xmlns:a="http://schemas.openxmlformats.org/drawingml/2006/main" xmlns:r="http://schemas.openxmlformats.org/officeDocument/2006/relationships" xmlns:p="http://schemas.openxmlformats.org/presentationml/2006/main">
+  <p:tag name="_INSTRUCTOR VIEW19C14C36-AC8E-43BC-9DB6-C2AAF774C7DC|PANE__TAG" val="_"/>
+</p:tagLst>
+</file>
+
+<file path=ppt/tags/tag16.xml><?xml version="1.0" encoding="utf-8"?>
+<p:tagLst xmlns:a="http://schemas.openxmlformats.org/drawingml/2006/main" xmlns:r="http://schemas.openxmlformats.org/officeDocument/2006/relationships" xmlns:p="http://schemas.openxmlformats.org/presentationml/2006/main">
+  <p:tag name="_INSTRUCTOR VIEW19C14C36-AC8E-43BC-9DB6-C2AAF774C7DC|PANE__TAG" val="_"/>
+</p:tagLst>
+</file>
+
+<file path=ppt/tags/tag17.xml><?xml version="1.0" encoding="utf-8"?>
 <p:tagLst xmlns:a="http://schemas.openxmlformats.org/drawingml/2006/main" xmlns:r="http://schemas.openxmlformats.org/officeDocument/2006/relationships" xmlns:p="http://schemas.openxmlformats.org/presentationml/2006/main">
   <p:tag name="_INSTRUCTOR VIEW19C14C36-AC8E-43BC-9DB6-C2AAF774C7DC|PANE__TAG" val="_"/>
 </p:tagLst>

--- a/slides/dailyannouncements_mf.pptx
+++ b/slides/dailyannouncements_mf.pptx
@@ -4789,7 +4789,7 @@
         </p:spPr>
         <p:txBody>
           <a:bodyPr>
-            <a:normAutofit/>
+            <a:normAutofit fontScale="92500"/>
           </a:bodyPr>
           <a:lstStyle/>
           <a:p>
@@ -4848,11 +4848,23 @@
             <a:pPr lvl="1"/>
             <a:r>
               <a:rPr lang="en-US" dirty="0"/>
-              <a:t>Programming homework didn’t seem to have effect on scores</a:t>
-            </a:r>
-          </a:p>
-          <a:p>
-            <a:pPr lvl="1"/>
+              <a:t>Programming homework didn’t seem to have effect on scores, though very few people had turned it in.</a:t>
+            </a:r>
+          </a:p>
+          <a:p>
+            <a:endParaRPr lang="en-US" dirty="0"/>
+          </a:p>
+          <a:p>
+            <a:r>
+              <a:rPr lang="en-US" dirty="0"/>
+              <a:t>We did poorly on questions directly from homework or textbook </a:t>
+            </a:r>
+            <a:r>
+              <a:rPr lang="en-US" dirty="0">
+                <a:sym typeface="Wingdings" pitchFamily="2" charset="2"/>
+              </a:rPr>
+              <a:t></a:t>
+            </a:r>
             <a:endParaRPr lang="en-US" dirty="0"/>
           </a:p>
         </p:txBody>

--- a/slides/dailyannouncements_mf.pptx
+++ b/slides/dailyannouncements_mf.pptx
@@ -5,10 +5,10 @@
     <p:sldMasterId id="2147483728" r:id="rId1"/>
   </p:sldMasterIdLst>
   <p:notesMasterIdLst>
-    <p:notesMasterId r:id="rId12"/>
+    <p:notesMasterId r:id="rId13"/>
   </p:notesMasterIdLst>
   <p:handoutMasterIdLst>
-    <p:handoutMasterId r:id="rId13"/>
+    <p:handoutMasterId r:id="rId14"/>
   </p:handoutMasterIdLst>
   <p:sldIdLst>
     <p:sldId id="447" r:id="rId2"/>
@@ -21,11 +21,12 @@
     <p:sldId id="489" r:id="rId9"/>
     <p:sldId id="490" r:id="rId10"/>
     <p:sldId id="491" r:id="rId11"/>
+    <p:sldId id="492" r:id="rId12"/>
   </p:sldIdLst>
   <p:sldSz cx="9144000" cy="6858000" type="screen4x3"/>
   <p:notesSz cx="7315200" cy="9601200"/>
   <p:custDataLst>
-    <p:tags r:id="rId14"/>
+    <p:tags r:id="rId15"/>
   </p:custDataLst>
   <p:defaultTextStyle>
     <a:defPPr>
@@ -1025,7 +1026,7 @@
             <a:fld id="{E4886CB5-510A-4EF6-9466-BC7A8F0DDE87}" type="datetime1">
               <a:rPr lang="en-US" smtClean="0"/>
               <a:pPr/>
-              <a:t>9/28/21</a:t>
+              <a:t>9/30/21</a:t>
             </a:fld>
             <a:endParaRPr lang="en-US"/>
           </a:p>
@@ -1385,7 +1386,7 @@
             <a:fld id="{9B297853-24B4-4D05-83E4-0AD2E86C55E5}" type="datetime1">
               <a:rPr lang="en-US" smtClean="0"/>
               <a:pPr/>
-              <a:t>9/28/21</a:t>
+              <a:t>9/30/21</a:t>
             </a:fld>
             <a:endParaRPr lang="en-US"/>
           </a:p>
@@ -1561,7 +1562,7 @@
             <a:fld id="{01FCDD9E-5768-4705-9537-0C020B1BB310}" type="datetime1">
               <a:rPr lang="en-US" smtClean="0"/>
               <a:pPr/>
-              <a:t>9/28/21</a:t>
+              <a:t>9/30/21</a:t>
             </a:fld>
             <a:endParaRPr lang="en-US"/>
           </a:p>
@@ -1797,7 +1798,7 @@
             <a:fld id="{4257C27E-59C2-41CA-9776-94955CBEE440}" type="datetime1">
               <a:rPr lang="en-US" smtClean="0"/>
               <a:pPr/>
-              <a:t>9/28/21</a:t>
+              <a:t>9/30/21</a:t>
             </a:fld>
             <a:endParaRPr lang="en-US"/>
           </a:p>
@@ -2083,7 +2084,7 @@
             <a:fld id="{03180747-A137-49C6-9C74-AB7EE86F4904}" type="datetime1">
               <a:rPr lang="en-US" smtClean="0"/>
               <a:pPr/>
-              <a:t>9/28/21</a:t>
+              <a:t>9/30/21</a:t>
             </a:fld>
             <a:endParaRPr lang="en-US"/>
           </a:p>
@@ -2304,7 +2305,7 @@
             <a:fld id="{EBBA31D9-ADC1-480D-86A8-1EAFB6A86A35}" type="datetime1">
               <a:rPr lang="en-US" smtClean="0"/>
               <a:pPr/>
-              <a:t>9/28/21</a:t>
+              <a:t>9/30/21</a:t>
             </a:fld>
             <a:endParaRPr lang="en-US"/>
           </a:p>
@@ -2657,7 +2658,7 @@
             <a:fld id="{80AAE9AE-3B2F-4DEA-8C41-BDDF4CDF6F40}" type="datetime1">
               <a:rPr lang="en-US" smtClean="0"/>
               <a:pPr/>
-              <a:t>9/28/21</a:t>
+              <a:t>9/30/21</a:t>
             </a:fld>
             <a:endParaRPr lang="en-US"/>
           </a:p>
@@ -2890,7 +2891,7 @@
             <a:fld id="{48252F7F-E8FE-413B-8521-D4ED924C6DE5}" type="datetime1">
               <a:rPr lang="en-US" smtClean="0"/>
               <a:pPr/>
-              <a:t>9/28/21</a:t>
+              <a:t>9/30/21</a:t>
             </a:fld>
             <a:endParaRPr lang="en-US"/>
           </a:p>
@@ -3032,7 +3033,7 @@
             <a:fld id="{2FF1B124-70E3-4E4A-90E2-6B55DB7659B3}" type="datetime1">
               <a:rPr lang="en-US" smtClean="0"/>
               <a:pPr/>
-              <a:t>9/28/21</a:t>
+              <a:t>9/30/21</a:t>
             </a:fld>
             <a:endParaRPr lang="en-US"/>
           </a:p>
@@ -3310,7 +3311,7 @@
             <a:fld id="{4EBF4C98-3CD6-4C87-BD40-5718C2628835}" type="datetime1">
               <a:rPr lang="en-US" smtClean="0"/>
               <a:pPr/>
-              <a:t>9/28/21</a:t>
+              <a:t>9/30/21</a:t>
             </a:fld>
             <a:endParaRPr lang="en-US"/>
           </a:p>
@@ -3718,7 +3719,7 @@
             <a:fld id="{6D6408A8-6B1B-4CDA-875E-7BEECDBA31DF}" type="datetime1">
               <a:rPr lang="en-US" smtClean="0"/>
               <a:pPr/>
-              <a:t>9/28/21</a:t>
+              <a:t>9/30/21</a:t>
             </a:fld>
             <a:endParaRPr lang="en-US"/>
           </a:p>
@@ -4056,7 +4057,7 @@
             <a:fld id="{C55AAF07-D2F5-4B3C-B443-40DE8C337A77}" type="datetime1">
               <a:rPr lang="en-US" smtClean="0"/>
               <a:pPr/>
-              <a:t>9/28/21</a:t>
+              <a:t>9/30/21</a:t>
             </a:fld>
             <a:endParaRPr lang="en-US"/>
           </a:p>
@@ -4906,6 +4907,182 @@
 </p:sld>
 </file>
 
+<file path=ppt/slides/slide11.xml><?xml version="1.0" encoding="utf-8"?>
+<p:sld xmlns:a="http://schemas.openxmlformats.org/drawingml/2006/main" xmlns:r="http://schemas.openxmlformats.org/officeDocument/2006/relationships" xmlns:p="http://schemas.openxmlformats.org/presentationml/2006/main">
+  <p:cSld>
+    <p:spTree>
+      <p:nvGrpSpPr>
+        <p:cNvPr id="1" name=""/>
+        <p:cNvGrpSpPr/>
+        <p:nvPr/>
+      </p:nvGrpSpPr>
+      <p:grpSpPr>
+        <a:xfrm>
+          <a:off x="0" y="0"/>
+          <a:ext cx="0" cy="0"/>
+          <a:chOff x="0" y="0"/>
+          <a:chExt cx="0" cy="0"/>
+        </a:xfrm>
+      </p:grpSpPr>
+      <p:sp>
+        <p:nvSpPr>
+          <p:cNvPr id="6146" name="Rectangle 2"/>
+          <p:cNvSpPr>
+            <a:spLocks noGrp="1" noChangeArrowheads="1"/>
+          </p:cNvSpPr>
+          <p:nvPr>
+            <p:ph type="title"/>
+            <p:custDataLst>
+              <p:tags r:id="rId1"/>
+            </p:custDataLst>
+          </p:nvPr>
+        </p:nvSpPr>
+        <p:spPr/>
+        <p:txBody>
+          <a:bodyPr/>
+          <a:lstStyle/>
+          <a:p>
+            <a:r>
+              <a:rPr lang="en-US" dirty="0"/>
+              <a:t>Thursday, Sep. 30</a:t>
+            </a:r>
+          </a:p>
+        </p:txBody>
+      </p:sp>
+      <p:sp>
+        <p:nvSpPr>
+          <p:cNvPr id="6147" name="Rectangle 3"/>
+          <p:cNvSpPr>
+            <a:spLocks noGrp="1" noChangeArrowheads="1"/>
+          </p:cNvSpPr>
+          <p:nvPr>
+            <p:ph sz="quarter" idx="1"/>
+            <p:custDataLst>
+              <p:tags r:id="rId2"/>
+            </p:custDataLst>
+          </p:nvPr>
+        </p:nvSpPr>
+        <p:spPr>
+          <a:xfrm>
+            <a:off x="381000" y="1371600"/>
+            <a:ext cx="8458200" cy="5105400"/>
+          </a:xfrm>
+        </p:spPr>
+        <p:txBody>
+          <a:bodyPr>
+            <a:normAutofit lnSpcReduction="10000"/>
+          </a:bodyPr>
+          <a:lstStyle/>
+          <a:p>
+            <a:r>
+              <a:rPr lang="en-US" dirty="0"/>
+              <a:t>Almost to October! The best month!</a:t>
+            </a:r>
+          </a:p>
+          <a:p>
+            <a:r>
+              <a:rPr lang="en-US" dirty="0"/>
+              <a:t>Quizzes 1-3 have been returned</a:t>
+            </a:r>
+          </a:p>
+          <a:p>
+            <a:pPr lvl="1"/>
+            <a:r>
+              <a:rPr lang="en-US" dirty="0"/>
+              <a:t>Regrades open until NEXT Tuesday @ 2:00pm</a:t>
+            </a:r>
+          </a:p>
+          <a:p>
+            <a:r>
+              <a:rPr lang="en-US" dirty="0"/>
+              <a:t>New schedule updates!</a:t>
+            </a:r>
+          </a:p>
+          <a:p>
+            <a:pPr lvl="1"/>
+            <a:r>
+              <a:rPr lang="en-US" dirty="0"/>
+              <a:t>Quiz 1-3 retakes is next Thursday (just before spring break)</a:t>
+            </a:r>
+          </a:p>
+          <a:p>
+            <a:pPr lvl="1"/>
+            <a:r>
+              <a:rPr lang="en-US" dirty="0"/>
+              <a:t>Quiz 4-5 first attempt on Oct. 19</a:t>
+            </a:r>
+          </a:p>
+          <a:p>
+            <a:r>
+              <a:rPr lang="en-US" dirty="0"/>
+              <a:t>Any office hours issues? They’ve been surprisingly quiet</a:t>
+            </a:r>
+          </a:p>
+          <a:p>
+            <a:pPr lvl="1"/>
+            <a:r>
+              <a:rPr lang="en-US" dirty="0"/>
+              <a:t>Though they’ve picked up a bit</a:t>
+            </a:r>
+          </a:p>
+          <a:p>
+            <a:r>
+              <a:rPr lang="en-US" dirty="0"/>
+              <a:t>Today is recommended deadline for Mod. 4 (BFS and DFS)</a:t>
+            </a:r>
+          </a:p>
+          <a:p>
+            <a:pPr lvl="1"/>
+            <a:r>
+              <a:rPr lang="en-US" dirty="0"/>
+              <a:t>Realistically…try to get to it by over the weekend.</a:t>
+            </a:r>
+          </a:p>
+          <a:p>
+            <a:r>
+              <a:rPr lang="en-US" dirty="0"/>
+              <a:t>Today we are doing a VERY short, one lecture module on Kruskal’s and the Find-Union Data Structure</a:t>
+            </a:r>
+          </a:p>
+        </p:txBody>
+      </p:sp>
+      <p:sp>
+        <p:nvSpPr>
+          <p:cNvPr id="4" name="Slide Number Placeholder 3"/>
+          <p:cNvSpPr>
+            <a:spLocks noGrp="1"/>
+          </p:cNvSpPr>
+          <p:nvPr>
+            <p:ph type="sldNum" sz="quarter" idx="12"/>
+          </p:nvPr>
+        </p:nvSpPr>
+        <p:spPr/>
+        <p:txBody>
+          <a:bodyPr/>
+          <a:lstStyle/>
+          <a:p>
+            <a:fld id="{F26D9103-0C5C-48AC-B68E-3ED2C1647047}" type="slidenum">
+              <a:rPr lang="en-US" smtClean="0"/>
+              <a:pPr/>
+              <a:t>11</a:t>
+            </a:fld>
+            <a:endParaRPr lang="en-US" dirty="0"/>
+          </a:p>
+        </p:txBody>
+      </p:sp>
+    </p:spTree>
+    <p:extLst>
+      <p:ext uri="{BB962C8B-B14F-4D97-AF65-F5344CB8AC3E}">
+        <p14:creationId xmlns:p14="http://schemas.microsoft.com/office/powerpoint/2010/main" val="1058123166"/>
+      </p:ext>
+    </p:extLst>
+  </p:cSld>
+  <p:clrMapOvr>
+    <a:masterClrMapping/>
+  </p:clrMapOvr>
+</p:sld>
+</file>
+
 <file path=ppt/slides/slide2.xml><?xml version="1.0" encoding="utf-8"?>
 <p:sld xmlns:a="http://schemas.openxmlformats.org/drawingml/2006/main" xmlns:r="http://schemas.openxmlformats.org/officeDocument/2006/relationships" xmlns:p="http://schemas.openxmlformats.org/presentationml/2006/main">
   <p:cSld>
@@ -6287,6 +6464,18 @@
 </file>
 
 <file path=ppt/tags/tag17.xml><?xml version="1.0" encoding="utf-8"?>
+<p:tagLst xmlns:a="http://schemas.openxmlformats.org/drawingml/2006/main" xmlns:r="http://schemas.openxmlformats.org/officeDocument/2006/relationships" xmlns:p="http://schemas.openxmlformats.org/presentationml/2006/main">
+  <p:tag name="_INSTRUCTOR VIEW19C14C36-AC8E-43BC-9DB6-C2AAF774C7DC|PANE__TAG" val="_"/>
+</p:tagLst>
+</file>
+
+<file path=ppt/tags/tag18.xml><?xml version="1.0" encoding="utf-8"?>
+<p:tagLst xmlns:a="http://schemas.openxmlformats.org/drawingml/2006/main" xmlns:r="http://schemas.openxmlformats.org/officeDocument/2006/relationships" xmlns:p="http://schemas.openxmlformats.org/presentationml/2006/main">
+  <p:tag name="_INSTRUCTOR VIEW19C14C36-AC8E-43BC-9DB6-C2AAF774C7DC|PANE__TAG" val="_"/>
+</p:tagLst>
+</file>
+
+<file path=ppt/tags/tag19.xml><?xml version="1.0" encoding="utf-8"?>
 <p:tagLst xmlns:a="http://schemas.openxmlformats.org/drawingml/2006/main" xmlns:r="http://schemas.openxmlformats.org/officeDocument/2006/relationships" xmlns:p="http://schemas.openxmlformats.org/presentationml/2006/main">
   <p:tag name="_INSTRUCTOR VIEW19C14C36-AC8E-43BC-9DB6-C2AAF774C7DC|PANE__TAG" val="_"/>
 </p:tagLst>

--- a/slides/dailyannouncements_mf.pptx
+++ b/slides/dailyannouncements_mf.pptx
@@ -5,10 +5,10 @@
     <p:sldMasterId id="2147483728" r:id="rId1"/>
   </p:sldMasterIdLst>
   <p:notesMasterIdLst>
-    <p:notesMasterId r:id="rId13"/>
+    <p:notesMasterId r:id="rId14"/>
   </p:notesMasterIdLst>
   <p:handoutMasterIdLst>
-    <p:handoutMasterId r:id="rId14"/>
+    <p:handoutMasterId r:id="rId15"/>
   </p:handoutMasterIdLst>
   <p:sldIdLst>
     <p:sldId id="447" r:id="rId2"/>
@@ -22,11 +22,12 @@
     <p:sldId id="490" r:id="rId10"/>
     <p:sldId id="491" r:id="rId11"/>
     <p:sldId id="492" r:id="rId12"/>
+    <p:sldId id="493" r:id="rId13"/>
   </p:sldIdLst>
   <p:sldSz cx="9144000" cy="6858000" type="screen4x3"/>
   <p:notesSz cx="7315200" cy="9601200"/>
   <p:custDataLst>
-    <p:tags r:id="rId15"/>
+    <p:tags r:id="rId16"/>
   </p:custDataLst>
   <p:defaultTextStyle>
     <a:defPPr>
@@ -1026,7 +1027,7 @@
             <a:fld id="{E4886CB5-510A-4EF6-9466-BC7A8F0DDE87}" type="datetime1">
               <a:rPr lang="en-US" smtClean="0"/>
               <a:pPr/>
-              <a:t>9/30/21</a:t>
+              <a:t>10/5/21</a:t>
             </a:fld>
             <a:endParaRPr lang="en-US"/>
           </a:p>
@@ -1386,7 +1387,7 @@
             <a:fld id="{9B297853-24B4-4D05-83E4-0AD2E86C55E5}" type="datetime1">
               <a:rPr lang="en-US" smtClean="0"/>
               <a:pPr/>
-              <a:t>9/30/21</a:t>
+              <a:t>10/5/21</a:t>
             </a:fld>
             <a:endParaRPr lang="en-US"/>
           </a:p>
@@ -1562,7 +1563,7 @@
             <a:fld id="{01FCDD9E-5768-4705-9537-0C020B1BB310}" type="datetime1">
               <a:rPr lang="en-US" smtClean="0"/>
               <a:pPr/>
-              <a:t>9/30/21</a:t>
+              <a:t>10/5/21</a:t>
             </a:fld>
             <a:endParaRPr lang="en-US"/>
           </a:p>
@@ -1798,7 +1799,7 @@
             <a:fld id="{4257C27E-59C2-41CA-9776-94955CBEE440}" type="datetime1">
               <a:rPr lang="en-US" smtClean="0"/>
               <a:pPr/>
-              <a:t>9/30/21</a:t>
+              <a:t>10/5/21</a:t>
             </a:fld>
             <a:endParaRPr lang="en-US"/>
           </a:p>
@@ -2084,7 +2085,7 @@
             <a:fld id="{03180747-A137-49C6-9C74-AB7EE86F4904}" type="datetime1">
               <a:rPr lang="en-US" smtClean="0"/>
               <a:pPr/>
-              <a:t>9/30/21</a:t>
+              <a:t>10/5/21</a:t>
             </a:fld>
             <a:endParaRPr lang="en-US"/>
           </a:p>
@@ -2305,7 +2306,7 @@
             <a:fld id="{EBBA31D9-ADC1-480D-86A8-1EAFB6A86A35}" type="datetime1">
               <a:rPr lang="en-US" smtClean="0"/>
               <a:pPr/>
-              <a:t>9/30/21</a:t>
+              <a:t>10/5/21</a:t>
             </a:fld>
             <a:endParaRPr lang="en-US"/>
           </a:p>
@@ -2658,7 +2659,7 @@
             <a:fld id="{80AAE9AE-3B2F-4DEA-8C41-BDDF4CDF6F40}" type="datetime1">
               <a:rPr lang="en-US" smtClean="0"/>
               <a:pPr/>
-              <a:t>9/30/21</a:t>
+              <a:t>10/5/21</a:t>
             </a:fld>
             <a:endParaRPr lang="en-US"/>
           </a:p>
@@ -2891,7 +2892,7 @@
             <a:fld id="{48252F7F-E8FE-413B-8521-D4ED924C6DE5}" type="datetime1">
               <a:rPr lang="en-US" smtClean="0"/>
               <a:pPr/>
-              <a:t>9/30/21</a:t>
+              <a:t>10/5/21</a:t>
             </a:fld>
             <a:endParaRPr lang="en-US"/>
           </a:p>
@@ -3033,7 +3034,7 @@
             <a:fld id="{2FF1B124-70E3-4E4A-90E2-6B55DB7659B3}" type="datetime1">
               <a:rPr lang="en-US" smtClean="0"/>
               <a:pPr/>
-              <a:t>9/30/21</a:t>
+              <a:t>10/5/21</a:t>
             </a:fld>
             <a:endParaRPr lang="en-US"/>
           </a:p>
@@ -3311,7 +3312,7 @@
             <a:fld id="{4EBF4C98-3CD6-4C87-BD40-5718C2628835}" type="datetime1">
               <a:rPr lang="en-US" smtClean="0"/>
               <a:pPr/>
-              <a:t>9/30/21</a:t>
+              <a:t>10/5/21</a:t>
             </a:fld>
             <a:endParaRPr lang="en-US"/>
           </a:p>
@@ -3719,7 +3720,7 @@
             <a:fld id="{6D6408A8-6B1B-4CDA-875E-7BEECDBA31DF}" type="datetime1">
               <a:rPr lang="en-US" smtClean="0"/>
               <a:pPr/>
-              <a:t>9/30/21</a:t>
+              <a:t>10/5/21</a:t>
             </a:fld>
             <a:endParaRPr lang="en-US"/>
           </a:p>
@@ -4057,7 +4058,7 @@
             <a:fld id="{C55AAF07-D2F5-4B3C-B443-40DE8C337A77}" type="datetime1">
               <a:rPr lang="en-US" smtClean="0"/>
               <a:pPr/>
-              <a:t>9/30/21</a:t>
+              <a:t>10/5/21</a:t>
             </a:fld>
             <a:endParaRPr lang="en-US"/>
           </a:p>
@@ -5083,6 +5084,177 @@
 </p:sld>
 </file>
 
+<file path=ppt/slides/slide12.xml><?xml version="1.0" encoding="utf-8"?>
+<p:sld xmlns:a="http://schemas.openxmlformats.org/drawingml/2006/main" xmlns:r="http://schemas.openxmlformats.org/officeDocument/2006/relationships" xmlns:p="http://schemas.openxmlformats.org/presentationml/2006/main">
+  <p:cSld>
+    <p:spTree>
+      <p:nvGrpSpPr>
+        <p:cNvPr id="1" name=""/>
+        <p:cNvGrpSpPr/>
+        <p:nvPr/>
+      </p:nvGrpSpPr>
+      <p:grpSpPr>
+        <a:xfrm>
+          <a:off x="0" y="0"/>
+          <a:ext cx="0" cy="0"/>
+          <a:chOff x="0" y="0"/>
+          <a:chExt cx="0" cy="0"/>
+        </a:xfrm>
+      </p:grpSpPr>
+      <p:sp>
+        <p:nvSpPr>
+          <p:cNvPr id="6146" name="Rectangle 2"/>
+          <p:cNvSpPr>
+            <a:spLocks noGrp="1" noChangeArrowheads="1"/>
+          </p:cNvSpPr>
+          <p:nvPr>
+            <p:ph type="title"/>
+            <p:custDataLst>
+              <p:tags r:id="rId1"/>
+            </p:custDataLst>
+          </p:nvPr>
+        </p:nvSpPr>
+        <p:spPr/>
+        <p:txBody>
+          <a:bodyPr/>
+          <a:lstStyle/>
+          <a:p>
+            <a:r>
+              <a:rPr lang="en-US" dirty="0"/>
+              <a:t>Tuesday, Oct. 5</a:t>
+            </a:r>
+          </a:p>
+        </p:txBody>
+      </p:sp>
+      <p:sp>
+        <p:nvSpPr>
+          <p:cNvPr id="6147" name="Rectangle 3"/>
+          <p:cNvSpPr>
+            <a:spLocks noGrp="1" noChangeArrowheads="1"/>
+          </p:cNvSpPr>
+          <p:nvPr>
+            <p:ph sz="quarter" idx="1"/>
+            <p:custDataLst>
+              <p:tags r:id="rId2"/>
+            </p:custDataLst>
+          </p:nvPr>
+        </p:nvSpPr>
+        <p:spPr>
+          <a:xfrm>
+            <a:off x="381000" y="1371600"/>
+            <a:ext cx="8458200" cy="5105400"/>
+          </a:xfrm>
+        </p:spPr>
+        <p:txBody>
+          <a:bodyPr>
+            <a:normAutofit/>
+          </a:bodyPr>
+          <a:lstStyle/>
+          <a:p>
+            <a:r>
+              <a:rPr lang="en-US" dirty="0"/>
+              <a:t>Welcome to October! The best month!</a:t>
+            </a:r>
+          </a:p>
+          <a:p>
+            <a:r>
+              <a:rPr lang="en-US" dirty="0"/>
+              <a:t>Quizzes 1-3 retakes are THIS Thursday</a:t>
+            </a:r>
+          </a:p>
+          <a:p>
+            <a:pPr lvl="1"/>
+            <a:r>
+              <a:rPr lang="en-US" dirty="0"/>
+              <a:t>During class</a:t>
+            </a:r>
+          </a:p>
+          <a:p>
+            <a:r>
+              <a:rPr lang="en-US" dirty="0"/>
+              <a:t>New schedule updates!</a:t>
+            </a:r>
+          </a:p>
+          <a:p>
+            <a:pPr lvl="1"/>
+            <a:r>
+              <a:rPr lang="en-US" dirty="0"/>
+              <a:t>Quiz 4-5 first attempt on Oct. 19</a:t>
+            </a:r>
+          </a:p>
+          <a:p>
+            <a:r>
+              <a:rPr lang="en-US" dirty="0"/>
+              <a:t>Homework updates:</a:t>
+            </a:r>
+          </a:p>
+          <a:p>
+            <a:pPr lvl="1"/>
+            <a:r>
+              <a:rPr lang="en-US" dirty="0"/>
+              <a:t>Wiring </a:t>
+            </a:r>
+            <a:r>
+              <a:rPr lang="en-US" dirty="0" err="1"/>
+              <a:t>autograder</a:t>
+            </a:r>
+            <a:r>
+              <a:rPr lang="en-US" dirty="0"/>
+              <a:t> is up now.</a:t>
+            </a:r>
+          </a:p>
+          <a:p>
+            <a:pPr lvl="1"/>
+            <a:r>
+              <a:rPr lang="en-US" dirty="0"/>
+              <a:t>You should try to get done with the first 5 over fall break.</a:t>
+            </a:r>
+          </a:p>
+          <a:p>
+            <a:r>
+              <a:rPr lang="en-US" dirty="0"/>
+              <a:t>Today we begin module 6. Two lectures on Prim’s and Dijkstra’s algorithms. With a new data structure + formal proofs.</a:t>
+            </a:r>
+          </a:p>
+        </p:txBody>
+      </p:sp>
+      <p:sp>
+        <p:nvSpPr>
+          <p:cNvPr id="4" name="Slide Number Placeholder 3"/>
+          <p:cNvSpPr>
+            <a:spLocks noGrp="1"/>
+          </p:cNvSpPr>
+          <p:nvPr>
+            <p:ph type="sldNum" sz="quarter" idx="12"/>
+          </p:nvPr>
+        </p:nvSpPr>
+        <p:spPr/>
+        <p:txBody>
+          <a:bodyPr/>
+          <a:lstStyle/>
+          <a:p>
+            <a:fld id="{F26D9103-0C5C-48AC-B68E-3ED2C1647047}" type="slidenum">
+              <a:rPr lang="en-US" smtClean="0"/>
+              <a:pPr/>
+              <a:t>12</a:t>
+            </a:fld>
+            <a:endParaRPr lang="en-US" dirty="0"/>
+          </a:p>
+        </p:txBody>
+      </p:sp>
+    </p:spTree>
+    <p:extLst>
+      <p:ext uri="{BB962C8B-B14F-4D97-AF65-F5344CB8AC3E}">
+        <p14:creationId xmlns:p14="http://schemas.microsoft.com/office/powerpoint/2010/main" val="878777549"/>
+      </p:ext>
+    </p:extLst>
+  </p:cSld>
+  <p:clrMapOvr>
+    <a:masterClrMapping/>
+  </p:clrMapOvr>
+</p:sld>
+</file>
+
 <file path=ppt/slides/slide2.xml><?xml version="1.0" encoding="utf-8"?>
 <p:sld xmlns:a="http://schemas.openxmlformats.org/drawingml/2006/main" xmlns:r="http://schemas.openxmlformats.org/officeDocument/2006/relationships" xmlns:p="http://schemas.openxmlformats.org/presentationml/2006/main">
   <p:cSld>
@@ -6482,6 +6654,18 @@
 </file>
 
 <file path=ppt/tags/tag2.xml><?xml version="1.0" encoding="utf-8"?>
+<p:tagLst xmlns:a="http://schemas.openxmlformats.org/drawingml/2006/main" xmlns:r="http://schemas.openxmlformats.org/officeDocument/2006/relationships" xmlns:p="http://schemas.openxmlformats.org/presentationml/2006/main">
+  <p:tag name="_INSTRUCTOR VIEW19C14C36-AC8E-43BC-9DB6-C2AAF774C7DC|PANE__TAG" val="_"/>
+</p:tagLst>
+</file>
+
+<file path=ppt/tags/tag20.xml><?xml version="1.0" encoding="utf-8"?>
+<p:tagLst xmlns:a="http://schemas.openxmlformats.org/drawingml/2006/main" xmlns:r="http://schemas.openxmlformats.org/officeDocument/2006/relationships" xmlns:p="http://schemas.openxmlformats.org/presentationml/2006/main">
+  <p:tag name="_INSTRUCTOR VIEW19C14C36-AC8E-43BC-9DB6-C2AAF774C7DC|PANE__TAG" val="_"/>
+</p:tagLst>
+</file>
+
+<file path=ppt/tags/tag21.xml><?xml version="1.0" encoding="utf-8"?>
 <p:tagLst xmlns:a="http://schemas.openxmlformats.org/drawingml/2006/main" xmlns:r="http://schemas.openxmlformats.org/officeDocument/2006/relationships" xmlns:p="http://schemas.openxmlformats.org/presentationml/2006/main">
   <p:tag name="_INSTRUCTOR VIEW19C14C36-AC8E-43BC-9DB6-C2AAF774C7DC|PANE__TAG" val="_"/>
 </p:tagLst>

--- a/slides/dailyannouncements_mf.pptx
+++ b/slides/dailyannouncements_mf.pptx
@@ -5,10 +5,10 @@
     <p:sldMasterId id="2147483728" r:id="rId1"/>
   </p:sldMasterIdLst>
   <p:notesMasterIdLst>
-    <p:notesMasterId r:id="rId14"/>
+    <p:notesMasterId r:id="rId15"/>
   </p:notesMasterIdLst>
   <p:handoutMasterIdLst>
-    <p:handoutMasterId r:id="rId15"/>
+    <p:handoutMasterId r:id="rId16"/>
   </p:handoutMasterIdLst>
   <p:sldIdLst>
     <p:sldId id="447" r:id="rId2"/>
@@ -23,11 +23,12 @@
     <p:sldId id="491" r:id="rId11"/>
     <p:sldId id="492" r:id="rId12"/>
     <p:sldId id="493" r:id="rId13"/>
+    <p:sldId id="494" r:id="rId14"/>
   </p:sldIdLst>
   <p:sldSz cx="9144000" cy="6858000" type="screen4x3"/>
   <p:notesSz cx="7315200" cy="9601200"/>
   <p:custDataLst>
-    <p:tags r:id="rId16"/>
+    <p:tags r:id="rId17"/>
   </p:custDataLst>
   <p:defaultTextStyle>
     <a:defPPr>
@@ -1027,7 +1028,7 @@
             <a:fld id="{E4886CB5-510A-4EF6-9466-BC7A8F0DDE87}" type="datetime1">
               <a:rPr lang="en-US" smtClean="0"/>
               <a:pPr/>
-              <a:t>10/5/21</a:t>
+              <a:t>10/14/21</a:t>
             </a:fld>
             <a:endParaRPr lang="en-US"/>
           </a:p>
@@ -1387,7 +1388,7 @@
             <a:fld id="{9B297853-24B4-4D05-83E4-0AD2E86C55E5}" type="datetime1">
               <a:rPr lang="en-US" smtClean="0"/>
               <a:pPr/>
-              <a:t>10/5/21</a:t>
+              <a:t>10/14/21</a:t>
             </a:fld>
             <a:endParaRPr lang="en-US"/>
           </a:p>
@@ -1563,7 +1564,7 @@
             <a:fld id="{01FCDD9E-5768-4705-9537-0C020B1BB310}" type="datetime1">
               <a:rPr lang="en-US" smtClean="0"/>
               <a:pPr/>
-              <a:t>10/5/21</a:t>
+              <a:t>10/14/21</a:t>
             </a:fld>
             <a:endParaRPr lang="en-US"/>
           </a:p>
@@ -1799,7 +1800,7 @@
             <a:fld id="{4257C27E-59C2-41CA-9776-94955CBEE440}" type="datetime1">
               <a:rPr lang="en-US" smtClean="0"/>
               <a:pPr/>
-              <a:t>10/5/21</a:t>
+              <a:t>10/14/21</a:t>
             </a:fld>
             <a:endParaRPr lang="en-US"/>
           </a:p>
@@ -2085,7 +2086,7 @@
             <a:fld id="{03180747-A137-49C6-9C74-AB7EE86F4904}" type="datetime1">
               <a:rPr lang="en-US" smtClean="0"/>
               <a:pPr/>
-              <a:t>10/5/21</a:t>
+              <a:t>10/14/21</a:t>
             </a:fld>
             <a:endParaRPr lang="en-US"/>
           </a:p>
@@ -2306,7 +2307,7 @@
             <a:fld id="{EBBA31D9-ADC1-480D-86A8-1EAFB6A86A35}" type="datetime1">
               <a:rPr lang="en-US" smtClean="0"/>
               <a:pPr/>
-              <a:t>10/5/21</a:t>
+              <a:t>10/14/21</a:t>
             </a:fld>
             <a:endParaRPr lang="en-US"/>
           </a:p>
@@ -2659,7 +2660,7 @@
             <a:fld id="{80AAE9AE-3B2F-4DEA-8C41-BDDF4CDF6F40}" type="datetime1">
               <a:rPr lang="en-US" smtClean="0"/>
               <a:pPr/>
-              <a:t>10/5/21</a:t>
+              <a:t>10/14/21</a:t>
             </a:fld>
             <a:endParaRPr lang="en-US"/>
           </a:p>
@@ -2892,7 +2893,7 @@
             <a:fld id="{48252F7F-E8FE-413B-8521-D4ED924C6DE5}" type="datetime1">
               <a:rPr lang="en-US" smtClean="0"/>
               <a:pPr/>
-              <a:t>10/5/21</a:t>
+              <a:t>10/14/21</a:t>
             </a:fld>
             <a:endParaRPr lang="en-US"/>
           </a:p>
@@ -3034,7 +3035,7 @@
             <a:fld id="{2FF1B124-70E3-4E4A-90E2-6B55DB7659B3}" type="datetime1">
               <a:rPr lang="en-US" smtClean="0"/>
               <a:pPr/>
-              <a:t>10/5/21</a:t>
+              <a:t>10/14/21</a:t>
             </a:fld>
             <a:endParaRPr lang="en-US"/>
           </a:p>
@@ -3312,7 +3313,7 @@
             <a:fld id="{4EBF4C98-3CD6-4C87-BD40-5718C2628835}" type="datetime1">
               <a:rPr lang="en-US" smtClean="0"/>
               <a:pPr/>
-              <a:t>10/5/21</a:t>
+              <a:t>10/14/21</a:t>
             </a:fld>
             <a:endParaRPr lang="en-US"/>
           </a:p>
@@ -3720,7 +3721,7 @@
             <a:fld id="{6D6408A8-6B1B-4CDA-875E-7BEECDBA31DF}" type="datetime1">
               <a:rPr lang="en-US" smtClean="0"/>
               <a:pPr/>
-              <a:t>10/5/21</a:t>
+              <a:t>10/14/21</a:t>
             </a:fld>
             <a:endParaRPr lang="en-US"/>
           </a:p>
@@ -4058,7 +4059,7 @@
             <a:fld id="{C55AAF07-D2F5-4B3C-B443-40DE8C337A77}" type="datetime1">
               <a:rPr lang="en-US" smtClean="0"/>
               <a:pPr/>
-              <a:t>10/5/21</a:t>
+              <a:t>10/14/21</a:t>
             </a:fld>
             <a:endParaRPr lang="en-US"/>
           </a:p>
@@ -5255,6 +5256,177 @@
 </p:sld>
 </file>
 
+<file path=ppt/slides/slide13.xml><?xml version="1.0" encoding="utf-8"?>
+<p:sld xmlns:a="http://schemas.openxmlformats.org/drawingml/2006/main" xmlns:r="http://schemas.openxmlformats.org/officeDocument/2006/relationships" xmlns:p="http://schemas.openxmlformats.org/presentationml/2006/main">
+  <p:cSld>
+    <p:spTree>
+      <p:nvGrpSpPr>
+        <p:cNvPr id="1" name=""/>
+        <p:cNvGrpSpPr/>
+        <p:nvPr/>
+      </p:nvGrpSpPr>
+      <p:grpSpPr>
+        <a:xfrm>
+          <a:off x="0" y="0"/>
+          <a:ext cx="0" cy="0"/>
+          <a:chOff x="0" y="0"/>
+          <a:chExt cx="0" cy="0"/>
+        </a:xfrm>
+      </p:grpSpPr>
+      <p:sp>
+        <p:nvSpPr>
+          <p:cNvPr id="6146" name="Rectangle 2"/>
+          <p:cNvSpPr>
+            <a:spLocks noGrp="1" noChangeArrowheads="1"/>
+          </p:cNvSpPr>
+          <p:nvPr>
+            <p:ph type="title"/>
+            <p:custDataLst>
+              <p:tags r:id="rId1"/>
+            </p:custDataLst>
+          </p:nvPr>
+        </p:nvSpPr>
+        <p:spPr/>
+        <p:txBody>
+          <a:bodyPr/>
+          <a:lstStyle/>
+          <a:p>
+            <a:r>
+              <a:rPr lang="en-US" dirty="0"/>
+              <a:t>Thursday, Oct. 14</a:t>
+            </a:r>
+          </a:p>
+        </p:txBody>
+      </p:sp>
+      <p:sp>
+        <p:nvSpPr>
+          <p:cNvPr id="6147" name="Rectangle 3"/>
+          <p:cNvSpPr>
+            <a:spLocks noGrp="1" noChangeArrowheads="1"/>
+          </p:cNvSpPr>
+          <p:nvPr>
+            <p:ph sz="quarter" idx="1"/>
+            <p:custDataLst>
+              <p:tags r:id="rId2"/>
+            </p:custDataLst>
+          </p:nvPr>
+        </p:nvSpPr>
+        <p:spPr>
+          <a:xfrm>
+            <a:off x="381000" y="1371600"/>
+            <a:ext cx="8458200" cy="5105400"/>
+          </a:xfrm>
+        </p:spPr>
+        <p:txBody>
+          <a:bodyPr>
+            <a:normAutofit/>
+          </a:bodyPr>
+          <a:lstStyle/>
+          <a:p>
+            <a:r>
+              <a:rPr lang="en-US" dirty="0"/>
+              <a:t>Quizzes 1-3 retake grades have been released</a:t>
+            </a:r>
+          </a:p>
+          <a:p>
+            <a:pPr lvl="1"/>
+            <a:r>
+              <a:rPr lang="en-US" dirty="0"/>
+              <a:t>See website for thresholds, etc.</a:t>
+            </a:r>
+          </a:p>
+          <a:p>
+            <a:pPr lvl="1"/>
+            <a:r>
+              <a:rPr lang="en-US" dirty="0"/>
+              <a:t>Any questions?</a:t>
+            </a:r>
+          </a:p>
+          <a:p>
+            <a:r>
+              <a:rPr lang="en-US" dirty="0"/>
+              <a:t>Quiz 4-5 first attempt on Oct. 19 (next Tuesday)</a:t>
+            </a:r>
+          </a:p>
+          <a:p>
+            <a:pPr lvl="1"/>
+            <a:r>
+              <a:rPr lang="en-US" dirty="0"/>
+              <a:t>Good luck!!</a:t>
+            </a:r>
+          </a:p>
+          <a:p>
+            <a:pPr lvl="1"/>
+            <a:r>
+              <a:rPr lang="en-US" dirty="0"/>
+              <a:t>There will be a recorded lecture on this day (don’t forget)</a:t>
+            </a:r>
+          </a:p>
+          <a:p>
+            <a:r>
+              <a:rPr lang="en-US" dirty="0"/>
+              <a:t>Homework updates:</a:t>
+            </a:r>
+          </a:p>
+          <a:p>
+            <a:pPr lvl="1"/>
+            <a:r>
+              <a:rPr lang="en-US" dirty="0"/>
+              <a:t>M6: Prim’s / Dijkstra’s homework has been released</a:t>
+            </a:r>
+          </a:p>
+          <a:p>
+            <a:pPr lvl="1"/>
+            <a:r>
+              <a:rPr lang="en-US" dirty="0"/>
+              <a:t>Modules 1-5 are ALL passed the recommended due date</a:t>
+            </a:r>
+          </a:p>
+          <a:p>
+            <a:r>
+              <a:rPr lang="en-US" dirty="0"/>
+              <a:t>Today we finish module 6. Proving Prim’s and Dijkstra’s are correct.</a:t>
+            </a:r>
+          </a:p>
+        </p:txBody>
+      </p:sp>
+      <p:sp>
+        <p:nvSpPr>
+          <p:cNvPr id="4" name="Slide Number Placeholder 3"/>
+          <p:cNvSpPr>
+            <a:spLocks noGrp="1"/>
+          </p:cNvSpPr>
+          <p:nvPr>
+            <p:ph type="sldNum" sz="quarter" idx="12"/>
+          </p:nvPr>
+        </p:nvSpPr>
+        <p:spPr/>
+        <p:txBody>
+          <a:bodyPr/>
+          <a:lstStyle/>
+          <a:p>
+            <a:fld id="{F26D9103-0C5C-48AC-B68E-3ED2C1647047}" type="slidenum">
+              <a:rPr lang="en-US" smtClean="0"/>
+              <a:pPr/>
+              <a:t>13</a:t>
+            </a:fld>
+            <a:endParaRPr lang="en-US" dirty="0"/>
+          </a:p>
+        </p:txBody>
+      </p:sp>
+    </p:spTree>
+    <p:extLst>
+      <p:ext uri="{BB962C8B-B14F-4D97-AF65-F5344CB8AC3E}">
+        <p14:creationId xmlns:p14="http://schemas.microsoft.com/office/powerpoint/2010/main" val="1634876088"/>
+      </p:ext>
+    </p:extLst>
+  </p:cSld>
+  <p:clrMapOvr>
+    <a:masterClrMapping/>
+  </p:clrMapOvr>
+</p:sld>
+</file>
+
 <file path=ppt/slides/slide2.xml><?xml version="1.0" encoding="utf-8"?>
 <p:sld xmlns:a="http://schemas.openxmlformats.org/drawingml/2006/main" xmlns:r="http://schemas.openxmlformats.org/officeDocument/2006/relationships" xmlns:p="http://schemas.openxmlformats.org/presentationml/2006/main">
   <p:cSld>
@@ -6666,6 +6838,18 @@
 </file>
 
 <file path=ppt/tags/tag21.xml><?xml version="1.0" encoding="utf-8"?>
+<p:tagLst xmlns:a="http://schemas.openxmlformats.org/drawingml/2006/main" xmlns:r="http://schemas.openxmlformats.org/officeDocument/2006/relationships" xmlns:p="http://schemas.openxmlformats.org/presentationml/2006/main">
+  <p:tag name="_INSTRUCTOR VIEW19C14C36-AC8E-43BC-9DB6-C2AAF774C7DC|PANE__TAG" val="_"/>
+</p:tagLst>
+</file>
+
+<file path=ppt/tags/tag22.xml><?xml version="1.0" encoding="utf-8"?>
+<p:tagLst xmlns:a="http://schemas.openxmlformats.org/drawingml/2006/main" xmlns:r="http://schemas.openxmlformats.org/officeDocument/2006/relationships" xmlns:p="http://schemas.openxmlformats.org/presentationml/2006/main">
+  <p:tag name="_INSTRUCTOR VIEW19C14C36-AC8E-43BC-9DB6-C2AAF774C7DC|PANE__TAG" val="_"/>
+</p:tagLst>
+</file>
+
+<file path=ppt/tags/tag23.xml><?xml version="1.0" encoding="utf-8"?>
 <p:tagLst xmlns:a="http://schemas.openxmlformats.org/drawingml/2006/main" xmlns:r="http://schemas.openxmlformats.org/officeDocument/2006/relationships" xmlns:p="http://schemas.openxmlformats.org/presentationml/2006/main">
   <p:tag name="_INSTRUCTOR VIEW19C14C36-AC8E-43BC-9DB6-C2AAF774C7DC|PANE__TAG" val="_"/>
 </p:tagLst>

--- a/slides/dailyannouncements_mf.pptx
+++ b/slides/dailyannouncements_mf.pptx
@@ -5,10 +5,10 @@
     <p:sldMasterId id="2147483728" r:id="rId1"/>
   </p:sldMasterIdLst>
   <p:notesMasterIdLst>
-    <p:notesMasterId r:id="rId15"/>
+    <p:notesMasterId r:id="rId16"/>
   </p:notesMasterIdLst>
   <p:handoutMasterIdLst>
-    <p:handoutMasterId r:id="rId16"/>
+    <p:handoutMasterId r:id="rId17"/>
   </p:handoutMasterIdLst>
   <p:sldIdLst>
     <p:sldId id="447" r:id="rId2"/>
@@ -24,11 +24,12 @@
     <p:sldId id="492" r:id="rId12"/>
     <p:sldId id="493" r:id="rId13"/>
     <p:sldId id="494" r:id="rId14"/>
+    <p:sldId id="495" r:id="rId15"/>
   </p:sldIdLst>
   <p:sldSz cx="9144000" cy="6858000" type="screen4x3"/>
   <p:notesSz cx="7315200" cy="9601200"/>
   <p:custDataLst>
-    <p:tags r:id="rId17"/>
+    <p:tags r:id="rId18"/>
   </p:custDataLst>
   <p:defaultTextStyle>
     <a:defPPr>
@@ -1028,7 +1029,7 @@
             <a:fld id="{E4886CB5-510A-4EF6-9466-BC7A8F0DDE87}" type="datetime1">
               <a:rPr lang="en-US" smtClean="0"/>
               <a:pPr/>
-              <a:t>10/14/21</a:t>
+              <a:t>10/21/21</a:t>
             </a:fld>
             <a:endParaRPr lang="en-US"/>
           </a:p>
@@ -1388,7 +1389,7 @@
             <a:fld id="{9B297853-24B4-4D05-83E4-0AD2E86C55E5}" type="datetime1">
               <a:rPr lang="en-US" smtClean="0"/>
               <a:pPr/>
-              <a:t>10/14/21</a:t>
+              <a:t>10/21/21</a:t>
             </a:fld>
             <a:endParaRPr lang="en-US"/>
           </a:p>
@@ -1564,7 +1565,7 @@
             <a:fld id="{01FCDD9E-5768-4705-9537-0C020B1BB310}" type="datetime1">
               <a:rPr lang="en-US" smtClean="0"/>
               <a:pPr/>
-              <a:t>10/14/21</a:t>
+              <a:t>10/21/21</a:t>
             </a:fld>
             <a:endParaRPr lang="en-US"/>
           </a:p>
@@ -1800,7 +1801,7 @@
             <a:fld id="{4257C27E-59C2-41CA-9776-94955CBEE440}" type="datetime1">
               <a:rPr lang="en-US" smtClean="0"/>
               <a:pPr/>
-              <a:t>10/14/21</a:t>
+              <a:t>10/21/21</a:t>
             </a:fld>
             <a:endParaRPr lang="en-US"/>
           </a:p>
@@ -2086,7 +2087,7 @@
             <a:fld id="{03180747-A137-49C6-9C74-AB7EE86F4904}" type="datetime1">
               <a:rPr lang="en-US" smtClean="0"/>
               <a:pPr/>
-              <a:t>10/14/21</a:t>
+              <a:t>10/21/21</a:t>
             </a:fld>
             <a:endParaRPr lang="en-US"/>
           </a:p>
@@ -2307,7 +2308,7 @@
             <a:fld id="{EBBA31D9-ADC1-480D-86A8-1EAFB6A86A35}" type="datetime1">
               <a:rPr lang="en-US" smtClean="0"/>
               <a:pPr/>
-              <a:t>10/14/21</a:t>
+              <a:t>10/21/21</a:t>
             </a:fld>
             <a:endParaRPr lang="en-US"/>
           </a:p>
@@ -2660,7 +2661,7 @@
             <a:fld id="{80AAE9AE-3B2F-4DEA-8C41-BDDF4CDF6F40}" type="datetime1">
               <a:rPr lang="en-US" smtClean="0"/>
               <a:pPr/>
-              <a:t>10/14/21</a:t>
+              <a:t>10/21/21</a:t>
             </a:fld>
             <a:endParaRPr lang="en-US"/>
           </a:p>
@@ -2893,7 +2894,7 @@
             <a:fld id="{48252F7F-E8FE-413B-8521-D4ED924C6DE5}" type="datetime1">
               <a:rPr lang="en-US" smtClean="0"/>
               <a:pPr/>
-              <a:t>10/14/21</a:t>
+              <a:t>10/21/21</a:t>
             </a:fld>
             <a:endParaRPr lang="en-US"/>
           </a:p>
@@ -3035,7 +3036,7 @@
             <a:fld id="{2FF1B124-70E3-4E4A-90E2-6B55DB7659B3}" type="datetime1">
               <a:rPr lang="en-US" smtClean="0"/>
               <a:pPr/>
-              <a:t>10/14/21</a:t>
+              <a:t>10/21/21</a:t>
             </a:fld>
             <a:endParaRPr lang="en-US"/>
           </a:p>
@@ -3313,7 +3314,7 @@
             <a:fld id="{4EBF4C98-3CD6-4C87-BD40-5718C2628835}" type="datetime1">
               <a:rPr lang="en-US" smtClean="0"/>
               <a:pPr/>
-              <a:t>10/14/21</a:t>
+              <a:t>10/21/21</a:t>
             </a:fld>
             <a:endParaRPr lang="en-US"/>
           </a:p>
@@ -3721,7 +3722,7 @@
             <a:fld id="{6D6408A8-6B1B-4CDA-875E-7BEECDBA31DF}" type="datetime1">
               <a:rPr lang="en-US" smtClean="0"/>
               <a:pPr/>
-              <a:t>10/14/21</a:t>
+              <a:t>10/21/21</a:t>
             </a:fld>
             <a:endParaRPr lang="en-US"/>
           </a:p>
@@ -4059,7 +4060,7 @@
             <a:fld id="{C55AAF07-D2F5-4B3C-B443-40DE8C337A77}" type="datetime1">
               <a:rPr lang="en-US" smtClean="0"/>
               <a:pPr/>
-              <a:t>10/14/21</a:t>
+              <a:t>10/21/21</a:t>
             </a:fld>
             <a:endParaRPr lang="en-US"/>
           </a:p>
@@ -5427,6 +5428,169 @@
 </p:sld>
 </file>
 
+<file path=ppt/slides/slide14.xml><?xml version="1.0" encoding="utf-8"?>
+<p:sld xmlns:a="http://schemas.openxmlformats.org/drawingml/2006/main" xmlns:r="http://schemas.openxmlformats.org/officeDocument/2006/relationships" xmlns:p="http://schemas.openxmlformats.org/presentationml/2006/main">
+  <p:cSld>
+    <p:spTree>
+      <p:nvGrpSpPr>
+        <p:cNvPr id="1" name=""/>
+        <p:cNvGrpSpPr/>
+        <p:nvPr/>
+      </p:nvGrpSpPr>
+      <p:grpSpPr>
+        <a:xfrm>
+          <a:off x="0" y="0"/>
+          <a:ext cx="0" cy="0"/>
+          <a:chOff x="0" y="0"/>
+          <a:chExt cx="0" cy="0"/>
+        </a:xfrm>
+      </p:grpSpPr>
+      <p:sp>
+        <p:nvSpPr>
+          <p:cNvPr id="6146" name="Rectangle 2"/>
+          <p:cNvSpPr>
+            <a:spLocks noGrp="1" noChangeArrowheads="1"/>
+          </p:cNvSpPr>
+          <p:nvPr>
+            <p:ph type="title"/>
+            <p:custDataLst>
+              <p:tags r:id="rId1"/>
+            </p:custDataLst>
+          </p:nvPr>
+        </p:nvSpPr>
+        <p:spPr/>
+        <p:txBody>
+          <a:bodyPr/>
+          <a:lstStyle/>
+          <a:p>
+            <a:r>
+              <a:rPr lang="en-US" dirty="0"/>
+              <a:t>Thursday, Oct. 21</a:t>
+            </a:r>
+          </a:p>
+        </p:txBody>
+      </p:sp>
+      <p:sp>
+        <p:nvSpPr>
+          <p:cNvPr id="6147" name="Rectangle 3"/>
+          <p:cNvSpPr>
+            <a:spLocks noGrp="1" noChangeArrowheads="1"/>
+          </p:cNvSpPr>
+          <p:nvPr>
+            <p:ph sz="quarter" idx="1"/>
+            <p:custDataLst>
+              <p:tags r:id="rId2"/>
+            </p:custDataLst>
+          </p:nvPr>
+        </p:nvSpPr>
+        <p:spPr>
+          <a:xfrm>
+            <a:off x="381000" y="1371600"/>
+            <a:ext cx="8458200" cy="5105400"/>
+          </a:xfrm>
+        </p:spPr>
+        <p:txBody>
+          <a:bodyPr>
+            <a:normAutofit/>
+          </a:bodyPr>
+          <a:lstStyle/>
+          <a:p>
+            <a:r>
+              <a:rPr lang="en-US" dirty="0"/>
+              <a:t>Quizzes 4-5 was taken on Tuesday</a:t>
+            </a:r>
+          </a:p>
+          <a:p>
+            <a:pPr lvl="1"/>
+            <a:r>
+              <a:rPr lang="en-US" dirty="0"/>
+              <a:t>They are graded! You’ll get them back very soon.</a:t>
+            </a:r>
+          </a:p>
+          <a:p>
+            <a:pPr lvl="1"/>
+            <a:r>
+              <a:rPr lang="en-US" dirty="0"/>
+              <a:t>You all did really well</a:t>
+            </a:r>
+          </a:p>
+          <a:p>
+            <a:r>
+              <a:rPr lang="en-US" dirty="0"/>
+              <a:t>Homework updates:</a:t>
+            </a:r>
+          </a:p>
+          <a:p>
+            <a:pPr lvl="1"/>
+            <a:r>
+              <a:rPr lang="en-US" dirty="0"/>
+              <a:t>M7: Daycare programming assignment released</a:t>
+            </a:r>
+          </a:p>
+          <a:p>
+            <a:pPr lvl="1"/>
+            <a:r>
+              <a:rPr lang="en-US" dirty="0"/>
+              <a:t>M6: Prim’s / Dijkstra’s recommended deadline is today</a:t>
+            </a:r>
+          </a:p>
+          <a:p>
+            <a:pPr lvl="1"/>
+            <a:r>
+              <a:rPr lang="en-US" dirty="0"/>
+              <a:t>Modules 1-5 are ALL passed the recommended due date</a:t>
+            </a:r>
+          </a:p>
+          <a:p>
+            <a:r>
+              <a:rPr lang="en-US" dirty="0"/>
+              <a:t>Today we continue with module 7: </a:t>
+            </a:r>
+            <a:r>
+              <a:rPr lang="en-US"/>
+              <a:t>Greedy algorithms</a:t>
+            </a:r>
+            <a:endParaRPr lang="en-US" dirty="0"/>
+          </a:p>
+        </p:txBody>
+      </p:sp>
+      <p:sp>
+        <p:nvSpPr>
+          <p:cNvPr id="4" name="Slide Number Placeholder 3"/>
+          <p:cNvSpPr>
+            <a:spLocks noGrp="1"/>
+          </p:cNvSpPr>
+          <p:nvPr>
+            <p:ph type="sldNum" sz="quarter" idx="12"/>
+          </p:nvPr>
+        </p:nvSpPr>
+        <p:spPr/>
+        <p:txBody>
+          <a:bodyPr/>
+          <a:lstStyle/>
+          <a:p>
+            <a:fld id="{F26D9103-0C5C-48AC-B68E-3ED2C1647047}" type="slidenum">
+              <a:rPr lang="en-US" smtClean="0"/>
+              <a:pPr/>
+              <a:t>14</a:t>
+            </a:fld>
+            <a:endParaRPr lang="en-US" dirty="0"/>
+          </a:p>
+        </p:txBody>
+      </p:sp>
+    </p:spTree>
+    <p:extLst>
+      <p:ext uri="{BB962C8B-B14F-4D97-AF65-F5344CB8AC3E}">
+        <p14:creationId xmlns:p14="http://schemas.microsoft.com/office/powerpoint/2010/main" val="1945977154"/>
+      </p:ext>
+    </p:extLst>
+  </p:cSld>
+  <p:clrMapOvr>
+    <a:masterClrMapping/>
+  </p:clrMapOvr>
+</p:sld>
+</file>
+
 <file path=ppt/slides/slide2.xml><?xml version="1.0" encoding="utf-8"?>
 <p:sld xmlns:a="http://schemas.openxmlformats.org/drawingml/2006/main" xmlns:r="http://schemas.openxmlformats.org/officeDocument/2006/relationships" xmlns:p="http://schemas.openxmlformats.org/presentationml/2006/main">
   <p:cSld>
@@ -6850,6 +7014,18 @@
 </file>
 
 <file path=ppt/tags/tag23.xml><?xml version="1.0" encoding="utf-8"?>
+<p:tagLst xmlns:a="http://schemas.openxmlformats.org/drawingml/2006/main" xmlns:r="http://schemas.openxmlformats.org/officeDocument/2006/relationships" xmlns:p="http://schemas.openxmlformats.org/presentationml/2006/main">
+  <p:tag name="_INSTRUCTOR VIEW19C14C36-AC8E-43BC-9DB6-C2AAF774C7DC|PANE__TAG" val="_"/>
+</p:tagLst>
+</file>
+
+<file path=ppt/tags/tag24.xml><?xml version="1.0" encoding="utf-8"?>
+<p:tagLst xmlns:a="http://schemas.openxmlformats.org/drawingml/2006/main" xmlns:r="http://schemas.openxmlformats.org/officeDocument/2006/relationships" xmlns:p="http://schemas.openxmlformats.org/presentationml/2006/main">
+  <p:tag name="_INSTRUCTOR VIEW19C14C36-AC8E-43BC-9DB6-C2AAF774C7DC|PANE__TAG" val="_"/>
+</p:tagLst>
+</file>
+
+<file path=ppt/tags/tag25.xml><?xml version="1.0" encoding="utf-8"?>
 <p:tagLst xmlns:a="http://schemas.openxmlformats.org/drawingml/2006/main" xmlns:r="http://schemas.openxmlformats.org/officeDocument/2006/relationships" xmlns:p="http://schemas.openxmlformats.org/presentationml/2006/main">
   <p:tag name="_INSTRUCTOR VIEW19C14C36-AC8E-43BC-9DB6-C2AAF774C7DC|PANE__TAG" val="_"/>
 </p:tagLst>

--- a/slides/dailyannouncements_mf.pptx
+++ b/slides/dailyannouncements_mf.pptx
@@ -5,10 +5,10 @@
     <p:sldMasterId id="2147483728" r:id="rId1"/>
   </p:sldMasterIdLst>
   <p:notesMasterIdLst>
-    <p:notesMasterId r:id="rId16"/>
+    <p:notesMasterId r:id="rId17"/>
   </p:notesMasterIdLst>
   <p:handoutMasterIdLst>
-    <p:handoutMasterId r:id="rId17"/>
+    <p:handoutMasterId r:id="rId18"/>
   </p:handoutMasterIdLst>
   <p:sldIdLst>
     <p:sldId id="447" r:id="rId2"/>
@@ -25,11 +25,12 @@
     <p:sldId id="493" r:id="rId13"/>
     <p:sldId id="494" r:id="rId14"/>
     <p:sldId id="495" r:id="rId15"/>
+    <p:sldId id="496" r:id="rId16"/>
   </p:sldIdLst>
   <p:sldSz cx="9144000" cy="6858000" type="screen4x3"/>
   <p:notesSz cx="7315200" cy="9601200"/>
   <p:custDataLst>
-    <p:tags r:id="rId18"/>
+    <p:tags r:id="rId19"/>
   </p:custDataLst>
   <p:defaultTextStyle>
     <a:defPPr>
@@ -1029,7 +1030,7 @@
             <a:fld id="{E4886CB5-510A-4EF6-9466-BC7A8F0DDE87}" type="datetime1">
               <a:rPr lang="en-US" smtClean="0"/>
               <a:pPr/>
-              <a:t>10/21/21</a:t>
+              <a:t>10/26/21</a:t>
             </a:fld>
             <a:endParaRPr lang="en-US"/>
           </a:p>
@@ -1389,7 +1390,7 @@
             <a:fld id="{9B297853-24B4-4D05-83E4-0AD2E86C55E5}" type="datetime1">
               <a:rPr lang="en-US" smtClean="0"/>
               <a:pPr/>
-              <a:t>10/21/21</a:t>
+              <a:t>10/26/21</a:t>
             </a:fld>
             <a:endParaRPr lang="en-US"/>
           </a:p>
@@ -1565,7 +1566,7 @@
             <a:fld id="{01FCDD9E-5768-4705-9537-0C020B1BB310}" type="datetime1">
               <a:rPr lang="en-US" smtClean="0"/>
               <a:pPr/>
-              <a:t>10/21/21</a:t>
+              <a:t>10/26/21</a:t>
             </a:fld>
             <a:endParaRPr lang="en-US"/>
           </a:p>
@@ -1801,7 +1802,7 @@
             <a:fld id="{4257C27E-59C2-41CA-9776-94955CBEE440}" type="datetime1">
               <a:rPr lang="en-US" smtClean="0"/>
               <a:pPr/>
-              <a:t>10/21/21</a:t>
+              <a:t>10/26/21</a:t>
             </a:fld>
             <a:endParaRPr lang="en-US"/>
           </a:p>
@@ -2087,7 +2088,7 @@
             <a:fld id="{03180747-A137-49C6-9C74-AB7EE86F4904}" type="datetime1">
               <a:rPr lang="en-US" smtClean="0"/>
               <a:pPr/>
-              <a:t>10/21/21</a:t>
+              <a:t>10/26/21</a:t>
             </a:fld>
             <a:endParaRPr lang="en-US"/>
           </a:p>
@@ -2308,7 +2309,7 @@
             <a:fld id="{EBBA31D9-ADC1-480D-86A8-1EAFB6A86A35}" type="datetime1">
               <a:rPr lang="en-US" smtClean="0"/>
               <a:pPr/>
-              <a:t>10/21/21</a:t>
+              <a:t>10/26/21</a:t>
             </a:fld>
             <a:endParaRPr lang="en-US"/>
           </a:p>
@@ -2661,7 +2662,7 @@
             <a:fld id="{80AAE9AE-3B2F-4DEA-8C41-BDDF4CDF6F40}" type="datetime1">
               <a:rPr lang="en-US" smtClean="0"/>
               <a:pPr/>
-              <a:t>10/21/21</a:t>
+              <a:t>10/26/21</a:t>
             </a:fld>
             <a:endParaRPr lang="en-US"/>
           </a:p>
@@ -2894,7 +2895,7 @@
             <a:fld id="{48252F7F-E8FE-413B-8521-D4ED924C6DE5}" type="datetime1">
               <a:rPr lang="en-US" smtClean="0"/>
               <a:pPr/>
-              <a:t>10/21/21</a:t>
+              <a:t>10/26/21</a:t>
             </a:fld>
             <a:endParaRPr lang="en-US"/>
           </a:p>
@@ -3036,7 +3037,7 @@
             <a:fld id="{2FF1B124-70E3-4E4A-90E2-6B55DB7659B3}" type="datetime1">
               <a:rPr lang="en-US" smtClean="0"/>
               <a:pPr/>
-              <a:t>10/21/21</a:t>
+              <a:t>10/26/21</a:t>
             </a:fld>
             <a:endParaRPr lang="en-US"/>
           </a:p>
@@ -3314,7 +3315,7 @@
             <a:fld id="{4EBF4C98-3CD6-4C87-BD40-5718C2628835}" type="datetime1">
               <a:rPr lang="en-US" smtClean="0"/>
               <a:pPr/>
-              <a:t>10/21/21</a:t>
+              <a:t>10/26/21</a:t>
             </a:fld>
             <a:endParaRPr lang="en-US"/>
           </a:p>
@@ -3722,7 +3723,7 @@
             <a:fld id="{6D6408A8-6B1B-4CDA-875E-7BEECDBA31DF}" type="datetime1">
               <a:rPr lang="en-US" smtClean="0"/>
               <a:pPr/>
-              <a:t>10/21/21</a:t>
+              <a:t>10/26/21</a:t>
             </a:fld>
             <a:endParaRPr lang="en-US"/>
           </a:p>
@@ -4060,7 +4061,7 @@
             <a:fld id="{C55AAF07-D2F5-4B3C-B443-40DE8C337A77}" type="datetime1">
               <a:rPr lang="en-US" smtClean="0"/>
               <a:pPr/>
-              <a:t>10/21/21</a:t>
+              <a:t>10/26/21</a:t>
             </a:fld>
             <a:endParaRPr lang="en-US"/>
           </a:p>
@@ -5591,6 +5592,186 @@
 </p:sld>
 </file>
 
+<file path=ppt/slides/slide15.xml><?xml version="1.0" encoding="utf-8"?>
+<p:sld xmlns:a="http://schemas.openxmlformats.org/drawingml/2006/main" xmlns:r="http://schemas.openxmlformats.org/officeDocument/2006/relationships" xmlns:p="http://schemas.openxmlformats.org/presentationml/2006/main">
+  <p:cSld>
+    <p:spTree>
+      <p:nvGrpSpPr>
+        <p:cNvPr id="1" name=""/>
+        <p:cNvGrpSpPr/>
+        <p:nvPr/>
+      </p:nvGrpSpPr>
+      <p:grpSpPr>
+        <a:xfrm>
+          <a:off x="0" y="0"/>
+          <a:ext cx="0" cy="0"/>
+          <a:chOff x="0" y="0"/>
+          <a:chExt cx="0" cy="0"/>
+        </a:xfrm>
+      </p:grpSpPr>
+      <p:sp>
+        <p:nvSpPr>
+          <p:cNvPr id="6146" name="Rectangle 2"/>
+          <p:cNvSpPr>
+            <a:spLocks noGrp="1" noChangeArrowheads="1"/>
+          </p:cNvSpPr>
+          <p:nvPr>
+            <p:ph type="title"/>
+            <p:custDataLst>
+              <p:tags r:id="rId1"/>
+            </p:custDataLst>
+          </p:nvPr>
+        </p:nvSpPr>
+        <p:spPr/>
+        <p:txBody>
+          <a:bodyPr/>
+          <a:lstStyle/>
+          <a:p>
+            <a:r>
+              <a:rPr lang="en-US" dirty="0"/>
+              <a:t>Tuesday, Oct. 26</a:t>
+            </a:r>
+          </a:p>
+        </p:txBody>
+      </p:sp>
+      <p:sp>
+        <p:nvSpPr>
+          <p:cNvPr id="6147" name="Rectangle 3"/>
+          <p:cNvSpPr>
+            <a:spLocks noGrp="1" noChangeArrowheads="1"/>
+          </p:cNvSpPr>
+          <p:nvPr>
+            <p:ph sz="quarter" idx="1"/>
+            <p:custDataLst>
+              <p:tags r:id="rId2"/>
+            </p:custDataLst>
+          </p:nvPr>
+        </p:nvSpPr>
+        <p:spPr>
+          <a:xfrm>
+            <a:off x="381000" y="1371600"/>
+            <a:ext cx="8458200" cy="5105400"/>
+          </a:xfrm>
+        </p:spPr>
+        <p:txBody>
+          <a:bodyPr>
+            <a:normAutofit/>
+          </a:bodyPr>
+          <a:lstStyle/>
+          <a:p>
+            <a:r>
+              <a:rPr lang="en-US" dirty="0"/>
+              <a:t>Quizzes 4-5 were released</a:t>
+            </a:r>
+          </a:p>
+          <a:p>
+            <a:pPr lvl="1"/>
+            <a:r>
+              <a:rPr lang="en-US" dirty="0"/>
+              <a:t>You all did great! Over 70% passed each quiz.</a:t>
+            </a:r>
+          </a:p>
+          <a:p>
+            <a:pPr lvl="1"/>
+            <a:r>
+              <a:rPr lang="en-US" dirty="0"/>
+              <a:t>Next quiz day(s) aren’t for a few weeks, so enjoy the break!</a:t>
+            </a:r>
+          </a:p>
+          <a:p>
+            <a:pPr lvl="2"/>
+            <a:r>
+              <a:rPr lang="en-US" dirty="0"/>
+              <a:t>And do some </a:t>
+            </a:r>
+            <a:r>
+              <a:rPr lang="en-US" dirty="0" err="1"/>
+              <a:t>homeworks</a:t>
+            </a:r>
+            <a:r>
+              <a:rPr lang="en-US" dirty="0"/>
+              <a:t>!!!!!!</a:t>
+            </a:r>
+          </a:p>
+          <a:p>
+            <a:pPr lvl="1"/>
+            <a:r>
+              <a:rPr lang="en-US" dirty="0"/>
+              <a:t>We will be splitting the retakes and new quizzes over different days again, just not sure the exact dates / details quite yet.</a:t>
+            </a:r>
+          </a:p>
+          <a:p>
+            <a:r>
+              <a:rPr lang="en-US" dirty="0"/>
+              <a:t>Homework updates:</a:t>
+            </a:r>
+          </a:p>
+          <a:p>
+            <a:pPr lvl="1"/>
+            <a:r>
+              <a:rPr lang="en-US" dirty="0"/>
+              <a:t>M7: Daycare programming assignment released</a:t>
+            </a:r>
+          </a:p>
+          <a:p>
+            <a:pPr lvl="2"/>
+            <a:r>
+              <a:rPr lang="en-US" dirty="0"/>
+              <a:t>Recommended Due Date is Nov. 2</a:t>
+            </a:r>
+          </a:p>
+          <a:p>
+            <a:pPr lvl="1"/>
+            <a:r>
+              <a:rPr lang="en-US" dirty="0"/>
+              <a:t>Modules 1-6 are ALL passed the recommended due date</a:t>
+            </a:r>
+          </a:p>
+          <a:p>
+            <a:r>
+              <a:rPr lang="en-US" dirty="0"/>
+              <a:t>Today we will finish module 7: Greedy algorithms</a:t>
+            </a:r>
+          </a:p>
+        </p:txBody>
+      </p:sp>
+      <p:sp>
+        <p:nvSpPr>
+          <p:cNvPr id="4" name="Slide Number Placeholder 3"/>
+          <p:cNvSpPr>
+            <a:spLocks noGrp="1"/>
+          </p:cNvSpPr>
+          <p:nvPr>
+            <p:ph type="sldNum" sz="quarter" idx="12"/>
+          </p:nvPr>
+        </p:nvSpPr>
+        <p:spPr/>
+        <p:txBody>
+          <a:bodyPr/>
+          <a:lstStyle/>
+          <a:p>
+            <a:fld id="{F26D9103-0C5C-48AC-B68E-3ED2C1647047}" type="slidenum">
+              <a:rPr lang="en-US" smtClean="0"/>
+              <a:pPr/>
+              <a:t>15</a:t>
+            </a:fld>
+            <a:endParaRPr lang="en-US" dirty="0"/>
+          </a:p>
+        </p:txBody>
+      </p:sp>
+    </p:spTree>
+    <p:extLst>
+      <p:ext uri="{BB962C8B-B14F-4D97-AF65-F5344CB8AC3E}">
+        <p14:creationId xmlns:p14="http://schemas.microsoft.com/office/powerpoint/2010/main" val="3309584189"/>
+      </p:ext>
+    </p:extLst>
+  </p:cSld>
+  <p:clrMapOvr>
+    <a:masterClrMapping/>
+  </p:clrMapOvr>
+</p:sld>
+</file>
+
 <file path=ppt/slides/slide2.xml><?xml version="1.0" encoding="utf-8"?>
 <p:sld xmlns:a="http://schemas.openxmlformats.org/drawingml/2006/main" xmlns:r="http://schemas.openxmlformats.org/officeDocument/2006/relationships" xmlns:p="http://schemas.openxmlformats.org/presentationml/2006/main">
   <p:cSld>
@@ -7026,6 +7207,18 @@
 </file>
 
 <file path=ppt/tags/tag25.xml><?xml version="1.0" encoding="utf-8"?>
+<p:tagLst xmlns:a="http://schemas.openxmlformats.org/drawingml/2006/main" xmlns:r="http://schemas.openxmlformats.org/officeDocument/2006/relationships" xmlns:p="http://schemas.openxmlformats.org/presentationml/2006/main">
+  <p:tag name="_INSTRUCTOR VIEW19C14C36-AC8E-43BC-9DB6-C2AAF774C7DC|PANE__TAG" val="_"/>
+</p:tagLst>
+</file>
+
+<file path=ppt/tags/tag26.xml><?xml version="1.0" encoding="utf-8"?>
+<p:tagLst xmlns:a="http://schemas.openxmlformats.org/drawingml/2006/main" xmlns:r="http://schemas.openxmlformats.org/officeDocument/2006/relationships" xmlns:p="http://schemas.openxmlformats.org/presentationml/2006/main">
+  <p:tag name="_INSTRUCTOR VIEW19C14C36-AC8E-43BC-9DB6-C2AAF774C7DC|PANE__TAG" val="_"/>
+</p:tagLst>
+</file>
+
+<file path=ppt/tags/tag27.xml><?xml version="1.0" encoding="utf-8"?>
 <p:tagLst xmlns:a="http://schemas.openxmlformats.org/drawingml/2006/main" xmlns:r="http://schemas.openxmlformats.org/officeDocument/2006/relationships" xmlns:p="http://schemas.openxmlformats.org/presentationml/2006/main">
   <p:tag name="_INSTRUCTOR VIEW19C14C36-AC8E-43BC-9DB6-C2AAF774C7DC|PANE__TAG" val="_"/>
 </p:tagLst>

--- a/slides/dailyannouncements_mf.pptx
+++ b/slides/dailyannouncements_mf.pptx
@@ -5,10 +5,10 @@
     <p:sldMasterId id="2147483728" r:id="rId1"/>
   </p:sldMasterIdLst>
   <p:notesMasterIdLst>
-    <p:notesMasterId r:id="rId17"/>
+    <p:notesMasterId r:id="rId18"/>
   </p:notesMasterIdLst>
   <p:handoutMasterIdLst>
-    <p:handoutMasterId r:id="rId18"/>
+    <p:handoutMasterId r:id="rId19"/>
   </p:handoutMasterIdLst>
   <p:sldIdLst>
     <p:sldId id="447" r:id="rId2"/>
@@ -26,11 +26,12 @@
     <p:sldId id="494" r:id="rId14"/>
     <p:sldId id="495" r:id="rId15"/>
     <p:sldId id="496" r:id="rId16"/>
+    <p:sldId id="497" r:id="rId17"/>
   </p:sldIdLst>
   <p:sldSz cx="9144000" cy="6858000" type="screen4x3"/>
   <p:notesSz cx="7315200" cy="9601200"/>
   <p:custDataLst>
-    <p:tags r:id="rId19"/>
+    <p:tags r:id="rId20"/>
   </p:custDataLst>
   <p:defaultTextStyle>
     <a:defPPr>
@@ -1030,7 +1031,7 @@
             <a:fld id="{E4886CB5-510A-4EF6-9466-BC7A8F0DDE87}" type="datetime1">
               <a:rPr lang="en-US" smtClean="0"/>
               <a:pPr/>
-              <a:t>10/26/21</a:t>
+              <a:t>11/4/21</a:t>
             </a:fld>
             <a:endParaRPr lang="en-US"/>
           </a:p>
@@ -1390,7 +1391,7 @@
             <a:fld id="{9B297853-24B4-4D05-83E4-0AD2E86C55E5}" type="datetime1">
               <a:rPr lang="en-US" smtClean="0"/>
               <a:pPr/>
-              <a:t>10/26/21</a:t>
+              <a:t>11/4/21</a:t>
             </a:fld>
             <a:endParaRPr lang="en-US"/>
           </a:p>
@@ -1566,7 +1567,7 @@
             <a:fld id="{01FCDD9E-5768-4705-9537-0C020B1BB310}" type="datetime1">
               <a:rPr lang="en-US" smtClean="0"/>
               <a:pPr/>
-              <a:t>10/26/21</a:t>
+              <a:t>11/4/21</a:t>
             </a:fld>
             <a:endParaRPr lang="en-US"/>
           </a:p>
@@ -1802,7 +1803,7 @@
             <a:fld id="{4257C27E-59C2-41CA-9776-94955CBEE440}" type="datetime1">
               <a:rPr lang="en-US" smtClean="0"/>
               <a:pPr/>
-              <a:t>10/26/21</a:t>
+              <a:t>11/4/21</a:t>
             </a:fld>
             <a:endParaRPr lang="en-US"/>
           </a:p>
@@ -2088,7 +2089,7 @@
             <a:fld id="{03180747-A137-49C6-9C74-AB7EE86F4904}" type="datetime1">
               <a:rPr lang="en-US" smtClean="0"/>
               <a:pPr/>
-              <a:t>10/26/21</a:t>
+              <a:t>11/4/21</a:t>
             </a:fld>
             <a:endParaRPr lang="en-US"/>
           </a:p>
@@ -2309,7 +2310,7 @@
             <a:fld id="{EBBA31D9-ADC1-480D-86A8-1EAFB6A86A35}" type="datetime1">
               <a:rPr lang="en-US" smtClean="0"/>
               <a:pPr/>
-              <a:t>10/26/21</a:t>
+              <a:t>11/4/21</a:t>
             </a:fld>
             <a:endParaRPr lang="en-US"/>
           </a:p>
@@ -2662,7 +2663,7 @@
             <a:fld id="{80AAE9AE-3B2F-4DEA-8C41-BDDF4CDF6F40}" type="datetime1">
               <a:rPr lang="en-US" smtClean="0"/>
               <a:pPr/>
-              <a:t>10/26/21</a:t>
+              <a:t>11/4/21</a:t>
             </a:fld>
             <a:endParaRPr lang="en-US"/>
           </a:p>
@@ -2895,7 +2896,7 @@
             <a:fld id="{48252F7F-E8FE-413B-8521-D4ED924C6DE5}" type="datetime1">
               <a:rPr lang="en-US" smtClean="0"/>
               <a:pPr/>
-              <a:t>10/26/21</a:t>
+              <a:t>11/4/21</a:t>
             </a:fld>
             <a:endParaRPr lang="en-US"/>
           </a:p>
@@ -3037,7 +3038,7 @@
             <a:fld id="{2FF1B124-70E3-4E4A-90E2-6B55DB7659B3}" type="datetime1">
               <a:rPr lang="en-US" smtClean="0"/>
               <a:pPr/>
-              <a:t>10/26/21</a:t>
+              <a:t>11/4/21</a:t>
             </a:fld>
             <a:endParaRPr lang="en-US"/>
           </a:p>
@@ -3315,7 +3316,7 @@
             <a:fld id="{4EBF4C98-3CD6-4C87-BD40-5718C2628835}" type="datetime1">
               <a:rPr lang="en-US" smtClean="0"/>
               <a:pPr/>
-              <a:t>10/26/21</a:t>
+              <a:t>11/4/21</a:t>
             </a:fld>
             <a:endParaRPr lang="en-US"/>
           </a:p>
@@ -3723,7 +3724,7 @@
             <a:fld id="{6D6408A8-6B1B-4CDA-875E-7BEECDBA31DF}" type="datetime1">
               <a:rPr lang="en-US" smtClean="0"/>
               <a:pPr/>
-              <a:t>10/26/21</a:t>
+              <a:t>11/4/21</a:t>
             </a:fld>
             <a:endParaRPr lang="en-US"/>
           </a:p>
@@ -4061,7 +4062,7 @@
             <a:fld id="{C55AAF07-D2F5-4B3C-B443-40DE8C337A77}" type="datetime1">
               <a:rPr lang="en-US" smtClean="0"/>
               <a:pPr/>
-              <a:t>10/26/21</a:t>
+              <a:t>11/4/21</a:t>
             </a:fld>
             <a:endParaRPr lang="en-US"/>
           </a:p>
@@ -5772,6 +5773,201 @@
 </p:sld>
 </file>
 
+<file path=ppt/slides/slide16.xml><?xml version="1.0" encoding="utf-8"?>
+<p:sld xmlns:a="http://schemas.openxmlformats.org/drawingml/2006/main" xmlns:r="http://schemas.openxmlformats.org/officeDocument/2006/relationships" xmlns:p="http://schemas.openxmlformats.org/presentationml/2006/main">
+  <p:cSld>
+    <p:spTree>
+      <p:nvGrpSpPr>
+        <p:cNvPr id="1" name=""/>
+        <p:cNvGrpSpPr/>
+        <p:nvPr/>
+      </p:nvGrpSpPr>
+      <p:grpSpPr>
+        <a:xfrm>
+          <a:off x="0" y="0"/>
+          <a:ext cx="0" cy="0"/>
+          <a:chOff x="0" y="0"/>
+          <a:chExt cx="0" cy="0"/>
+        </a:xfrm>
+      </p:grpSpPr>
+      <p:sp>
+        <p:nvSpPr>
+          <p:cNvPr id="6146" name="Rectangle 2"/>
+          <p:cNvSpPr>
+            <a:spLocks noGrp="1" noChangeArrowheads="1"/>
+          </p:cNvSpPr>
+          <p:nvPr>
+            <p:ph type="title"/>
+            <p:custDataLst>
+              <p:tags r:id="rId1"/>
+            </p:custDataLst>
+          </p:nvPr>
+        </p:nvSpPr>
+        <p:spPr/>
+        <p:txBody>
+          <a:bodyPr/>
+          <a:lstStyle/>
+          <a:p>
+            <a:r>
+              <a:rPr lang="en-US" dirty="0"/>
+              <a:t>Thursday, Nov. 4</a:t>
+            </a:r>
+          </a:p>
+        </p:txBody>
+      </p:sp>
+      <p:sp>
+        <p:nvSpPr>
+          <p:cNvPr id="6147" name="Rectangle 3"/>
+          <p:cNvSpPr>
+            <a:spLocks noGrp="1" noChangeArrowheads="1"/>
+          </p:cNvSpPr>
+          <p:nvPr>
+            <p:ph sz="quarter" idx="1"/>
+            <p:custDataLst>
+              <p:tags r:id="rId2"/>
+            </p:custDataLst>
+          </p:nvPr>
+        </p:nvSpPr>
+        <p:spPr>
+          <a:xfrm>
+            <a:off x="381000" y="1371600"/>
+            <a:ext cx="8458200" cy="5105400"/>
+          </a:xfrm>
+        </p:spPr>
+        <p:txBody>
+          <a:bodyPr>
+            <a:normAutofit/>
+          </a:bodyPr>
+          <a:lstStyle/>
+          <a:p>
+            <a:r>
+              <a:rPr lang="en-US" dirty="0"/>
+              <a:t>Updated Quizzing Schedule:</a:t>
+            </a:r>
+          </a:p>
+          <a:p>
+            <a:pPr lvl="1"/>
+            <a:r>
+              <a:rPr lang="en-US" dirty="0"/>
+              <a:t>Let’s look at course website for details </a:t>
+            </a:r>
+            <a:r>
+              <a:rPr lang="en-US" dirty="0">
+                <a:sym typeface="Wingdings" pitchFamily="2" charset="2"/>
+              </a:rPr>
+              <a:t></a:t>
+            </a:r>
+          </a:p>
+          <a:p>
+            <a:pPr lvl="1"/>
+            <a:r>
+              <a:rPr lang="en-US" dirty="0">
+                <a:sym typeface="Wingdings" pitchFamily="2" charset="2"/>
+              </a:rPr>
+              <a:t>Any opinions on how to handle the last three days of semester?</a:t>
+            </a:r>
+            <a:endParaRPr lang="en-US" dirty="0"/>
+          </a:p>
+          <a:p>
+            <a:r>
+              <a:rPr lang="en-US" dirty="0"/>
+              <a:t>Homework updates:</a:t>
+            </a:r>
+          </a:p>
+          <a:p>
+            <a:pPr lvl="1"/>
+            <a:r>
+              <a:rPr lang="en-US" dirty="0"/>
+              <a:t>M8: Drainage homework released</a:t>
+            </a:r>
+          </a:p>
+          <a:p>
+            <a:pPr lvl="2"/>
+            <a:r>
+              <a:rPr lang="en-US" dirty="0"/>
+              <a:t>It is on Dynamic Programming (and is a programming </a:t>
+            </a:r>
+            <a:r>
+              <a:rPr lang="en-US" dirty="0" err="1"/>
+              <a:t>hw</a:t>
+            </a:r>
+            <a:r>
+              <a:rPr lang="en-US" dirty="0"/>
+              <a:t>)</a:t>
+            </a:r>
+          </a:p>
+          <a:p>
+            <a:pPr lvl="2"/>
+            <a:r>
+              <a:rPr lang="en-US" dirty="0"/>
+              <a:t>Recommended Due Date is Nov. 16</a:t>
+            </a:r>
+          </a:p>
+          <a:p>
+            <a:r>
+              <a:rPr lang="en-US" dirty="0"/>
+              <a:t>Modules 1-7 are ALL passed the recommended due date</a:t>
+            </a:r>
+          </a:p>
+          <a:p>
+            <a:pPr lvl="1"/>
+            <a:r>
+              <a:rPr lang="en-US" dirty="0"/>
+              <a:t>There is only 4 weeks + 1 day left until final hard HW deadline!!</a:t>
+            </a:r>
+          </a:p>
+          <a:p>
+            <a:r>
+              <a:rPr lang="en-US" dirty="0"/>
+              <a:t>Today we will finish module 8: Dynamic Programming</a:t>
+            </a:r>
+          </a:p>
+          <a:p>
+            <a:pPr lvl="1"/>
+            <a:r>
+              <a:rPr lang="en-US" dirty="0"/>
+              <a:t>Specifically: Coin Change and Edit Distance</a:t>
+            </a:r>
+          </a:p>
+        </p:txBody>
+      </p:sp>
+      <p:sp>
+        <p:nvSpPr>
+          <p:cNvPr id="4" name="Slide Number Placeholder 3"/>
+          <p:cNvSpPr>
+            <a:spLocks noGrp="1"/>
+          </p:cNvSpPr>
+          <p:nvPr>
+            <p:ph type="sldNum" sz="quarter" idx="12"/>
+          </p:nvPr>
+        </p:nvSpPr>
+        <p:spPr/>
+        <p:txBody>
+          <a:bodyPr/>
+          <a:lstStyle/>
+          <a:p>
+            <a:fld id="{F26D9103-0C5C-48AC-B68E-3ED2C1647047}" type="slidenum">
+              <a:rPr lang="en-US" smtClean="0"/>
+              <a:pPr/>
+              <a:t>16</a:t>
+            </a:fld>
+            <a:endParaRPr lang="en-US" dirty="0"/>
+          </a:p>
+        </p:txBody>
+      </p:sp>
+    </p:spTree>
+    <p:extLst>
+      <p:ext uri="{BB962C8B-B14F-4D97-AF65-F5344CB8AC3E}">
+        <p14:creationId xmlns:p14="http://schemas.microsoft.com/office/powerpoint/2010/main" val="2283416064"/>
+      </p:ext>
+    </p:extLst>
+  </p:cSld>
+  <p:clrMapOvr>
+    <a:masterClrMapping/>
+  </p:clrMapOvr>
+</p:sld>
+</file>
+
 <file path=ppt/slides/slide2.xml><?xml version="1.0" encoding="utf-8"?>
 <p:sld xmlns:a="http://schemas.openxmlformats.org/drawingml/2006/main" xmlns:r="http://schemas.openxmlformats.org/officeDocument/2006/relationships" xmlns:p="http://schemas.openxmlformats.org/presentationml/2006/main">
   <p:cSld>
@@ -7219,6 +7415,18 @@
 </file>
 
 <file path=ppt/tags/tag27.xml><?xml version="1.0" encoding="utf-8"?>
+<p:tagLst xmlns:a="http://schemas.openxmlformats.org/drawingml/2006/main" xmlns:r="http://schemas.openxmlformats.org/officeDocument/2006/relationships" xmlns:p="http://schemas.openxmlformats.org/presentationml/2006/main">
+  <p:tag name="_INSTRUCTOR VIEW19C14C36-AC8E-43BC-9DB6-C2AAF774C7DC|PANE__TAG" val="_"/>
+</p:tagLst>
+</file>
+
+<file path=ppt/tags/tag28.xml><?xml version="1.0" encoding="utf-8"?>
+<p:tagLst xmlns:a="http://schemas.openxmlformats.org/drawingml/2006/main" xmlns:r="http://schemas.openxmlformats.org/officeDocument/2006/relationships" xmlns:p="http://schemas.openxmlformats.org/presentationml/2006/main">
+  <p:tag name="_INSTRUCTOR VIEW19C14C36-AC8E-43BC-9DB6-C2AAF774C7DC|PANE__TAG" val="_"/>
+</p:tagLst>
+</file>
+
+<file path=ppt/tags/tag29.xml><?xml version="1.0" encoding="utf-8"?>
 <p:tagLst xmlns:a="http://schemas.openxmlformats.org/drawingml/2006/main" xmlns:r="http://schemas.openxmlformats.org/officeDocument/2006/relationships" xmlns:p="http://schemas.openxmlformats.org/presentationml/2006/main">
   <p:tag name="_INSTRUCTOR VIEW19C14C36-AC8E-43BC-9DB6-C2AAF774C7DC|PANE__TAG" val="_"/>
 </p:tagLst>

--- a/slides/dailyannouncements_mf.pptx
+++ b/slides/dailyannouncements_mf.pptx
@@ -5,10 +5,10 @@
     <p:sldMasterId id="2147483728" r:id="rId1"/>
   </p:sldMasterIdLst>
   <p:notesMasterIdLst>
-    <p:notesMasterId r:id="rId18"/>
+    <p:notesMasterId r:id="rId19"/>
   </p:notesMasterIdLst>
   <p:handoutMasterIdLst>
-    <p:handoutMasterId r:id="rId19"/>
+    <p:handoutMasterId r:id="rId20"/>
   </p:handoutMasterIdLst>
   <p:sldIdLst>
     <p:sldId id="447" r:id="rId2"/>
@@ -27,11 +27,12 @@
     <p:sldId id="495" r:id="rId15"/>
     <p:sldId id="496" r:id="rId16"/>
     <p:sldId id="497" r:id="rId17"/>
+    <p:sldId id="498" r:id="rId18"/>
   </p:sldIdLst>
   <p:sldSz cx="9144000" cy="6858000" type="screen4x3"/>
   <p:notesSz cx="7315200" cy="9601200"/>
   <p:custDataLst>
-    <p:tags r:id="rId20"/>
+    <p:tags r:id="rId21"/>
   </p:custDataLst>
   <p:defaultTextStyle>
     <a:defPPr>
@@ -1031,7 +1032,7 @@
             <a:fld id="{E4886CB5-510A-4EF6-9466-BC7A8F0DDE87}" type="datetime1">
               <a:rPr lang="en-US" smtClean="0"/>
               <a:pPr/>
-              <a:t>11/4/21</a:t>
+              <a:t>11/9/21</a:t>
             </a:fld>
             <a:endParaRPr lang="en-US"/>
           </a:p>
@@ -1391,7 +1392,7 @@
             <a:fld id="{9B297853-24B4-4D05-83E4-0AD2E86C55E5}" type="datetime1">
               <a:rPr lang="en-US" smtClean="0"/>
               <a:pPr/>
-              <a:t>11/4/21</a:t>
+              <a:t>11/9/21</a:t>
             </a:fld>
             <a:endParaRPr lang="en-US"/>
           </a:p>
@@ -1567,7 +1568,7 @@
             <a:fld id="{01FCDD9E-5768-4705-9537-0C020B1BB310}" type="datetime1">
               <a:rPr lang="en-US" smtClean="0"/>
               <a:pPr/>
-              <a:t>11/4/21</a:t>
+              <a:t>11/9/21</a:t>
             </a:fld>
             <a:endParaRPr lang="en-US"/>
           </a:p>
@@ -1803,7 +1804,7 @@
             <a:fld id="{4257C27E-59C2-41CA-9776-94955CBEE440}" type="datetime1">
               <a:rPr lang="en-US" smtClean="0"/>
               <a:pPr/>
-              <a:t>11/4/21</a:t>
+              <a:t>11/9/21</a:t>
             </a:fld>
             <a:endParaRPr lang="en-US"/>
           </a:p>
@@ -2089,7 +2090,7 @@
             <a:fld id="{03180747-A137-49C6-9C74-AB7EE86F4904}" type="datetime1">
               <a:rPr lang="en-US" smtClean="0"/>
               <a:pPr/>
-              <a:t>11/4/21</a:t>
+              <a:t>11/9/21</a:t>
             </a:fld>
             <a:endParaRPr lang="en-US"/>
           </a:p>
@@ -2310,7 +2311,7 @@
             <a:fld id="{EBBA31D9-ADC1-480D-86A8-1EAFB6A86A35}" type="datetime1">
               <a:rPr lang="en-US" smtClean="0"/>
               <a:pPr/>
-              <a:t>11/4/21</a:t>
+              <a:t>11/9/21</a:t>
             </a:fld>
             <a:endParaRPr lang="en-US"/>
           </a:p>
@@ -2663,7 +2664,7 @@
             <a:fld id="{80AAE9AE-3B2F-4DEA-8C41-BDDF4CDF6F40}" type="datetime1">
               <a:rPr lang="en-US" smtClean="0"/>
               <a:pPr/>
-              <a:t>11/4/21</a:t>
+              <a:t>11/9/21</a:t>
             </a:fld>
             <a:endParaRPr lang="en-US"/>
           </a:p>
@@ -2896,7 +2897,7 @@
             <a:fld id="{48252F7F-E8FE-413B-8521-D4ED924C6DE5}" type="datetime1">
               <a:rPr lang="en-US" smtClean="0"/>
               <a:pPr/>
-              <a:t>11/4/21</a:t>
+              <a:t>11/9/21</a:t>
             </a:fld>
             <a:endParaRPr lang="en-US"/>
           </a:p>
@@ -3038,7 +3039,7 @@
             <a:fld id="{2FF1B124-70E3-4E4A-90E2-6B55DB7659B3}" type="datetime1">
               <a:rPr lang="en-US" smtClean="0"/>
               <a:pPr/>
-              <a:t>11/4/21</a:t>
+              <a:t>11/9/21</a:t>
             </a:fld>
             <a:endParaRPr lang="en-US"/>
           </a:p>
@@ -3316,7 +3317,7 @@
             <a:fld id="{4EBF4C98-3CD6-4C87-BD40-5718C2628835}" type="datetime1">
               <a:rPr lang="en-US" smtClean="0"/>
               <a:pPr/>
-              <a:t>11/4/21</a:t>
+              <a:t>11/9/21</a:t>
             </a:fld>
             <a:endParaRPr lang="en-US"/>
           </a:p>
@@ -3724,7 +3725,7 @@
             <a:fld id="{6D6408A8-6B1B-4CDA-875E-7BEECDBA31DF}" type="datetime1">
               <a:rPr lang="en-US" smtClean="0"/>
               <a:pPr/>
-              <a:t>11/4/21</a:t>
+              <a:t>11/9/21</a:t>
             </a:fld>
             <a:endParaRPr lang="en-US"/>
           </a:p>
@@ -4062,7 +4063,7 @@
             <a:fld id="{C55AAF07-D2F5-4B3C-B443-40DE8C337A77}" type="datetime1">
               <a:rPr lang="en-US" smtClean="0"/>
               <a:pPr/>
-              <a:t>11/4/21</a:t>
+              <a:t>11/9/21</a:t>
             </a:fld>
             <a:endParaRPr lang="en-US"/>
           </a:p>
@@ -5968,6 +5969,185 @@
 </p:sld>
 </file>
 
+<file path=ppt/slides/slide17.xml><?xml version="1.0" encoding="utf-8"?>
+<p:sld xmlns:a="http://schemas.openxmlformats.org/drawingml/2006/main" xmlns:r="http://schemas.openxmlformats.org/officeDocument/2006/relationships" xmlns:p="http://schemas.openxmlformats.org/presentationml/2006/main">
+  <p:cSld>
+    <p:spTree>
+      <p:nvGrpSpPr>
+        <p:cNvPr id="1" name=""/>
+        <p:cNvGrpSpPr/>
+        <p:nvPr/>
+      </p:nvGrpSpPr>
+      <p:grpSpPr>
+        <a:xfrm>
+          <a:off x="0" y="0"/>
+          <a:ext cx="0" cy="0"/>
+          <a:chOff x="0" y="0"/>
+          <a:chExt cx="0" cy="0"/>
+        </a:xfrm>
+      </p:grpSpPr>
+      <p:sp>
+        <p:nvSpPr>
+          <p:cNvPr id="6146" name="Rectangle 2"/>
+          <p:cNvSpPr>
+            <a:spLocks noGrp="1" noChangeArrowheads="1"/>
+          </p:cNvSpPr>
+          <p:nvPr>
+            <p:ph type="title"/>
+            <p:custDataLst>
+              <p:tags r:id="rId1"/>
+            </p:custDataLst>
+          </p:nvPr>
+        </p:nvSpPr>
+        <p:spPr/>
+        <p:txBody>
+          <a:bodyPr/>
+          <a:lstStyle/>
+          <a:p>
+            <a:r>
+              <a:rPr lang="en-US" dirty="0"/>
+              <a:t>Tuesday, Nov. 9</a:t>
+            </a:r>
+          </a:p>
+        </p:txBody>
+      </p:sp>
+      <p:sp>
+        <p:nvSpPr>
+          <p:cNvPr id="6147" name="Rectangle 3"/>
+          <p:cNvSpPr>
+            <a:spLocks noGrp="1" noChangeArrowheads="1"/>
+          </p:cNvSpPr>
+          <p:nvPr>
+            <p:ph sz="quarter" idx="1"/>
+            <p:custDataLst>
+              <p:tags r:id="rId2"/>
+            </p:custDataLst>
+          </p:nvPr>
+        </p:nvSpPr>
+        <p:spPr>
+          <a:xfrm>
+            <a:off x="381000" y="1371600"/>
+            <a:ext cx="8458200" cy="5105400"/>
+          </a:xfrm>
+        </p:spPr>
+        <p:txBody>
+          <a:bodyPr>
+            <a:normAutofit/>
+          </a:bodyPr>
+          <a:lstStyle/>
+          <a:p>
+            <a:r>
+              <a:rPr lang="en-US" dirty="0"/>
+              <a:t>Updated Quizzing Schedule:</a:t>
+            </a:r>
+          </a:p>
+          <a:p>
+            <a:pPr lvl="1"/>
+            <a:r>
+              <a:rPr lang="en-US" dirty="0"/>
+              <a:t>No changes from last Thursday. </a:t>
+            </a:r>
+          </a:p>
+          <a:p>
+            <a:r>
+              <a:rPr lang="en-US" dirty="0"/>
+              <a:t>Homework updates:</a:t>
+            </a:r>
+          </a:p>
+          <a:p>
+            <a:pPr lvl="1"/>
+            <a:r>
+              <a:rPr lang="en-US" dirty="0"/>
+              <a:t>M9 and M10 will be released soon.</a:t>
+            </a:r>
+          </a:p>
+          <a:p>
+            <a:pPr lvl="1"/>
+            <a:r>
+              <a:rPr lang="en-US" dirty="0"/>
+              <a:t>M8: Drainage homework released</a:t>
+            </a:r>
+          </a:p>
+          <a:p>
+            <a:pPr lvl="2"/>
+            <a:r>
+              <a:rPr lang="en-US" dirty="0"/>
+              <a:t>It is on Dynamic Programming (and is a programming </a:t>
+            </a:r>
+            <a:r>
+              <a:rPr lang="en-US" dirty="0" err="1"/>
+              <a:t>hw</a:t>
+            </a:r>
+            <a:r>
+              <a:rPr lang="en-US" dirty="0"/>
+              <a:t>)</a:t>
+            </a:r>
+          </a:p>
+          <a:p>
+            <a:pPr lvl="2"/>
+            <a:r>
+              <a:rPr lang="en-US" dirty="0"/>
+              <a:t>Recommended Due Date is Nov. 16</a:t>
+            </a:r>
+          </a:p>
+          <a:p>
+            <a:r>
+              <a:rPr lang="en-US" dirty="0"/>
+              <a:t>Modules 1-7 are ALL passed the recommended due date</a:t>
+            </a:r>
+          </a:p>
+          <a:p>
+            <a:pPr lvl="1"/>
+            <a:r>
+              <a:rPr lang="en-US" dirty="0"/>
+              <a:t>There is only 4 weeks + 1 day left until final hard HW deadline!!</a:t>
+            </a:r>
+          </a:p>
+          <a:p>
+            <a:r>
+              <a:rPr lang="en-US" dirty="0"/>
+              <a:t>Today we begin module 9 on Network Flow!!</a:t>
+            </a:r>
+          </a:p>
+        </p:txBody>
+      </p:sp>
+      <p:sp>
+        <p:nvSpPr>
+          <p:cNvPr id="4" name="Slide Number Placeholder 3"/>
+          <p:cNvSpPr>
+            <a:spLocks noGrp="1"/>
+          </p:cNvSpPr>
+          <p:nvPr>
+            <p:ph type="sldNum" sz="quarter" idx="12"/>
+          </p:nvPr>
+        </p:nvSpPr>
+        <p:spPr/>
+        <p:txBody>
+          <a:bodyPr/>
+          <a:lstStyle/>
+          <a:p>
+            <a:fld id="{F26D9103-0C5C-48AC-B68E-3ED2C1647047}" type="slidenum">
+              <a:rPr lang="en-US" smtClean="0"/>
+              <a:pPr/>
+              <a:t>17</a:t>
+            </a:fld>
+            <a:endParaRPr lang="en-US" dirty="0"/>
+          </a:p>
+        </p:txBody>
+      </p:sp>
+    </p:spTree>
+    <p:extLst>
+      <p:ext uri="{BB962C8B-B14F-4D97-AF65-F5344CB8AC3E}">
+        <p14:creationId xmlns:p14="http://schemas.microsoft.com/office/powerpoint/2010/main" val="2175966241"/>
+      </p:ext>
+    </p:extLst>
+  </p:cSld>
+  <p:clrMapOvr>
+    <a:masterClrMapping/>
+  </p:clrMapOvr>
+</p:sld>
+</file>
+
 <file path=ppt/slides/slide2.xml><?xml version="1.0" encoding="utf-8"?>
 <p:sld xmlns:a="http://schemas.openxmlformats.org/drawingml/2006/main" xmlns:r="http://schemas.openxmlformats.org/officeDocument/2006/relationships" xmlns:p="http://schemas.openxmlformats.org/presentationml/2006/main">
   <p:cSld>
@@ -7433,6 +7613,18 @@
 </file>
 
 <file path=ppt/tags/tag3.xml><?xml version="1.0" encoding="utf-8"?>
+<p:tagLst xmlns:a="http://schemas.openxmlformats.org/drawingml/2006/main" xmlns:r="http://schemas.openxmlformats.org/officeDocument/2006/relationships" xmlns:p="http://schemas.openxmlformats.org/presentationml/2006/main">
+  <p:tag name="_INSTRUCTOR VIEW19C14C36-AC8E-43BC-9DB6-C2AAF774C7DC|PANE__TAG" val="_"/>
+</p:tagLst>
+</file>
+
+<file path=ppt/tags/tag30.xml><?xml version="1.0" encoding="utf-8"?>
+<p:tagLst xmlns:a="http://schemas.openxmlformats.org/drawingml/2006/main" xmlns:r="http://schemas.openxmlformats.org/officeDocument/2006/relationships" xmlns:p="http://schemas.openxmlformats.org/presentationml/2006/main">
+  <p:tag name="_INSTRUCTOR VIEW19C14C36-AC8E-43BC-9DB6-C2AAF774C7DC|PANE__TAG" val="_"/>
+</p:tagLst>
+</file>
+
+<file path=ppt/tags/tag31.xml><?xml version="1.0" encoding="utf-8"?>
 <p:tagLst xmlns:a="http://schemas.openxmlformats.org/drawingml/2006/main" xmlns:r="http://schemas.openxmlformats.org/officeDocument/2006/relationships" xmlns:p="http://schemas.openxmlformats.org/presentationml/2006/main">
   <p:tag name="_INSTRUCTOR VIEW19C14C36-AC8E-43BC-9DB6-C2AAF774C7DC|PANE__TAG" val="_"/>
 </p:tagLst>

--- a/slides/dailyannouncements_mf.pptx
+++ b/slides/dailyannouncements_mf.pptx
@@ -5,10 +5,10 @@
     <p:sldMasterId id="2147483728" r:id="rId1"/>
   </p:sldMasterIdLst>
   <p:notesMasterIdLst>
-    <p:notesMasterId r:id="rId19"/>
+    <p:notesMasterId r:id="rId20"/>
   </p:notesMasterIdLst>
   <p:handoutMasterIdLst>
-    <p:handoutMasterId r:id="rId20"/>
+    <p:handoutMasterId r:id="rId21"/>
   </p:handoutMasterIdLst>
   <p:sldIdLst>
     <p:sldId id="447" r:id="rId2"/>
@@ -28,11 +28,12 @@
     <p:sldId id="496" r:id="rId16"/>
     <p:sldId id="497" r:id="rId17"/>
     <p:sldId id="498" r:id="rId18"/>
+    <p:sldId id="499" r:id="rId19"/>
   </p:sldIdLst>
   <p:sldSz cx="9144000" cy="6858000" type="screen4x3"/>
   <p:notesSz cx="7315200" cy="9601200"/>
   <p:custDataLst>
-    <p:tags r:id="rId21"/>
+    <p:tags r:id="rId22"/>
   </p:custDataLst>
   <p:defaultTextStyle>
     <a:defPPr>
@@ -1032,7 +1033,7 @@
             <a:fld id="{E4886CB5-510A-4EF6-9466-BC7A8F0DDE87}" type="datetime1">
               <a:rPr lang="en-US" smtClean="0"/>
               <a:pPr/>
-              <a:t>11/9/21</a:t>
+              <a:t>11/18/21</a:t>
             </a:fld>
             <a:endParaRPr lang="en-US"/>
           </a:p>
@@ -1392,7 +1393,7 @@
             <a:fld id="{9B297853-24B4-4D05-83E4-0AD2E86C55E5}" type="datetime1">
               <a:rPr lang="en-US" smtClean="0"/>
               <a:pPr/>
-              <a:t>11/9/21</a:t>
+              <a:t>11/18/21</a:t>
             </a:fld>
             <a:endParaRPr lang="en-US"/>
           </a:p>
@@ -1568,7 +1569,7 @@
             <a:fld id="{01FCDD9E-5768-4705-9537-0C020B1BB310}" type="datetime1">
               <a:rPr lang="en-US" smtClean="0"/>
               <a:pPr/>
-              <a:t>11/9/21</a:t>
+              <a:t>11/18/21</a:t>
             </a:fld>
             <a:endParaRPr lang="en-US"/>
           </a:p>
@@ -1804,7 +1805,7 @@
             <a:fld id="{4257C27E-59C2-41CA-9776-94955CBEE440}" type="datetime1">
               <a:rPr lang="en-US" smtClean="0"/>
               <a:pPr/>
-              <a:t>11/9/21</a:t>
+              <a:t>11/18/21</a:t>
             </a:fld>
             <a:endParaRPr lang="en-US"/>
           </a:p>
@@ -2090,7 +2091,7 @@
             <a:fld id="{03180747-A137-49C6-9C74-AB7EE86F4904}" type="datetime1">
               <a:rPr lang="en-US" smtClean="0"/>
               <a:pPr/>
-              <a:t>11/9/21</a:t>
+              <a:t>11/18/21</a:t>
             </a:fld>
             <a:endParaRPr lang="en-US"/>
           </a:p>
@@ -2311,7 +2312,7 @@
             <a:fld id="{EBBA31D9-ADC1-480D-86A8-1EAFB6A86A35}" type="datetime1">
               <a:rPr lang="en-US" smtClean="0"/>
               <a:pPr/>
-              <a:t>11/9/21</a:t>
+              <a:t>11/18/21</a:t>
             </a:fld>
             <a:endParaRPr lang="en-US"/>
           </a:p>
@@ -2664,7 +2665,7 @@
             <a:fld id="{80AAE9AE-3B2F-4DEA-8C41-BDDF4CDF6F40}" type="datetime1">
               <a:rPr lang="en-US" smtClean="0"/>
               <a:pPr/>
-              <a:t>11/9/21</a:t>
+              <a:t>11/18/21</a:t>
             </a:fld>
             <a:endParaRPr lang="en-US"/>
           </a:p>
@@ -2897,7 +2898,7 @@
             <a:fld id="{48252F7F-E8FE-413B-8521-D4ED924C6DE5}" type="datetime1">
               <a:rPr lang="en-US" smtClean="0"/>
               <a:pPr/>
-              <a:t>11/9/21</a:t>
+              <a:t>11/18/21</a:t>
             </a:fld>
             <a:endParaRPr lang="en-US"/>
           </a:p>
@@ -3039,7 +3040,7 @@
             <a:fld id="{2FF1B124-70E3-4E4A-90E2-6B55DB7659B3}" type="datetime1">
               <a:rPr lang="en-US" smtClean="0"/>
               <a:pPr/>
-              <a:t>11/9/21</a:t>
+              <a:t>11/18/21</a:t>
             </a:fld>
             <a:endParaRPr lang="en-US"/>
           </a:p>
@@ -3317,7 +3318,7 @@
             <a:fld id="{4EBF4C98-3CD6-4C87-BD40-5718C2628835}" type="datetime1">
               <a:rPr lang="en-US" smtClean="0"/>
               <a:pPr/>
-              <a:t>11/9/21</a:t>
+              <a:t>11/18/21</a:t>
             </a:fld>
             <a:endParaRPr lang="en-US"/>
           </a:p>
@@ -3725,7 +3726,7 @@
             <a:fld id="{6D6408A8-6B1B-4CDA-875E-7BEECDBA31DF}" type="datetime1">
               <a:rPr lang="en-US" smtClean="0"/>
               <a:pPr/>
-              <a:t>11/9/21</a:t>
+              <a:t>11/18/21</a:t>
             </a:fld>
             <a:endParaRPr lang="en-US"/>
           </a:p>
@@ -4063,7 +4064,7 @@
             <a:fld id="{C55AAF07-D2F5-4B3C-B443-40DE8C337A77}" type="datetime1">
               <a:rPr lang="en-US" smtClean="0"/>
               <a:pPr/>
-              <a:t>11/9/21</a:t>
+              <a:t>11/18/21</a:t>
             </a:fld>
             <a:endParaRPr lang="en-US"/>
           </a:p>
@@ -6148,6 +6149,199 @@
 </p:sld>
 </file>
 
+<file path=ppt/slides/slide18.xml><?xml version="1.0" encoding="utf-8"?>
+<p:sld xmlns:a="http://schemas.openxmlformats.org/drawingml/2006/main" xmlns:r="http://schemas.openxmlformats.org/officeDocument/2006/relationships" xmlns:p="http://schemas.openxmlformats.org/presentationml/2006/main">
+  <p:cSld>
+    <p:spTree>
+      <p:nvGrpSpPr>
+        <p:cNvPr id="1" name=""/>
+        <p:cNvGrpSpPr/>
+        <p:nvPr/>
+      </p:nvGrpSpPr>
+      <p:grpSpPr>
+        <a:xfrm>
+          <a:off x="0" y="0"/>
+          <a:ext cx="0" cy="0"/>
+          <a:chOff x="0" y="0"/>
+          <a:chExt cx="0" cy="0"/>
+        </a:xfrm>
+      </p:grpSpPr>
+      <p:sp>
+        <p:nvSpPr>
+          <p:cNvPr id="6146" name="Rectangle 2"/>
+          <p:cNvSpPr>
+            <a:spLocks noGrp="1" noChangeArrowheads="1"/>
+          </p:cNvSpPr>
+          <p:nvPr>
+            <p:ph type="title"/>
+            <p:custDataLst>
+              <p:tags r:id="rId1"/>
+            </p:custDataLst>
+          </p:nvPr>
+        </p:nvSpPr>
+        <p:spPr/>
+        <p:txBody>
+          <a:bodyPr/>
+          <a:lstStyle/>
+          <a:p>
+            <a:r>
+              <a:rPr lang="en-US" dirty="0"/>
+              <a:t>Thursday, Nov. 18</a:t>
+            </a:r>
+          </a:p>
+        </p:txBody>
+      </p:sp>
+      <p:sp>
+        <p:nvSpPr>
+          <p:cNvPr id="6147" name="Rectangle 3"/>
+          <p:cNvSpPr>
+            <a:spLocks noGrp="1" noChangeArrowheads="1"/>
+          </p:cNvSpPr>
+          <p:nvPr>
+            <p:ph sz="quarter" idx="1"/>
+            <p:custDataLst>
+              <p:tags r:id="rId2"/>
+            </p:custDataLst>
+          </p:nvPr>
+        </p:nvSpPr>
+        <p:spPr>
+          <a:xfrm>
+            <a:off x="381000" y="1371600"/>
+            <a:ext cx="8458200" cy="5105400"/>
+          </a:xfrm>
+        </p:spPr>
+        <p:txBody>
+          <a:bodyPr>
+            <a:normAutofit lnSpcReduction="10000"/>
+          </a:bodyPr>
+          <a:lstStyle/>
+          <a:p>
+            <a:r>
+              <a:rPr lang="en-US" dirty="0"/>
+              <a:t>Mod 6-8 Quizzes are done.</a:t>
+            </a:r>
+          </a:p>
+          <a:p>
+            <a:pPr lvl="1"/>
+            <a:r>
+              <a:rPr lang="en-US" dirty="0"/>
+              <a:t>How’d they go? A little harder than last time I think?</a:t>
+            </a:r>
+          </a:p>
+          <a:p>
+            <a:pPr lvl="1"/>
+            <a:r>
+              <a:rPr lang="en-US" dirty="0"/>
+              <a:t>You all actually did quite well (medians 86%, 83%, 53%)</a:t>
+            </a:r>
+          </a:p>
+          <a:p>
+            <a:pPr lvl="2"/>
+            <a:r>
+              <a:rPr lang="en-US" dirty="0"/>
+              <a:t>That last one is low due to a lot of blank quizzes. </a:t>
+            </a:r>
+          </a:p>
+          <a:p>
+            <a:r>
+              <a:rPr lang="en-US" dirty="0"/>
+              <a:t>Homework updates:</a:t>
+            </a:r>
+          </a:p>
+          <a:p>
+            <a:pPr lvl="1"/>
+            <a:r>
+              <a:rPr lang="en-US" dirty="0"/>
+              <a:t>M9 Released. M10 released (but no </a:t>
+            </a:r>
+            <a:r>
+              <a:rPr lang="en-US" dirty="0" err="1"/>
+              <a:t>Gradescope</a:t>
+            </a:r>
+            <a:r>
+              <a:rPr lang="en-US" dirty="0"/>
+              <a:t> yet)</a:t>
+            </a:r>
+          </a:p>
+          <a:p>
+            <a:pPr lvl="1"/>
+            <a:r>
+              <a:rPr lang="en-US" dirty="0"/>
+              <a:t>M8 due this week (Tuesday or Today)</a:t>
+            </a:r>
+          </a:p>
+          <a:p>
+            <a:pPr lvl="1"/>
+            <a:r>
+              <a:rPr lang="en-US" dirty="0"/>
+              <a:t>M9 due next Tuesday (or over break if you want)</a:t>
+            </a:r>
+          </a:p>
+          <a:p>
+            <a:pPr lvl="1"/>
+            <a:r>
+              <a:rPr lang="en-US" dirty="0"/>
+              <a:t>M10 due week after break</a:t>
+            </a:r>
+          </a:p>
+          <a:p>
+            <a:r>
+              <a:rPr lang="en-US" dirty="0"/>
+              <a:t>Modules 1-7 are ALL passed the recommended due date</a:t>
+            </a:r>
+          </a:p>
+          <a:p>
+            <a:pPr lvl="1"/>
+            <a:r>
+              <a:rPr lang="en-US" dirty="0"/>
+              <a:t>There is 2 weeks until the homework deadline!!!!</a:t>
+            </a:r>
+          </a:p>
+          <a:p>
+            <a:r>
+              <a:rPr lang="en-US" dirty="0"/>
+              <a:t>Today we begin module 10 on Reductions!!</a:t>
+            </a:r>
+          </a:p>
+        </p:txBody>
+      </p:sp>
+      <p:sp>
+        <p:nvSpPr>
+          <p:cNvPr id="4" name="Slide Number Placeholder 3"/>
+          <p:cNvSpPr>
+            <a:spLocks noGrp="1"/>
+          </p:cNvSpPr>
+          <p:nvPr>
+            <p:ph type="sldNum" sz="quarter" idx="12"/>
+          </p:nvPr>
+        </p:nvSpPr>
+        <p:spPr/>
+        <p:txBody>
+          <a:bodyPr/>
+          <a:lstStyle/>
+          <a:p>
+            <a:fld id="{F26D9103-0C5C-48AC-B68E-3ED2C1647047}" type="slidenum">
+              <a:rPr lang="en-US" smtClean="0"/>
+              <a:pPr/>
+              <a:t>18</a:t>
+            </a:fld>
+            <a:endParaRPr lang="en-US" dirty="0"/>
+          </a:p>
+        </p:txBody>
+      </p:sp>
+    </p:spTree>
+    <p:extLst>
+      <p:ext uri="{BB962C8B-B14F-4D97-AF65-F5344CB8AC3E}">
+        <p14:creationId xmlns:p14="http://schemas.microsoft.com/office/powerpoint/2010/main" val="784071872"/>
+      </p:ext>
+    </p:extLst>
+  </p:cSld>
+  <p:clrMapOvr>
+    <a:masterClrMapping/>
+  </p:clrMapOvr>
+</p:sld>
+</file>
+
 <file path=ppt/slides/slide2.xml><?xml version="1.0" encoding="utf-8"?>
 <p:sld xmlns:a="http://schemas.openxmlformats.org/drawingml/2006/main" xmlns:r="http://schemas.openxmlformats.org/officeDocument/2006/relationships" xmlns:p="http://schemas.openxmlformats.org/presentationml/2006/main">
   <p:cSld>
@@ -7625,6 +7819,18 @@
 </file>
 
 <file path=ppt/tags/tag31.xml><?xml version="1.0" encoding="utf-8"?>
+<p:tagLst xmlns:a="http://schemas.openxmlformats.org/drawingml/2006/main" xmlns:r="http://schemas.openxmlformats.org/officeDocument/2006/relationships" xmlns:p="http://schemas.openxmlformats.org/presentationml/2006/main">
+  <p:tag name="_INSTRUCTOR VIEW19C14C36-AC8E-43BC-9DB6-C2AAF774C7DC|PANE__TAG" val="_"/>
+</p:tagLst>
+</file>
+
+<file path=ppt/tags/tag32.xml><?xml version="1.0" encoding="utf-8"?>
+<p:tagLst xmlns:a="http://schemas.openxmlformats.org/drawingml/2006/main" xmlns:r="http://schemas.openxmlformats.org/officeDocument/2006/relationships" xmlns:p="http://schemas.openxmlformats.org/presentationml/2006/main">
+  <p:tag name="_INSTRUCTOR VIEW19C14C36-AC8E-43BC-9DB6-C2AAF774C7DC|PANE__TAG" val="_"/>
+</p:tagLst>
+</file>
+
+<file path=ppt/tags/tag33.xml><?xml version="1.0" encoding="utf-8"?>
 <p:tagLst xmlns:a="http://schemas.openxmlformats.org/drawingml/2006/main" xmlns:r="http://schemas.openxmlformats.org/officeDocument/2006/relationships" xmlns:p="http://schemas.openxmlformats.org/presentationml/2006/main">
   <p:tag name="_INSTRUCTOR VIEW19C14C36-AC8E-43BC-9DB6-C2AAF774C7DC|PANE__TAG" val="_"/>
 </p:tagLst>

--- a/slides/dailyannouncements_mf.pptx
+++ b/slides/dailyannouncements_mf.pptx
@@ -5,10 +5,10 @@
     <p:sldMasterId id="2147483728" r:id="rId1"/>
   </p:sldMasterIdLst>
   <p:notesMasterIdLst>
-    <p:notesMasterId r:id="rId20"/>
+    <p:notesMasterId r:id="rId21"/>
   </p:notesMasterIdLst>
   <p:handoutMasterIdLst>
-    <p:handoutMasterId r:id="rId21"/>
+    <p:handoutMasterId r:id="rId22"/>
   </p:handoutMasterIdLst>
   <p:sldIdLst>
     <p:sldId id="447" r:id="rId2"/>
@@ -29,11 +29,12 @@
     <p:sldId id="497" r:id="rId17"/>
     <p:sldId id="498" r:id="rId18"/>
     <p:sldId id="499" r:id="rId19"/>
+    <p:sldId id="500" r:id="rId20"/>
   </p:sldIdLst>
   <p:sldSz cx="9144000" cy="6858000" type="screen4x3"/>
   <p:notesSz cx="7315200" cy="9601200"/>
   <p:custDataLst>
-    <p:tags r:id="rId22"/>
+    <p:tags r:id="rId23"/>
   </p:custDataLst>
   <p:defaultTextStyle>
     <a:defPPr>
@@ -1033,7 +1034,7 @@
             <a:fld id="{E4886CB5-510A-4EF6-9466-BC7A8F0DDE87}" type="datetime1">
               <a:rPr lang="en-US" smtClean="0"/>
               <a:pPr/>
-              <a:t>11/18/21</a:t>
+              <a:t>11/30/21</a:t>
             </a:fld>
             <a:endParaRPr lang="en-US"/>
           </a:p>
@@ -1393,7 +1394,7 @@
             <a:fld id="{9B297853-24B4-4D05-83E4-0AD2E86C55E5}" type="datetime1">
               <a:rPr lang="en-US" smtClean="0"/>
               <a:pPr/>
-              <a:t>11/18/21</a:t>
+              <a:t>11/30/21</a:t>
             </a:fld>
             <a:endParaRPr lang="en-US"/>
           </a:p>
@@ -1569,7 +1570,7 @@
             <a:fld id="{01FCDD9E-5768-4705-9537-0C020B1BB310}" type="datetime1">
               <a:rPr lang="en-US" smtClean="0"/>
               <a:pPr/>
-              <a:t>11/18/21</a:t>
+              <a:t>11/30/21</a:t>
             </a:fld>
             <a:endParaRPr lang="en-US"/>
           </a:p>
@@ -1805,7 +1806,7 @@
             <a:fld id="{4257C27E-59C2-41CA-9776-94955CBEE440}" type="datetime1">
               <a:rPr lang="en-US" smtClean="0"/>
               <a:pPr/>
-              <a:t>11/18/21</a:t>
+              <a:t>11/30/21</a:t>
             </a:fld>
             <a:endParaRPr lang="en-US"/>
           </a:p>
@@ -2091,7 +2092,7 @@
             <a:fld id="{03180747-A137-49C6-9C74-AB7EE86F4904}" type="datetime1">
               <a:rPr lang="en-US" smtClean="0"/>
               <a:pPr/>
-              <a:t>11/18/21</a:t>
+              <a:t>11/30/21</a:t>
             </a:fld>
             <a:endParaRPr lang="en-US"/>
           </a:p>
@@ -2312,7 +2313,7 @@
             <a:fld id="{EBBA31D9-ADC1-480D-86A8-1EAFB6A86A35}" type="datetime1">
               <a:rPr lang="en-US" smtClean="0"/>
               <a:pPr/>
-              <a:t>11/18/21</a:t>
+              <a:t>11/30/21</a:t>
             </a:fld>
             <a:endParaRPr lang="en-US"/>
           </a:p>
@@ -2665,7 +2666,7 @@
             <a:fld id="{80AAE9AE-3B2F-4DEA-8C41-BDDF4CDF6F40}" type="datetime1">
               <a:rPr lang="en-US" smtClean="0"/>
               <a:pPr/>
-              <a:t>11/18/21</a:t>
+              <a:t>11/30/21</a:t>
             </a:fld>
             <a:endParaRPr lang="en-US"/>
           </a:p>
@@ -2898,7 +2899,7 @@
             <a:fld id="{48252F7F-E8FE-413B-8521-D4ED924C6DE5}" type="datetime1">
               <a:rPr lang="en-US" smtClean="0"/>
               <a:pPr/>
-              <a:t>11/18/21</a:t>
+              <a:t>11/30/21</a:t>
             </a:fld>
             <a:endParaRPr lang="en-US"/>
           </a:p>
@@ -3040,7 +3041,7 @@
             <a:fld id="{2FF1B124-70E3-4E4A-90E2-6B55DB7659B3}" type="datetime1">
               <a:rPr lang="en-US" smtClean="0"/>
               <a:pPr/>
-              <a:t>11/18/21</a:t>
+              <a:t>11/30/21</a:t>
             </a:fld>
             <a:endParaRPr lang="en-US"/>
           </a:p>
@@ -3318,7 +3319,7 @@
             <a:fld id="{4EBF4C98-3CD6-4C87-BD40-5718C2628835}" type="datetime1">
               <a:rPr lang="en-US" smtClean="0"/>
               <a:pPr/>
-              <a:t>11/18/21</a:t>
+              <a:t>11/30/21</a:t>
             </a:fld>
             <a:endParaRPr lang="en-US"/>
           </a:p>
@@ -3726,7 +3727,7 @@
             <a:fld id="{6D6408A8-6B1B-4CDA-875E-7BEECDBA31DF}" type="datetime1">
               <a:rPr lang="en-US" smtClean="0"/>
               <a:pPr/>
-              <a:t>11/18/21</a:t>
+              <a:t>11/30/21</a:t>
             </a:fld>
             <a:endParaRPr lang="en-US"/>
           </a:p>
@@ -4064,7 +4065,7 @@
             <a:fld id="{C55AAF07-D2F5-4B3C-B443-40DE8C337A77}" type="datetime1">
               <a:rPr lang="en-US" smtClean="0"/>
               <a:pPr/>
-              <a:t>11/18/21</a:t>
+              <a:t>11/30/21</a:t>
             </a:fld>
             <a:endParaRPr lang="en-US"/>
           </a:p>
@@ -6333,6 +6334,273 @@
     <p:extLst>
       <p:ext uri="{BB962C8B-B14F-4D97-AF65-F5344CB8AC3E}">
         <p14:creationId xmlns:p14="http://schemas.microsoft.com/office/powerpoint/2010/main" val="784071872"/>
+      </p:ext>
+    </p:extLst>
+  </p:cSld>
+  <p:clrMapOvr>
+    <a:masterClrMapping/>
+  </p:clrMapOvr>
+</p:sld>
+</file>
+
+<file path=ppt/slides/slide19.xml><?xml version="1.0" encoding="utf-8"?>
+<p:sld xmlns:a="http://schemas.openxmlformats.org/drawingml/2006/main" xmlns:r="http://schemas.openxmlformats.org/officeDocument/2006/relationships" xmlns:p="http://schemas.openxmlformats.org/presentationml/2006/main">
+  <p:cSld>
+    <p:spTree>
+      <p:nvGrpSpPr>
+        <p:cNvPr id="1" name=""/>
+        <p:cNvGrpSpPr/>
+        <p:nvPr/>
+      </p:nvGrpSpPr>
+      <p:grpSpPr>
+        <a:xfrm>
+          <a:off x="0" y="0"/>
+          <a:ext cx="0" cy="0"/>
+          <a:chOff x="0" y="0"/>
+          <a:chExt cx="0" cy="0"/>
+        </a:xfrm>
+      </p:grpSpPr>
+      <p:sp>
+        <p:nvSpPr>
+          <p:cNvPr id="2" name="Title 1">
+            <a:extLst>
+              <a:ext uri="{FF2B5EF4-FFF2-40B4-BE49-F238E27FC236}">
+                <a16:creationId xmlns:a16="http://schemas.microsoft.com/office/drawing/2014/main" id="{A6236176-ED9E-1140-BB1F-01CFA1106CD6}"/>
+              </a:ext>
+            </a:extLst>
+          </p:cNvPr>
+          <p:cNvSpPr>
+            <a:spLocks noGrp="1"/>
+          </p:cNvSpPr>
+          <p:nvPr>
+            <p:ph type="title"/>
+          </p:nvPr>
+        </p:nvSpPr>
+        <p:spPr/>
+        <p:txBody>
+          <a:bodyPr/>
+          <a:lstStyle/>
+          <a:p>
+            <a:r>
+              <a:rPr lang="en-US" dirty="0"/>
+              <a:t>Tuesday, Nov. 30</a:t>
+            </a:r>
+          </a:p>
+        </p:txBody>
+      </p:sp>
+      <p:sp>
+        <p:nvSpPr>
+          <p:cNvPr id="3" name="Slide Number Placeholder 2">
+            <a:extLst>
+              <a:ext uri="{FF2B5EF4-FFF2-40B4-BE49-F238E27FC236}">
+                <a16:creationId xmlns:a16="http://schemas.microsoft.com/office/drawing/2014/main" id="{35663156-E7FA-2E4D-829D-B71962B029D9}"/>
+              </a:ext>
+            </a:extLst>
+          </p:cNvPr>
+          <p:cNvSpPr>
+            <a:spLocks noGrp="1"/>
+          </p:cNvSpPr>
+          <p:nvPr>
+            <p:ph type="sldNum" sz="quarter" idx="12"/>
+          </p:nvPr>
+        </p:nvSpPr>
+        <p:spPr/>
+        <p:txBody>
+          <a:bodyPr/>
+          <a:lstStyle/>
+          <a:p>
+            <a:fld id="{F26D9103-0C5C-48AC-B68E-3ED2C1647047}" type="slidenum">
+              <a:rPr lang="en-US" smtClean="0"/>
+              <a:pPr/>
+              <a:t>19</a:t>
+            </a:fld>
+            <a:endParaRPr lang="en-US"/>
+          </a:p>
+        </p:txBody>
+      </p:sp>
+      <p:sp>
+        <p:nvSpPr>
+          <p:cNvPr id="4" name="Content Placeholder 3">
+            <a:extLst>
+              <a:ext uri="{FF2B5EF4-FFF2-40B4-BE49-F238E27FC236}">
+                <a16:creationId xmlns:a16="http://schemas.microsoft.com/office/drawing/2014/main" id="{9C61322C-EB43-814C-A068-EF963BCE0251}"/>
+              </a:ext>
+            </a:extLst>
+          </p:cNvPr>
+          <p:cNvSpPr>
+            <a:spLocks noGrp="1"/>
+          </p:cNvSpPr>
+          <p:nvPr>
+            <p:ph sz="quarter" idx="1"/>
+          </p:nvPr>
+        </p:nvSpPr>
+        <p:spPr/>
+        <p:txBody>
+          <a:bodyPr>
+            <a:normAutofit fontScale="92500" lnSpcReduction="10000"/>
+          </a:bodyPr>
+          <a:lstStyle/>
+          <a:p>
+            <a:r>
+              <a:rPr lang="en-US" b="1" dirty="0">
+                <a:latin typeface="Arial" panose="020B0604020202020204" pitchFamily="34" charset="0"/>
+                <a:cs typeface="Arial" panose="020B0604020202020204" pitchFamily="34" charset="0"/>
+              </a:rPr>
+              <a:t>Today: </a:t>
+            </a:r>
+            <a:r>
+              <a:rPr lang="en-US" dirty="0">
+                <a:latin typeface="Arial" panose="020B0604020202020204" pitchFamily="34" charset="0"/>
+                <a:cs typeface="Arial" panose="020B0604020202020204" pitchFamily="34" charset="0"/>
+              </a:rPr>
+              <a:t>Last “lecture”:  NP Completeness, final words, quiz topics, etc.</a:t>
+            </a:r>
+          </a:p>
+          <a:p>
+            <a:r>
+              <a:rPr lang="en-US" b="1" dirty="0">
+                <a:latin typeface="Arial" panose="020B0604020202020204" pitchFamily="34" charset="0"/>
+                <a:cs typeface="Arial" panose="020B0604020202020204" pitchFamily="34" charset="0"/>
+              </a:rPr>
+              <a:t>Thur., 12/2</a:t>
+            </a:r>
+            <a:r>
+              <a:rPr lang="en-US" dirty="0">
+                <a:latin typeface="Arial" panose="020B0604020202020204" pitchFamily="34" charset="0"/>
+                <a:cs typeface="Arial" panose="020B0604020202020204" pitchFamily="34" charset="0"/>
+              </a:rPr>
+              <a:t>.  2nd attempt on quizzes for Mods 6, 7 and 8.</a:t>
+            </a:r>
+          </a:p>
+          <a:p>
+            <a:r>
+              <a:rPr lang="en-US" b="1" dirty="0">
+                <a:latin typeface="Arial" panose="020B0604020202020204" pitchFamily="34" charset="0"/>
+                <a:cs typeface="Arial" panose="020B0604020202020204" pitchFamily="34" charset="0"/>
+              </a:rPr>
+              <a:t>Tues., 12/7. </a:t>
+            </a:r>
+            <a:r>
+              <a:rPr lang="en-US" dirty="0">
+                <a:latin typeface="Arial" panose="020B0604020202020204" pitchFamily="34" charset="0"/>
+                <a:cs typeface="Arial" panose="020B0604020202020204" pitchFamily="34" charset="0"/>
+              </a:rPr>
+              <a:t>First attempt on quizzes for Mods  9 and 10</a:t>
+            </a:r>
+          </a:p>
+          <a:p>
+            <a:pPr lvl="1"/>
+            <a:r>
+              <a:rPr lang="en-US" dirty="0">
+                <a:latin typeface="Arial" panose="020B0604020202020204" pitchFamily="34" charset="0"/>
+                <a:cs typeface="Arial" panose="020B0604020202020204" pitchFamily="34" charset="0"/>
+              </a:rPr>
+              <a:t>Topics now posted – see Schedule page for 12/7</a:t>
+            </a:r>
+          </a:p>
+          <a:p>
+            <a:r>
+              <a:rPr lang="en-US" b="1" dirty="0">
+                <a:latin typeface="Arial" panose="020B0604020202020204" pitchFamily="34" charset="0"/>
+                <a:cs typeface="Arial" panose="020B0604020202020204" pitchFamily="34" charset="0"/>
+              </a:rPr>
+              <a:t>Tues., 12/14, 7:00-10:00 PM:</a:t>
+            </a:r>
+            <a:r>
+              <a:rPr lang="en-US" dirty="0">
+                <a:latin typeface="Arial" panose="020B0604020202020204" pitchFamily="34" charset="0"/>
+                <a:cs typeface="Arial" panose="020B0604020202020204" pitchFamily="34" charset="0"/>
+              </a:rPr>
+              <a:t>  Final attempt on any quiz</a:t>
+            </a:r>
+          </a:p>
+          <a:p>
+            <a:pPr lvl="1"/>
+            <a:r>
+              <a:rPr lang="en-US" dirty="0">
+                <a:latin typeface="Arial" panose="020B0604020202020204" pitchFamily="34" charset="0"/>
+                <a:cs typeface="Arial" panose="020B0604020202020204" pitchFamily="34" charset="0"/>
+              </a:rPr>
+              <a:t>Horton's section will be in Clark 107</a:t>
+            </a:r>
+          </a:p>
+          <a:p>
+            <a:pPr lvl="1"/>
+            <a:r>
+              <a:rPr lang="en-US" dirty="0" err="1">
+                <a:latin typeface="Arial" panose="020B0604020202020204" pitchFamily="34" charset="0"/>
+                <a:cs typeface="Arial" panose="020B0604020202020204" pitchFamily="34" charset="0"/>
+              </a:rPr>
+              <a:t>Floryan's</a:t>
+            </a:r>
+            <a:r>
+              <a:rPr lang="en-US" dirty="0">
+                <a:latin typeface="Arial" panose="020B0604020202020204" pitchFamily="34" charset="0"/>
+                <a:cs typeface="Arial" panose="020B0604020202020204" pitchFamily="34" charset="0"/>
+              </a:rPr>
+              <a:t> section will be in Clark 108</a:t>
+            </a:r>
+          </a:p>
+          <a:p>
+            <a:pPr lvl="1"/>
+            <a:r>
+              <a:rPr lang="en-US" dirty="0">
+                <a:latin typeface="Arial" panose="020B0604020202020204" pitchFamily="34" charset="0"/>
+                <a:cs typeface="Arial" panose="020B0604020202020204" pitchFamily="34" charset="0"/>
+              </a:rPr>
+              <a:t>We will post old quizzes before</a:t>
+            </a:r>
+          </a:p>
+          <a:p>
+            <a:r>
+              <a:rPr lang="en-US" dirty="0">
+                <a:latin typeface="Arial" panose="020B0604020202020204" pitchFamily="34" charset="0"/>
+                <a:cs typeface="Arial" panose="020B0604020202020204" pitchFamily="34" charset="0"/>
+              </a:rPr>
+              <a:t>Issues, special accommodations?  Email instructor(s).</a:t>
+            </a:r>
+          </a:p>
+          <a:p>
+            <a:r>
+              <a:rPr lang="en-US" dirty="0">
+                <a:latin typeface="Arial" panose="020B0604020202020204" pitchFamily="34" charset="0"/>
+                <a:cs typeface="Arial" panose="020B0604020202020204" pitchFamily="34" charset="0"/>
+              </a:rPr>
+              <a:t>HW deadline for Mods 7, 8 &amp; 10: </a:t>
+            </a:r>
+            <a:r>
+              <a:rPr lang="en-US" b="1" dirty="0">
+                <a:latin typeface="Arial" panose="020B0604020202020204" pitchFamily="34" charset="0"/>
+                <a:cs typeface="Arial" panose="020B0604020202020204" pitchFamily="34" charset="0"/>
+              </a:rPr>
+              <a:t>Tue., 12/7, 11:59 PM</a:t>
+            </a:r>
+          </a:p>
+          <a:p>
+            <a:r>
+              <a:rPr lang="en-US" dirty="0">
+                <a:latin typeface="Arial" panose="020B0604020202020204" pitchFamily="34" charset="0"/>
+                <a:cs typeface="Arial" panose="020B0604020202020204" pitchFamily="34" charset="0"/>
+              </a:rPr>
+              <a:t>HW deadline for all others:  </a:t>
+            </a:r>
+            <a:r>
+              <a:rPr lang="en-US" b="1" dirty="0">
+                <a:latin typeface="Arial" panose="020B0604020202020204" pitchFamily="34" charset="0"/>
+                <a:cs typeface="Arial" panose="020B0604020202020204" pitchFamily="34" charset="0"/>
+              </a:rPr>
+              <a:t>Sun., 12/5, 12:00 noon</a:t>
+            </a:r>
+          </a:p>
+          <a:p>
+            <a:endParaRPr lang="en-US" dirty="0"/>
+          </a:p>
+        </p:txBody>
+      </p:sp>
+    </p:spTree>
+    <p:extLst>
+      <p:ext uri="{BB962C8B-B14F-4D97-AF65-F5344CB8AC3E}">
+        <p14:creationId xmlns:p14="http://schemas.microsoft.com/office/powerpoint/2010/main" val="249432407"/>
       </p:ext>
     </p:extLst>
   </p:cSld>

--- a/slides/dailyannouncements_mf.pptx
+++ b/slides/dailyannouncements_mf.pptx
@@ -5,10 +5,10 @@
     <p:sldMasterId id="2147483728" r:id="rId1"/>
   </p:sldMasterIdLst>
   <p:notesMasterIdLst>
-    <p:notesMasterId r:id="rId20"/>
+    <p:notesMasterId r:id="rId21"/>
   </p:notesMasterIdLst>
   <p:handoutMasterIdLst>
-    <p:handoutMasterId r:id="rId21"/>
+    <p:handoutMasterId r:id="rId22"/>
   </p:handoutMasterIdLst>
   <p:sldIdLst>
     <p:sldId id="447" r:id="rId2"/>
@@ -29,11 +29,12 @@
     <p:sldId id="497" r:id="rId17"/>
     <p:sldId id="498" r:id="rId18"/>
     <p:sldId id="499" r:id="rId19"/>
+    <p:sldId id="500" r:id="rId20"/>
   </p:sldIdLst>
   <p:sldSz cx="9144000" cy="6858000" type="screen4x3"/>
   <p:notesSz cx="7315200" cy="9601200"/>
   <p:custDataLst>
-    <p:tags r:id="rId22"/>
+    <p:tags r:id="rId23"/>
   </p:custDataLst>
   <p:defaultTextStyle>
     <a:defPPr>
@@ -1033,7 +1034,7 @@
             <a:fld id="{E4886CB5-510A-4EF6-9466-BC7A8F0DDE87}" type="datetime1">
               <a:rPr lang="en-US" smtClean="0"/>
               <a:pPr/>
-              <a:t>11/18/21</a:t>
+              <a:t>11/30/21</a:t>
             </a:fld>
             <a:endParaRPr lang="en-US"/>
           </a:p>
@@ -1393,7 +1394,7 @@
             <a:fld id="{9B297853-24B4-4D05-83E4-0AD2E86C55E5}" type="datetime1">
               <a:rPr lang="en-US" smtClean="0"/>
               <a:pPr/>
-              <a:t>11/18/21</a:t>
+              <a:t>11/30/21</a:t>
             </a:fld>
             <a:endParaRPr lang="en-US"/>
           </a:p>
@@ -1569,7 +1570,7 @@
             <a:fld id="{01FCDD9E-5768-4705-9537-0C020B1BB310}" type="datetime1">
               <a:rPr lang="en-US" smtClean="0"/>
               <a:pPr/>
-              <a:t>11/18/21</a:t>
+              <a:t>11/30/21</a:t>
             </a:fld>
             <a:endParaRPr lang="en-US"/>
           </a:p>
@@ -1805,7 +1806,7 @@
             <a:fld id="{4257C27E-59C2-41CA-9776-94955CBEE440}" type="datetime1">
               <a:rPr lang="en-US" smtClean="0"/>
               <a:pPr/>
-              <a:t>11/18/21</a:t>
+              <a:t>11/30/21</a:t>
             </a:fld>
             <a:endParaRPr lang="en-US"/>
           </a:p>
@@ -2091,7 +2092,7 @@
             <a:fld id="{03180747-A137-49C6-9C74-AB7EE86F4904}" type="datetime1">
               <a:rPr lang="en-US" smtClean="0"/>
               <a:pPr/>
-              <a:t>11/18/21</a:t>
+              <a:t>11/30/21</a:t>
             </a:fld>
             <a:endParaRPr lang="en-US"/>
           </a:p>
@@ -2312,7 +2313,7 @@
             <a:fld id="{EBBA31D9-ADC1-480D-86A8-1EAFB6A86A35}" type="datetime1">
               <a:rPr lang="en-US" smtClean="0"/>
               <a:pPr/>
-              <a:t>11/18/21</a:t>
+              <a:t>11/30/21</a:t>
             </a:fld>
             <a:endParaRPr lang="en-US"/>
           </a:p>
@@ -2665,7 +2666,7 @@
             <a:fld id="{80AAE9AE-3B2F-4DEA-8C41-BDDF4CDF6F40}" type="datetime1">
               <a:rPr lang="en-US" smtClean="0"/>
               <a:pPr/>
-              <a:t>11/18/21</a:t>
+              <a:t>11/30/21</a:t>
             </a:fld>
             <a:endParaRPr lang="en-US"/>
           </a:p>
@@ -2898,7 +2899,7 @@
             <a:fld id="{48252F7F-E8FE-413B-8521-D4ED924C6DE5}" type="datetime1">
               <a:rPr lang="en-US" smtClean="0"/>
               <a:pPr/>
-              <a:t>11/18/21</a:t>
+              <a:t>11/30/21</a:t>
             </a:fld>
             <a:endParaRPr lang="en-US"/>
           </a:p>
@@ -3040,7 +3041,7 @@
             <a:fld id="{2FF1B124-70E3-4E4A-90E2-6B55DB7659B3}" type="datetime1">
               <a:rPr lang="en-US" smtClean="0"/>
               <a:pPr/>
-              <a:t>11/18/21</a:t>
+              <a:t>11/30/21</a:t>
             </a:fld>
             <a:endParaRPr lang="en-US"/>
           </a:p>
@@ -3318,7 +3319,7 @@
             <a:fld id="{4EBF4C98-3CD6-4C87-BD40-5718C2628835}" type="datetime1">
               <a:rPr lang="en-US" smtClean="0"/>
               <a:pPr/>
-              <a:t>11/18/21</a:t>
+              <a:t>11/30/21</a:t>
             </a:fld>
             <a:endParaRPr lang="en-US"/>
           </a:p>
@@ -3726,7 +3727,7 @@
             <a:fld id="{6D6408A8-6B1B-4CDA-875E-7BEECDBA31DF}" type="datetime1">
               <a:rPr lang="en-US" smtClean="0"/>
               <a:pPr/>
-              <a:t>11/18/21</a:t>
+              <a:t>11/30/21</a:t>
             </a:fld>
             <a:endParaRPr lang="en-US"/>
           </a:p>
@@ -4064,7 +4065,7 @@
             <a:fld id="{C55AAF07-D2F5-4B3C-B443-40DE8C337A77}" type="datetime1">
               <a:rPr lang="en-US" smtClean="0"/>
               <a:pPr/>
-              <a:t>11/18/21</a:t>
+              <a:t>11/30/21</a:t>
             </a:fld>
             <a:endParaRPr lang="en-US"/>
           </a:p>
@@ -6342,6 +6343,196 @@
 </p:sld>
 </file>
 
+<file path=ppt/slides/slide19.xml><?xml version="1.0" encoding="utf-8"?>
+<p:sld xmlns:a="http://schemas.openxmlformats.org/drawingml/2006/main" xmlns:r="http://schemas.openxmlformats.org/officeDocument/2006/relationships" xmlns:p="http://schemas.openxmlformats.org/presentationml/2006/main">
+  <p:cSld>
+    <p:spTree>
+      <p:nvGrpSpPr>
+        <p:cNvPr id="1" name=""/>
+        <p:cNvGrpSpPr/>
+        <p:nvPr/>
+      </p:nvGrpSpPr>
+      <p:grpSpPr>
+        <a:xfrm>
+          <a:off x="0" y="0"/>
+          <a:ext cx="0" cy="0"/>
+          <a:chOff x="0" y="0"/>
+          <a:chExt cx="0" cy="0"/>
+        </a:xfrm>
+      </p:grpSpPr>
+      <p:sp>
+        <p:nvSpPr>
+          <p:cNvPr id="6146" name="Rectangle 2"/>
+          <p:cNvSpPr>
+            <a:spLocks noGrp="1" noChangeArrowheads="1"/>
+          </p:cNvSpPr>
+          <p:nvPr>
+            <p:ph type="title"/>
+            <p:custDataLst>
+              <p:tags r:id="rId1"/>
+            </p:custDataLst>
+          </p:nvPr>
+        </p:nvSpPr>
+        <p:spPr/>
+        <p:txBody>
+          <a:bodyPr/>
+          <a:lstStyle/>
+          <a:p>
+            <a:r>
+              <a:rPr lang="en-US" dirty="0"/>
+              <a:t>Tuesday, Nov. 30</a:t>
+            </a:r>
+          </a:p>
+        </p:txBody>
+      </p:sp>
+      <p:sp>
+        <p:nvSpPr>
+          <p:cNvPr id="6147" name="Rectangle 3"/>
+          <p:cNvSpPr>
+            <a:spLocks noGrp="1" noChangeArrowheads="1"/>
+          </p:cNvSpPr>
+          <p:nvPr>
+            <p:ph sz="quarter" idx="1"/>
+            <p:custDataLst>
+              <p:tags r:id="rId2"/>
+            </p:custDataLst>
+          </p:nvPr>
+        </p:nvSpPr>
+        <p:spPr>
+          <a:xfrm>
+            <a:off x="381000" y="1371600"/>
+            <a:ext cx="8458200" cy="5105400"/>
+          </a:xfrm>
+        </p:spPr>
+        <p:txBody>
+          <a:bodyPr>
+            <a:normAutofit fontScale="92500" lnSpcReduction="10000"/>
+          </a:bodyPr>
+          <a:lstStyle/>
+          <a:p>
+            <a:r>
+              <a:rPr lang="en-US" dirty="0"/>
+              <a:t>More Quizzes coming up!</a:t>
+            </a:r>
+          </a:p>
+          <a:p>
+            <a:pPr lvl="1"/>
+            <a:r>
+              <a:rPr lang="en-US" dirty="0"/>
+              <a:t>Mod 6-8 retakes are on Thursday</a:t>
+            </a:r>
+          </a:p>
+          <a:p>
+            <a:pPr lvl="1"/>
+            <a:r>
+              <a:rPr lang="en-US" dirty="0"/>
+              <a:t>Mod 9-10 attempt 1 next Tuesday </a:t>
+            </a:r>
+          </a:p>
+          <a:p>
+            <a:r>
+              <a:rPr lang="en-US" dirty="0"/>
+              <a:t>Homework updates:</a:t>
+            </a:r>
+          </a:p>
+          <a:p>
+            <a:pPr lvl="1"/>
+            <a:r>
+              <a:rPr lang="en-US" dirty="0"/>
+              <a:t>All homework ready to go on </a:t>
+            </a:r>
+            <a:r>
+              <a:rPr lang="en-US" dirty="0" err="1"/>
+              <a:t>Gradescope</a:t>
+            </a:r>
+            <a:endParaRPr lang="en-US" dirty="0"/>
+          </a:p>
+          <a:p>
+            <a:pPr lvl="1"/>
+            <a:r>
+              <a:rPr lang="en-US" dirty="0"/>
+              <a:t>M10 “due” this week.</a:t>
+            </a:r>
+          </a:p>
+          <a:p>
+            <a:pPr lvl="1"/>
+            <a:r>
+              <a:rPr lang="en-US" dirty="0"/>
+              <a:t>All homework extended to Sun. at noon. </a:t>
+            </a:r>
+          </a:p>
+          <a:p>
+            <a:pPr lvl="2"/>
+            <a:r>
+              <a:rPr lang="en-US" dirty="0"/>
+              <a:t>Except: Modules 7,8,10 extended to last day of classes.</a:t>
+            </a:r>
+          </a:p>
+          <a:p>
+            <a:r>
+              <a:rPr lang="en-US" dirty="0"/>
+              <a:t>Final Exam!</a:t>
+            </a:r>
+          </a:p>
+          <a:p>
+            <a:pPr lvl="1"/>
+            <a:r>
+              <a:rPr lang="en-US" dirty="0"/>
+              <a:t>Tuesday Dec. 14 from 7-10pm</a:t>
+            </a:r>
+          </a:p>
+          <a:p>
+            <a:pPr lvl="1"/>
+            <a:r>
+              <a:rPr lang="en-US" dirty="0"/>
+              <a:t>Final attempt at all quizzes.</a:t>
+            </a:r>
+          </a:p>
+          <a:p>
+            <a:r>
+              <a:rPr lang="en-US" dirty="0"/>
+              <a:t>Today we will look at reductions for NP-Complete problems and review if you want.</a:t>
+            </a:r>
+          </a:p>
+        </p:txBody>
+      </p:sp>
+      <p:sp>
+        <p:nvSpPr>
+          <p:cNvPr id="4" name="Slide Number Placeholder 3"/>
+          <p:cNvSpPr>
+            <a:spLocks noGrp="1"/>
+          </p:cNvSpPr>
+          <p:nvPr>
+            <p:ph type="sldNum" sz="quarter" idx="12"/>
+          </p:nvPr>
+        </p:nvSpPr>
+        <p:spPr/>
+        <p:txBody>
+          <a:bodyPr/>
+          <a:lstStyle/>
+          <a:p>
+            <a:fld id="{F26D9103-0C5C-48AC-B68E-3ED2C1647047}" type="slidenum">
+              <a:rPr lang="en-US" smtClean="0"/>
+              <a:pPr/>
+              <a:t>19</a:t>
+            </a:fld>
+            <a:endParaRPr lang="en-US" dirty="0"/>
+          </a:p>
+        </p:txBody>
+      </p:sp>
+    </p:spTree>
+    <p:extLst>
+      <p:ext uri="{BB962C8B-B14F-4D97-AF65-F5344CB8AC3E}">
+        <p14:creationId xmlns:p14="http://schemas.microsoft.com/office/powerpoint/2010/main" val="362624164"/>
+      </p:ext>
+    </p:extLst>
+  </p:cSld>
+  <p:clrMapOvr>
+    <a:masterClrMapping/>
+  </p:clrMapOvr>
+</p:sld>
+</file>
+
 <file path=ppt/slides/slide2.xml><?xml version="1.0" encoding="utf-8"?>
 <p:sld xmlns:a="http://schemas.openxmlformats.org/drawingml/2006/main" xmlns:r="http://schemas.openxmlformats.org/officeDocument/2006/relationships" xmlns:p="http://schemas.openxmlformats.org/presentationml/2006/main">
   <p:cSld>
@@ -7831,6 +8022,18 @@
 </file>
 
 <file path=ppt/tags/tag33.xml><?xml version="1.0" encoding="utf-8"?>
+<p:tagLst xmlns:a="http://schemas.openxmlformats.org/drawingml/2006/main" xmlns:r="http://schemas.openxmlformats.org/officeDocument/2006/relationships" xmlns:p="http://schemas.openxmlformats.org/presentationml/2006/main">
+  <p:tag name="_INSTRUCTOR VIEW19C14C36-AC8E-43BC-9DB6-C2AAF774C7DC|PANE__TAG" val="_"/>
+</p:tagLst>
+</file>
+
+<file path=ppt/tags/tag34.xml><?xml version="1.0" encoding="utf-8"?>
+<p:tagLst xmlns:a="http://schemas.openxmlformats.org/drawingml/2006/main" xmlns:r="http://schemas.openxmlformats.org/officeDocument/2006/relationships" xmlns:p="http://schemas.openxmlformats.org/presentationml/2006/main">
+  <p:tag name="_INSTRUCTOR VIEW19C14C36-AC8E-43BC-9DB6-C2AAF774C7DC|PANE__TAG" val="_"/>
+</p:tagLst>
+</file>
+
+<file path=ppt/tags/tag35.xml><?xml version="1.0" encoding="utf-8"?>
 <p:tagLst xmlns:a="http://schemas.openxmlformats.org/drawingml/2006/main" xmlns:r="http://schemas.openxmlformats.org/officeDocument/2006/relationships" xmlns:p="http://schemas.openxmlformats.org/presentationml/2006/main">
   <p:tag name="_INSTRUCTOR VIEW19C14C36-AC8E-43BC-9DB6-C2AAF774C7DC|PANE__TAG" val="_"/>
 </p:tagLst>
